--- a/論文/卒研用図.pptx
+++ b/論文/卒研用図.pptx
@@ -279,7 +279,7 @@
           <a:p>
             <a:fld id="{2E64B005-9ADF-4C42-8867-5D8E615D9A9C}" type="datetimeFigureOut">
               <a:rPr kumimoji="1" lang="ja-JP" altLang="en-US" smtClean="0"/>
-              <a:t>2021/1/12</a:t>
+              <a:t>2021/1/13</a:t>
             </a:fld>
             <a:endParaRPr kumimoji="1" lang="ja-JP" altLang="en-US"/>
           </a:p>
@@ -509,7 +509,7 @@
           <a:p>
             <a:fld id="{2E64B005-9ADF-4C42-8867-5D8E615D9A9C}" type="datetimeFigureOut">
               <a:rPr kumimoji="1" lang="ja-JP" altLang="en-US" smtClean="0"/>
-              <a:t>2021/1/12</a:t>
+              <a:t>2021/1/13</a:t>
             </a:fld>
             <a:endParaRPr kumimoji="1" lang="ja-JP" altLang="en-US"/>
           </a:p>
@@ -749,7 +749,7 @@
           <a:p>
             <a:fld id="{2E64B005-9ADF-4C42-8867-5D8E615D9A9C}" type="datetimeFigureOut">
               <a:rPr kumimoji="1" lang="ja-JP" altLang="en-US" smtClean="0"/>
-              <a:t>2021/1/12</a:t>
+              <a:t>2021/1/13</a:t>
             </a:fld>
             <a:endParaRPr kumimoji="1" lang="ja-JP" altLang="en-US"/>
           </a:p>
@@ -979,7 +979,7 @@
           <a:p>
             <a:fld id="{2E64B005-9ADF-4C42-8867-5D8E615D9A9C}" type="datetimeFigureOut">
               <a:rPr kumimoji="1" lang="ja-JP" altLang="en-US" smtClean="0"/>
-              <a:t>2021/1/12</a:t>
+              <a:t>2021/1/13</a:t>
             </a:fld>
             <a:endParaRPr kumimoji="1" lang="ja-JP" altLang="en-US"/>
           </a:p>
@@ -1254,7 +1254,7 @@
           <a:p>
             <a:fld id="{2E64B005-9ADF-4C42-8867-5D8E615D9A9C}" type="datetimeFigureOut">
               <a:rPr kumimoji="1" lang="ja-JP" altLang="en-US" smtClean="0"/>
-              <a:t>2021/1/12</a:t>
+              <a:t>2021/1/13</a:t>
             </a:fld>
             <a:endParaRPr kumimoji="1" lang="ja-JP" altLang="en-US"/>
           </a:p>
@@ -1583,7 +1583,7 @@
           <a:p>
             <a:fld id="{2E64B005-9ADF-4C42-8867-5D8E615D9A9C}" type="datetimeFigureOut">
               <a:rPr kumimoji="1" lang="ja-JP" altLang="en-US" smtClean="0"/>
-              <a:t>2021/1/12</a:t>
+              <a:t>2021/1/13</a:t>
             </a:fld>
             <a:endParaRPr kumimoji="1" lang="ja-JP" altLang="en-US"/>
           </a:p>
@@ -2059,7 +2059,7 @@
           <a:p>
             <a:fld id="{2E64B005-9ADF-4C42-8867-5D8E615D9A9C}" type="datetimeFigureOut">
               <a:rPr kumimoji="1" lang="ja-JP" altLang="en-US" smtClean="0"/>
-              <a:t>2021/1/12</a:t>
+              <a:t>2021/1/13</a:t>
             </a:fld>
             <a:endParaRPr kumimoji="1" lang="ja-JP" altLang="en-US"/>
           </a:p>
@@ -2200,7 +2200,7 @@
           <a:p>
             <a:fld id="{2E64B005-9ADF-4C42-8867-5D8E615D9A9C}" type="datetimeFigureOut">
               <a:rPr kumimoji="1" lang="ja-JP" altLang="en-US" smtClean="0"/>
-              <a:t>2021/1/12</a:t>
+              <a:t>2021/1/13</a:t>
             </a:fld>
             <a:endParaRPr kumimoji="1" lang="ja-JP" altLang="en-US"/>
           </a:p>
@@ -2313,7 +2313,7 @@
           <a:p>
             <a:fld id="{2E64B005-9ADF-4C42-8867-5D8E615D9A9C}" type="datetimeFigureOut">
               <a:rPr kumimoji="1" lang="ja-JP" altLang="en-US" smtClean="0"/>
-              <a:t>2021/1/12</a:t>
+              <a:t>2021/1/13</a:t>
             </a:fld>
             <a:endParaRPr kumimoji="1" lang="ja-JP" altLang="en-US"/>
           </a:p>
@@ -2656,7 +2656,7 @@
           <a:p>
             <a:fld id="{2E64B005-9ADF-4C42-8867-5D8E615D9A9C}" type="datetimeFigureOut">
               <a:rPr kumimoji="1" lang="ja-JP" altLang="en-US" smtClean="0"/>
-              <a:t>2021/1/12</a:t>
+              <a:t>2021/1/13</a:t>
             </a:fld>
             <a:endParaRPr kumimoji="1" lang="ja-JP" altLang="en-US"/>
           </a:p>
@@ -2944,7 +2944,7 @@
           <a:p>
             <a:fld id="{2E64B005-9ADF-4C42-8867-5D8E615D9A9C}" type="datetimeFigureOut">
               <a:rPr kumimoji="1" lang="ja-JP" altLang="en-US" smtClean="0"/>
-              <a:t>2021/1/12</a:t>
+              <a:t>2021/1/13</a:t>
             </a:fld>
             <a:endParaRPr kumimoji="1" lang="ja-JP" altLang="en-US"/>
           </a:p>
@@ -3217,7 +3217,7 @@
           <a:p>
             <a:fld id="{2E64B005-9ADF-4C42-8867-5D8E615D9A9C}" type="datetimeFigureOut">
               <a:rPr kumimoji="1" lang="ja-JP" altLang="en-US" smtClean="0"/>
-              <a:t>2021/1/12</a:t>
+              <a:t>2021/1/13</a:t>
             </a:fld>
             <a:endParaRPr kumimoji="1" lang="ja-JP" altLang="en-US"/>
           </a:p>
@@ -5765,6 +5765,110 @@
           </a:prstGeom>
         </p:spPr>
       </p:pic>
+      <p:sp>
+        <p:nvSpPr>
+          <p:cNvPr id="2" name="矢印: 下 1">
+            <a:extLst>
+              <a:ext uri="{FF2B5EF4-FFF2-40B4-BE49-F238E27FC236}">
+                <a16:creationId xmlns:a16="http://schemas.microsoft.com/office/drawing/2014/main" id="{03A64237-5618-4F84-984D-7FB854096D6C}"/>
+              </a:ext>
+            </a:extLst>
+          </p:cNvPr>
+          <p:cNvSpPr/>
+          <p:nvPr/>
+        </p:nvSpPr>
+        <p:spPr>
+          <a:xfrm>
+            <a:off x="3888556" y="933253"/>
+            <a:ext cx="386499" cy="584462"/>
+          </a:xfrm>
+          <a:prstGeom prst="downArrow">
+            <a:avLst/>
+          </a:prstGeom>
+          <a:solidFill>
+            <a:srgbClr val="FF0000"/>
+          </a:solidFill>
+          <a:ln>
+            <a:noFill/>
+          </a:ln>
+        </p:spPr>
+        <p:style>
+          <a:lnRef idx="2">
+            <a:schemeClr val="accent1">
+              <a:shade val="50000"/>
+            </a:schemeClr>
+          </a:lnRef>
+          <a:fillRef idx="1">
+            <a:schemeClr val="accent1"/>
+          </a:fillRef>
+          <a:effectRef idx="0">
+            <a:schemeClr val="accent1"/>
+          </a:effectRef>
+          <a:fontRef idx="minor">
+            <a:schemeClr val="lt1"/>
+          </a:fontRef>
+        </p:style>
+        <p:txBody>
+          <a:bodyPr rtlCol="0" anchor="ctr"/>
+          <a:lstStyle/>
+          <a:p>
+            <a:pPr algn="ctr"/>
+            <a:endParaRPr kumimoji="1" lang="ja-JP" altLang="en-US"/>
+          </a:p>
+        </p:txBody>
+      </p:sp>
+      <p:sp>
+        <p:nvSpPr>
+          <p:cNvPr id="4" name="矢印: 下 3">
+            <a:extLst>
+              <a:ext uri="{FF2B5EF4-FFF2-40B4-BE49-F238E27FC236}">
+                <a16:creationId xmlns:a16="http://schemas.microsoft.com/office/drawing/2014/main" id="{7194CEF7-7406-4751-8B5C-951BCB1107DA}"/>
+              </a:ext>
+            </a:extLst>
+          </p:cNvPr>
+          <p:cNvSpPr/>
+          <p:nvPr/>
+        </p:nvSpPr>
+        <p:spPr>
+          <a:xfrm>
+            <a:off x="7019826" y="1745530"/>
+            <a:ext cx="386499" cy="584462"/>
+          </a:xfrm>
+          <a:prstGeom prst="downArrow">
+            <a:avLst/>
+          </a:prstGeom>
+          <a:solidFill>
+            <a:srgbClr val="FF0000"/>
+          </a:solidFill>
+          <a:ln>
+            <a:noFill/>
+          </a:ln>
+        </p:spPr>
+        <p:style>
+          <a:lnRef idx="2">
+            <a:schemeClr val="accent1">
+              <a:shade val="50000"/>
+            </a:schemeClr>
+          </a:lnRef>
+          <a:fillRef idx="1">
+            <a:schemeClr val="accent1"/>
+          </a:fillRef>
+          <a:effectRef idx="0">
+            <a:schemeClr val="accent1"/>
+          </a:effectRef>
+          <a:fontRef idx="minor">
+            <a:schemeClr val="lt1"/>
+          </a:fontRef>
+        </p:style>
+        <p:txBody>
+          <a:bodyPr rtlCol="0" anchor="ctr"/>
+          <a:lstStyle/>
+          <a:p>
+            <a:pPr algn="ctr"/>
+            <a:endParaRPr kumimoji="1" lang="ja-JP" altLang="en-US"/>
+          </a:p>
+        </p:txBody>
+      </p:sp>
     </p:spTree>
     <p:extLst>
       <p:ext uri="{BB962C8B-B14F-4D97-AF65-F5344CB8AC3E}">
@@ -5877,7 +5981,7 @@
         </p:blipFill>
         <p:spPr>
           <a:xfrm>
-            <a:off x="6037" y="136356"/>
+            <a:off x="6037" y="89222"/>
             <a:ext cx="12179926" cy="6585288"/>
           </a:xfrm>
           <a:prstGeom prst="rect">

--- a/論文/卒研用図.pptx
+++ b/論文/卒研用図.pptx
@@ -14,6 +14,9 @@
     <p:sldId id="262" r:id="rId8"/>
     <p:sldId id="263" r:id="rId9"/>
     <p:sldId id="264" r:id="rId10"/>
+    <p:sldId id="266" r:id="rId11"/>
+    <p:sldId id="265" r:id="rId12"/>
+    <p:sldId id="267" r:id="rId13"/>
   </p:sldIdLst>
   <p:sldSz cx="12192000" cy="6858000"/>
   <p:notesSz cx="6858000" cy="9144000"/>
@@ -3688,6 +3691,2851 @@
     <p:extLst>
       <p:ext uri="{BB962C8B-B14F-4D97-AF65-F5344CB8AC3E}">
         <p14:creationId xmlns:p14="http://schemas.microsoft.com/office/powerpoint/2010/main" val="4064045354"/>
+      </p:ext>
+    </p:extLst>
+  </p:cSld>
+  <p:clrMapOvr>
+    <a:masterClrMapping/>
+  </p:clrMapOvr>
+</p:sld>
+</file>
+
+<file path=ppt/slides/slide10.xml><?xml version="1.0" encoding="utf-8"?>
+<p:sld xmlns:a="http://schemas.openxmlformats.org/drawingml/2006/main" xmlns:r="http://schemas.openxmlformats.org/officeDocument/2006/relationships" xmlns:p="http://schemas.openxmlformats.org/presentationml/2006/main">
+  <p:cSld>
+    <p:spTree>
+      <p:nvGrpSpPr>
+        <p:cNvPr id="1" name=""/>
+        <p:cNvGrpSpPr/>
+        <p:nvPr/>
+      </p:nvGrpSpPr>
+      <p:grpSpPr>
+        <a:xfrm>
+          <a:off x="0" y="0"/>
+          <a:ext cx="0" cy="0"/>
+          <a:chOff x="0" y="0"/>
+          <a:chExt cx="0" cy="0"/>
+        </a:xfrm>
+      </p:grpSpPr>
+      <p:sp>
+        <p:nvSpPr>
+          <p:cNvPr id="4" name="正方形/長方形 3">
+            <a:extLst>
+              <a:ext uri="{FF2B5EF4-FFF2-40B4-BE49-F238E27FC236}">
+                <a16:creationId xmlns:a16="http://schemas.microsoft.com/office/drawing/2014/main" id="{981B9F8C-2168-43BF-A9EF-E9377332F1F4}"/>
+              </a:ext>
+            </a:extLst>
+          </p:cNvPr>
+          <p:cNvSpPr/>
+          <p:nvPr/>
+        </p:nvSpPr>
+        <p:spPr>
+          <a:xfrm>
+            <a:off x="1594701" y="822488"/>
+            <a:ext cx="8388284" cy="5213023"/>
+          </a:xfrm>
+          <a:prstGeom prst="rect">
+            <a:avLst/>
+          </a:prstGeom>
+        </p:spPr>
+        <p:style>
+          <a:lnRef idx="2">
+            <a:schemeClr val="accent1">
+              <a:shade val="50000"/>
+            </a:schemeClr>
+          </a:lnRef>
+          <a:fillRef idx="1">
+            <a:schemeClr val="accent1"/>
+          </a:fillRef>
+          <a:effectRef idx="0">
+            <a:schemeClr val="accent1"/>
+          </a:effectRef>
+          <a:fontRef idx="minor">
+            <a:schemeClr val="lt1"/>
+          </a:fontRef>
+        </p:style>
+        <p:txBody>
+          <a:bodyPr rtlCol="0" anchor="ctr"/>
+          <a:lstStyle/>
+          <a:p>
+            <a:pPr algn="ctr"/>
+            <a:r>
+              <a:rPr kumimoji="1" lang="ja-JP" altLang="en-US" sz="3200" dirty="0"/>
+              <a:t>ゲームプレイ画面一例</a:t>
+            </a:r>
+            <a:endParaRPr kumimoji="1" lang="en-US" altLang="ja-JP" dirty="0"/>
+          </a:p>
+        </p:txBody>
+      </p:sp>
+    </p:spTree>
+    <p:extLst>
+      <p:ext uri="{BB962C8B-B14F-4D97-AF65-F5344CB8AC3E}">
+        <p14:creationId xmlns:p14="http://schemas.microsoft.com/office/powerpoint/2010/main" val="4115488905"/>
+      </p:ext>
+    </p:extLst>
+  </p:cSld>
+  <p:clrMapOvr>
+    <a:masterClrMapping/>
+  </p:clrMapOvr>
+</p:sld>
+</file>
+
+<file path=ppt/slides/slide11.xml><?xml version="1.0" encoding="utf-8"?>
+<p:sld xmlns:a="http://schemas.openxmlformats.org/drawingml/2006/main" xmlns:r="http://schemas.openxmlformats.org/officeDocument/2006/relationships" xmlns:p="http://schemas.openxmlformats.org/presentationml/2006/main">
+  <p:cSld>
+    <p:spTree>
+      <p:nvGrpSpPr>
+        <p:cNvPr id="1" name=""/>
+        <p:cNvGrpSpPr/>
+        <p:nvPr/>
+      </p:nvGrpSpPr>
+      <p:grpSpPr>
+        <a:xfrm>
+          <a:off x="0" y="0"/>
+          <a:ext cx="0" cy="0"/>
+          <a:chOff x="0" y="0"/>
+          <a:chExt cx="0" cy="0"/>
+        </a:xfrm>
+      </p:grpSpPr>
+      <p:sp>
+        <p:nvSpPr>
+          <p:cNvPr id="4" name="四角形: 角を丸くする 3">
+            <a:extLst>
+              <a:ext uri="{FF2B5EF4-FFF2-40B4-BE49-F238E27FC236}">
+                <a16:creationId xmlns:a16="http://schemas.microsoft.com/office/drawing/2014/main" id="{F6F28439-03B5-4040-BE14-F3F5D457A8E1}"/>
+              </a:ext>
+            </a:extLst>
+          </p:cNvPr>
+          <p:cNvSpPr/>
+          <p:nvPr/>
+        </p:nvSpPr>
+        <p:spPr>
+          <a:xfrm>
+            <a:off x="804420" y="2422688"/>
+            <a:ext cx="5709502" cy="3714161"/>
+          </a:xfrm>
+          <a:prstGeom prst="roundRect">
+            <a:avLst/>
+          </a:prstGeom>
+          <a:noFill/>
+          <a:ln w="38100">
+            <a:solidFill>
+              <a:schemeClr val="accent1"/>
+            </a:solidFill>
+          </a:ln>
+        </p:spPr>
+        <p:style>
+          <a:lnRef idx="2">
+            <a:schemeClr val="accent1">
+              <a:shade val="50000"/>
+            </a:schemeClr>
+          </a:lnRef>
+          <a:fillRef idx="1">
+            <a:schemeClr val="accent1"/>
+          </a:fillRef>
+          <a:effectRef idx="0">
+            <a:schemeClr val="accent1"/>
+          </a:effectRef>
+          <a:fontRef idx="minor">
+            <a:schemeClr val="lt1"/>
+          </a:fontRef>
+        </p:style>
+        <p:txBody>
+          <a:bodyPr rtlCol="0" anchor="ctr"/>
+          <a:lstStyle/>
+          <a:p>
+            <a:pPr algn="ctr"/>
+            <a:endParaRPr kumimoji="1" lang="ja-JP" altLang="en-US"/>
+          </a:p>
+        </p:txBody>
+      </p:sp>
+      <p:sp>
+        <p:nvSpPr>
+          <p:cNvPr id="5" name="テキスト ボックス 4">
+            <a:extLst>
+              <a:ext uri="{FF2B5EF4-FFF2-40B4-BE49-F238E27FC236}">
+                <a16:creationId xmlns:a16="http://schemas.microsoft.com/office/drawing/2014/main" id="{3B2089B2-8254-4A30-A459-36009A7B79A3}"/>
+              </a:ext>
+            </a:extLst>
+          </p:cNvPr>
+          <p:cNvSpPr txBox="1"/>
+          <p:nvPr/>
+        </p:nvSpPr>
+        <p:spPr>
+          <a:xfrm>
+            <a:off x="2443112" y="1557851"/>
+            <a:ext cx="2432115" cy="1077218"/>
+          </a:xfrm>
+          <a:prstGeom prst="rect">
+            <a:avLst/>
+          </a:prstGeom>
+          <a:solidFill>
+            <a:schemeClr val="bg1"/>
+          </a:solidFill>
+          <a:ln w="38100">
+            <a:solidFill>
+              <a:schemeClr val="accent1"/>
+            </a:solidFill>
+          </a:ln>
+        </p:spPr>
+        <p:txBody>
+          <a:bodyPr wrap="square" rtlCol="0">
+            <a:spAutoFit/>
+          </a:bodyPr>
+          <a:lstStyle/>
+          <a:p>
+            <a:pPr algn="ctr"/>
+            <a:r>
+              <a:rPr kumimoji="1" lang="en-US" altLang="ja-JP" sz="3600" dirty="0" err="1"/>
+              <a:t>IObject</a:t>
+            </a:r>
+            <a:endParaRPr kumimoji="1" lang="en-US" altLang="ja-JP" sz="4000" dirty="0"/>
+          </a:p>
+          <a:p>
+            <a:pPr algn="ctr"/>
+            <a:r>
+              <a:rPr kumimoji="1" lang="en-US" altLang="ja-JP" sz="2800" dirty="0"/>
+              <a:t>interface</a:t>
+            </a:r>
+            <a:endParaRPr kumimoji="1" lang="ja-JP" altLang="en-US" sz="2400" dirty="0"/>
+          </a:p>
+        </p:txBody>
+      </p:sp>
+      <p:sp>
+        <p:nvSpPr>
+          <p:cNvPr id="6" name="四角形: 角を丸くする 5">
+            <a:extLst>
+              <a:ext uri="{FF2B5EF4-FFF2-40B4-BE49-F238E27FC236}">
+                <a16:creationId xmlns:a16="http://schemas.microsoft.com/office/drawing/2014/main" id="{BD20851A-EE29-48EF-9562-D382D5C5EA8B}"/>
+              </a:ext>
+            </a:extLst>
+          </p:cNvPr>
+          <p:cNvSpPr/>
+          <p:nvPr/>
+        </p:nvSpPr>
+        <p:spPr>
+          <a:xfrm>
+            <a:off x="2570374" y="2694399"/>
+            <a:ext cx="2177592" cy="1494149"/>
+          </a:xfrm>
+          <a:prstGeom prst="roundRect">
+            <a:avLst/>
+          </a:prstGeom>
+          <a:noFill/>
+          <a:ln w="38100">
+            <a:solidFill>
+              <a:schemeClr val="accent5">
+                <a:lumMod val="60000"/>
+                <a:lumOff val="40000"/>
+              </a:schemeClr>
+            </a:solidFill>
+          </a:ln>
+        </p:spPr>
+        <p:style>
+          <a:lnRef idx="2">
+            <a:schemeClr val="accent1">
+              <a:shade val="50000"/>
+            </a:schemeClr>
+          </a:lnRef>
+          <a:fillRef idx="1">
+            <a:schemeClr val="accent1"/>
+          </a:fillRef>
+          <a:effectRef idx="0">
+            <a:schemeClr val="accent1"/>
+          </a:effectRef>
+          <a:fontRef idx="minor">
+            <a:schemeClr val="lt1"/>
+          </a:fontRef>
+        </p:style>
+        <p:txBody>
+          <a:bodyPr rtlCol="0" anchor="ctr"/>
+          <a:lstStyle/>
+          <a:p>
+            <a:pPr algn="ctr"/>
+            <a:r>
+              <a:rPr lang="en-US" altLang="ja-JP" sz="4400" dirty="0">
+                <a:solidFill>
+                  <a:schemeClr val="tx1"/>
+                </a:solidFill>
+              </a:rPr>
+              <a:t>Card</a:t>
+            </a:r>
+            <a:endParaRPr lang="en-US" altLang="ja-JP" sz="3600" dirty="0">
+              <a:solidFill>
+                <a:schemeClr val="tx1"/>
+              </a:solidFill>
+            </a:endParaRPr>
+          </a:p>
+          <a:p>
+            <a:pPr algn="ctr"/>
+            <a:r>
+              <a:rPr lang="en-US" altLang="ja-JP" sz="2800" dirty="0">
+                <a:solidFill>
+                  <a:schemeClr val="tx1"/>
+                </a:solidFill>
+              </a:rPr>
+              <a:t>Class</a:t>
+            </a:r>
+            <a:endParaRPr kumimoji="1" lang="ja-JP" altLang="en-US" sz="2000" dirty="0">
+              <a:solidFill>
+                <a:schemeClr val="tx1"/>
+              </a:solidFill>
+            </a:endParaRPr>
+          </a:p>
+        </p:txBody>
+      </p:sp>
+      <p:sp>
+        <p:nvSpPr>
+          <p:cNvPr id="12" name="四角形: 角を丸くする 11">
+            <a:extLst>
+              <a:ext uri="{FF2B5EF4-FFF2-40B4-BE49-F238E27FC236}">
+                <a16:creationId xmlns:a16="http://schemas.microsoft.com/office/drawing/2014/main" id="{C98EE1E6-DB25-45C6-9B13-852E6A70DE58}"/>
+              </a:ext>
+            </a:extLst>
+          </p:cNvPr>
+          <p:cNvSpPr/>
+          <p:nvPr/>
+        </p:nvSpPr>
+        <p:spPr>
+          <a:xfrm>
+            <a:off x="1272618" y="4436062"/>
+            <a:ext cx="2177592" cy="1494149"/>
+          </a:xfrm>
+          <a:prstGeom prst="roundRect">
+            <a:avLst/>
+          </a:prstGeom>
+          <a:noFill/>
+          <a:ln w="38100">
+            <a:solidFill>
+              <a:schemeClr val="accent5">
+                <a:lumMod val="60000"/>
+                <a:lumOff val="40000"/>
+              </a:schemeClr>
+            </a:solidFill>
+          </a:ln>
+        </p:spPr>
+        <p:style>
+          <a:lnRef idx="2">
+            <a:schemeClr val="accent1">
+              <a:shade val="50000"/>
+            </a:schemeClr>
+          </a:lnRef>
+          <a:fillRef idx="1">
+            <a:schemeClr val="accent1"/>
+          </a:fillRef>
+          <a:effectRef idx="0">
+            <a:schemeClr val="accent1"/>
+          </a:effectRef>
+          <a:fontRef idx="minor">
+            <a:schemeClr val="lt1"/>
+          </a:fontRef>
+        </p:style>
+        <p:txBody>
+          <a:bodyPr rtlCol="0" anchor="ctr"/>
+          <a:lstStyle/>
+          <a:p>
+            <a:pPr algn="ctr"/>
+            <a:r>
+              <a:rPr lang="en-US" altLang="ja-JP" sz="4400" dirty="0">
+                <a:solidFill>
+                  <a:schemeClr val="tx1"/>
+                </a:solidFill>
+              </a:rPr>
+              <a:t>Piece</a:t>
+            </a:r>
+            <a:endParaRPr lang="en-US" altLang="ja-JP" sz="3600" dirty="0">
+              <a:solidFill>
+                <a:schemeClr val="tx1"/>
+              </a:solidFill>
+            </a:endParaRPr>
+          </a:p>
+          <a:p>
+            <a:pPr algn="ctr"/>
+            <a:r>
+              <a:rPr lang="en-US" altLang="ja-JP" sz="2800" dirty="0">
+                <a:solidFill>
+                  <a:schemeClr val="tx1"/>
+                </a:solidFill>
+              </a:rPr>
+              <a:t>Class</a:t>
+            </a:r>
+            <a:endParaRPr kumimoji="1" lang="ja-JP" altLang="en-US" sz="1800" dirty="0">
+              <a:solidFill>
+                <a:schemeClr val="tx1"/>
+              </a:solidFill>
+            </a:endParaRPr>
+          </a:p>
+        </p:txBody>
+      </p:sp>
+      <p:sp>
+        <p:nvSpPr>
+          <p:cNvPr id="13" name="四角形: 角を丸くする 12">
+            <a:extLst>
+              <a:ext uri="{FF2B5EF4-FFF2-40B4-BE49-F238E27FC236}">
+                <a16:creationId xmlns:a16="http://schemas.microsoft.com/office/drawing/2014/main" id="{F7195406-1CF9-455F-816A-252E3A04A492}"/>
+              </a:ext>
+            </a:extLst>
+          </p:cNvPr>
+          <p:cNvSpPr/>
+          <p:nvPr/>
+        </p:nvSpPr>
+        <p:spPr>
+          <a:xfrm>
+            <a:off x="3918408" y="4460259"/>
+            <a:ext cx="2177592" cy="1494149"/>
+          </a:xfrm>
+          <a:prstGeom prst="roundRect">
+            <a:avLst/>
+          </a:prstGeom>
+          <a:noFill/>
+          <a:ln w="38100">
+            <a:solidFill>
+              <a:schemeClr val="accent5">
+                <a:lumMod val="60000"/>
+                <a:lumOff val="40000"/>
+              </a:schemeClr>
+            </a:solidFill>
+          </a:ln>
+        </p:spPr>
+        <p:style>
+          <a:lnRef idx="2">
+            <a:schemeClr val="accent1">
+              <a:shade val="50000"/>
+            </a:schemeClr>
+          </a:lnRef>
+          <a:fillRef idx="1">
+            <a:schemeClr val="accent1"/>
+          </a:fillRef>
+          <a:effectRef idx="0">
+            <a:schemeClr val="accent1"/>
+          </a:effectRef>
+          <a:fontRef idx="minor">
+            <a:schemeClr val="lt1"/>
+          </a:fontRef>
+        </p:style>
+        <p:txBody>
+          <a:bodyPr rtlCol="0" anchor="ctr"/>
+          <a:lstStyle/>
+          <a:p>
+            <a:pPr algn="ctr"/>
+            <a:r>
+              <a:rPr kumimoji="1" lang="en-US" altLang="ja-JP" sz="4400" dirty="0">
+                <a:solidFill>
+                  <a:schemeClr val="tx1"/>
+                </a:solidFill>
+              </a:rPr>
+              <a:t>Board</a:t>
+            </a:r>
+          </a:p>
+          <a:p>
+            <a:pPr algn="ctr"/>
+            <a:r>
+              <a:rPr lang="en-US" altLang="ja-JP" sz="2800" dirty="0">
+                <a:solidFill>
+                  <a:schemeClr val="tx1"/>
+                </a:solidFill>
+              </a:rPr>
+              <a:t>Class</a:t>
+            </a:r>
+            <a:endParaRPr kumimoji="1" lang="ja-JP" altLang="en-US" sz="3600" dirty="0">
+              <a:solidFill>
+                <a:schemeClr val="tx1"/>
+              </a:solidFill>
+            </a:endParaRPr>
+          </a:p>
+        </p:txBody>
+      </p:sp>
+      <p:sp>
+        <p:nvSpPr>
+          <p:cNvPr id="14" name="四角形: 角を丸くする 13">
+            <a:extLst>
+              <a:ext uri="{FF2B5EF4-FFF2-40B4-BE49-F238E27FC236}">
+                <a16:creationId xmlns:a16="http://schemas.microsoft.com/office/drawing/2014/main" id="{869C40DA-B790-4D35-98B2-C3CC3F549C37}"/>
+              </a:ext>
+            </a:extLst>
+          </p:cNvPr>
+          <p:cNvSpPr/>
+          <p:nvPr/>
+        </p:nvSpPr>
+        <p:spPr>
+          <a:xfrm>
+            <a:off x="7880809" y="4495610"/>
+            <a:ext cx="2177592" cy="1494149"/>
+          </a:xfrm>
+          <a:prstGeom prst="roundRect">
+            <a:avLst/>
+          </a:prstGeom>
+          <a:noFill/>
+          <a:ln w="38100">
+            <a:solidFill>
+              <a:schemeClr val="accent5">
+                <a:lumMod val="60000"/>
+                <a:lumOff val="40000"/>
+              </a:schemeClr>
+            </a:solidFill>
+          </a:ln>
+        </p:spPr>
+        <p:style>
+          <a:lnRef idx="2">
+            <a:schemeClr val="accent1">
+              <a:shade val="50000"/>
+            </a:schemeClr>
+          </a:lnRef>
+          <a:fillRef idx="1">
+            <a:schemeClr val="accent1"/>
+          </a:fillRef>
+          <a:effectRef idx="0">
+            <a:schemeClr val="accent1"/>
+          </a:effectRef>
+          <a:fontRef idx="minor">
+            <a:schemeClr val="lt1"/>
+          </a:fontRef>
+        </p:style>
+        <p:txBody>
+          <a:bodyPr rtlCol="0" anchor="ctr"/>
+          <a:lstStyle/>
+          <a:p>
+            <a:pPr algn="ctr"/>
+            <a:r>
+              <a:rPr kumimoji="1" lang="en-US" altLang="ja-JP" sz="4400" dirty="0">
+                <a:solidFill>
+                  <a:schemeClr val="tx1"/>
+                </a:solidFill>
+              </a:rPr>
+              <a:t>Hand</a:t>
+            </a:r>
+            <a:endParaRPr kumimoji="1" lang="en-US" altLang="ja-JP" sz="3600" dirty="0">
+              <a:solidFill>
+                <a:schemeClr val="tx1"/>
+              </a:solidFill>
+            </a:endParaRPr>
+          </a:p>
+          <a:p>
+            <a:pPr algn="ctr"/>
+            <a:r>
+              <a:rPr lang="en-US" altLang="ja-JP" sz="2800" dirty="0">
+                <a:solidFill>
+                  <a:schemeClr val="tx1"/>
+                </a:solidFill>
+              </a:rPr>
+              <a:t>Class</a:t>
+            </a:r>
+            <a:endParaRPr kumimoji="1" lang="ja-JP" altLang="en-US" sz="1100" dirty="0">
+              <a:solidFill>
+                <a:schemeClr val="tx1"/>
+              </a:solidFill>
+            </a:endParaRPr>
+          </a:p>
+        </p:txBody>
+      </p:sp>
+      <p:sp>
+        <p:nvSpPr>
+          <p:cNvPr id="7" name="矢印: 右 6">
+            <a:extLst>
+              <a:ext uri="{FF2B5EF4-FFF2-40B4-BE49-F238E27FC236}">
+                <a16:creationId xmlns:a16="http://schemas.microsoft.com/office/drawing/2014/main" id="{854D4F7F-8A16-427D-8D85-5BF5E1CCC40E}"/>
+              </a:ext>
+            </a:extLst>
+          </p:cNvPr>
+          <p:cNvSpPr/>
+          <p:nvPr/>
+        </p:nvSpPr>
+        <p:spPr>
+          <a:xfrm flipH="1">
+            <a:off x="6528062" y="4565590"/>
+            <a:ext cx="1338606" cy="1283485"/>
+          </a:xfrm>
+          <a:prstGeom prst="rightArrow">
+            <a:avLst/>
+          </a:prstGeom>
+        </p:spPr>
+        <p:style>
+          <a:lnRef idx="2">
+            <a:schemeClr val="accent1">
+              <a:shade val="50000"/>
+            </a:schemeClr>
+          </a:lnRef>
+          <a:fillRef idx="1">
+            <a:schemeClr val="accent1"/>
+          </a:fillRef>
+          <a:effectRef idx="0">
+            <a:schemeClr val="accent1"/>
+          </a:effectRef>
+          <a:fontRef idx="minor">
+            <a:schemeClr val="lt1"/>
+          </a:fontRef>
+        </p:style>
+        <p:txBody>
+          <a:bodyPr rtlCol="0" anchor="ctr"/>
+          <a:lstStyle/>
+          <a:p>
+            <a:pPr algn="ctr"/>
+            <a:endParaRPr kumimoji="1" lang="ja-JP" altLang="en-US"/>
+          </a:p>
+        </p:txBody>
+      </p:sp>
+      <p:sp>
+        <p:nvSpPr>
+          <p:cNvPr id="15" name="テキスト ボックス 14">
+            <a:extLst>
+              <a:ext uri="{FF2B5EF4-FFF2-40B4-BE49-F238E27FC236}">
+                <a16:creationId xmlns:a16="http://schemas.microsoft.com/office/drawing/2014/main" id="{4248EA39-C430-4F2B-B226-3EACB7CE5F04}"/>
+              </a:ext>
+            </a:extLst>
+          </p:cNvPr>
+          <p:cNvSpPr txBox="1"/>
+          <p:nvPr/>
+        </p:nvSpPr>
+        <p:spPr>
+          <a:xfrm>
+            <a:off x="6670249" y="4888741"/>
+            <a:ext cx="1203489" cy="707886"/>
+          </a:xfrm>
+          <a:prstGeom prst="rect">
+            <a:avLst/>
+          </a:prstGeom>
+          <a:noFill/>
+        </p:spPr>
+        <p:txBody>
+          <a:bodyPr wrap="square" rtlCol="0">
+            <a:spAutoFit/>
+          </a:bodyPr>
+          <a:lstStyle/>
+          <a:p>
+            <a:r>
+              <a:rPr kumimoji="1" lang="ja-JP" altLang="en-US" sz="4000" b="1" dirty="0">
+                <a:solidFill>
+                  <a:schemeClr val="bg1"/>
+                </a:solidFill>
+              </a:rPr>
+              <a:t>操作</a:t>
+            </a:r>
+          </a:p>
+        </p:txBody>
+      </p:sp>
+      <p:sp>
+        <p:nvSpPr>
+          <p:cNvPr id="16" name="矢印: 下 15">
+            <a:extLst>
+              <a:ext uri="{FF2B5EF4-FFF2-40B4-BE49-F238E27FC236}">
+                <a16:creationId xmlns:a16="http://schemas.microsoft.com/office/drawing/2014/main" id="{37CC69EC-968E-4F62-B9B5-1BFE6485373E}"/>
+              </a:ext>
+            </a:extLst>
+          </p:cNvPr>
+          <p:cNvSpPr/>
+          <p:nvPr/>
+        </p:nvSpPr>
+        <p:spPr>
+          <a:xfrm>
+            <a:off x="8243741" y="3146030"/>
+            <a:ext cx="1451728" cy="1351412"/>
+          </a:xfrm>
+          <a:prstGeom prst="downArrow">
+            <a:avLst>
+              <a:gd name="adj1" fmla="val 50000"/>
+              <a:gd name="adj2" fmla="val 37266"/>
+            </a:avLst>
+          </a:prstGeom>
+        </p:spPr>
+        <p:style>
+          <a:lnRef idx="2">
+            <a:schemeClr val="accent1">
+              <a:shade val="50000"/>
+            </a:schemeClr>
+          </a:lnRef>
+          <a:fillRef idx="1">
+            <a:schemeClr val="accent1"/>
+          </a:fillRef>
+          <a:effectRef idx="0">
+            <a:schemeClr val="accent1"/>
+          </a:effectRef>
+          <a:fontRef idx="minor">
+            <a:schemeClr val="lt1"/>
+          </a:fontRef>
+        </p:style>
+        <p:txBody>
+          <a:bodyPr rtlCol="0" anchor="ctr"/>
+          <a:lstStyle/>
+          <a:p>
+            <a:pPr algn="ctr"/>
+            <a:endParaRPr kumimoji="1" lang="ja-JP" altLang="en-US"/>
+          </a:p>
+        </p:txBody>
+      </p:sp>
+      <p:sp>
+        <p:nvSpPr>
+          <p:cNvPr id="20" name="四角形: 角を丸くする 19">
+            <a:extLst>
+              <a:ext uri="{FF2B5EF4-FFF2-40B4-BE49-F238E27FC236}">
+                <a16:creationId xmlns:a16="http://schemas.microsoft.com/office/drawing/2014/main" id="{20F0C2B9-F113-4C1C-951E-021F03A6183B}"/>
+              </a:ext>
+            </a:extLst>
+          </p:cNvPr>
+          <p:cNvSpPr/>
+          <p:nvPr/>
+        </p:nvSpPr>
+        <p:spPr>
+          <a:xfrm>
+            <a:off x="7880809" y="1653713"/>
+            <a:ext cx="2177592" cy="1494149"/>
+          </a:xfrm>
+          <a:prstGeom prst="roundRect">
+            <a:avLst/>
+          </a:prstGeom>
+          <a:noFill/>
+          <a:ln w="38100">
+            <a:solidFill>
+              <a:schemeClr val="accent5">
+                <a:lumMod val="60000"/>
+                <a:lumOff val="40000"/>
+              </a:schemeClr>
+            </a:solidFill>
+          </a:ln>
+        </p:spPr>
+        <p:style>
+          <a:lnRef idx="2">
+            <a:schemeClr val="accent1">
+              <a:shade val="50000"/>
+            </a:schemeClr>
+          </a:lnRef>
+          <a:fillRef idx="1">
+            <a:schemeClr val="accent1"/>
+          </a:fillRef>
+          <a:effectRef idx="0">
+            <a:schemeClr val="accent1"/>
+          </a:effectRef>
+          <a:fontRef idx="minor">
+            <a:schemeClr val="lt1"/>
+          </a:fontRef>
+        </p:style>
+        <p:txBody>
+          <a:bodyPr rtlCol="0" anchor="ctr"/>
+          <a:lstStyle/>
+          <a:p>
+            <a:pPr algn="ctr"/>
+            <a:r>
+              <a:rPr lang="en-US" altLang="ja-JP" sz="4400" dirty="0">
+                <a:solidFill>
+                  <a:schemeClr val="tx1"/>
+                </a:solidFill>
+              </a:rPr>
+              <a:t>Input</a:t>
+            </a:r>
+            <a:endParaRPr kumimoji="1" lang="en-US" altLang="ja-JP" sz="3600" dirty="0">
+              <a:solidFill>
+                <a:schemeClr val="tx1"/>
+              </a:solidFill>
+            </a:endParaRPr>
+          </a:p>
+          <a:p>
+            <a:pPr algn="ctr"/>
+            <a:r>
+              <a:rPr lang="en-US" altLang="ja-JP" sz="2800" dirty="0">
+                <a:solidFill>
+                  <a:schemeClr val="tx1"/>
+                </a:solidFill>
+              </a:rPr>
+              <a:t>Class</a:t>
+            </a:r>
+            <a:endParaRPr kumimoji="1" lang="ja-JP" altLang="en-US" sz="1100" dirty="0">
+              <a:solidFill>
+                <a:schemeClr val="tx1"/>
+              </a:solidFill>
+            </a:endParaRPr>
+          </a:p>
+        </p:txBody>
+      </p:sp>
+      <p:sp>
+        <p:nvSpPr>
+          <p:cNvPr id="21" name="テキスト ボックス 20">
+            <a:extLst>
+              <a:ext uri="{FF2B5EF4-FFF2-40B4-BE49-F238E27FC236}">
+                <a16:creationId xmlns:a16="http://schemas.microsoft.com/office/drawing/2014/main" id="{E3F7CF65-BADE-4132-A43B-FC106AE05EBC}"/>
+              </a:ext>
+            </a:extLst>
+          </p:cNvPr>
+          <p:cNvSpPr txBox="1"/>
+          <p:nvPr/>
+        </p:nvSpPr>
+        <p:spPr>
+          <a:xfrm>
+            <a:off x="6933416" y="3247689"/>
+            <a:ext cx="4072378" cy="646331"/>
+          </a:xfrm>
+          <a:prstGeom prst="rect">
+            <a:avLst/>
+          </a:prstGeom>
+          <a:solidFill>
+            <a:schemeClr val="bg1"/>
+          </a:solidFill>
+          <a:ln w="38100">
+            <a:solidFill>
+              <a:schemeClr val="accent1"/>
+            </a:solidFill>
+          </a:ln>
+        </p:spPr>
+        <p:txBody>
+          <a:bodyPr wrap="square" rtlCol="0">
+            <a:spAutoFit/>
+          </a:bodyPr>
+          <a:lstStyle/>
+          <a:p>
+            <a:r>
+              <a:rPr kumimoji="1" lang="ja-JP" altLang="en-US" sz="3600" dirty="0"/>
+              <a:t>マウスからの入力</a:t>
+            </a:r>
+          </a:p>
+        </p:txBody>
+      </p:sp>
+      <p:sp>
+        <p:nvSpPr>
+          <p:cNvPr id="19" name="フリーフォーム: 図形 18">
+            <a:extLst>
+              <a:ext uri="{FF2B5EF4-FFF2-40B4-BE49-F238E27FC236}">
+                <a16:creationId xmlns:a16="http://schemas.microsoft.com/office/drawing/2014/main" id="{30752D40-10E0-4008-B7E2-79178FDDFD48}"/>
+              </a:ext>
+            </a:extLst>
+          </p:cNvPr>
+          <p:cNvSpPr/>
+          <p:nvPr/>
+        </p:nvSpPr>
+        <p:spPr>
+          <a:xfrm>
+            <a:off x="659876" y="1395167"/>
+            <a:ext cx="9756743" cy="4920792"/>
+          </a:xfrm>
+          <a:custGeom>
+            <a:avLst/>
+            <a:gdLst>
+              <a:gd name="connsiteX0" fmla="*/ 6061435 w 9756743"/>
+              <a:gd name="connsiteY0" fmla="*/ 2837468 h 4920792"/>
+              <a:gd name="connsiteX1" fmla="*/ 9756743 w 9756743"/>
+              <a:gd name="connsiteY1" fmla="*/ 2828041 h 4920792"/>
+              <a:gd name="connsiteX2" fmla="*/ 9728462 w 9756743"/>
+              <a:gd name="connsiteY2" fmla="*/ 4845377 h 4920792"/>
+              <a:gd name="connsiteX3" fmla="*/ 0 w 9756743"/>
+              <a:gd name="connsiteY3" fmla="*/ 4920792 h 4920792"/>
+              <a:gd name="connsiteX4" fmla="*/ 18854 w 9756743"/>
+              <a:gd name="connsiteY4" fmla="*/ 37707 h 4920792"/>
+              <a:gd name="connsiteX5" fmla="*/ 6052009 w 9756743"/>
+              <a:gd name="connsiteY5" fmla="*/ 0 h 4920792"/>
+              <a:gd name="connsiteX6" fmla="*/ 6061435 w 9756743"/>
+              <a:gd name="connsiteY6" fmla="*/ 2837468 h 4920792"/>
+            </a:gdLst>
+            <a:ahLst/>
+            <a:cxnLst>
+              <a:cxn ang="0">
+                <a:pos x="connsiteX0" y="connsiteY0"/>
+              </a:cxn>
+              <a:cxn ang="0">
+                <a:pos x="connsiteX1" y="connsiteY1"/>
+              </a:cxn>
+              <a:cxn ang="0">
+                <a:pos x="connsiteX2" y="connsiteY2"/>
+              </a:cxn>
+              <a:cxn ang="0">
+                <a:pos x="connsiteX3" y="connsiteY3"/>
+              </a:cxn>
+              <a:cxn ang="0">
+                <a:pos x="connsiteX4" y="connsiteY4"/>
+              </a:cxn>
+              <a:cxn ang="0">
+                <a:pos x="connsiteX5" y="connsiteY5"/>
+              </a:cxn>
+              <a:cxn ang="0">
+                <a:pos x="connsiteX6" y="connsiteY6"/>
+              </a:cxn>
+            </a:cxnLst>
+            <a:rect l="l" t="t" r="r" b="b"/>
+            <a:pathLst>
+              <a:path w="9756743" h="4920792">
+                <a:moveTo>
+                  <a:pt x="6061435" y="2837468"/>
+                </a:moveTo>
+                <a:lnTo>
+                  <a:pt x="9756743" y="2828041"/>
+                </a:lnTo>
+                <a:lnTo>
+                  <a:pt x="9728462" y="4845377"/>
+                </a:lnTo>
+                <a:lnTo>
+                  <a:pt x="0" y="4920792"/>
+                </a:lnTo>
+                <a:cubicBezTo>
+                  <a:pt x="6285" y="3293097"/>
+                  <a:pt x="12569" y="1665402"/>
+                  <a:pt x="18854" y="37707"/>
+                </a:cubicBezTo>
+                <a:lnTo>
+                  <a:pt x="6052009" y="0"/>
+                </a:lnTo>
+                <a:lnTo>
+                  <a:pt x="6061435" y="2837468"/>
+                </a:lnTo>
+                <a:close/>
+              </a:path>
+            </a:pathLst>
+          </a:custGeom>
+          <a:noFill/>
+          <a:ln w="38100">
+            <a:solidFill>
+              <a:srgbClr val="FF0000"/>
+            </a:solidFill>
+            <a:prstDash val="dashDot"/>
+            <a:extLst>
+              <a:ext uri="{C807C97D-BFC1-408E-A445-0C87EB9F89A2}">
+                <ask:lineSketchStyleProps xmlns:ask="http://schemas.microsoft.com/office/drawing/2018/sketchyshapes" sd="678125344">
+                  <a:custGeom>
+                    <a:avLst/>
+                    <a:gdLst>
+                      <a:gd name="connsiteX0" fmla="*/ 6061435 w 9756743"/>
+                      <a:gd name="connsiteY0" fmla="*/ 2837468 h 4920792"/>
+                      <a:gd name="connsiteX1" fmla="*/ 6552383 w 9756743"/>
+                      <a:gd name="connsiteY1" fmla="*/ 2836216 h 4920792"/>
+                      <a:gd name="connsiteX2" fmla="*/ 7154190 w 9756743"/>
+                      <a:gd name="connsiteY2" fmla="*/ 2834680 h 4920792"/>
+                      <a:gd name="connsiteX3" fmla="*/ 7682092 w 9756743"/>
+                      <a:gd name="connsiteY3" fmla="*/ 2833334 h 4920792"/>
+                      <a:gd name="connsiteX4" fmla="*/ 8136086 w 9756743"/>
+                      <a:gd name="connsiteY4" fmla="*/ 2832175 h 4920792"/>
+                      <a:gd name="connsiteX5" fmla="*/ 8700941 w 9756743"/>
+                      <a:gd name="connsiteY5" fmla="*/ 2830734 h 4920792"/>
+                      <a:gd name="connsiteX6" fmla="*/ 9302748 w 9756743"/>
+                      <a:gd name="connsiteY6" fmla="*/ 2829199 h 4920792"/>
+                      <a:gd name="connsiteX7" fmla="*/ 9756743 w 9756743"/>
+                      <a:gd name="connsiteY7" fmla="*/ 2828041 h 4920792"/>
+                      <a:gd name="connsiteX8" fmla="*/ 9750521 w 9756743"/>
+                      <a:gd name="connsiteY8" fmla="*/ 3271855 h 4920792"/>
+                      <a:gd name="connsiteX9" fmla="*/ 9743168 w 9756743"/>
+                      <a:gd name="connsiteY9" fmla="*/ 3796362 h 4920792"/>
+                      <a:gd name="connsiteX10" fmla="*/ 9736381 w 9756743"/>
+                      <a:gd name="connsiteY10" fmla="*/ 4280523 h 4920792"/>
+                      <a:gd name="connsiteX11" fmla="*/ 9728462 w 9756743"/>
+                      <a:gd name="connsiteY11" fmla="*/ 4845377 h 4920792"/>
+                      <a:gd name="connsiteX12" fmla="*/ 9156200 w 9756743"/>
+                      <a:gd name="connsiteY12" fmla="*/ 4849813 h 4920792"/>
+                      <a:gd name="connsiteX13" fmla="*/ 8583937 w 9756743"/>
+                      <a:gd name="connsiteY13" fmla="*/ 4854249 h 4920792"/>
+                      <a:gd name="connsiteX14" fmla="*/ 8108959 w 9756743"/>
+                      <a:gd name="connsiteY14" fmla="*/ 4857931 h 4920792"/>
+                      <a:gd name="connsiteX15" fmla="*/ 7731266 w 9756743"/>
+                      <a:gd name="connsiteY15" fmla="*/ 4860859 h 4920792"/>
+                      <a:gd name="connsiteX16" fmla="*/ 7256288 w 9756743"/>
+                      <a:gd name="connsiteY16" fmla="*/ 4864541 h 4920792"/>
+                      <a:gd name="connsiteX17" fmla="*/ 6684026 w 9756743"/>
+                      <a:gd name="connsiteY17" fmla="*/ 4868977 h 4920792"/>
+                      <a:gd name="connsiteX18" fmla="*/ 6209048 w 9756743"/>
+                      <a:gd name="connsiteY18" fmla="*/ 4872659 h 4920792"/>
+                      <a:gd name="connsiteX19" fmla="*/ 5442216 w 9756743"/>
+                      <a:gd name="connsiteY19" fmla="*/ 4878604 h 4920792"/>
+                      <a:gd name="connsiteX20" fmla="*/ 4967238 w 9756743"/>
+                      <a:gd name="connsiteY20" fmla="*/ 4882286 h 4920792"/>
+                      <a:gd name="connsiteX21" fmla="*/ 4686830 w 9756743"/>
+                      <a:gd name="connsiteY21" fmla="*/ 4884460 h 4920792"/>
+                      <a:gd name="connsiteX22" fmla="*/ 4406421 w 9756743"/>
+                      <a:gd name="connsiteY22" fmla="*/ 4886633 h 4920792"/>
+                      <a:gd name="connsiteX23" fmla="*/ 3834159 w 9756743"/>
+                      <a:gd name="connsiteY23" fmla="*/ 4891070 h 4920792"/>
+                      <a:gd name="connsiteX24" fmla="*/ 3261896 w 9756743"/>
+                      <a:gd name="connsiteY24" fmla="*/ 4895506 h 4920792"/>
+                      <a:gd name="connsiteX25" fmla="*/ 2592349 w 9756743"/>
+                      <a:gd name="connsiteY25" fmla="*/ 4900696 h 4920792"/>
+                      <a:gd name="connsiteX26" fmla="*/ 2214656 w 9756743"/>
+                      <a:gd name="connsiteY26" fmla="*/ 4903624 h 4920792"/>
+                      <a:gd name="connsiteX27" fmla="*/ 1739678 w 9756743"/>
+                      <a:gd name="connsiteY27" fmla="*/ 4907306 h 4920792"/>
+                      <a:gd name="connsiteX28" fmla="*/ 1264700 w 9756743"/>
+                      <a:gd name="connsiteY28" fmla="*/ 4910988 h 4920792"/>
+                      <a:gd name="connsiteX29" fmla="*/ 984291 w 9756743"/>
+                      <a:gd name="connsiteY29" fmla="*/ 4913162 h 4920792"/>
+                      <a:gd name="connsiteX30" fmla="*/ 0 w 9756743"/>
+                      <a:gd name="connsiteY30" fmla="*/ 4920792 h 4920792"/>
+                      <a:gd name="connsiteX31" fmla="*/ 18854 w 9756743"/>
+                      <a:gd name="connsiteY31" fmla="*/ 37707 h 4920792"/>
+                      <a:gd name="connsiteX32" fmla="*/ 687986 w 9756743"/>
+                      <a:gd name="connsiteY32" fmla="*/ 33525 h 4920792"/>
+                      <a:gd name="connsiteX33" fmla="*/ 1176123 w 9756743"/>
+                      <a:gd name="connsiteY33" fmla="*/ 30474 h 4920792"/>
+                      <a:gd name="connsiteX34" fmla="*/ 1664260 w 9756743"/>
+                      <a:gd name="connsiteY34" fmla="*/ 27423 h 4920792"/>
+                      <a:gd name="connsiteX35" fmla="*/ 2333392 w 9756743"/>
+                      <a:gd name="connsiteY35" fmla="*/ 23241 h 4920792"/>
+                      <a:gd name="connsiteX36" fmla="*/ 2942192 w 9756743"/>
+                      <a:gd name="connsiteY36" fmla="*/ 19436 h 4920792"/>
+                      <a:gd name="connsiteX37" fmla="*/ 3490660 w 9756743"/>
+                      <a:gd name="connsiteY37" fmla="*/ 16008 h 4920792"/>
+                      <a:gd name="connsiteX38" fmla="*/ 3858134 w 9756743"/>
+                      <a:gd name="connsiteY38" fmla="*/ 13712 h 4920792"/>
+                      <a:gd name="connsiteX39" fmla="*/ 4527266 w 9756743"/>
+                      <a:gd name="connsiteY39" fmla="*/ 9530 h 4920792"/>
+                      <a:gd name="connsiteX40" fmla="*/ 5136066 w 9756743"/>
+                      <a:gd name="connsiteY40" fmla="*/ 5725 h 4920792"/>
+                      <a:gd name="connsiteX41" fmla="*/ 5563872 w 9756743"/>
+                      <a:gd name="connsiteY41" fmla="*/ 3051 h 4920792"/>
+                      <a:gd name="connsiteX42" fmla="*/ 6052009 w 9756743"/>
+                      <a:gd name="connsiteY42" fmla="*/ 0 h 4920792"/>
+                      <a:gd name="connsiteX43" fmla="*/ 6053706 w 9756743"/>
+                      <a:gd name="connsiteY43" fmla="*/ 510744 h 4920792"/>
+                      <a:gd name="connsiteX44" fmla="*/ 6055685 w 9756743"/>
+                      <a:gd name="connsiteY44" fmla="*/ 1106613 h 4920792"/>
+                      <a:gd name="connsiteX45" fmla="*/ 6057288 w 9756743"/>
+                      <a:gd name="connsiteY45" fmla="*/ 1588982 h 4920792"/>
+                      <a:gd name="connsiteX46" fmla="*/ 6059079 w 9756743"/>
+                      <a:gd name="connsiteY46" fmla="*/ 2128101 h 4920792"/>
+                      <a:gd name="connsiteX47" fmla="*/ 6061435 w 9756743"/>
+                      <a:gd name="connsiteY47" fmla="*/ 2837468 h 4920792"/>
+                    </a:gdLst>
+                    <a:ahLst/>
+                    <a:cxnLst>
+                      <a:cxn ang="0">
+                        <a:pos x="connsiteX0" y="connsiteY0"/>
+                      </a:cxn>
+                      <a:cxn ang="0">
+                        <a:pos x="connsiteX1" y="connsiteY1"/>
+                      </a:cxn>
+                      <a:cxn ang="0">
+                        <a:pos x="connsiteX2" y="connsiteY2"/>
+                      </a:cxn>
+                      <a:cxn ang="0">
+                        <a:pos x="connsiteX3" y="connsiteY3"/>
+                      </a:cxn>
+                      <a:cxn ang="0">
+                        <a:pos x="connsiteX4" y="connsiteY4"/>
+                      </a:cxn>
+                      <a:cxn ang="0">
+                        <a:pos x="connsiteX5" y="connsiteY5"/>
+                      </a:cxn>
+                      <a:cxn ang="0">
+                        <a:pos x="connsiteX6" y="connsiteY6"/>
+                      </a:cxn>
+                      <a:cxn ang="0">
+                        <a:pos x="connsiteX7" y="connsiteY7"/>
+                      </a:cxn>
+                      <a:cxn ang="0">
+                        <a:pos x="connsiteX8" y="connsiteY8"/>
+                      </a:cxn>
+                      <a:cxn ang="0">
+                        <a:pos x="connsiteX9" y="connsiteY9"/>
+                      </a:cxn>
+                      <a:cxn ang="0">
+                        <a:pos x="connsiteX10" y="connsiteY10"/>
+                      </a:cxn>
+                      <a:cxn ang="0">
+                        <a:pos x="connsiteX11" y="connsiteY11"/>
+                      </a:cxn>
+                      <a:cxn ang="0">
+                        <a:pos x="connsiteX12" y="connsiteY12"/>
+                      </a:cxn>
+                      <a:cxn ang="0">
+                        <a:pos x="connsiteX13" y="connsiteY13"/>
+                      </a:cxn>
+                      <a:cxn ang="0">
+                        <a:pos x="connsiteX14" y="connsiteY14"/>
+                      </a:cxn>
+                      <a:cxn ang="0">
+                        <a:pos x="connsiteX15" y="connsiteY15"/>
+                      </a:cxn>
+                      <a:cxn ang="0">
+                        <a:pos x="connsiteX16" y="connsiteY16"/>
+                      </a:cxn>
+                      <a:cxn ang="0">
+                        <a:pos x="connsiteX17" y="connsiteY17"/>
+                      </a:cxn>
+                      <a:cxn ang="0">
+                        <a:pos x="connsiteX18" y="connsiteY18"/>
+                      </a:cxn>
+                      <a:cxn ang="0">
+                        <a:pos x="connsiteX19" y="connsiteY19"/>
+                      </a:cxn>
+                      <a:cxn ang="0">
+                        <a:pos x="connsiteX20" y="connsiteY20"/>
+                      </a:cxn>
+                      <a:cxn ang="0">
+                        <a:pos x="connsiteX21" y="connsiteY21"/>
+                      </a:cxn>
+                      <a:cxn ang="0">
+                        <a:pos x="connsiteX22" y="connsiteY22"/>
+                      </a:cxn>
+                      <a:cxn ang="0">
+                        <a:pos x="connsiteX23" y="connsiteY23"/>
+                      </a:cxn>
+                      <a:cxn ang="0">
+                        <a:pos x="connsiteX24" y="connsiteY24"/>
+                      </a:cxn>
+                      <a:cxn ang="0">
+                        <a:pos x="connsiteX25" y="connsiteY25"/>
+                      </a:cxn>
+                      <a:cxn ang="0">
+                        <a:pos x="connsiteX26" y="connsiteY26"/>
+                      </a:cxn>
+                      <a:cxn ang="0">
+                        <a:pos x="connsiteX27" y="connsiteY27"/>
+                      </a:cxn>
+                      <a:cxn ang="0">
+                        <a:pos x="connsiteX28" y="connsiteY28"/>
+                      </a:cxn>
+                      <a:cxn ang="0">
+                        <a:pos x="connsiteX29" y="connsiteY29"/>
+                      </a:cxn>
+                      <a:cxn ang="0">
+                        <a:pos x="connsiteX30" y="connsiteY30"/>
+                      </a:cxn>
+                      <a:cxn ang="0">
+                        <a:pos x="connsiteX31" y="connsiteY31"/>
+                      </a:cxn>
+                      <a:cxn ang="0">
+                        <a:pos x="connsiteX32" y="connsiteY32"/>
+                      </a:cxn>
+                      <a:cxn ang="0">
+                        <a:pos x="connsiteX33" y="connsiteY33"/>
+                      </a:cxn>
+                      <a:cxn ang="0">
+                        <a:pos x="connsiteX34" y="connsiteY34"/>
+                      </a:cxn>
+                      <a:cxn ang="0">
+                        <a:pos x="connsiteX35" y="connsiteY35"/>
+                      </a:cxn>
+                      <a:cxn ang="0">
+                        <a:pos x="connsiteX36" y="connsiteY36"/>
+                      </a:cxn>
+                      <a:cxn ang="0">
+                        <a:pos x="connsiteX37" y="connsiteY37"/>
+                      </a:cxn>
+                      <a:cxn ang="0">
+                        <a:pos x="connsiteX38" y="connsiteY38"/>
+                      </a:cxn>
+                      <a:cxn ang="0">
+                        <a:pos x="connsiteX39" y="connsiteY39"/>
+                      </a:cxn>
+                      <a:cxn ang="0">
+                        <a:pos x="connsiteX40" y="connsiteY40"/>
+                      </a:cxn>
+                      <a:cxn ang="0">
+                        <a:pos x="connsiteX41" y="connsiteY41"/>
+                      </a:cxn>
+                      <a:cxn ang="0">
+                        <a:pos x="connsiteX42" y="connsiteY42"/>
+                      </a:cxn>
+                      <a:cxn ang="0">
+                        <a:pos x="connsiteX43" y="connsiteY43"/>
+                      </a:cxn>
+                      <a:cxn ang="0">
+                        <a:pos x="connsiteX44" y="connsiteY44"/>
+                      </a:cxn>
+                      <a:cxn ang="0">
+                        <a:pos x="connsiteX45" y="connsiteY45"/>
+                      </a:cxn>
+                      <a:cxn ang="0">
+                        <a:pos x="connsiteX46" y="connsiteY46"/>
+                      </a:cxn>
+                      <a:cxn ang="0">
+                        <a:pos x="connsiteX47" y="connsiteY47"/>
+                      </a:cxn>
+                    </a:cxnLst>
+                    <a:rect l="l" t="t" r="r" b="b"/>
+                    <a:pathLst>
+                      <a:path w="9756743" h="4920792" extrusionOk="0">
+                        <a:moveTo>
+                          <a:pt x="6061435" y="2837468"/>
+                        </a:moveTo>
+                        <a:cubicBezTo>
+                          <a:pt x="6203014" y="2833819"/>
+                          <a:pt x="6430438" y="2894850"/>
+                          <a:pt x="6552383" y="2836216"/>
+                        </a:cubicBezTo>
+                        <a:cubicBezTo>
+                          <a:pt x="6674328" y="2777582"/>
+                          <a:pt x="7004488" y="2836601"/>
+                          <a:pt x="7154190" y="2834680"/>
+                        </a:cubicBezTo>
+                        <a:cubicBezTo>
+                          <a:pt x="7303892" y="2832759"/>
+                          <a:pt x="7529450" y="2882440"/>
+                          <a:pt x="7682092" y="2833334"/>
+                        </a:cubicBezTo>
+                        <a:cubicBezTo>
+                          <a:pt x="7834734" y="2784227"/>
+                          <a:pt x="7933050" y="2840607"/>
+                          <a:pt x="8136086" y="2832175"/>
+                        </a:cubicBezTo>
+                        <a:cubicBezTo>
+                          <a:pt x="8339122" y="2823743"/>
+                          <a:pt x="8544793" y="2882081"/>
+                          <a:pt x="8700941" y="2830734"/>
+                        </a:cubicBezTo>
+                        <a:cubicBezTo>
+                          <a:pt x="8857089" y="2779387"/>
+                          <a:pt x="9071328" y="2846133"/>
+                          <a:pt x="9302748" y="2829199"/>
+                        </a:cubicBezTo>
+                        <a:cubicBezTo>
+                          <a:pt x="9534168" y="2812265"/>
+                          <a:pt x="9624977" y="2869582"/>
+                          <a:pt x="9756743" y="2828041"/>
+                        </a:cubicBezTo>
+                        <a:cubicBezTo>
+                          <a:pt x="9771673" y="2984017"/>
+                          <a:pt x="9744687" y="3140761"/>
+                          <a:pt x="9750521" y="3271855"/>
+                        </a:cubicBezTo>
+                        <a:cubicBezTo>
+                          <a:pt x="9756355" y="3402949"/>
+                          <a:pt x="9688935" y="3613230"/>
+                          <a:pt x="9743168" y="3796362"/>
+                        </a:cubicBezTo>
+                        <a:cubicBezTo>
+                          <a:pt x="9797401" y="3979494"/>
+                          <a:pt x="9736783" y="4110192"/>
+                          <a:pt x="9736381" y="4280523"/>
+                        </a:cubicBezTo>
+                        <a:cubicBezTo>
+                          <a:pt x="9735978" y="4450854"/>
+                          <a:pt x="9705872" y="4680570"/>
+                          <a:pt x="9728462" y="4845377"/>
+                        </a:cubicBezTo>
+                        <a:cubicBezTo>
+                          <a:pt x="9459338" y="4876852"/>
+                          <a:pt x="9418506" y="4816257"/>
+                          <a:pt x="9156200" y="4849813"/>
+                        </a:cubicBezTo>
+                        <a:cubicBezTo>
+                          <a:pt x="8893894" y="4883369"/>
+                          <a:pt x="8866705" y="4850353"/>
+                          <a:pt x="8583937" y="4854249"/>
+                        </a:cubicBezTo>
+                        <a:cubicBezTo>
+                          <a:pt x="8301169" y="4858145"/>
+                          <a:pt x="8247699" y="4809067"/>
+                          <a:pt x="8108959" y="4857931"/>
+                        </a:cubicBezTo>
+                        <a:cubicBezTo>
+                          <a:pt x="7970219" y="4906795"/>
+                          <a:pt x="7911008" y="4835985"/>
+                          <a:pt x="7731266" y="4860859"/>
+                        </a:cubicBezTo>
+                        <a:cubicBezTo>
+                          <a:pt x="7551524" y="4885733"/>
+                          <a:pt x="7398421" y="4862212"/>
+                          <a:pt x="7256288" y="4864541"/>
+                        </a:cubicBezTo>
+                        <a:cubicBezTo>
+                          <a:pt x="7114155" y="4866870"/>
+                          <a:pt x="6854467" y="4840159"/>
+                          <a:pt x="6684026" y="4868977"/>
+                        </a:cubicBezTo>
+                        <a:cubicBezTo>
+                          <a:pt x="6513585" y="4897795"/>
+                          <a:pt x="6396401" y="4867374"/>
+                          <a:pt x="6209048" y="4872659"/>
+                        </a:cubicBezTo>
+                        <a:cubicBezTo>
+                          <a:pt x="6021695" y="4877945"/>
+                          <a:pt x="5727246" y="4821993"/>
+                          <a:pt x="5442216" y="4878604"/>
+                        </a:cubicBezTo>
+                        <a:cubicBezTo>
+                          <a:pt x="5157186" y="4935214"/>
+                          <a:pt x="5114318" y="4852137"/>
+                          <a:pt x="4967238" y="4882286"/>
+                        </a:cubicBezTo>
+                        <a:cubicBezTo>
+                          <a:pt x="4820158" y="4912435"/>
+                          <a:pt x="4777792" y="4866148"/>
+                          <a:pt x="4686830" y="4884460"/>
+                        </a:cubicBezTo>
+                        <a:cubicBezTo>
+                          <a:pt x="4595868" y="4902772"/>
+                          <a:pt x="4482625" y="4876361"/>
+                          <a:pt x="4406421" y="4886633"/>
+                        </a:cubicBezTo>
+                        <a:cubicBezTo>
+                          <a:pt x="4330217" y="4896905"/>
+                          <a:pt x="3964184" y="4847831"/>
+                          <a:pt x="3834159" y="4891070"/>
+                        </a:cubicBezTo>
+                        <a:cubicBezTo>
+                          <a:pt x="3704134" y="4934309"/>
+                          <a:pt x="3407166" y="4881720"/>
+                          <a:pt x="3261896" y="4895506"/>
+                        </a:cubicBezTo>
+                        <a:cubicBezTo>
+                          <a:pt x="3116626" y="4909292"/>
+                          <a:pt x="2837847" y="4863156"/>
+                          <a:pt x="2592349" y="4900696"/>
+                        </a:cubicBezTo>
+                        <a:cubicBezTo>
+                          <a:pt x="2346852" y="4938236"/>
+                          <a:pt x="2346112" y="4897000"/>
+                          <a:pt x="2214656" y="4903624"/>
+                        </a:cubicBezTo>
+                        <a:cubicBezTo>
+                          <a:pt x="2083200" y="4910247"/>
+                          <a:pt x="1970100" y="4894240"/>
+                          <a:pt x="1739678" y="4907306"/>
+                        </a:cubicBezTo>
+                        <a:cubicBezTo>
+                          <a:pt x="1509256" y="4920372"/>
+                          <a:pt x="1413151" y="4862726"/>
+                          <a:pt x="1264700" y="4910988"/>
+                        </a:cubicBezTo>
+                        <a:cubicBezTo>
+                          <a:pt x="1116249" y="4959250"/>
+                          <a:pt x="1060718" y="4886966"/>
+                          <a:pt x="984291" y="4913162"/>
+                        </a:cubicBezTo>
+                        <a:cubicBezTo>
+                          <a:pt x="907864" y="4939358"/>
+                          <a:pt x="265744" y="4866213"/>
+                          <a:pt x="0" y="4920792"/>
+                        </a:cubicBezTo>
+                        <a:cubicBezTo>
+                          <a:pt x="-42276" y="3301010"/>
+                          <a:pt x="-429978" y="1573624"/>
+                          <a:pt x="18854" y="37707"/>
+                        </a:cubicBezTo>
+                        <a:cubicBezTo>
+                          <a:pt x="154034" y="6751"/>
+                          <a:pt x="472970" y="87744"/>
+                          <a:pt x="687986" y="33525"/>
+                        </a:cubicBezTo>
+                        <a:cubicBezTo>
+                          <a:pt x="903002" y="-20695"/>
+                          <a:pt x="936818" y="57239"/>
+                          <a:pt x="1176123" y="30474"/>
+                        </a:cubicBezTo>
+                        <a:cubicBezTo>
+                          <a:pt x="1415428" y="3709"/>
+                          <a:pt x="1563970" y="34703"/>
+                          <a:pt x="1664260" y="27423"/>
+                        </a:cubicBezTo>
+                        <a:cubicBezTo>
+                          <a:pt x="1764550" y="20143"/>
+                          <a:pt x="2035362" y="93327"/>
+                          <a:pt x="2333392" y="23241"/>
+                        </a:cubicBezTo>
+                        <a:cubicBezTo>
+                          <a:pt x="2631422" y="-46845"/>
+                          <a:pt x="2708096" y="32943"/>
+                          <a:pt x="2942192" y="19436"/>
+                        </a:cubicBezTo>
+                        <a:cubicBezTo>
+                          <a:pt x="3176288" y="5929"/>
+                          <a:pt x="3366952" y="51050"/>
+                          <a:pt x="3490660" y="16008"/>
+                        </a:cubicBezTo>
+                        <a:cubicBezTo>
+                          <a:pt x="3614368" y="-19034"/>
+                          <a:pt x="3726303" y="26547"/>
+                          <a:pt x="3858134" y="13712"/>
+                        </a:cubicBezTo>
+                        <a:cubicBezTo>
+                          <a:pt x="3989965" y="877"/>
+                          <a:pt x="4238414" y="56472"/>
+                          <a:pt x="4527266" y="9530"/>
+                        </a:cubicBezTo>
+                        <a:cubicBezTo>
+                          <a:pt x="4816118" y="-37412"/>
+                          <a:pt x="4911489" y="9970"/>
+                          <a:pt x="5136066" y="5725"/>
+                        </a:cubicBezTo>
+                        <a:cubicBezTo>
+                          <a:pt x="5360643" y="1480"/>
+                          <a:pt x="5415874" y="17988"/>
+                          <a:pt x="5563872" y="3051"/>
+                        </a:cubicBezTo>
+                        <a:cubicBezTo>
+                          <a:pt x="5711870" y="-11886"/>
+                          <a:pt x="5869766" y="19729"/>
+                          <a:pt x="6052009" y="0"/>
+                        </a:cubicBezTo>
+                        <a:cubicBezTo>
+                          <a:pt x="6084046" y="203087"/>
+                          <a:pt x="6030151" y="334565"/>
+                          <a:pt x="6053706" y="510744"/>
+                        </a:cubicBezTo>
+                        <a:cubicBezTo>
+                          <a:pt x="6077260" y="686923"/>
+                          <a:pt x="6018229" y="818792"/>
+                          <a:pt x="6055685" y="1106613"/>
+                        </a:cubicBezTo>
+                        <a:cubicBezTo>
+                          <a:pt x="6093141" y="1394434"/>
+                          <a:pt x="6043249" y="1368941"/>
+                          <a:pt x="6057288" y="1588982"/>
+                        </a:cubicBezTo>
+                        <a:cubicBezTo>
+                          <a:pt x="6071327" y="1809023"/>
+                          <a:pt x="6052142" y="1881319"/>
+                          <a:pt x="6059079" y="2128101"/>
+                        </a:cubicBezTo>
+                        <a:cubicBezTo>
+                          <a:pt x="6066016" y="2374883"/>
+                          <a:pt x="6012463" y="2596575"/>
+                          <a:pt x="6061435" y="2837468"/>
+                        </a:cubicBezTo>
+                        <a:close/>
+                      </a:path>
+                    </a:pathLst>
+                  </a:custGeom>
+                  <ask:type>
+                    <ask:lineSketchNone/>
+                  </ask:type>
+                </ask:lineSketchStyleProps>
+              </a:ext>
+            </a:extLst>
+          </a:ln>
+        </p:spPr>
+        <p:style>
+          <a:lnRef idx="2">
+            <a:schemeClr val="accent1">
+              <a:shade val="50000"/>
+            </a:schemeClr>
+          </a:lnRef>
+          <a:fillRef idx="1">
+            <a:schemeClr val="accent1"/>
+          </a:fillRef>
+          <a:effectRef idx="0">
+            <a:schemeClr val="accent1"/>
+          </a:effectRef>
+          <a:fontRef idx="minor">
+            <a:schemeClr val="lt1"/>
+          </a:fontRef>
+        </p:style>
+        <p:txBody>
+          <a:bodyPr rtlCol="0" anchor="ctr"/>
+          <a:lstStyle/>
+          <a:p>
+            <a:pPr algn="ctr"/>
+            <a:endParaRPr kumimoji="1" lang="ja-JP" altLang="en-US"/>
+          </a:p>
+        </p:txBody>
+      </p:sp>
+      <p:sp>
+        <p:nvSpPr>
+          <p:cNvPr id="22" name="テキスト ボックス 21">
+            <a:extLst>
+              <a:ext uri="{FF2B5EF4-FFF2-40B4-BE49-F238E27FC236}">
+                <a16:creationId xmlns:a16="http://schemas.microsoft.com/office/drawing/2014/main" id="{03ED73C1-34AC-4487-924D-A44C6484AF48}"/>
+              </a:ext>
+            </a:extLst>
+          </p:cNvPr>
+          <p:cNvSpPr txBox="1"/>
+          <p:nvPr/>
+        </p:nvSpPr>
+        <p:spPr>
+          <a:xfrm>
+            <a:off x="5325356" y="1142352"/>
+            <a:ext cx="2022051" cy="830997"/>
+          </a:xfrm>
+          <a:prstGeom prst="rect">
+            <a:avLst/>
+          </a:prstGeom>
+          <a:solidFill>
+            <a:srgbClr val="FFFFFF"/>
+          </a:solidFill>
+          <a:ln w="38100">
+            <a:solidFill>
+              <a:srgbClr val="FF0000"/>
+            </a:solidFill>
+          </a:ln>
+        </p:spPr>
+        <p:txBody>
+          <a:bodyPr wrap="square" rtlCol="0">
+            <a:spAutoFit/>
+          </a:bodyPr>
+          <a:lstStyle/>
+          <a:p>
+            <a:pPr algn="ctr"/>
+            <a:r>
+              <a:rPr kumimoji="1" lang="ja-JP" altLang="en-US" sz="2400" b="1" dirty="0"/>
+              <a:t>開発した</a:t>
+            </a:r>
+            <a:endParaRPr kumimoji="1" lang="en-US" altLang="ja-JP" sz="2400" b="1" dirty="0"/>
+          </a:p>
+          <a:p>
+            <a:pPr algn="ctr"/>
+            <a:r>
+              <a:rPr kumimoji="1" lang="ja-JP" altLang="en-US" sz="2400" b="1" dirty="0"/>
+              <a:t>ライブラリー</a:t>
+            </a:r>
+          </a:p>
+        </p:txBody>
+      </p:sp>
+    </p:spTree>
+    <p:extLst>
+      <p:ext uri="{BB962C8B-B14F-4D97-AF65-F5344CB8AC3E}">
+        <p14:creationId xmlns:p14="http://schemas.microsoft.com/office/powerpoint/2010/main" val="2058660876"/>
+      </p:ext>
+    </p:extLst>
+  </p:cSld>
+  <p:clrMapOvr>
+    <a:masterClrMapping/>
+  </p:clrMapOvr>
+</p:sld>
+</file>
+
+<file path=ppt/slides/slide12.xml><?xml version="1.0" encoding="utf-8"?>
+<p:sld xmlns:a="http://schemas.openxmlformats.org/drawingml/2006/main" xmlns:r="http://schemas.openxmlformats.org/officeDocument/2006/relationships" xmlns:p="http://schemas.openxmlformats.org/presentationml/2006/main">
+  <p:cSld>
+    <p:spTree>
+      <p:nvGrpSpPr>
+        <p:cNvPr id="1" name=""/>
+        <p:cNvGrpSpPr/>
+        <p:nvPr/>
+      </p:nvGrpSpPr>
+      <p:grpSpPr>
+        <a:xfrm>
+          <a:off x="0" y="0"/>
+          <a:ext cx="0" cy="0"/>
+          <a:chOff x="0" y="0"/>
+          <a:chExt cx="0" cy="0"/>
+        </a:xfrm>
+      </p:grpSpPr>
+      <p:sp>
+        <p:nvSpPr>
+          <p:cNvPr id="8" name="矢印: 環状 7">
+            <a:extLst>
+              <a:ext uri="{FF2B5EF4-FFF2-40B4-BE49-F238E27FC236}">
+                <a16:creationId xmlns:a16="http://schemas.microsoft.com/office/drawing/2014/main" id="{221D574B-22DA-4ACD-BFDC-1FBCD9B311ED}"/>
+              </a:ext>
+            </a:extLst>
+          </p:cNvPr>
+          <p:cNvSpPr/>
+          <p:nvPr/>
+        </p:nvSpPr>
+        <p:spPr>
+          <a:xfrm rot="4102930">
+            <a:off x="1668543" y="1260579"/>
+            <a:ext cx="1555423" cy="1494148"/>
+          </a:xfrm>
+          <a:prstGeom prst="circularArrow">
+            <a:avLst>
+              <a:gd name="adj1" fmla="val 8585"/>
+              <a:gd name="adj2" fmla="val 1218217"/>
+              <a:gd name="adj3" fmla="val 17120280"/>
+              <a:gd name="adj4" fmla="val 12021633"/>
+              <a:gd name="adj5" fmla="val 13593"/>
+            </a:avLst>
+          </a:prstGeom>
+        </p:spPr>
+        <p:style>
+          <a:lnRef idx="2">
+            <a:schemeClr val="accent1">
+              <a:shade val="50000"/>
+            </a:schemeClr>
+          </a:lnRef>
+          <a:fillRef idx="1">
+            <a:schemeClr val="accent1"/>
+          </a:fillRef>
+          <a:effectRef idx="0">
+            <a:schemeClr val="accent1"/>
+          </a:effectRef>
+          <a:fontRef idx="minor">
+            <a:schemeClr val="lt1"/>
+          </a:fontRef>
+        </p:style>
+        <p:txBody>
+          <a:bodyPr rtlCol="0" anchor="ctr"/>
+          <a:lstStyle/>
+          <a:p>
+            <a:pPr algn="ctr"/>
+            <a:endParaRPr kumimoji="1" lang="ja-JP" altLang="en-US">
+              <a:solidFill>
+                <a:schemeClr val="tx1"/>
+              </a:solidFill>
+            </a:endParaRPr>
+          </a:p>
+        </p:txBody>
+      </p:sp>
+      <p:grpSp>
+        <p:nvGrpSpPr>
+          <p:cNvPr id="16" name="グループ化 15">
+            <a:extLst>
+              <a:ext uri="{FF2B5EF4-FFF2-40B4-BE49-F238E27FC236}">
+                <a16:creationId xmlns:a16="http://schemas.microsoft.com/office/drawing/2014/main" id="{40F8FEE8-4159-491C-A65C-886642C92256}"/>
+              </a:ext>
+            </a:extLst>
+          </p:cNvPr>
+          <p:cNvGrpSpPr/>
+          <p:nvPr/>
+        </p:nvGrpSpPr>
+        <p:grpSpPr>
+          <a:xfrm>
+            <a:off x="1164213" y="829045"/>
+            <a:ext cx="1335460" cy="1008668"/>
+            <a:chOff x="884549" y="933254"/>
+            <a:chExt cx="1335460" cy="1008668"/>
+          </a:xfrm>
+        </p:grpSpPr>
+        <p:sp>
+          <p:nvSpPr>
+            <p:cNvPr id="4" name="四角形: 角を丸くする 3">
+              <a:extLst>
+                <a:ext uri="{FF2B5EF4-FFF2-40B4-BE49-F238E27FC236}">
+                  <a16:creationId xmlns:a16="http://schemas.microsoft.com/office/drawing/2014/main" id="{76B67AB1-B78B-45F1-8251-375F1F91181A}"/>
+                </a:ext>
+              </a:extLst>
+            </p:cNvPr>
+            <p:cNvSpPr/>
+            <p:nvPr/>
+          </p:nvSpPr>
+          <p:spPr>
+            <a:xfrm>
+              <a:off x="884549" y="933254"/>
+              <a:ext cx="1121790" cy="763572"/>
+            </a:xfrm>
+            <a:prstGeom prst="roundRect">
+              <a:avLst/>
+            </a:prstGeom>
+            <a:noFill/>
+            <a:ln>
+              <a:solidFill>
+                <a:schemeClr val="tx1"/>
+              </a:solidFill>
+            </a:ln>
+          </p:spPr>
+          <p:style>
+            <a:lnRef idx="2">
+              <a:schemeClr val="accent1">
+                <a:shade val="50000"/>
+              </a:schemeClr>
+            </a:lnRef>
+            <a:fillRef idx="1">
+              <a:schemeClr val="accent1"/>
+            </a:fillRef>
+            <a:effectRef idx="0">
+              <a:schemeClr val="accent1"/>
+            </a:effectRef>
+            <a:fontRef idx="minor">
+              <a:schemeClr val="lt1"/>
+            </a:fontRef>
+          </p:style>
+          <p:txBody>
+            <a:bodyPr rtlCol="0" anchor="ctr"/>
+            <a:lstStyle/>
+            <a:p>
+              <a:pPr algn="ctr"/>
+              <a:r>
+                <a:rPr lang="ja-JP" altLang="en-US" dirty="0">
+                  <a:solidFill>
+                    <a:schemeClr val="tx1"/>
+                  </a:solidFill>
+                </a:rPr>
+                <a:t>画像</a:t>
+              </a:r>
+              <a:endParaRPr kumimoji="1" lang="ja-JP" altLang="en-US" dirty="0">
+                <a:solidFill>
+                  <a:schemeClr val="tx1"/>
+                </a:solidFill>
+              </a:endParaRPr>
+            </a:p>
+          </p:txBody>
+        </p:sp>
+        <p:sp>
+          <p:nvSpPr>
+            <p:cNvPr id="5" name="四角形: 角を丸くする 4">
+              <a:extLst>
+                <a:ext uri="{FF2B5EF4-FFF2-40B4-BE49-F238E27FC236}">
+                  <a16:creationId xmlns:a16="http://schemas.microsoft.com/office/drawing/2014/main" id="{77A8D744-E3B8-4A89-ABD9-14FBF90E83FA}"/>
+                </a:ext>
+              </a:extLst>
+            </p:cNvPr>
+            <p:cNvSpPr/>
+            <p:nvPr/>
+          </p:nvSpPr>
+          <p:spPr>
+            <a:xfrm>
+              <a:off x="991384" y="1055802"/>
+              <a:ext cx="1121790" cy="763572"/>
+            </a:xfrm>
+            <a:prstGeom prst="roundRect">
+              <a:avLst/>
+            </a:prstGeom>
+            <a:solidFill>
+              <a:schemeClr val="bg1"/>
+            </a:solidFill>
+            <a:ln>
+              <a:solidFill>
+                <a:schemeClr val="tx1"/>
+              </a:solidFill>
+            </a:ln>
+          </p:spPr>
+          <p:style>
+            <a:lnRef idx="2">
+              <a:schemeClr val="accent1">
+                <a:shade val="50000"/>
+              </a:schemeClr>
+            </a:lnRef>
+            <a:fillRef idx="1">
+              <a:schemeClr val="accent1"/>
+            </a:fillRef>
+            <a:effectRef idx="0">
+              <a:schemeClr val="accent1"/>
+            </a:effectRef>
+            <a:fontRef idx="minor">
+              <a:schemeClr val="lt1"/>
+            </a:fontRef>
+          </p:style>
+          <p:txBody>
+            <a:bodyPr rtlCol="0" anchor="ctr"/>
+            <a:lstStyle/>
+            <a:p>
+              <a:pPr algn="ctr"/>
+              <a:r>
+                <a:rPr lang="ja-JP" altLang="en-US" dirty="0">
+                  <a:solidFill>
+                    <a:schemeClr val="tx1"/>
+                  </a:solidFill>
+                </a:rPr>
+                <a:t>画像</a:t>
+              </a:r>
+              <a:endParaRPr kumimoji="1" lang="ja-JP" altLang="en-US" dirty="0">
+                <a:solidFill>
+                  <a:schemeClr val="tx1"/>
+                </a:solidFill>
+              </a:endParaRPr>
+            </a:p>
+          </p:txBody>
+        </p:sp>
+        <p:sp>
+          <p:nvSpPr>
+            <p:cNvPr id="6" name="四角形: 角を丸くする 5">
+              <a:extLst>
+                <a:ext uri="{FF2B5EF4-FFF2-40B4-BE49-F238E27FC236}">
+                  <a16:creationId xmlns:a16="http://schemas.microsoft.com/office/drawing/2014/main" id="{F686AF29-AD2F-4600-9554-3A52C6A59B7B}"/>
+                </a:ext>
+              </a:extLst>
+            </p:cNvPr>
+            <p:cNvSpPr/>
+            <p:nvPr/>
+          </p:nvSpPr>
+          <p:spPr>
+            <a:xfrm>
+              <a:off x="1098219" y="1178350"/>
+              <a:ext cx="1121790" cy="763572"/>
+            </a:xfrm>
+            <a:prstGeom prst="roundRect">
+              <a:avLst/>
+            </a:prstGeom>
+            <a:solidFill>
+              <a:schemeClr val="bg1"/>
+            </a:solidFill>
+            <a:ln>
+              <a:solidFill>
+                <a:schemeClr val="tx1"/>
+              </a:solidFill>
+            </a:ln>
+          </p:spPr>
+          <p:style>
+            <a:lnRef idx="2">
+              <a:schemeClr val="accent1">
+                <a:shade val="50000"/>
+              </a:schemeClr>
+            </a:lnRef>
+            <a:fillRef idx="1">
+              <a:schemeClr val="accent1"/>
+            </a:fillRef>
+            <a:effectRef idx="0">
+              <a:schemeClr val="accent1"/>
+            </a:effectRef>
+            <a:fontRef idx="minor">
+              <a:schemeClr val="lt1"/>
+            </a:fontRef>
+          </p:style>
+          <p:txBody>
+            <a:bodyPr rtlCol="0" anchor="ctr"/>
+            <a:lstStyle/>
+            <a:p>
+              <a:pPr algn="ctr"/>
+              <a:r>
+                <a:rPr lang="ja-JP" altLang="en-US" sz="3200" b="1" dirty="0">
+                  <a:solidFill>
+                    <a:schemeClr val="tx1"/>
+                  </a:solidFill>
+                </a:rPr>
+                <a:t>画像</a:t>
+              </a:r>
+              <a:endParaRPr kumimoji="1" lang="ja-JP" altLang="en-US" b="1" dirty="0">
+                <a:solidFill>
+                  <a:schemeClr val="tx1"/>
+                </a:solidFill>
+              </a:endParaRPr>
+            </a:p>
+          </p:txBody>
+        </p:sp>
+      </p:grpSp>
+      <p:sp>
+        <p:nvSpPr>
+          <p:cNvPr id="7" name="四角形: 角を丸くする 6">
+            <a:extLst>
+              <a:ext uri="{FF2B5EF4-FFF2-40B4-BE49-F238E27FC236}">
+                <a16:creationId xmlns:a16="http://schemas.microsoft.com/office/drawing/2014/main" id="{1F0A6EC6-A33D-48B7-B6AB-D674175C30AA}"/>
+              </a:ext>
+            </a:extLst>
+          </p:cNvPr>
+          <p:cNvSpPr/>
+          <p:nvPr/>
+        </p:nvSpPr>
+        <p:spPr>
+          <a:xfrm>
+            <a:off x="2286003" y="2177592"/>
+            <a:ext cx="1553849" cy="1273910"/>
+          </a:xfrm>
+          <a:prstGeom prst="roundRect">
+            <a:avLst/>
+          </a:prstGeom>
+          <a:noFill/>
+        </p:spPr>
+        <p:style>
+          <a:lnRef idx="2">
+            <a:schemeClr val="accent1">
+              <a:shade val="50000"/>
+            </a:schemeClr>
+          </a:lnRef>
+          <a:fillRef idx="1">
+            <a:schemeClr val="accent1"/>
+          </a:fillRef>
+          <a:effectRef idx="0">
+            <a:schemeClr val="accent1"/>
+          </a:effectRef>
+          <a:fontRef idx="minor">
+            <a:schemeClr val="lt1"/>
+          </a:fontRef>
+        </p:style>
+        <p:txBody>
+          <a:bodyPr rtlCol="0" anchor="ctr"/>
+          <a:lstStyle/>
+          <a:p>
+            <a:pPr algn="ctr"/>
+            <a:r>
+              <a:rPr kumimoji="1" lang="en-US" altLang="ja-JP" sz="3200" b="1" dirty="0">
+                <a:solidFill>
+                  <a:schemeClr val="tx1"/>
+                </a:solidFill>
+              </a:rPr>
+              <a:t>Edit</a:t>
+            </a:r>
+          </a:p>
+          <a:p>
+            <a:pPr algn="ctr"/>
+            <a:r>
+              <a:rPr lang="en-US" altLang="ja-JP" sz="3200" b="1" dirty="0">
+                <a:solidFill>
+                  <a:schemeClr val="tx1"/>
+                </a:solidFill>
+              </a:rPr>
+              <a:t>mode</a:t>
+            </a:r>
+            <a:endParaRPr kumimoji="1" lang="ja-JP" altLang="en-US" sz="3200" b="1" dirty="0">
+              <a:solidFill>
+                <a:schemeClr val="tx1"/>
+              </a:solidFill>
+            </a:endParaRPr>
+          </a:p>
+        </p:txBody>
+      </p:sp>
+      <p:sp>
+        <p:nvSpPr>
+          <p:cNvPr id="9" name="矢印: 右 8">
+            <a:extLst>
+              <a:ext uri="{FF2B5EF4-FFF2-40B4-BE49-F238E27FC236}">
+                <a16:creationId xmlns:a16="http://schemas.microsoft.com/office/drawing/2014/main" id="{0361894E-24AD-4ADD-A01D-9A7115226AEE}"/>
+              </a:ext>
+            </a:extLst>
+          </p:cNvPr>
+          <p:cNvSpPr/>
+          <p:nvPr/>
+        </p:nvSpPr>
+        <p:spPr>
+          <a:xfrm>
+            <a:off x="3839852" y="2611225"/>
+            <a:ext cx="1024379" cy="584462"/>
+          </a:xfrm>
+          <a:prstGeom prst="rightArrow">
+            <a:avLst/>
+          </a:prstGeom>
+        </p:spPr>
+        <p:style>
+          <a:lnRef idx="2">
+            <a:schemeClr val="accent1">
+              <a:shade val="50000"/>
+            </a:schemeClr>
+          </a:lnRef>
+          <a:fillRef idx="1">
+            <a:schemeClr val="accent1"/>
+          </a:fillRef>
+          <a:effectRef idx="0">
+            <a:schemeClr val="accent1"/>
+          </a:effectRef>
+          <a:fontRef idx="minor">
+            <a:schemeClr val="lt1"/>
+          </a:fontRef>
+        </p:style>
+        <p:txBody>
+          <a:bodyPr rtlCol="0" anchor="ctr"/>
+          <a:lstStyle/>
+          <a:p>
+            <a:pPr algn="ctr"/>
+            <a:endParaRPr kumimoji="1" lang="ja-JP" altLang="en-US"/>
+          </a:p>
+        </p:txBody>
+      </p:sp>
+      <p:grpSp>
+        <p:nvGrpSpPr>
+          <p:cNvPr id="13" name="グループ化 12">
+            <a:extLst>
+              <a:ext uri="{FF2B5EF4-FFF2-40B4-BE49-F238E27FC236}">
+                <a16:creationId xmlns:a16="http://schemas.microsoft.com/office/drawing/2014/main" id="{899B8781-28BA-4797-8569-B034EF38A160}"/>
+              </a:ext>
+            </a:extLst>
+          </p:cNvPr>
+          <p:cNvGrpSpPr/>
+          <p:nvPr/>
+        </p:nvGrpSpPr>
+        <p:grpSpPr>
+          <a:xfrm>
+            <a:off x="4864231" y="2311924"/>
+            <a:ext cx="1624552" cy="1008668"/>
+            <a:chOff x="5505254" y="2036190"/>
+            <a:chExt cx="2111604" cy="1392810"/>
+          </a:xfrm>
+        </p:grpSpPr>
+        <p:sp>
+          <p:nvSpPr>
+            <p:cNvPr id="10" name="正方形/長方形 9">
+              <a:extLst>
+                <a:ext uri="{FF2B5EF4-FFF2-40B4-BE49-F238E27FC236}">
+                  <a16:creationId xmlns:a16="http://schemas.microsoft.com/office/drawing/2014/main" id="{85F6E541-ACA8-4C16-B241-92631CEF3B4A}"/>
+                </a:ext>
+              </a:extLst>
+            </p:cNvPr>
+            <p:cNvSpPr/>
+            <p:nvPr/>
+          </p:nvSpPr>
+          <p:spPr>
+            <a:xfrm>
+              <a:off x="5505254" y="2177592"/>
+              <a:ext cx="1794237" cy="1251408"/>
+            </a:xfrm>
+            <a:prstGeom prst="rect">
+              <a:avLst/>
+            </a:prstGeom>
+            <a:solidFill>
+              <a:schemeClr val="accent4">
+                <a:lumMod val="60000"/>
+                <a:lumOff val="40000"/>
+              </a:schemeClr>
+            </a:solidFill>
+          </p:spPr>
+          <p:style>
+            <a:lnRef idx="2">
+              <a:schemeClr val="accent1">
+                <a:shade val="50000"/>
+              </a:schemeClr>
+            </a:lnRef>
+            <a:fillRef idx="1">
+              <a:schemeClr val="accent1"/>
+            </a:fillRef>
+            <a:effectRef idx="0">
+              <a:schemeClr val="accent1"/>
+            </a:effectRef>
+            <a:fontRef idx="minor">
+              <a:schemeClr val="lt1"/>
+            </a:fontRef>
+          </p:style>
+          <p:txBody>
+            <a:bodyPr rtlCol="0" anchor="ctr"/>
+            <a:lstStyle/>
+            <a:p>
+              <a:pPr algn="ctr"/>
+              <a:endParaRPr kumimoji="1" lang="ja-JP" altLang="en-US"/>
+            </a:p>
+          </p:txBody>
+        </p:sp>
+        <p:sp>
+          <p:nvSpPr>
+            <p:cNvPr id="11" name="正方形/長方形 10">
+              <a:extLst>
+                <a:ext uri="{FF2B5EF4-FFF2-40B4-BE49-F238E27FC236}">
+                  <a16:creationId xmlns:a16="http://schemas.microsoft.com/office/drawing/2014/main" id="{A5F5847A-4B8A-4CCA-93E4-B18975EC2236}"/>
+                </a:ext>
+              </a:extLst>
+            </p:cNvPr>
+            <p:cNvSpPr/>
+            <p:nvPr/>
+          </p:nvSpPr>
+          <p:spPr>
+            <a:xfrm>
+              <a:off x="5505254" y="2036190"/>
+              <a:ext cx="590746" cy="141402"/>
+            </a:xfrm>
+            <a:prstGeom prst="rect">
+              <a:avLst/>
+            </a:prstGeom>
+            <a:solidFill>
+              <a:schemeClr val="accent4">
+                <a:lumMod val="75000"/>
+              </a:schemeClr>
+            </a:solidFill>
+          </p:spPr>
+          <p:style>
+            <a:lnRef idx="2">
+              <a:schemeClr val="accent1">
+                <a:shade val="50000"/>
+              </a:schemeClr>
+            </a:lnRef>
+            <a:fillRef idx="1">
+              <a:schemeClr val="accent1"/>
+            </a:fillRef>
+            <a:effectRef idx="0">
+              <a:schemeClr val="accent1"/>
+            </a:effectRef>
+            <a:fontRef idx="minor">
+              <a:schemeClr val="lt1"/>
+            </a:fontRef>
+          </p:style>
+          <p:txBody>
+            <a:bodyPr rtlCol="0" anchor="ctr"/>
+            <a:lstStyle/>
+            <a:p>
+              <a:pPr algn="ctr"/>
+              <a:endParaRPr kumimoji="1" lang="ja-JP" altLang="en-US"/>
+            </a:p>
+          </p:txBody>
+        </p:sp>
+        <p:sp>
+          <p:nvSpPr>
+            <p:cNvPr id="12" name="平行四辺形 11">
+              <a:extLst>
+                <a:ext uri="{FF2B5EF4-FFF2-40B4-BE49-F238E27FC236}">
+                  <a16:creationId xmlns:a16="http://schemas.microsoft.com/office/drawing/2014/main" id="{F40AE4B5-C90E-4BA1-A2C5-67BB6DF81CA1}"/>
+                </a:ext>
+              </a:extLst>
+            </p:cNvPr>
+            <p:cNvSpPr/>
+            <p:nvPr/>
+          </p:nvSpPr>
+          <p:spPr>
+            <a:xfrm>
+              <a:off x="5505254" y="2318994"/>
+              <a:ext cx="2111604" cy="1110006"/>
+            </a:xfrm>
+            <a:prstGeom prst="parallelogram">
+              <a:avLst/>
+            </a:prstGeom>
+            <a:solidFill>
+              <a:schemeClr val="accent4">
+                <a:lumMod val="60000"/>
+                <a:lumOff val="40000"/>
+              </a:schemeClr>
+            </a:solidFill>
+          </p:spPr>
+          <p:style>
+            <a:lnRef idx="2">
+              <a:schemeClr val="accent1">
+                <a:shade val="50000"/>
+              </a:schemeClr>
+            </a:lnRef>
+            <a:fillRef idx="1">
+              <a:schemeClr val="accent1"/>
+            </a:fillRef>
+            <a:effectRef idx="0">
+              <a:schemeClr val="accent1"/>
+            </a:effectRef>
+            <a:fontRef idx="minor">
+              <a:schemeClr val="lt1"/>
+            </a:fontRef>
+          </p:style>
+          <p:txBody>
+            <a:bodyPr rtlCol="0" anchor="ctr"/>
+            <a:lstStyle/>
+            <a:p>
+              <a:pPr algn="ctr"/>
+              <a:r>
+                <a:rPr kumimoji="1" lang="ja-JP" altLang="en-US" sz="2400" b="1" dirty="0">
+                  <a:solidFill>
+                    <a:schemeClr val="tx1"/>
+                  </a:solidFill>
+                </a:rPr>
+                <a:t>データ</a:t>
+              </a:r>
+            </a:p>
+          </p:txBody>
+        </p:sp>
+      </p:grpSp>
+      <p:sp>
+        <p:nvSpPr>
+          <p:cNvPr id="14" name="テキスト ボックス 13">
+            <a:extLst>
+              <a:ext uri="{FF2B5EF4-FFF2-40B4-BE49-F238E27FC236}">
+                <a16:creationId xmlns:a16="http://schemas.microsoft.com/office/drawing/2014/main" id="{57C13702-3BDD-46C6-91EA-18609C990E8E}"/>
+              </a:ext>
+            </a:extLst>
+          </p:cNvPr>
+          <p:cNvSpPr txBox="1"/>
+          <p:nvPr/>
+        </p:nvSpPr>
+        <p:spPr>
+          <a:xfrm>
+            <a:off x="1008978" y="2569152"/>
+            <a:ext cx="1306636" cy="461665"/>
+          </a:xfrm>
+          <a:prstGeom prst="rect">
+            <a:avLst/>
+          </a:prstGeom>
+          <a:noFill/>
+        </p:spPr>
+        <p:txBody>
+          <a:bodyPr wrap="square" rtlCol="0">
+            <a:spAutoFit/>
+          </a:bodyPr>
+          <a:lstStyle/>
+          <a:p>
+            <a:r>
+              <a:rPr lang="en-US" altLang="ja-JP" sz="2400" b="1" dirty="0"/>
+              <a:t>Player1</a:t>
+            </a:r>
+            <a:endParaRPr kumimoji="1" lang="ja-JP" altLang="en-US" sz="2400" b="1" dirty="0"/>
+          </a:p>
+        </p:txBody>
+      </p:sp>
+      <p:grpSp>
+        <p:nvGrpSpPr>
+          <p:cNvPr id="17" name="グループ化 16">
+            <a:extLst>
+              <a:ext uri="{FF2B5EF4-FFF2-40B4-BE49-F238E27FC236}">
+                <a16:creationId xmlns:a16="http://schemas.microsoft.com/office/drawing/2014/main" id="{C9CB3962-5588-4CBB-84A2-2ABB44AF1E17}"/>
+              </a:ext>
+            </a:extLst>
+          </p:cNvPr>
+          <p:cNvGrpSpPr/>
+          <p:nvPr/>
+        </p:nvGrpSpPr>
+        <p:grpSpPr>
+          <a:xfrm>
+            <a:off x="4858878" y="4631159"/>
+            <a:ext cx="1624552" cy="1008668"/>
+            <a:chOff x="5505254" y="2036190"/>
+            <a:chExt cx="2111604" cy="1392810"/>
+          </a:xfrm>
+        </p:grpSpPr>
+        <p:sp>
+          <p:nvSpPr>
+            <p:cNvPr id="18" name="正方形/長方形 17">
+              <a:extLst>
+                <a:ext uri="{FF2B5EF4-FFF2-40B4-BE49-F238E27FC236}">
+                  <a16:creationId xmlns:a16="http://schemas.microsoft.com/office/drawing/2014/main" id="{0E98DE1F-69E0-4689-8B65-E670FFBEDB8D}"/>
+                </a:ext>
+              </a:extLst>
+            </p:cNvPr>
+            <p:cNvSpPr/>
+            <p:nvPr/>
+          </p:nvSpPr>
+          <p:spPr>
+            <a:xfrm>
+              <a:off x="5505254" y="2177592"/>
+              <a:ext cx="1794237" cy="1251408"/>
+            </a:xfrm>
+            <a:prstGeom prst="rect">
+              <a:avLst/>
+            </a:prstGeom>
+            <a:solidFill>
+              <a:schemeClr val="accent4">
+                <a:lumMod val="60000"/>
+                <a:lumOff val="40000"/>
+              </a:schemeClr>
+            </a:solidFill>
+          </p:spPr>
+          <p:style>
+            <a:lnRef idx="2">
+              <a:schemeClr val="accent1">
+                <a:shade val="50000"/>
+              </a:schemeClr>
+            </a:lnRef>
+            <a:fillRef idx="1">
+              <a:schemeClr val="accent1"/>
+            </a:fillRef>
+            <a:effectRef idx="0">
+              <a:schemeClr val="accent1"/>
+            </a:effectRef>
+            <a:fontRef idx="minor">
+              <a:schemeClr val="lt1"/>
+            </a:fontRef>
+          </p:style>
+          <p:txBody>
+            <a:bodyPr rtlCol="0" anchor="ctr"/>
+            <a:lstStyle/>
+            <a:p>
+              <a:pPr algn="ctr"/>
+              <a:endParaRPr kumimoji="1" lang="ja-JP" altLang="en-US"/>
+            </a:p>
+          </p:txBody>
+        </p:sp>
+        <p:sp>
+          <p:nvSpPr>
+            <p:cNvPr id="19" name="正方形/長方形 18">
+              <a:extLst>
+                <a:ext uri="{FF2B5EF4-FFF2-40B4-BE49-F238E27FC236}">
+                  <a16:creationId xmlns:a16="http://schemas.microsoft.com/office/drawing/2014/main" id="{12C33556-61CB-49CA-9968-D821E146B23A}"/>
+                </a:ext>
+              </a:extLst>
+            </p:cNvPr>
+            <p:cNvSpPr/>
+            <p:nvPr/>
+          </p:nvSpPr>
+          <p:spPr>
+            <a:xfrm>
+              <a:off x="5505254" y="2036190"/>
+              <a:ext cx="590746" cy="141402"/>
+            </a:xfrm>
+            <a:prstGeom prst="rect">
+              <a:avLst/>
+            </a:prstGeom>
+            <a:solidFill>
+              <a:schemeClr val="accent4">
+                <a:lumMod val="75000"/>
+              </a:schemeClr>
+            </a:solidFill>
+          </p:spPr>
+          <p:style>
+            <a:lnRef idx="2">
+              <a:schemeClr val="accent1">
+                <a:shade val="50000"/>
+              </a:schemeClr>
+            </a:lnRef>
+            <a:fillRef idx="1">
+              <a:schemeClr val="accent1"/>
+            </a:fillRef>
+            <a:effectRef idx="0">
+              <a:schemeClr val="accent1"/>
+            </a:effectRef>
+            <a:fontRef idx="minor">
+              <a:schemeClr val="lt1"/>
+            </a:fontRef>
+          </p:style>
+          <p:txBody>
+            <a:bodyPr rtlCol="0" anchor="ctr"/>
+            <a:lstStyle/>
+            <a:p>
+              <a:pPr algn="ctr"/>
+              <a:endParaRPr kumimoji="1" lang="ja-JP" altLang="en-US"/>
+            </a:p>
+          </p:txBody>
+        </p:sp>
+        <p:sp>
+          <p:nvSpPr>
+            <p:cNvPr id="20" name="平行四辺形 19">
+              <a:extLst>
+                <a:ext uri="{FF2B5EF4-FFF2-40B4-BE49-F238E27FC236}">
+                  <a16:creationId xmlns:a16="http://schemas.microsoft.com/office/drawing/2014/main" id="{7E0E8B5D-528C-4949-A4C0-8CF0988D42E1}"/>
+                </a:ext>
+              </a:extLst>
+            </p:cNvPr>
+            <p:cNvSpPr/>
+            <p:nvPr/>
+          </p:nvSpPr>
+          <p:spPr>
+            <a:xfrm>
+              <a:off x="5505254" y="2318994"/>
+              <a:ext cx="2111604" cy="1110006"/>
+            </a:xfrm>
+            <a:prstGeom prst="parallelogram">
+              <a:avLst/>
+            </a:prstGeom>
+            <a:solidFill>
+              <a:schemeClr val="accent4">
+                <a:lumMod val="60000"/>
+                <a:lumOff val="40000"/>
+              </a:schemeClr>
+            </a:solidFill>
+          </p:spPr>
+          <p:style>
+            <a:lnRef idx="2">
+              <a:schemeClr val="accent1">
+                <a:shade val="50000"/>
+              </a:schemeClr>
+            </a:lnRef>
+            <a:fillRef idx="1">
+              <a:schemeClr val="accent1"/>
+            </a:fillRef>
+            <a:effectRef idx="0">
+              <a:schemeClr val="accent1"/>
+            </a:effectRef>
+            <a:fontRef idx="minor">
+              <a:schemeClr val="lt1"/>
+            </a:fontRef>
+          </p:style>
+          <p:txBody>
+            <a:bodyPr rtlCol="0" anchor="ctr"/>
+            <a:lstStyle/>
+            <a:p>
+              <a:pPr algn="ctr"/>
+              <a:r>
+                <a:rPr kumimoji="1" lang="ja-JP" altLang="en-US" sz="2400" b="1" dirty="0">
+                  <a:solidFill>
+                    <a:schemeClr val="tx1"/>
+                  </a:solidFill>
+                </a:rPr>
+                <a:t>データ</a:t>
+              </a:r>
+              <a:endParaRPr kumimoji="1" lang="ja-JP" altLang="en-US" b="1" dirty="0">
+                <a:solidFill>
+                  <a:schemeClr val="tx1"/>
+                </a:solidFill>
+              </a:endParaRPr>
+            </a:p>
+          </p:txBody>
+        </p:sp>
+      </p:grpSp>
+      <p:sp>
+        <p:nvSpPr>
+          <p:cNvPr id="21" name="矢印: 下 20">
+            <a:extLst>
+              <a:ext uri="{FF2B5EF4-FFF2-40B4-BE49-F238E27FC236}">
+                <a16:creationId xmlns:a16="http://schemas.microsoft.com/office/drawing/2014/main" id="{E8E41C86-C1CF-41E6-939F-2389D937E5C4}"/>
+              </a:ext>
+            </a:extLst>
+          </p:cNvPr>
+          <p:cNvSpPr/>
+          <p:nvPr/>
+        </p:nvSpPr>
+        <p:spPr>
+          <a:xfrm>
+            <a:off x="5234844" y="3451502"/>
+            <a:ext cx="628454" cy="1008668"/>
+          </a:xfrm>
+          <a:prstGeom prst="downArrow">
+            <a:avLst/>
+          </a:prstGeom>
+        </p:spPr>
+        <p:style>
+          <a:lnRef idx="2">
+            <a:schemeClr val="accent1">
+              <a:shade val="50000"/>
+            </a:schemeClr>
+          </a:lnRef>
+          <a:fillRef idx="1">
+            <a:schemeClr val="accent1"/>
+          </a:fillRef>
+          <a:effectRef idx="0">
+            <a:schemeClr val="accent1"/>
+          </a:effectRef>
+          <a:fontRef idx="minor">
+            <a:schemeClr val="lt1"/>
+          </a:fontRef>
+        </p:style>
+        <p:txBody>
+          <a:bodyPr rtlCol="0" anchor="ctr"/>
+          <a:lstStyle/>
+          <a:p>
+            <a:pPr algn="ctr"/>
+            <a:endParaRPr kumimoji="1" lang="ja-JP" altLang="en-US"/>
+          </a:p>
+        </p:txBody>
+      </p:sp>
+      <p:sp>
+        <p:nvSpPr>
+          <p:cNvPr id="23" name="矢印: 右 22">
+            <a:extLst>
+              <a:ext uri="{FF2B5EF4-FFF2-40B4-BE49-F238E27FC236}">
+                <a16:creationId xmlns:a16="http://schemas.microsoft.com/office/drawing/2014/main" id="{32AA2008-4829-466B-9F1D-9FF570EEA431}"/>
+              </a:ext>
+            </a:extLst>
+          </p:cNvPr>
+          <p:cNvSpPr/>
+          <p:nvPr/>
+        </p:nvSpPr>
+        <p:spPr>
+          <a:xfrm>
+            <a:off x="6499142" y="2628368"/>
+            <a:ext cx="1024379" cy="584462"/>
+          </a:xfrm>
+          <a:prstGeom prst="rightArrow">
+            <a:avLst/>
+          </a:prstGeom>
+        </p:spPr>
+        <p:style>
+          <a:lnRef idx="2">
+            <a:schemeClr val="accent1">
+              <a:shade val="50000"/>
+            </a:schemeClr>
+          </a:lnRef>
+          <a:fillRef idx="1">
+            <a:schemeClr val="accent1"/>
+          </a:fillRef>
+          <a:effectRef idx="0">
+            <a:schemeClr val="accent1"/>
+          </a:effectRef>
+          <a:fontRef idx="minor">
+            <a:schemeClr val="lt1"/>
+          </a:fontRef>
+        </p:style>
+        <p:txBody>
+          <a:bodyPr rtlCol="0" anchor="ctr"/>
+          <a:lstStyle/>
+          <a:p>
+            <a:pPr algn="ctr"/>
+            <a:endParaRPr kumimoji="1" lang="ja-JP" altLang="en-US"/>
+          </a:p>
+        </p:txBody>
+      </p:sp>
+      <p:sp>
+        <p:nvSpPr>
+          <p:cNvPr id="24" name="矢印: 右 23">
+            <a:extLst>
+              <a:ext uri="{FF2B5EF4-FFF2-40B4-BE49-F238E27FC236}">
+                <a16:creationId xmlns:a16="http://schemas.microsoft.com/office/drawing/2014/main" id="{F3899249-9AD3-4C3D-B7CC-8C091CD301DD}"/>
+              </a:ext>
+            </a:extLst>
+          </p:cNvPr>
+          <p:cNvSpPr/>
+          <p:nvPr/>
+        </p:nvSpPr>
+        <p:spPr>
+          <a:xfrm>
+            <a:off x="6488783" y="4957241"/>
+            <a:ext cx="1024379" cy="584462"/>
+          </a:xfrm>
+          <a:prstGeom prst="rightArrow">
+            <a:avLst/>
+          </a:prstGeom>
+        </p:spPr>
+        <p:style>
+          <a:lnRef idx="2">
+            <a:schemeClr val="accent1">
+              <a:shade val="50000"/>
+            </a:schemeClr>
+          </a:lnRef>
+          <a:fillRef idx="1">
+            <a:schemeClr val="accent1"/>
+          </a:fillRef>
+          <a:effectRef idx="0">
+            <a:schemeClr val="accent1"/>
+          </a:effectRef>
+          <a:fontRef idx="minor">
+            <a:schemeClr val="lt1"/>
+          </a:fontRef>
+        </p:style>
+        <p:txBody>
+          <a:bodyPr rtlCol="0" anchor="ctr"/>
+          <a:lstStyle/>
+          <a:p>
+            <a:pPr algn="ctr"/>
+            <a:endParaRPr kumimoji="1" lang="ja-JP" altLang="en-US"/>
+          </a:p>
+        </p:txBody>
+      </p:sp>
+      <p:sp>
+        <p:nvSpPr>
+          <p:cNvPr id="25" name="四角形: 角を丸くする 24">
+            <a:extLst>
+              <a:ext uri="{FF2B5EF4-FFF2-40B4-BE49-F238E27FC236}">
+                <a16:creationId xmlns:a16="http://schemas.microsoft.com/office/drawing/2014/main" id="{37528FE2-D6CF-433E-8647-B3246D0FE788}"/>
+              </a:ext>
+            </a:extLst>
+          </p:cNvPr>
+          <p:cNvSpPr/>
+          <p:nvPr/>
+        </p:nvSpPr>
+        <p:spPr>
+          <a:xfrm>
+            <a:off x="7513162" y="2281706"/>
+            <a:ext cx="1553849" cy="1273910"/>
+          </a:xfrm>
+          <a:prstGeom prst="roundRect">
+            <a:avLst/>
+          </a:prstGeom>
+          <a:noFill/>
+        </p:spPr>
+        <p:style>
+          <a:lnRef idx="2">
+            <a:schemeClr val="accent1">
+              <a:shade val="50000"/>
+            </a:schemeClr>
+          </a:lnRef>
+          <a:fillRef idx="1">
+            <a:schemeClr val="accent1"/>
+          </a:fillRef>
+          <a:effectRef idx="0">
+            <a:schemeClr val="accent1"/>
+          </a:effectRef>
+          <a:fontRef idx="minor">
+            <a:schemeClr val="lt1"/>
+          </a:fontRef>
+        </p:style>
+        <p:txBody>
+          <a:bodyPr rtlCol="0" anchor="ctr"/>
+          <a:lstStyle/>
+          <a:p>
+            <a:pPr algn="ctr"/>
+            <a:r>
+              <a:rPr lang="en-US" altLang="ja-JP" sz="3200" b="1" dirty="0">
+                <a:solidFill>
+                  <a:schemeClr val="tx1"/>
+                </a:solidFill>
+              </a:rPr>
+              <a:t>Load</a:t>
+            </a:r>
+            <a:endParaRPr kumimoji="1" lang="en-US" altLang="ja-JP" sz="3200" b="1" dirty="0">
+              <a:solidFill>
+                <a:schemeClr val="tx1"/>
+              </a:solidFill>
+            </a:endParaRPr>
+          </a:p>
+          <a:p>
+            <a:pPr algn="ctr"/>
+            <a:r>
+              <a:rPr lang="en-US" altLang="ja-JP" sz="3200" b="1" dirty="0">
+                <a:solidFill>
+                  <a:schemeClr val="tx1"/>
+                </a:solidFill>
+              </a:rPr>
+              <a:t>mode</a:t>
+            </a:r>
+            <a:endParaRPr kumimoji="1" lang="ja-JP" altLang="en-US" sz="3200" b="1" dirty="0">
+              <a:solidFill>
+                <a:schemeClr val="tx1"/>
+              </a:solidFill>
+            </a:endParaRPr>
+          </a:p>
+        </p:txBody>
+      </p:sp>
+      <p:sp>
+        <p:nvSpPr>
+          <p:cNvPr id="26" name="四角形: 角を丸くする 25">
+            <a:extLst>
+              <a:ext uri="{FF2B5EF4-FFF2-40B4-BE49-F238E27FC236}">
+                <a16:creationId xmlns:a16="http://schemas.microsoft.com/office/drawing/2014/main" id="{122C31D9-A212-40BF-894C-7FCD0AE00ADF}"/>
+              </a:ext>
+            </a:extLst>
+          </p:cNvPr>
+          <p:cNvSpPr/>
+          <p:nvPr/>
+        </p:nvSpPr>
+        <p:spPr>
+          <a:xfrm>
+            <a:off x="7513161" y="4600941"/>
+            <a:ext cx="1553849" cy="1273910"/>
+          </a:xfrm>
+          <a:prstGeom prst="roundRect">
+            <a:avLst/>
+          </a:prstGeom>
+          <a:noFill/>
+        </p:spPr>
+        <p:style>
+          <a:lnRef idx="2">
+            <a:schemeClr val="accent1">
+              <a:shade val="50000"/>
+            </a:schemeClr>
+          </a:lnRef>
+          <a:fillRef idx="1">
+            <a:schemeClr val="accent1"/>
+          </a:fillRef>
+          <a:effectRef idx="0">
+            <a:schemeClr val="accent1"/>
+          </a:effectRef>
+          <a:fontRef idx="minor">
+            <a:schemeClr val="lt1"/>
+          </a:fontRef>
+        </p:style>
+        <p:txBody>
+          <a:bodyPr rtlCol="0" anchor="ctr"/>
+          <a:lstStyle/>
+          <a:p>
+            <a:pPr algn="ctr"/>
+            <a:r>
+              <a:rPr lang="en-US" altLang="ja-JP" sz="3200" b="1" dirty="0">
+                <a:solidFill>
+                  <a:schemeClr val="tx1"/>
+                </a:solidFill>
+              </a:rPr>
+              <a:t>Load</a:t>
+            </a:r>
+            <a:endParaRPr kumimoji="1" lang="en-US" altLang="ja-JP" sz="3200" b="1" dirty="0">
+              <a:solidFill>
+                <a:schemeClr val="tx1"/>
+              </a:solidFill>
+            </a:endParaRPr>
+          </a:p>
+          <a:p>
+            <a:pPr algn="ctr"/>
+            <a:r>
+              <a:rPr lang="en-US" altLang="ja-JP" sz="3200" b="1" dirty="0">
+                <a:solidFill>
+                  <a:schemeClr val="tx1"/>
+                </a:solidFill>
+              </a:rPr>
+              <a:t>mode</a:t>
+            </a:r>
+            <a:endParaRPr kumimoji="1" lang="ja-JP" altLang="en-US" sz="3200" b="1" dirty="0">
+              <a:solidFill>
+                <a:schemeClr val="tx1"/>
+              </a:solidFill>
+            </a:endParaRPr>
+          </a:p>
+        </p:txBody>
+      </p:sp>
+      <p:sp>
+        <p:nvSpPr>
+          <p:cNvPr id="32" name="四角形: 角を丸くする 31">
+            <a:extLst>
+              <a:ext uri="{FF2B5EF4-FFF2-40B4-BE49-F238E27FC236}">
+                <a16:creationId xmlns:a16="http://schemas.microsoft.com/office/drawing/2014/main" id="{0A07A987-130D-42E7-947E-528F68995A01}"/>
+              </a:ext>
+            </a:extLst>
+          </p:cNvPr>
+          <p:cNvSpPr/>
+          <p:nvPr/>
+        </p:nvSpPr>
+        <p:spPr>
+          <a:xfrm>
+            <a:off x="9314464" y="3555616"/>
+            <a:ext cx="1553849" cy="1273910"/>
+          </a:xfrm>
+          <a:prstGeom prst="roundRect">
+            <a:avLst/>
+          </a:prstGeom>
+          <a:noFill/>
+        </p:spPr>
+        <p:style>
+          <a:lnRef idx="2">
+            <a:schemeClr val="accent1">
+              <a:shade val="50000"/>
+            </a:schemeClr>
+          </a:lnRef>
+          <a:fillRef idx="1">
+            <a:schemeClr val="accent1"/>
+          </a:fillRef>
+          <a:effectRef idx="0">
+            <a:schemeClr val="accent1"/>
+          </a:effectRef>
+          <a:fontRef idx="minor">
+            <a:schemeClr val="lt1"/>
+          </a:fontRef>
+        </p:style>
+        <p:txBody>
+          <a:bodyPr rtlCol="0" anchor="ctr"/>
+          <a:lstStyle/>
+          <a:p>
+            <a:pPr algn="ctr"/>
+            <a:r>
+              <a:rPr lang="en-US" altLang="ja-JP" sz="3200" b="1" dirty="0">
+                <a:solidFill>
+                  <a:schemeClr val="tx1"/>
+                </a:solidFill>
+              </a:rPr>
+              <a:t>Game</a:t>
+            </a:r>
+            <a:endParaRPr kumimoji="1" lang="en-US" altLang="ja-JP" sz="3200" b="1" dirty="0">
+              <a:solidFill>
+                <a:schemeClr val="tx1"/>
+              </a:solidFill>
+            </a:endParaRPr>
+          </a:p>
+          <a:p>
+            <a:pPr algn="ctr"/>
+            <a:r>
+              <a:rPr lang="en-US" altLang="ja-JP" sz="3200" b="1" dirty="0">
+                <a:solidFill>
+                  <a:schemeClr val="tx1"/>
+                </a:solidFill>
+              </a:rPr>
+              <a:t>mode</a:t>
+            </a:r>
+            <a:endParaRPr kumimoji="1" lang="ja-JP" altLang="en-US" sz="3200" b="1" dirty="0">
+              <a:solidFill>
+                <a:schemeClr val="tx1"/>
+              </a:solidFill>
+            </a:endParaRPr>
+          </a:p>
+        </p:txBody>
+      </p:sp>
+      <p:sp>
+        <p:nvSpPr>
+          <p:cNvPr id="33" name="矢印: 折線 32">
+            <a:extLst>
+              <a:ext uri="{FF2B5EF4-FFF2-40B4-BE49-F238E27FC236}">
+                <a16:creationId xmlns:a16="http://schemas.microsoft.com/office/drawing/2014/main" id="{52ECA005-3963-421D-B7F9-C196EDA36A4F}"/>
+              </a:ext>
+            </a:extLst>
+          </p:cNvPr>
+          <p:cNvSpPr/>
+          <p:nvPr/>
+        </p:nvSpPr>
+        <p:spPr>
+          <a:xfrm rot="5400000">
+            <a:off x="9148245" y="2627484"/>
+            <a:ext cx="851549" cy="1014021"/>
+          </a:xfrm>
+          <a:prstGeom prst="bentArrow">
+            <a:avLst>
+              <a:gd name="adj1" fmla="val 18608"/>
+              <a:gd name="adj2" fmla="val 39610"/>
+              <a:gd name="adj3" fmla="val 25000"/>
+              <a:gd name="adj4" fmla="val 75000"/>
+            </a:avLst>
+          </a:prstGeom>
+        </p:spPr>
+        <p:style>
+          <a:lnRef idx="2">
+            <a:schemeClr val="accent1">
+              <a:shade val="50000"/>
+            </a:schemeClr>
+          </a:lnRef>
+          <a:fillRef idx="1">
+            <a:schemeClr val="accent1"/>
+          </a:fillRef>
+          <a:effectRef idx="0">
+            <a:schemeClr val="accent1"/>
+          </a:effectRef>
+          <a:fontRef idx="minor">
+            <a:schemeClr val="lt1"/>
+          </a:fontRef>
+        </p:style>
+        <p:txBody>
+          <a:bodyPr rtlCol="0" anchor="ctr"/>
+          <a:lstStyle/>
+          <a:p>
+            <a:pPr algn="ctr"/>
+            <a:endParaRPr kumimoji="1" lang="ja-JP" altLang="en-US">
+              <a:solidFill>
+                <a:schemeClr val="tx1"/>
+              </a:solidFill>
+            </a:endParaRPr>
+          </a:p>
+        </p:txBody>
+      </p:sp>
+      <p:sp>
+        <p:nvSpPr>
+          <p:cNvPr id="34" name="矢印: 折線 33">
+            <a:extLst>
+              <a:ext uri="{FF2B5EF4-FFF2-40B4-BE49-F238E27FC236}">
+                <a16:creationId xmlns:a16="http://schemas.microsoft.com/office/drawing/2014/main" id="{86A9FC24-A83C-48A1-9399-8A1A427E4A24}"/>
+              </a:ext>
+            </a:extLst>
+          </p:cNvPr>
+          <p:cNvSpPr/>
+          <p:nvPr/>
+        </p:nvSpPr>
+        <p:spPr>
+          <a:xfrm rot="5400000" flipH="1">
+            <a:off x="9160173" y="4776314"/>
+            <a:ext cx="851550" cy="1014021"/>
+          </a:xfrm>
+          <a:prstGeom prst="bentArrow">
+            <a:avLst>
+              <a:gd name="adj1" fmla="val 18608"/>
+              <a:gd name="adj2" fmla="val 39610"/>
+              <a:gd name="adj3" fmla="val 25000"/>
+              <a:gd name="adj4" fmla="val 75000"/>
+            </a:avLst>
+          </a:prstGeom>
+        </p:spPr>
+        <p:style>
+          <a:lnRef idx="2">
+            <a:schemeClr val="accent1">
+              <a:shade val="50000"/>
+            </a:schemeClr>
+          </a:lnRef>
+          <a:fillRef idx="1">
+            <a:schemeClr val="accent1"/>
+          </a:fillRef>
+          <a:effectRef idx="0">
+            <a:schemeClr val="accent1"/>
+          </a:effectRef>
+          <a:fontRef idx="minor">
+            <a:schemeClr val="lt1"/>
+          </a:fontRef>
+        </p:style>
+        <p:txBody>
+          <a:bodyPr rtlCol="0" anchor="ctr"/>
+          <a:lstStyle/>
+          <a:p>
+            <a:pPr algn="ctr"/>
+            <a:endParaRPr kumimoji="1" lang="ja-JP" altLang="en-US">
+              <a:solidFill>
+                <a:schemeClr val="tx1"/>
+              </a:solidFill>
+            </a:endParaRPr>
+          </a:p>
+        </p:txBody>
+      </p:sp>
+      <p:sp>
+        <p:nvSpPr>
+          <p:cNvPr id="35" name="テキスト ボックス 34">
+            <a:extLst>
+              <a:ext uri="{FF2B5EF4-FFF2-40B4-BE49-F238E27FC236}">
+                <a16:creationId xmlns:a16="http://schemas.microsoft.com/office/drawing/2014/main" id="{A85C09E0-4454-4B4B-925B-DAD903DB2F9D}"/>
+              </a:ext>
+            </a:extLst>
+          </p:cNvPr>
+          <p:cNvSpPr txBox="1"/>
+          <p:nvPr/>
+        </p:nvSpPr>
+        <p:spPr>
+          <a:xfrm>
+            <a:off x="4288986" y="3593984"/>
+            <a:ext cx="1024379" cy="584775"/>
+          </a:xfrm>
+          <a:prstGeom prst="rect">
+            <a:avLst/>
+          </a:prstGeom>
+          <a:noFill/>
+        </p:spPr>
+        <p:txBody>
+          <a:bodyPr wrap="square" rtlCol="0">
+            <a:spAutoFit/>
+          </a:bodyPr>
+          <a:lstStyle/>
+          <a:p>
+            <a:r>
+              <a:rPr kumimoji="1" lang="ja-JP" altLang="en-US" sz="3200" b="1" dirty="0"/>
+              <a:t>共有</a:t>
+            </a:r>
+            <a:endParaRPr kumimoji="1" lang="ja-JP" altLang="en-US" b="1" dirty="0"/>
+          </a:p>
+        </p:txBody>
+      </p:sp>
+      <p:sp>
+        <p:nvSpPr>
+          <p:cNvPr id="36" name="テキスト ボックス 35">
+            <a:extLst>
+              <a:ext uri="{FF2B5EF4-FFF2-40B4-BE49-F238E27FC236}">
+                <a16:creationId xmlns:a16="http://schemas.microsoft.com/office/drawing/2014/main" id="{886A6FB9-9A05-4984-B080-DCDC42E53A2A}"/>
+              </a:ext>
+            </a:extLst>
+          </p:cNvPr>
+          <p:cNvSpPr txBox="1"/>
+          <p:nvPr/>
+        </p:nvSpPr>
+        <p:spPr>
+          <a:xfrm>
+            <a:off x="1008978" y="5052491"/>
+            <a:ext cx="1306636" cy="461665"/>
+          </a:xfrm>
+          <a:prstGeom prst="rect">
+            <a:avLst/>
+          </a:prstGeom>
+          <a:noFill/>
+        </p:spPr>
+        <p:txBody>
+          <a:bodyPr wrap="square" rtlCol="0">
+            <a:spAutoFit/>
+          </a:bodyPr>
+          <a:lstStyle/>
+          <a:p>
+            <a:r>
+              <a:rPr lang="en-US" altLang="ja-JP" sz="2400" b="1" dirty="0"/>
+              <a:t>Player2</a:t>
+            </a:r>
+            <a:endParaRPr kumimoji="1" lang="ja-JP" altLang="en-US" sz="2400" b="1" dirty="0"/>
+          </a:p>
+        </p:txBody>
+      </p:sp>
+    </p:spTree>
+    <p:extLst>
+      <p:ext uri="{BB962C8B-B14F-4D97-AF65-F5344CB8AC3E}">
+        <p14:creationId xmlns:p14="http://schemas.microsoft.com/office/powerpoint/2010/main" val="3801905127"/>
       </p:ext>
     </p:extLst>
   </p:cSld>

--- a/論文/卒研用図.pptx
+++ b/論文/卒研用図.pptx
@@ -4,6 +4,9 @@
   <p:sldMasterIdLst>
     <p:sldMasterId id="2147483648" r:id="rId1"/>
   </p:sldMasterIdLst>
+  <p:notesMasterIdLst>
+    <p:notesMasterId r:id="rId15"/>
+  </p:notesMasterIdLst>
   <p:sldIdLst>
     <p:sldId id="256" r:id="rId2"/>
     <p:sldId id="257" r:id="rId3"/>
@@ -17,6 +20,7 @@
     <p:sldId id="266" r:id="rId11"/>
     <p:sldId id="265" r:id="rId12"/>
     <p:sldId id="267" r:id="rId13"/>
+    <p:sldId id="268" r:id="rId14"/>
   </p:sldIdLst>
   <p:sldSz cx="12192000" cy="6858000"/>
   <p:notesSz cx="6858000" cy="9144000"/>
@@ -116,6 +120,27 @@
     </a:lvl9pPr>
   </p:defaultTextStyle>
   <p:extLst>
+    <p:ext uri="{521415D9-36F7-43E2-AB2F-B90AF26B5E84}">
+      <p14:sectionLst xmlns:p14="http://schemas.microsoft.com/office/powerpoint/2010/main">
+        <p14:section name="タイトルなしのセクション" id="{3A6955FE-F7F2-491D-B779-DE29677F8229}">
+          <p14:sldIdLst>
+            <p14:sldId id="256"/>
+            <p14:sldId id="257"/>
+            <p14:sldId id="258"/>
+            <p14:sldId id="259"/>
+            <p14:sldId id="260"/>
+            <p14:sldId id="261"/>
+            <p14:sldId id="262"/>
+            <p14:sldId id="263"/>
+            <p14:sldId id="264"/>
+            <p14:sldId id="266"/>
+            <p14:sldId id="265"/>
+            <p14:sldId id="267"/>
+            <p14:sldId id="268"/>
+          </p14:sldIdLst>
+        </p14:section>
+      </p14:sectionLst>
+    </p:ext>
     <p:ext uri="{EFAFB233-063F-42B5-8137-9DF3F51BA10A}">
       <p15:sldGuideLst xmlns:p15="http://schemas.microsoft.com/office/powerpoint/2012/main"/>
     </p:ext>
@@ -133,6 +158,387 @@
     </p:extLst>
   </p:cmAuthor>
 </p:cmAuthorLst>
+</file>
+
+<file path=ppt/notesMasters/notesMaster1.xml><?xml version="1.0" encoding="utf-8"?>
+<p:notesMaster xmlns:a="http://schemas.openxmlformats.org/drawingml/2006/main" xmlns:r="http://schemas.openxmlformats.org/officeDocument/2006/relationships" xmlns:p="http://schemas.openxmlformats.org/presentationml/2006/main">
+  <p:cSld>
+    <p:bg>
+      <p:bgRef idx="1001">
+        <a:schemeClr val="bg1"/>
+      </p:bgRef>
+    </p:bg>
+    <p:spTree>
+      <p:nvGrpSpPr>
+        <p:cNvPr id="1" name=""/>
+        <p:cNvGrpSpPr/>
+        <p:nvPr/>
+      </p:nvGrpSpPr>
+      <p:grpSpPr>
+        <a:xfrm>
+          <a:off x="0" y="0"/>
+          <a:ext cx="0" cy="0"/>
+          <a:chOff x="0" y="0"/>
+          <a:chExt cx="0" cy="0"/>
+        </a:xfrm>
+      </p:grpSpPr>
+      <p:sp>
+        <p:nvSpPr>
+          <p:cNvPr id="2" name="ヘッダー プレースホルダー 1"/>
+          <p:cNvSpPr>
+            <a:spLocks noGrp="1"/>
+          </p:cNvSpPr>
+          <p:nvPr>
+            <p:ph type="hdr" sz="quarter"/>
+          </p:nvPr>
+        </p:nvSpPr>
+        <p:spPr>
+          <a:xfrm>
+            <a:off x="0" y="0"/>
+            <a:ext cx="2971800" cy="458788"/>
+          </a:xfrm>
+          <a:prstGeom prst="rect">
+            <a:avLst/>
+          </a:prstGeom>
+        </p:spPr>
+        <p:txBody>
+          <a:bodyPr vert="horz" lIns="91440" tIns="45720" rIns="91440" bIns="45720" rtlCol="0"/>
+          <a:lstStyle>
+            <a:lvl1pPr algn="l">
+              <a:defRPr sz="1200"/>
+            </a:lvl1pPr>
+          </a:lstStyle>
+          <a:p>
+            <a:endParaRPr kumimoji="1" lang="ja-JP" altLang="en-US"/>
+          </a:p>
+        </p:txBody>
+      </p:sp>
+      <p:sp>
+        <p:nvSpPr>
+          <p:cNvPr id="3" name="日付プレースホルダー 2"/>
+          <p:cNvSpPr>
+            <a:spLocks noGrp="1"/>
+          </p:cNvSpPr>
+          <p:nvPr>
+            <p:ph type="dt" idx="1"/>
+          </p:nvPr>
+        </p:nvSpPr>
+        <p:spPr>
+          <a:xfrm>
+            <a:off x="3884613" y="0"/>
+            <a:ext cx="2971800" cy="458788"/>
+          </a:xfrm>
+          <a:prstGeom prst="rect">
+            <a:avLst/>
+          </a:prstGeom>
+        </p:spPr>
+        <p:txBody>
+          <a:bodyPr vert="horz" lIns="91440" tIns="45720" rIns="91440" bIns="45720" rtlCol="0"/>
+          <a:lstStyle>
+            <a:lvl1pPr algn="r">
+              <a:defRPr sz="1200"/>
+            </a:lvl1pPr>
+          </a:lstStyle>
+          <a:p>
+            <a:fld id="{0CFEF157-96B6-4192-808C-D830732EC60D}" type="datetimeFigureOut">
+              <a:rPr kumimoji="1" lang="ja-JP" altLang="en-US" smtClean="0"/>
+              <a:t>2021/1/14</a:t>
+            </a:fld>
+            <a:endParaRPr kumimoji="1" lang="ja-JP" altLang="en-US"/>
+          </a:p>
+        </p:txBody>
+      </p:sp>
+      <p:sp>
+        <p:nvSpPr>
+          <p:cNvPr id="4" name="スライド イメージ プレースホルダー 3"/>
+          <p:cNvSpPr>
+            <a:spLocks noGrp="1" noRot="1" noChangeAspect="1"/>
+          </p:cNvSpPr>
+          <p:nvPr>
+            <p:ph type="sldImg" idx="2"/>
+          </p:nvPr>
+        </p:nvSpPr>
+        <p:spPr>
+          <a:xfrm>
+            <a:off x="685800" y="1143000"/>
+            <a:ext cx="5486400" cy="3086100"/>
+          </a:xfrm>
+          <a:prstGeom prst="rect">
+            <a:avLst/>
+          </a:prstGeom>
+          <a:noFill/>
+          <a:ln w="12700">
+            <a:solidFill>
+              <a:prstClr val="black"/>
+            </a:solidFill>
+          </a:ln>
+        </p:spPr>
+        <p:txBody>
+          <a:bodyPr vert="horz" lIns="91440" tIns="45720" rIns="91440" bIns="45720" rtlCol="0" anchor="ctr"/>
+          <a:lstStyle/>
+          <a:p>
+            <a:endParaRPr lang="ja-JP" altLang="en-US"/>
+          </a:p>
+        </p:txBody>
+      </p:sp>
+      <p:sp>
+        <p:nvSpPr>
+          <p:cNvPr id="5" name="ノート プレースホルダー 4"/>
+          <p:cNvSpPr>
+            <a:spLocks noGrp="1"/>
+          </p:cNvSpPr>
+          <p:nvPr>
+            <p:ph type="body" sz="quarter" idx="3"/>
+          </p:nvPr>
+        </p:nvSpPr>
+        <p:spPr>
+          <a:xfrm>
+            <a:off x="685800" y="4400550"/>
+            <a:ext cx="5486400" cy="3600450"/>
+          </a:xfrm>
+          <a:prstGeom prst="rect">
+            <a:avLst/>
+          </a:prstGeom>
+        </p:spPr>
+        <p:txBody>
+          <a:bodyPr vert="horz" lIns="91440" tIns="45720" rIns="91440" bIns="45720" rtlCol="0"/>
+          <a:lstStyle/>
+          <a:p>
+            <a:pPr lvl="0"/>
+            <a:r>
+              <a:rPr kumimoji="1" lang="ja-JP" altLang="en-US"/>
+              <a:t>マスター テキストの書式設定</a:t>
+            </a:r>
+          </a:p>
+          <a:p>
+            <a:pPr lvl="1"/>
+            <a:r>
+              <a:rPr kumimoji="1" lang="ja-JP" altLang="en-US"/>
+              <a:t>第 </a:t>
+            </a:r>
+            <a:r>
+              <a:rPr kumimoji="1" lang="en-US" altLang="ja-JP"/>
+              <a:t>2 </a:t>
+            </a:r>
+            <a:r>
+              <a:rPr kumimoji="1" lang="ja-JP" altLang="en-US"/>
+              <a:t>レベル</a:t>
+            </a:r>
+          </a:p>
+          <a:p>
+            <a:pPr lvl="2"/>
+            <a:r>
+              <a:rPr kumimoji="1" lang="ja-JP" altLang="en-US"/>
+              <a:t>第 </a:t>
+            </a:r>
+            <a:r>
+              <a:rPr kumimoji="1" lang="en-US" altLang="ja-JP"/>
+              <a:t>3 </a:t>
+            </a:r>
+            <a:r>
+              <a:rPr kumimoji="1" lang="ja-JP" altLang="en-US"/>
+              <a:t>レベル</a:t>
+            </a:r>
+          </a:p>
+          <a:p>
+            <a:pPr lvl="3"/>
+            <a:r>
+              <a:rPr kumimoji="1" lang="ja-JP" altLang="en-US"/>
+              <a:t>第 </a:t>
+            </a:r>
+            <a:r>
+              <a:rPr kumimoji="1" lang="en-US" altLang="ja-JP"/>
+              <a:t>4 </a:t>
+            </a:r>
+            <a:r>
+              <a:rPr kumimoji="1" lang="ja-JP" altLang="en-US"/>
+              <a:t>レベル</a:t>
+            </a:r>
+          </a:p>
+          <a:p>
+            <a:pPr lvl="4"/>
+            <a:r>
+              <a:rPr kumimoji="1" lang="ja-JP" altLang="en-US"/>
+              <a:t>第 </a:t>
+            </a:r>
+            <a:r>
+              <a:rPr kumimoji="1" lang="en-US" altLang="ja-JP"/>
+              <a:t>5 </a:t>
+            </a:r>
+            <a:r>
+              <a:rPr kumimoji="1" lang="ja-JP" altLang="en-US"/>
+              <a:t>レベル</a:t>
+            </a:r>
+          </a:p>
+        </p:txBody>
+      </p:sp>
+      <p:sp>
+        <p:nvSpPr>
+          <p:cNvPr id="6" name="フッター プレースホルダー 5"/>
+          <p:cNvSpPr>
+            <a:spLocks noGrp="1"/>
+          </p:cNvSpPr>
+          <p:nvPr>
+            <p:ph type="ftr" sz="quarter" idx="4"/>
+          </p:nvPr>
+        </p:nvSpPr>
+        <p:spPr>
+          <a:xfrm>
+            <a:off x="0" y="8685213"/>
+            <a:ext cx="2971800" cy="458787"/>
+          </a:xfrm>
+          <a:prstGeom prst="rect">
+            <a:avLst/>
+          </a:prstGeom>
+        </p:spPr>
+        <p:txBody>
+          <a:bodyPr vert="horz" lIns="91440" tIns="45720" rIns="91440" bIns="45720" rtlCol="0" anchor="b"/>
+          <a:lstStyle>
+            <a:lvl1pPr algn="l">
+              <a:defRPr sz="1200"/>
+            </a:lvl1pPr>
+          </a:lstStyle>
+          <a:p>
+            <a:endParaRPr kumimoji="1" lang="ja-JP" altLang="en-US"/>
+          </a:p>
+        </p:txBody>
+      </p:sp>
+      <p:sp>
+        <p:nvSpPr>
+          <p:cNvPr id="7" name="スライド番号プレースホルダー 6"/>
+          <p:cNvSpPr>
+            <a:spLocks noGrp="1"/>
+          </p:cNvSpPr>
+          <p:nvPr>
+            <p:ph type="sldNum" sz="quarter" idx="5"/>
+          </p:nvPr>
+        </p:nvSpPr>
+        <p:spPr>
+          <a:xfrm>
+            <a:off x="3884613" y="8685213"/>
+            <a:ext cx="2971800" cy="458787"/>
+          </a:xfrm>
+          <a:prstGeom prst="rect">
+            <a:avLst/>
+          </a:prstGeom>
+        </p:spPr>
+        <p:txBody>
+          <a:bodyPr vert="horz" lIns="91440" tIns="45720" rIns="91440" bIns="45720" rtlCol="0" anchor="b"/>
+          <a:lstStyle>
+            <a:lvl1pPr algn="r">
+              <a:defRPr sz="1200"/>
+            </a:lvl1pPr>
+          </a:lstStyle>
+          <a:p>
+            <a:fld id="{F512014E-9AB3-461D-ACB8-09A21C95DAB7}" type="slidenum">
+              <a:rPr kumimoji="1" lang="ja-JP" altLang="en-US" smtClean="0"/>
+              <a:t>‹#›</a:t>
+            </a:fld>
+            <a:endParaRPr kumimoji="1" lang="ja-JP" altLang="en-US"/>
+          </a:p>
+        </p:txBody>
+      </p:sp>
+    </p:spTree>
+    <p:extLst>
+      <p:ext uri="{BB962C8B-B14F-4D97-AF65-F5344CB8AC3E}">
+        <p14:creationId xmlns:p14="http://schemas.microsoft.com/office/powerpoint/2010/main" val="3160931232"/>
+      </p:ext>
+    </p:extLst>
+  </p:cSld>
+  <p:clrMap bg1="lt1" tx1="dk1" bg2="lt2" tx2="dk2" accent1="accent1" accent2="accent2" accent3="accent3" accent4="accent4" accent5="accent5" accent6="accent6" hlink="hlink" folHlink="folHlink"/>
+  <p:notesStyle>
+    <a:lvl1pPr marL="0" algn="l" defTabSz="914400" rtl="0" eaLnBrk="1" latinLnBrk="0" hangingPunct="1">
+      <a:defRPr kumimoji="1" sz="1200" kern="1200">
+        <a:solidFill>
+          <a:schemeClr val="tx1"/>
+        </a:solidFill>
+        <a:latin typeface="+mn-lt"/>
+        <a:ea typeface="+mn-ea"/>
+        <a:cs typeface="+mn-cs"/>
+      </a:defRPr>
+    </a:lvl1pPr>
+    <a:lvl2pPr marL="457200" algn="l" defTabSz="914400" rtl="0" eaLnBrk="1" latinLnBrk="0" hangingPunct="1">
+      <a:defRPr kumimoji="1" sz="1200" kern="1200">
+        <a:solidFill>
+          <a:schemeClr val="tx1"/>
+        </a:solidFill>
+        <a:latin typeface="+mn-lt"/>
+        <a:ea typeface="+mn-ea"/>
+        <a:cs typeface="+mn-cs"/>
+      </a:defRPr>
+    </a:lvl2pPr>
+    <a:lvl3pPr marL="914400" algn="l" defTabSz="914400" rtl="0" eaLnBrk="1" latinLnBrk="0" hangingPunct="1">
+      <a:defRPr kumimoji="1" sz="1200" kern="1200">
+        <a:solidFill>
+          <a:schemeClr val="tx1"/>
+        </a:solidFill>
+        <a:latin typeface="+mn-lt"/>
+        <a:ea typeface="+mn-ea"/>
+        <a:cs typeface="+mn-cs"/>
+      </a:defRPr>
+    </a:lvl3pPr>
+    <a:lvl4pPr marL="1371600" algn="l" defTabSz="914400" rtl="0" eaLnBrk="1" latinLnBrk="0" hangingPunct="1">
+      <a:defRPr kumimoji="1" sz="1200" kern="1200">
+        <a:solidFill>
+          <a:schemeClr val="tx1"/>
+        </a:solidFill>
+        <a:latin typeface="+mn-lt"/>
+        <a:ea typeface="+mn-ea"/>
+        <a:cs typeface="+mn-cs"/>
+      </a:defRPr>
+    </a:lvl4pPr>
+    <a:lvl5pPr marL="1828800" algn="l" defTabSz="914400" rtl="0" eaLnBrk="1" latinLnBrk="0" hangingPunct="1">
+      <a:defRPr kumimoji="1" sz="1200" kern="1200">
+        <a:solidFill>
+          <a:schemeClr val="tx1"/>
+        </a:solidFill>
+        <a:latin typeface="+mn-lt"/>
+        <a:ea typeface="+mn-ea"/>
+        <a:cs typeface="+mn-cs"/>
+      </a:defRPr>
+    </a:lvl5pPr>
+    <a:lvl6pPr marL="2286000" algn="l" defTabSz="914400" rtl="0" eaLnBrk="1" latinLnBrk="0" hangingPunct="1">
+      <a:defRPr kumimoji="1" sz="1200" kern="1200">
+        <a:solidFill>
+          <a:schemeClr val="tx1"/>
+        </a:solidFill>
+        <a:latin typeface="+mn-lt"/>
+        <a:ea typeface="+mn-ea"/>
+        <a:cs typeface="+mn-cs"/>
+      </a:defRPr>
+    </a:lvl6pPr>
+    <a:lvl7pPr marL="2743200" algn="l" defTabSz="914400" rtl="0" eaLnBrk="1" latinLnBrk="0" hangingPunct="1">
+      <a:defRPr kumimoji="1" sz="1200" kern="1200">
+        <a:solidFill>
+          <a:schemeClr val="tx1"/>
+        </a:solidFill>
+        <a:latin typeface="+mn-lt"/>
+        <a:ea typeface="+mn-ea"/>
+        <a:cs typeface="+mn-cs"/>
+      </a:defRPr>
+    </a:lvl7pPr>
+    <a:lvl8pPr marL="3200400" algn="l" defTabSz="914400" rtl="0" eaLnBrk="1" latinLnBrk="0" hangingPunct="1">
+      <a:defRPr kumimoji="1" sz="1200" kern="1200">
+        <a:solidFill>
+          <a:schemeClr val="tx1"/>
+        </a:solidFill>
+        <a:latin typeface="+mn-lt"/>
+        <a:ea typeface="+mn-ea"/>
+        <a:cs typeface="+mn-cs"/>
+      </a:defRPr>
+    </a:lvl8pPr>
+    <a:lvl9pPr marL="3657600" algn="l" defTabSz="914400" rtl="0" eaLnBrk="1" latinLnBrk="0" hangingPunct="1">
+      <a:defRPr kumimoji="1" sz="1200" kern="1200">
+        <a:solidFill>
+          <a:schemeClr val="tx1"/>
+        </a:solidFill>
+        <a:latin typeface="+mn-lt"/>
+        <a:ea typeface="+mn-ea"/>
+        <a:cs typeface="+mn-cs"/>
+      </a:defRPr>
+    </a:lvl9pPr>
+  </p:notesStyle>
+</p:notesMaster>
 </file>
 
 <file path=ppt/slideLayouts/slideLayout1.xml><?xml version="1.0" encoding="utf-8"?>
@@ -282,7 +688,7 @@
           <a:p>
             <a:fld id="{2E64B005-9ADF-4C42-8867-5D8E615D9A9C}" type="datetimeFigureOut">
               <a:rPr kumimoji="1" lang="ja-JP" altLang="en-US" smtClean="0"/>
-              <a:t>2021/1/13</a:t>
+              <a:t>2021/1/14</a:t>
             </a:fld>
             <a:endParaRPr kumimoji="1" lang="ja-JP" altLang="en-US"/>
           </a:p>
@@ -512,7 +918,7 @@
           <a:p>
             <a:fld id="{2E64B005-9ADF-4C42-8867-5D8E615D9A9C}" type="datetimeFigureOut">
               <a:rPr kumimoji="1" lang="ja-JP" altLang="en-US" smtClean="0"/>
-              <a:t>2021/1/13</a:t>
+              <a:t>2021/1/14</a:t>
             </a:fld>
             <a:endParaRPr kumimoji="1" lang="ja-JP" altLang="en-US"/>
           </a:p>
@@ -752,7 +1158,7 @@
           <a:p>
             <a:fld id="{2E64B005-9ADF-4C42-8867-5D8E615D9A9C}" type="datetimeFigureOut">
               <a:rPr kumimoji="1" lang="ja-JP" altLang="en-US" smtClean="0"/>
-              <a:t>2021/1/13</a:t>
+              <a:t>2021/1/14</a:t>
             </a:fld>
             <a:endParaRPr kumimoji="1" lang="ja-JP" altLang="en-US"/>
           </a:p>
@@ -982,7 +1388,7 @@
           <a:p>
             <a:fld id="{2E64B005-9ADF-4C42-8867-5D8E615D9A9C}" type="datetimeFigureOut">
               <a:rPr kumimoji="1" lang="ja-JP" altLang="en-US" smtClean="0"/>
-              <a:t>2021/1/13</a:t>
+              <a:t>2021/1/14</a:t>
             </a:fld>
             <a:endParaRPr kumimoji="1" lang="ja-JP" altLang="en-US"/>
           </a:p>
@@ -1257,7 +1663,7 @@
           <a:p>
             <a:fld id="{2E64B005-9ADF-4C42-8867-5D8E615D9A9C}" type="datetimeFigureOut">
               <a:rPr kumimoji="1" lang="ja-JP" altLang="en-US" smtClean="0"/>
-              <a:t>2021/1/13</a:t>
+              <a:t>2021/1/14</a:t>
             </a:fld>
             <a:endParaRPr kumimoji="1" lang="ja-JP" altLang="en-US"/>
           </a:p>
@@ -1586,7 +1992,7 @@
           <a:p>
             <a:fld id="{2E64B005-9ADF-4C42-8867-5D8E615D9A9C}" type="datetimeFigureOut">
               <a:rPr kumimoji="1" lang="ja-JP" altLang="en-US" smtClean="0"/>
-              <a:t>2021/1/13</a:t>
+              <a:t>2021/1/14</a:t>
             </a:fld>
             <a:endParaRPr kumimoji="1" lang="ja-JP" altLang="en-US"/>
           </a:p>
@@ -2062,7 +2468,7 @@
           <a:p>
             <a:fld id="{2E64B005-9ADF-4C42-8867-5D8E615D9A9C}" type="datetimeFigureOut">
               <a:rPr kumimoji="1" lang="ja-JP" altLang="en-US" smtClean="0"/>
-              <a:t>2021/1/13</a:t>
+              <a:t>2021/1/14</a:t>
             </a:fld>
             <a:endParaRPr kumimoji="1" lang="ja-JP" altLang="en-US"/>
           </a:p>
@@ -2203,7 +2609,7 @@
           <a:p>
             <a:fld id="{2E64B005-9ADF-4C42-8867-5D8E615D9A9C}" type="datetimeFigureOut">
               <a:rPr kumimoji="1" lang="ja-JP" altLang="en-US" smtClean="0"/>
-              <a:t>2021/1/13</a:t>
+              <a:t>2021/1/14</a:t>
             </a:fld>
             <a:endParaRPr kumimoji="1" lang="ja-JP" altLang="en-US"/>
           </a:p>
@@ -2316,7 +2722,7 @@
           <a:p>
             <a:fld id="{2E64B005-9ADF-4C42-8867-5D8E615D9A9C}" type="datetimeFigureOut">
               <a:rPr kumimoji="1" lang="ja-JP" altLang="en-US" smtClean="0"/>
-              <a:t>2021/1/13</a:t>
+              <a:t>2021/1/14</a:t>
             </a:fld>
             <a:endParaRPr kumimoji="1" lang="ja-JP" altLang="en-US"/>
           </a:p>
@@ -2659,7 +3065,7 @@
           <a:p>
             <a:fld id="{2E64B005-9ADF-4C42-8867-5D8E615D9A9C}" type="datetimeFigureOut">
               <a:rPr kumimoji="1" lang="ja-JP" altLang="en-US" smtClean="0"/>
-              <a:t>2021/1/13</a:t>
+              <a:t>2021/1/14</a:t>
             </a:fld>
             <a:endParaRPr kumimoji="1" lang="ja-JP" altLang="en-US"/>
           </a:p>
@@ -2947,7 +3353,7 @@
           <a:p>
             <a:fld id="{2E64B005-9ADF-4C42-8867-5D8E615D9A9C}" type="datetimeFigureOut">
               <a:rPr kumimoji="1" lang="ja-JP" altLang="en-US" smtClean="0"/>
-              <a:t>2021/1/13</a:t>
+              <a:t>2021/1/14</a:t>
             </a:fld>
             <a:endParaRPr kumimoji="1" lang="ja-JP" altLang="en-US"/>
           </a:p>
@@ -3220,7 +3626,7 @@
           <a:p>
             <a:fld id="{2E64B005-9ADF-4C42-8867-5D8E615D9A9C}" type="datetimeFigureOut">
               <a:rPr kumimoji="1" lang="ja-JP" altLang="en-US" smtClean="0"/>
-              <a:t>2021/1/13</a:t>
+              <a:t>2021/1/14</a:t>
             </a:fld>
             <a:endParaRPr kumimoji="1" lang="ja-JP" altLang="en-US"/>
           </a:p>
@@ -3639,51 +4045,521 @@
       </p:grpSpPr>
       <p:sp>
         <p:nvSpPr>
-          <p:cNvPr id="2" name="タイトル 1">
-            <a:extLst>
-              <a:ext uri="{FF2B5EF4-FFF2-40B4-BE49-F238E27FC236}">
-                <a16:creationId xmlns:a16="http://schemas.microsoft.com/office/drawing/2014/main" id="{E1CDD22E-38B5-4E56-9DD2-9635B919DF58}"/>
-              </a:ext>
-            </a:extLst>
-          </p:cNvPr>
-          <p:cNvSpPr>
-            <a:spLocks noGrp="1"/>
-          </p:cNvSpPr>
-          <p:nvPr>
-            <p:ph type="ctrTitle"/>
-          </p:nvPr>
-        </p:nvSpPr>
-        <p:spPr/>
-        <p:txBody>
-          <a:bodyPr/>
+          <p:cNvPr id="4" name="楕円 3">
+            <a:extLst>
+              <a:ext uri="{FF2B5EF4-FFF2-40B4-BE49-F238E27FC236}">
+                <a16:creationId xmlns:a16="http://schemas.microsoft.com/office/drawing/2014/main" id="{F679D6A0-1570-4148-BC14-FF73C7B1AD19}"/>
+              </a:ext>
+            </a:extLst>
+          </p:cNvPr>
+          <p:cNvSpPr/>
+          <p:nvPr/>
+        </p:nvSpPr>
+        <p:spPr>
+          <a:xfrm>
+            <a:off x="3133431" y="2184162"/>
+            <a:ext cx="4324547" cy="3957687"/>
+          </a:xfrm>
+          <a:prstGeom prst="ellipse">
+            <a:avLst/>
+          </a:prstGeom>
+          <a:noFill/>
+          <a:ln w="38100">
+            <a:solidFill>
+              <a:srgbClr val="FFFF00"/>
+            </a:solidFill>
+          </a:ln>
+        </p:spPr>
+        <p:style>
+          <a:lnRef idx="2">
+            <a:schemeClr val="accent1">
+              <a:shade val="50000"/>
+            </a:schemeClr>
+          </a:lnRef>
+          <a:fillRef idx="1">
+            <a:schemeClr val="accent1"/>
+          </a:fillRef>
+          <a:effectRef idx="0">
+            <a:schemeClr val="accent1"/>
+          </a:effectRef>
+          <a:fontRef idx="minor">
+            <a:schemeClr val="lt1"/>
+          </a:fontRef>
+        </p:style>
+        <p:txBody>
+          <a:bodyPr rtlCol="0" anchor="ctr"/>
           <a:lstStyle/>
           <a:p>
-            <a:endParaRPr kumimoji="1" lang="ja-JP" altLang="en-US" dirty="0"/>
-          </a:p>
-        </p:txBody>
-      </p:sp>
-      <p:sp>
-        <p:nvSpPr>
-          <p:cNvPr id="3" name="字幕 2">
-            <a:extLst>
-              <a:ext uri="{FF2B5EF4-FFF2-40B4-BE49-F238E27FC236}">
-                <a16:creationId xmlns:a16="http://schemas.microsoft.com/office/drawing/2014/main" id="{1C1D9CEA-9B04-499F-8E1B-691AA8B6FA2A}"/>
-              </a:ext>
-            </a:extLst>
-          </p:cNvPr>
-          <p:cNvSpPr>
-            <a:spLocks noGrp="1"/>
-          </p:cNvSpPr>
-          <p:nvPr>
-            <p:ph type="subTitle" idx="1"/>
-          </p:nvPr>
-        </p:nvSpPr>
-        <p:spPr/>
-        <p:txBody>
-          <a:bodyPr/>
+            <a:pPr algn="ctr"/>
+            <a:endParaRPr kumimoji="1" lang="ja-JP" altLang="en-US"/>
+          </a:p>
+        </p:txBody>
+      </p:sp>
+      <p:sp>
+        <p:nvSpPr>
+          <p:cNvPr id="6" name="楕円 5">
+            <a:extLst>
+              <a:ext uri="{FF2B5EF4-FFF2-40B4-BE49-F238E27FC236}">
+                <a16:creationId xmlns:a16="http://schemas.microsoft.com/office/drawing/2014/main" id="{5092E987-ED75-466C-90FE-5A51AFFE702E}"/>
+              </a:ext>
+            </a:extLst>
+          </p:cNvPr>
+          <p:cNvSpPr/>
+          <p:nvPr/>
+        </p:nvSpPr>
+        <p:spPr>
+          <a:xfrm>
+            <a:off x="4079842" y="498571"/>
+            <a:ext cx="4324547" cy="3957687"/>
+          </a:xfrm>
+          <a:prstGeom prst="ellipse">
+            <a:avLst/>
+          </a:prstGeom>
+          <a:noFill/>
+          <a:ln w="38100">
+            <a:solidFill>
+              <a:srgbClr val="FF0000"/>
+            </a:solidFill>
+          </a:ln>
+        </p:spPr>
+        <p:style>
+          <a:lnRef idx="2">
+            <a:schemeClr val="accent1">
+              <a:shade val="50000"/>
+            </a:schemeClr>
+          </a:lnRef>
+          <a:fillRef idx="1">
+            <a:schemeClr val="accent1"/>
+          </a:fillRef>
+          <a:effectRef idx="0">
+            <a:schemeClr val="accent1"/>
+          </a:effectRef>
+          <a:fontRef idx="minor">
+            <a:schemeClr val="lt1"/>
+          </a:fontRef>
+        </p:style>
+        <p:txBody>
+          <a:bodyPr rtlCol="0" anchor="ctr"/>
           <a:lstStyle/>
           <a:p>
+            <a:pPr algn="ctr"/>
             <a:endParaRPr kumimoji="1" lang="ja-JP" altLang="en-US"/>
+          </a:p>
+        </p:txBody>
+      </p:sp>
+      <p:sp>
+        <p:nvSpPr>
+          <p:cNvPr id="7" name="楕円 6">
+            <a:extLst>
+              <a:ext uri="{FF2B5EF4-FFF2-40B4-BE49-F238E27FC236}">
+                <a16:creationId xmlns:a16="http://schemas.microsoft.com/office/drawing/2014/main" id="{09700F8A-CFA4-4A3B-86AB-03B3D8825DE1}"/>
+              </a:ext>
+            </a:extLst>
+          </p:cNvPr>
+          <p:cNvSpPr/>
+          <p:nvPr/>
+        </p:nvSpPr>
+        <p:spPr>
+          <a:xfrm>
+            <a:off x="4963803" y="2184162"/>
+            <a:ext cx="4324547" cy="3957687"/>
+          </a:xfrm>
+          <a:prstGeom prst="ellipse">
+            <a:avLst/>
+          </a:prstGeom>
+          <a:noFill/>
+          <a:ln w="38100">
+            <a:solidFill>
+              <a:srgbClr val="00B0F0"/>
+            </a:solidFill>
+          </a:ln>
+        </p:spPr>
+        <p:style>
+          <a:lnRef idx="2">
+            <a:schemeClr val="accent1">
+              <a:shade val="50000"/>
+            </a:schemeClr>
+          </a:lnRef>
+          <a:fillRef idx="1">
+            <a:schemeClr val="accent1"/>
+          </a:fillRef>
+          <a:effectRef idx="0">
+            <a:schemeClr val="accent1"/>
+          </a:effectRef>
+          <a:fontRef idx="minor">
+            <a:schemeClr val="lt1"/>
+          </a:fontRef>
+        </p:style>
+        <p:txBody>
+          <a:bodyPr rtlCol="0" anchor="ctr"/>
+          <a:lstStyle/>
+          <a:p>
+            <a:pPr algn="ctr"/>
+            <a:endParaRPr kumimoji="1" lang="ja-JP" altLang="en-US"/>
+          </a:p>
+        </p:txBody>
+      </p:sp>
+      <p:sp>
+        <p:nvSpPr>
+          <p:cNvPr id="8" name="テキスト ボックス 7">
+            <a:extLst>
+              <a:ext uri="{FF2B5EF4-FFF2-40B4-BE49-F238E27FC236}">
+                <a16:creationId xmlns:a16="http://schemas.microsoft.com/office/drawing/2014/main" id="{F76DD918-35D0-478A-BA43-E50CB27803B9}"/>
+              </a:ext>
+            </a:extLst>
+          </p:cNvPr>
+          <p:cNvSpPr txBox="1"/>
+          <p:nvPr/>
+        </p:nvSpPr>
+        <p:spPr>
+          <a:xfrm>
+            <a:off x="8645166" y="2581648"/>
+            <a:ext cx="783209" cy="646331"/>
+          </a:xfrm>
+          <a:prstGeom prst="rect">
+            <a:avLst/>
+          </a:prstGeom>
+          <a:solidFill>
+            <a:srgbClr val="00B0F0"/>
+          </a:solidFill>
+        </p:spPr>
+        <p:txBody>
+          <a:bodyPr wrap="square" rtlCol="0">
+            <a:spAutoFit/>
+          </a:bodyPr>
+          <a:lstStyle/>
+          <a:p>
+            <a:pPr algn="ctr"/>
+            <a:r>
+              <a:rPr lang="ja-JP" altLang="en-US" sz="3600" b="1" dirty="0"/>
+              <a:t>盤</a:t>
+            </a:r>
+            <a:endParaRPr kumimoji="1" lang="ja-JP" altLang="en-US" sz="3600" b="1" dirty="0"/>
+          </a:p>
+        </p:txBody>
+      </p:sp>
+      <p:sp>
+        <p:nvSpPr>
+          <p:cNvPr id="10" name="テキスト ボックス 9">
+            <a:extLst>
+              <a:ext uri="{FF2B5EF4-FFF2-40B4-BE49-F238E27FC236}">
+                <a16:creationId xmlns:a16="http://schemas.microsoft.com/office/drawing/2014/main" id="{A8653FA7-AA82-4116-B0D7-03311BCB843B}"/>
+              </a:ext>
+            </a:extLst>
+          </p:cNvPr>
+          <p:cNvSpPr txBox="1"/>
+          <p:nvPr/>
+        </p:nvSpPr>
+        <p:spPr>
+          <a:xfrm>
+            <a:off x="7312453" y="544489"/>
+            <a:ext cx="1724318" cy="646331"/>
+          </a:xfrm>
+          <a:prstGeom prst="rect">
+            <a:avLst/>
+          </a:prstGeom>
+          <a:solidFill>
+            <a:srgbClr val="FF0000"/>
+          </a:solidFill>
+        </p:spPr>
+        <p:txBody>
+          <a:bodyPr wrap="square" rtlCol="0">
+            <a:spAutoFit/>
+          </a:bodyPr>
+          <a:lstStyle/>
+          <a:p>
+            <a:pPr algn="ctr"/>
+            <a:r>
+              <a:rPr kumimoji="1" lang="ja-JP" altLang="en-US" sz="3600" b="1" dirty="0"/>
+              <a:t>カード</a:t>
+            </a:r>
+          </a:p>
+        </p:txBody>
+      </p:sp>
+      <p:sp>
+        <p:nvSpPr>
+          <p:cNvPr id="11" name="テキスト ボックス 10">
+            <a:extLst>
+              <a:ext uri="{FF2B5EF4-FFF2-40B4-BE49-F238E27FC236}">
+                <a16:creationId xmlns:a16="http://schemas.microsoft.com/office/drawing/2014/main" id="{C380B759-BBF2-43F0-A777-966DF72BFCCF}"/>
+              </a:ext>
+            </a:extLst>
+          </p:cNvPr>
+          <p:cNvSpPr txBox="1"/>
+          <p:nvPr/>
+        </p:nvSpPr>
+        <p:spPr>
+          <a:xfrm>
+            <a:off x="2823427" y="2768640"/>
+            <a:ext cx="783209" cy="646331"/>
+          </a:xfrm>
+          <a:prstGeom prst="rect">
+            <a:avLst/>
+          </a:prstGeom>
+          <a:solidFill>
+            <a:srgbClr val="FFFF00"/>
+          </a:solidFill>
+        </p:spPr>
+        <p:txBody>
+          <a:bodyPr wrap="square" rtlCol="0">
+            <a:spAutoFit/>
+          </a:bodyPr>
+          <a:lstStyle/>
+          <a:p>
+            <a:pPr algn="ctr"/>
+            <a:r>
+              <a:rPr kumimoji="1" lang="ja-JP" altLang="en-US" sz="3600" b="1" dirty="0"/>
+              <a:t>駒</a:t>
+            </a:r>
+          </a:p>
+        </p:txBody>
+      </p:sp>
+      <p:sp>
+        <p:nvSpPr>
+          <p:cNvPr id="12" name="テキスト ボックス 11">
+            <a:extLst>
+              <a:ext uri="{FF2B5EF4-FFF2-40B4-BE49-F238E27FC236}">
+                <a16:creationId xmlns:a16="http://schemas.microsoft.com/office/drawing/2014/main" id="{245DE77C-EB35-4359-A421-36BB5B144E88}"/>
+              </a:ext>
+            </a:extLst>
+          </p:cNvPr>
+          <p:cNvSpPr txBox="1"/>
+          <p:nvPr/>
+        </p:nvSpPr>
+        <p:spPr>
+          <a:xfrm>
+            <a:off x="5507611" y="770491"/>
+            <a:ext cx="1618466" cy="461665"/>
+          </a:xfrm>
+          <a:prstGeom prst="rect">
+            <a:avLst/>
+          </a:prstGeom>
+          <a:noFill/>
+        </p:spPr>
+        <p:txBody>
+          <a:bodyPr wrap="square" rtlCol="0">
+            <a:spAutoFit/>
+          </a:bodyPr>
+          <a:lstStyle/>
+          <a:p>
+            <a:r>
+              <a:rPr kumimoji="1" lang="ja-JP" altLang="en-US" sz="2400" dirty="0"/>
+              <a:t>ポーカー</a:t>
+            </a:r>
+            <a:endParaRPr kumimoji="1" lang="ja-JP" altLang="en-US" sz="2800" dirty="0"/>
+          </a:p>
+        </p:txBody>
+      </p:sp>
+      <p:sp>
+        <p:nvSpPr>
+          <p:cNvPr id="13" name="テキスト ボックス 12">
+            <a:extLst>
+              <a:ext uri="{FF2B5EF4-FFF2-40B4-BE49-F238E27FC236}">
+                <a16:creationId xmlns:a16="http://schemas.microsoft.com/office/drawing/2014/main" id="{CC3300B7-40AC-4EE0-8B6A-74461BEA4670}"/>
+              </a:ext>
+            </a:extLst>
+          </p:cNvPr>
+          <p:cNvSpPr txBox="1"/>
+          <p:nvPr/>
+        </p:nvSpPr>
+        <p:spPr>
+          <a:xfrm>
+            <a:off x="5491899" y="1268628"/>
+            <a:ext cx="1618466" cy="461665"/>
+          </a:xfrm>
+          <a:prstGeom prst="rect">
+            <a:avLst/>
+          </a:prstGeom>
+          <a:noFill/>
+        </p:spPr>
+        <p:txBody>
+          <a:bodyPr wrap="square" rtlCol="0">
+            <a:spAutoFit/>
+          </a:bodyPr>
+          <a:lstStyle/>
+          <a:p>
+            <a:r>
+              <a:rPr kumimoji="1" lang="ja-JP" altLang="en-US" sz="2400" dirty="0"/>
+              <a:t>ババ抜き</a:t>
+            </a:r>
+          </a:p>
+        </p:txBody>
+      </p:sp>
+      <p:sp>
+        <p:nvSpPr>
+          <p:cNvPr id="14" name="テキスト ボックス 13">
+            <a:extLst>
+              <a:ext uri="{FF2B5EF4-FFF2-40B4-BE49-F238E27FC236}">
+                <a16:creationId xmlns:a16="http://schemas.microsoft.com/office/drawing/2014/main" id="{77CAF148-E188-4F9C-A09E-5791CC3F02D1}"/>
+              </a:ext>
+            </a:extLst>
+          </p:cNvPr>
+          <p:cNvSpPr txBox="1"/>
+          <p:nvPr/>
+        </p:nvSpPr>
+        <p:spPr>
+          <a:xfrm>
+            <a:off x="5753787" y="1801154"/>
+            <a:ext cx="1618466" cy="461665"/>
+          </a:xfrm>
+          <a:prstGeom prst="rect">
+            <a:avLst/>
+          </a:prstGeom>
+          <a:noFill/>
+        </p:spPr>
+        <p:txBody>
+          <a:bodyPr wrap="square" rtlCol="0">
+            <a:spAutoFit/>
+          </a:bodyPr>
+          <a:lstStyle/>
+          <a:p>
+            <a:r>
+              <a:rPr kumimoji="1" lang="ja-JP" altLang="en-US" sz="2400" dirty="0"/>
+              <a:t>花札</a:t>
+            </a:r>
+            <a:endParaRPr kumimoji="1" lang="ja-JP" altLang="en-US" sz="2800" dirty="0"/>
+          </a:p>
+        </p:txBody>
+      </p:sp>
+      <p:sp>
+        <p:nvSpPr>
+          <p:cNvPr id="15" name="テキスト ボックス 14">
+            <a:extLst>
+              <a:ext uri="{FF2B5EF4-FFF2-40B4-BE49-F238E27FC236}">
+                <a16:creationId xmlns:a16="http://schemas.microsoft.com/office/drawing/2014/main" id="{90A1DF08-D597-4E05-AEAD-64CE6ED5DB3A}"/>
+              </a:ext>
+            </a:extLst>
+          </p:cNvPr>
+          <p:cNvSpPr txBox="1"/>
+          <p:nvPr/>
+        </p:nvSpPr>
+        <p:spPr>
+          <a:xfrm>
+            <a:off x="5357277" y="2904814"/>
+            <a:ext cx="2110818" cy="461665"/>
+          </a:xfrm>
+          <a:prstGeom prst="rect">
+            <a:avLst/>
+          </a:prstGeom>
+          <a:noFill/>
+        </p:spPr>
+        <p:txBody>
+          <a:bodyPr wrap="square" rtlCol="0">
+            <a:spAutoFit/>
+          </a:bodyPr>
+          <a:lstStyle/>
+          <a:p>
+            <a:r>
+              <a:rPr kumimoji="1" lang="ja-JP" altLang="en-US" sz="2400" dirty="0"/>
+              <a:t>モノポリー</a:t>
+            </a:r>
+          </a:p>
+        </p:txBody>
+      </p:sp>
+      <p:sp>
+        <p:nvSpPr>
+          <p:cNvPr id="16" name="テキスト ボックス 15">
+            <a:extLst>
+              <a:ext uri="{FF2B5EF4-FFF2-40B4-BE49-F238E27FC236}">
+                <a16:creationId xmlns:a16="http://schemas.microsoft.com/office/drawing/2014/main" id="{4EC0019B-397E-4878-960C-B88EEA67D381}"/>
+              </a:ext>
+            </a:extLst>
+          </p:cNvPr>
+          <p:cNvSpPr txBox="1"/>
+          <p:nvPr/>
+        </p:nvSpPr>
+        <p:spPr>
+          <a:xfrm>
+            <a:off x="5784622" y="4478747"/>
+            <a:ext cx="1618466" cy="461665"/>
+          </a:xfrm>
+          <a:prstGeom prst="rect">
+            <a:avLst/>
+          </a:prstGeom>
+          <a:noFill/>
+        </p:spPr>
+        <p:txBody>
+          <a:bodyPr wrap="square" rtlCol="0">
+            <a:spAutoFit/>
+          </a:bodyPr>
+          <a:lstStyle/>
+          <a:p>
+            <a:r>
+              <a:rPr kumimoji="1" lang="ja-JP" altLang="en-US" sz="2400" dirty="0"/>
+              <a:t>将棋</a:t>
+            </a:r>
+          </a:p>
+        </p:txBody>
+      </p:sp>
+      <p:sp>
+        <p:nvSpPr>
+          <p:cNvPr id="17" name="テキスト ボックス 16">
+            <a:extLst>
+              <a:ext uri="{FF2B5EF4-FFF2-40B4-BE49-F238E27FC236}">
+                <a16:creationId xmlns:a16="http://schemas.microsoft.com/office/drawing/2014/main" id="{FC76878E-301D-4718-883E-B367C584EDE3}"/>
+              </a:ext>
+            </a:extLst>
+          </p:cNvPr>
+          <p:cNvSpPr txBox="1"/>
+          <p:nvPr/>
+        </p:nvSpPr>
+        <p:spPr>
+          <a:xfrm>
+            <a:off x="5693987" y="5025256"/>
+            <a:ext cx="1618466" cy="461665"/>
+          </a:xfrm>
+          <a:prstGeom prst="rect">
+            <a:avLst/>
+          </a:prstGeom>
+          <a:noFill/>
+        </p:spPr>
+        <p:txBody>
+          <a:bodyPr wrap="square" rtlCol="0">
+            <a:spAutoFit/>
+          </a:bodyPr>
+          <a:lstStyle/>
+          <a:p>
+            <a:r>
+              <a:rPr kumimoji="1" lang="ja-JP" altLang="en-US" sz="2400" dirty="0"/>
+              <a:t>チェス</a:t>
+            </a:r>
+            <a:endParaRPr kumimoji="1" lang="ja-JP" altLang="en-US" sz="2800" dirty="0"/>
+          </a:p>
+        </p:txBody>
+      </p:sp>
+      <p:sp>
+        <p:nvSpPr>
+          <p:cNvPr id="18" name="テキスト ボックス 17">
+            <a:extLst>
+              <a:ext uri="{FF2B5EF4-FFF2-40B4-BE49-F238E27FC236}">
+                <a16:creationId xmlns:a16="http://schemas.microsoft.com/office/drawing/2014/main" id="{AE20992F-C9AA-4704-B751-44593DC5B059}"/>
+              </a:ext>
+            </a:extLst>
+          </p:cNvPr>
+          <p:cNvSpPr txBox="1"/>
+          <p:nvPr/>
+        </p:nvSpPr>
+        <p:spPr>
+          <a:xfrm>
+            <a:off x="5367977" y="3518654"/>
+            <a:ext cx="1866310" cy="461665"/>
+          </a:xfrm>
+          <a:prstGeom prst="rect">
+            <a:avLst/>
+          </a:prstGeom>
+          <a:noFill/>
+        </p:spPr>
+        <p:txBody>
+          <a:bodyPr wrap="square" rtlCol="0">
+            <a:spAutoFit/>
+          </a:bodyPr>
+          <a:lstStyle/>
+          <a:p>
+            <a:r>
+              <a:rPr lang="ja-JP" altLang="en-US" sz="2400" dirty="0"/>
+              <a:t>人生ゲーム</a:t>
+            </a:r>
+            <a:endParaRPr kumimoji="1" lang="ja-JP" altLang="en-US" sz="2800" dirty="0"/>
           </a:p>
         </p:txBody>
       </p:sp>
@@ -3799,10 +4675,10 @@
       </p:grpSpPr>
       <p:sp>
         <p:nvSpPr>
-          <p:cNvPr id="4" name="四角形: 角を丸くする 3">
-            <a:extLst>
-              <a:ext uri="{FF2B5EF4-FFF2-40B4-BE49-F238E27FC236}">
-                <a16:creationId xmlns:a16="http://schemas.microsoft.com/office/drawing/2014/main" id="{F6F28439-03B5-4040-BE14-F3F5D457A8E1}"/>
+          <p:cNvPr id="18" name="矢印: 下 17">
+            <a:extLst>
+              <a:ext uri="{FF2B5EF4-FFF2-40B4-BE49-F238E27FC236}">
+                <a16:creationId xmlns:a16="http://schemas.microsoft.com/office/drawing/2014/main" id="{5A61E532-B1E9-45E0-B0AA-BAA39B75B1A3}"/>
               </a:ext>
             </a:extLst>
           </p:cNvPr>
@@ -3810,9 +4686,58 @@
           <p:nvPr/>
         </p:nvSpPr>
         <p:spPr>
+          <a:xfrm flipV="1">
+            <a:off x="3394621" y="1438218"/>
+            <a:ext cx="1269160" cy="1456271"/>
+          </a:xfrm>
+          <a:prstGeom prst="downArrow">
+            <a:avLst>
+              <a:gd name="adj1" fmla="val 50000"/>
+              <a:gd name="adj2" fmla="val 37266"/>
+            </a:avLst>
+          </a:prstGeom>
+        </p:spPr>
+        <p:style>
+          <a:lnRef idx="2">
+            <a:schemeClr val="accent1">
+              <a:shade val="50000"/>
+            </a:schemeClr>
+          </a:lnRef>
+          <a:fillRef idx="1">
+            <a:schemeClr val="accent1"/>
+          </a:fillRef>
+          <a:effectRef idx="0">
+            <a:schemeClr val="accent1"/>
+          </a:effectRef>
+          <a:fontRef idx="minor">
+            <a:schemeClr val="lt1"/>
+          </a:fontRef>
+        </p:style>
+        <p:txBody>
+          <a:bodyPr rtlCol="0" anchor="ctr"/>
+          <a:lstStyle/>
+          <a:p>
+            <a:pPr algn="ctr"/>
+            <a:endParaRPr kumimoji="1" lang="ja-JP" altLang="en-US"/>
+          </a:p>
+        </p:txBody>
+      </p:sp>
+      <p:sp>
+        <p:nvSpPr>
+          <p:cNvPr id="4" name="四角形: 角を丸くする 3">
+            <a:extLst>
+              <a:ext uri="{FF2B5EF4-FFF2-40B4-BE49-F238E27FC236}">
+                <a16:creationId xmlns:a16="http://schemas.microsoft.com/office/drawing/2014/main" id="{F6F28439-03B5-4040-BE14-F3F5D457A8E1}"/>
+              </a:ext>
+            </a:extLst>
+          </p:cNvPr>
+          <p:cNvSpPr/>
+          <p:nvPr/>
+        </p:nvSpPr>
+        <p:spPr>
           <a:xfrm>
-            <a:off x="804420" y="2422688"/>
-            <a:ext cx="5709502" cy="3714161"/>
+            <a:off x="1517371" y="3604111"/>
+            <a:ext cx="4987011" cy="3131876"/>
           </a:xfrm>
           <a:prstGeom prst="roundRect">
             <a:avLst/>
@@ -3863,8 +4788,8 @@
         </p:nvSpPr>
         <p:spPr>
           <a:xfrm>
-            <a:off x="2443112" y="1557851"/>
-            <a:ext cx="2432115" cy="1077218"/>
+            <a:off x="2948599" y="2872448"/>
+            <a:ext cx="2188949" cy="1077218"/>
           </a:xfrm>
           <a:prstGeom prst="rect">
             <a:avLst/>
@@ -3915,8 +4840,8 @@
         </p:nvSpPr>
         <p:spPr>
           <a:xfrm>
-            <a:off x="2570374" y="2694399"/>
-            <a:ext cx="2177592" cy="1494149"/>
+            <a:off x="3059007" y="4029215"/>
+            <a:ext cx="1903739" cy="1304226"/>
           </a:xfrm>
           <a:prstGeom prst="roundRect">
             <a:avLst/>
@@ -3998,8 +4923,8 @@
         </p:nvSpPr>
         <p:spPr>
           <a:xfrm>
-            <a:off x="1272618" y="4436062"/>
-            <a:ext cx="2177592" cy="1494149"/>
+            <a:off x="1926294" y="5362934"/>
+            <a:ext cx="1903739" cy="1304226"/>
           </a:xfrm>
           <a:prstGeom prst="roundRect">
             <a:avLst/>
@@ -4081,8 +5006,8 @@
         </p:nvSpPr>
         <p:spPr>
           <a:xfrm>
-            <a:off x="3918408" y="4460259"/>
-            <a:ext cx="2177592" cy="1494149"/>
+            <a:off x="4237118" y="5383895"/>
+            <a:ext cx="1903739" cy="1304226"/>
           </a:xfrm>
           <a:prstGeom prst="roundRect">
             <a:avLst/>
@@ -4159,8 +5084,8 @@
         </p:nvSpPr>
         <p:spPr>
           <a:xfrm>
-            <a:off x="7880809" y="4495610"/>
-            <a:ext cx="2177592" cy="1494149"/>
+            <a:off x="8249645" y="4690983"/>
+            <a:ext cx="1903739" cy="1304226"/>
           </a:xfrm>
           <a:prstGeom prst="roundRect">
             <a:avLst/>
@@ -4242,8 +5167,8 @@
         </p:nvSpPr>
         <p:spPr>
           <a:xfrm flipH="1">
-            <a:off x="6528062" y="4565590"/>
-            <a:ext cx="1338606" cy="1283485"/>
+            <a:off x="6504382" y="4760411"/>
+            <a:ext cx="1720132" cy="1120340"/>
           </a:xfrm>
           <a:prstGeom prst="rightArrow">
             <a:avLst/>
@@ -4288,8 +5213,8 @@
         </p:nvSpPr>
         <p:spPr>
           <a:xfrm>
-            <a:off x="6670249" y="4888741"/>
-            <a:ext cx="1203489" cy="707886"/>
+            <a:off x="7197506" y="4497282"/>
+            <a:ext cx="1052139" cy="584775"/>
           </a:xfrm>
           <a:prstGeom prst="rect">
             <a:avLst/>
@@ -4303,13 +5228,18 @@
           <a:lstStyle/>
           <a:p>
             <a:r>
-              <a:rPr kumimoji="1" lang="ja-JP" altLang="en-US" sz="4000" b="1" dirty="0">
+              <a:rPr kumimoji="1" lang="ja-JP" altLang="en-US" sz="3200" b="1" dirty="0">
                 <a:solidFill>
                   <a:schemeClr val="bg1"/>
                 </a:solidFill>
               </a:rPr>
               <a:t>操作</a:t>
             </a:r>
+            <a:endParaRPr kumimoji="1" lang="ja-JP" altLang="en-US" sz="4000" b="1" dirty="0">
+              <a:solidFill>
+                <a:schemeClr val="bg1"/>
+              </a:solidFill>
+            </a:endParaRPr>
           </a:p>
         </p:txBody>
       </p:sp>
@@ -4327,8 +5257,8 @@
         </p:nvSpPr>
         <p:spPr>
           <a:xfrm>
-            <a:off x="8243741" y="3146030"/>
-            <a:ext cx="1451728" cy="1351412"/>
+            <a:off x="8593923" y="1422965"/>
+            <a:ext cx="1269160" cy="3268018"/>
           </a:xfrm>
           <a:prstGeom prst="downArrow">
             <a:avLst>
@@ -4376,8 +5306,8 @@
         </p:nvSpPr>
         <p:spPr>
           <a:xfrm>
-            <a:off x="7880809" y="1653713"/>
-            <a:ext cx="2177592" cy="1494149"/>
+            <a:off x="8276632" y="118739"/>
+            <a:ext cx="1903739" cy="1304226"/>
           </a:xfrm>
           <a:prstGeom prst="roundRect">
             <a:avLst/>
@@ -4459,8 +5389,8 @@
         </p:nvSpPr>
         <p:spPr>
           <a:xfrm>
-            <a:off x="6933416" y="3247689"/>
-            <a:ext cx="4072378" cy="646331"/>
+            <a:off x="7283025" y="1613459"/>
+            <a:ext cx="3890954" cy="646331"/>
           </a:xfrm>
           <a:prstGeom prst="rect">
             <a:avLst/>
@@ -4489,10 +5419,10 @@
       </p:sp>
       <p:sp>
         <p:nvSpPr>
-          <p:cNvPr id="19" name="フリーフォーム: 図形 18">
-            <a:extLst>
-              <a:ext uri="{FF2B5EF4-FFF2-40B4-BE49-F238E27FC236}">
-                <a16:creationId xmlns:a16="http://schemas.microsoft.com/office/drawing/2014/main" id="{30752D40-10E0-4008-B7E2-79178FDDFD48}"/>
+          <p:cNvPr id="17" name="四角形: 角を丸くする 16">
+            <a:extLst>
+              <a:ext uri="{FF2B5EF4-FFF2-40B4-BE49-F238E27FC236}">
+                <a16:creationId xmlns:a16="http://schemas.microsoft.com/office/drawing/2014/main" id="{C4045FAA-F854-4694-AB0C-C760970DE84C}"/>
               </a:ext>
             </a:extLst>
           </p:cNvPr>
@@ -4501,588 +5431,20 @@
         </p:nvSpPr>
         <p:spPr>
           <a:xfrm>
-            <a:off x="659876" y="1395167"/>
-            <a:ext cx="9756743" cy="4920792"/>
+            <a:off x="3091203" y="122014"/>
+            <a:ext cx="1903739" cy="1304226"/>
           </a:xfrm>
-          <a:custGeom>
+          <a:prstGeom prst="roundRect">
             <a:avLst/>
-            <a:gdLst>
-              <a:gd name="connsiteX0" fmla="*/ 6061435 w 9756743"/>
-              <a:gd name="connsiteY0" fmla="*/ 2837468 h 4920792"/>
-              <a:gd name="connsiteX1" fmla="*/ 9756743 w 9756743"/>
-              <a:gd name="connsiteY1" fmla="*/ 2828041 h 4920792"/>
-              <a:gd name="connsiteX2" fmla="*/ 9728462 w 9756743"/>
-              <a:gd name="connsiteY2" fmla="*/ 4845377 h 4920792"/>
-              <a:gd name="connsiteX3" fmla="*/ 0 w 9756743"/>
-              <a:gd name="connsiteY3" fmla="*/ 4920792 h 4920792"/>
-              <a:gd name="connsiteX4" fmla="*/ 18854 w 9756743"/>
-              <a:gd name="connsiteY4" fmla="*/ 37707 h 4920792"/>
-              <a:gd name="connsiteX5" fmla="*/ 6052009 w 9756743"/>
-              <a:gd name="connsiteY5" fmla="*/ 0 h 4920792"/>
-              <a:gd name="connsiteX6" fmla="*/ 6061435 w 9756743"/>
-              <a:gd name="connsiteY6" fmla="*/ 2837468 h 4920792"/>
-            </a:gdLst>
-            <a:ahLst/>
-            <a:cxnLst>
-              <a:cxn ang="0">
-                <a:pos x="connsiteX0" y="connsiteY0"/>
-              </a:cxn>
-              <a:cxn ang="0">
-                <a:pos x="connsiteX1" y="connsiteY1"/>
-              </a:cxn>
-              <a:cxn ang="0">
-                <a:pos x="connsiteX2" y="connsiteY2"/>
-              </a:cxn>
-              <a:cxn ang="0">
-                <a:pos x="connsiteX3" y="connsiteY3"/>
-              </a:cxn>
-              <a:cxn ang="0">
-                <a:pos x="connsiteX4" y="connsiteY4"/>
-              </a:cxn>
-              <a:cxn ang="0">
-                <a:pos x="connsiteX5" y="connsiteY5"/>
-              </a:cxn>
-              <a:cxn ang="0">
-                <a:pos x="connsiteX6" y="connsiteY6"/>
-              </a:cxn>
-            </a:cxnLst>
-            <a:rect l="l" t="t" r="r" b="b"/>
-            <a:pathLst>
-              <a:path w="9756743" h="4920792">
-                <a:moveTo>
-                  <a:pt x="6061435" y="2837468"/>
-                </a:moveTo>
-                <a:lnTo>
-                  <a:pt x="9756743" y="2828041"/>
-                </a:lnTo>
-                <a:lnTo>
-                  <a:pt x="9728462" y="4845377"/>
-                </a:lnTo>
-                <a:lnTo>
-                  <a:pt x="0" y="4920792"/>
-                </a:lnTo>
-                <a:cubicBezTo>
-                  <a:pt x="6285" y="3293097"/>
-                  <a:pt x="12569" y="1665402"/>
-                  <a:pt x="18854" y="37707"/>
-                </a:cubicBezTo>
-                <a:lnTo>
-                  <a:pt x="6052009" y="0"/>
-                </a:lnTo>
-                <a:lnTo>
-                  <a:pt x="6061435" y="2837468"/>
-                </a:lnTo>
-                <a:close/>
-              </a:path>
-            </a:pathLst>
-          </a:custGeom>
+          </a:prstGeom>
           <a:noFill/>
           <a:ln w="38100">
             <a:solidFill>
-              <a:srgbClr val="FF0000"/>
+              <a:schemeClr val="accent5">
+                <a:lumMod val="60000"/>
+                <a:lumOff val="40000"/>
+              </a:schemeClr>
             </a:solidFill>
-            <a:prstDash val="dashDot"/>
-            <a:extLst>
-              <a:ext uri="{C807C97D-BFC1-408E-A445-0C87EB9F89A2}">
-                <ask:lineSketchStyleProps xmlns:ask="http://schemas.microsoft.com/office/drawing/2018/sketchyshapes" sd="678125344">
-                  <a:custGeom>
-                    <a:avLst/>
-                    <a:gdLst>
-                      <a:gd name="connsiteX0" fmla="*/ 6061435 w 9756743"/>
-                      <a:gd name="connsiteY0" fmla="*/ 2837468 h 4920792"/>
-                      <a:gd name="connsiteX1" fmla="*/ 6552383 w 9756743"/>
-                      <a:gd name="connsiteY1" fmla="*/ 2836216 h 4920792"/>
-                      <a:gd name="connsiteX2" fmla="*/ 7154190 w 9756743"/>
-                      <a:gd name="connsiteY2" fmla="*/ 2834680 h 4920792"/>
-                      <a:gd name="connsiteX3" fmla="*/ 7682092 w 9756743"/>
-                      <a:gd name="connsiteY3" fmla="*/ 2833334 h 4920792"/>
-                      <a:gd name="connsiteX4" fmla="*/ 8136086 w 9756743"/>
-                      <a:gd name="connsiteY4" fmla="*/ 2832175 h 4920792"/>
-                      <a:gd name="connsiteX5" fmla="*/ 8700941 w 9756743"/>
-                      <a:gd name="connsiteY5" fmla="*/ 2830734 h 4920792"/>
-                      <a:gd name="connsiteX6" fmla="*/ 9302748 w 9756743"/>
-                      <a:gd name="connsiteY6" fmla="*/ 2829199 h 4920792"/>
-                      <a:gd name="connsiteX7" fmla="*/ 9756743 w 9756743"/>
-                      <a:gd name="connsiteY7" fmla="*/ 2828041 h 4920792"/>
-                      <a:gd name="connsiteX8" fmla="*/ 9750521 w 9756743"/>
-                      <a:gd name="connsiteY8" fmla="*/ 3271855 h 4920792"/>
-                      <a:gd name="connsiteX9" fmla="*/ 9743168 w 9756743"/>
-                      <a:gd name="connsiteY9" fmla="*/ 3796362 h 4920792"/>
-                      <a:gd name="connsiteX10" fmla="*/ 9736381 w 9756743"/>
-                      <a:gd name="connsiteY10" fmla="*/ 4280523 h 4920792"/>
-                      <a:gd name="connsiteX11" fmla="*/ 9728462 w 9756743"/>
-                      <a:gd name="connsiteY11" fmla="*/ 4845377 h 4920792"/>
-                      <a:gd name="connsiteX12" fmla="*/ 9156200 w 9756743"/>
-                      <a:gd name="connsiteY12" fmla="*/ 4849813 h 4920792"/>
-                      <a:gd name="connsiteX13" fmla="*/ 8583937 w 9756743"/>
-                      <a:gd name="connsiteY13" fmla="*/ 4854249 h 4920792"/>
-                      <a:gd name="connsiteX14" fmla="*/ 8108959 w 9756743"/>
-                      <a:gd name="connsiteY14" fmla="*/ 4857931 h 4920792"/>
-                      <a:gd name="connsiteX15" fmla="*/ 7731266 w 9756743"/>
-                      <a:gd name="connsiteY15" fmla="*/ 4860859 h 4920792"/>
-                      <a:gd name="connsiteX16" fmla="*/ 7256288 w 9756743"/>
-                      <a:gd name="connsiteY16" fmla="*/ 4864541 h 4920792"/>
-                      <a:gd name="connsiteX17" fmla="*/ 6684026 w 9756743"/>
-                      <a:gd name="connsiteY17" fmla="*/ 4868977 h 4920792"/>
-                      <a:gd name="connsiteX18" fmla="*/ 6209048 w 9756743"/>
-                      <a:gd name="connsiteY18" fmla="*/ 4872659 h 4920792"/>
-                      <a:gd name="connsiteX19" fmla="*/ 5442216 w 9756743"/>
-                      <a:gd name="connsiteY19" fmla="*/ 4878604 h 4920792"/>
-                      <a:gd name="connsiteX20" fmla="*/ 4967238 w 9756743"/>
-                      <a:gd name="connsiteY20" fmla="*/ 4882286 h 4920792"/>
-                      <a:gd name="connsiteX21" fmla="*/ 4686830 w 9756743"/>
-                      <a:gd name="connsiteY21" fmla="*/ 4884460 h 4920792"/>
-                      <a:gd name="connsiteX22" fmla="*/ 4406421 w 9756743"/>
-                      <a:gd name="connsiteY22" fmla="*/ 4886633 h 4920792"/>
-                      <a:gd name="connsiteX23" fmla="*/ 3834159 w 9756743"/>
-                      <a:gd name="connsiteY23" fmla="*/ 4891070 h 4920792"/>
-                      <a:gd name="connsiteX24" fmla="*/ 3261896 w 9756743"/>
-                      <a:gd name="connsiteY24" fmla="*/ 4895506 h 4920792"/>
-                      <a:gd name="connsiteX25" fmla="*/ 2592349 w 9756743"/>
-                      <a:gd name="connsiteY25" fmla="*/ 4900696 h 4920792"/>
-                      <a:gd name="connsiteX26" fmla="*/ 2214656 w 9756743"/>
-                      <a:gd name="connsiteY26" fmla="*/ 4903624 h 4920792"/>
-                      <a:gd name="connsiteX27" fmla="*/ 1739678 w 9756743"/>
-                      <a:gd name="connsiteY27" fmla="*/ 4907306 h 4920792"/>
-                      <a:gd name="connsiteX28" fmla="*/ 1264700 w 9756743"/>
-                      <a:gd name="connsiteY28" fmla="*/ 4910988 h 4920792"/>
-                      <a:gd name="connsiteX29" fmla="*/ 984291 w 9756743"/>
-                      <a:gd name="connsiteY29" fmla="*/ 4913162 h 4920792"/>
-                      <a:gd name="connsiteX30" fmla="*/ 0 w 9756743"/>
-                      <a:gd name="connsiteY30" fmla="*/ 4920792 h 4920792"/>
-                      <a:gd name="connsiteX31" fmla="*/ 18854 w 9756743"/>
-                      <a:gd name="connsiteY31" fmla="*/ 37707 h 4920792"/>
-                      <a:gd name="connsiteX32" fmla="*/ 687986 w 9756743"/>
-                      <a:gd name="connsiteY32" fmla="*/ 33525 h 4920792"/>
-                      <a:gd name="connsiteX33" fmla="*/ 1176123 w 9756743"/>
-                      <a:gd name="connsiteY33" fmla="*/ 30474 h 4920792"/>
-                      <a:gd name="connsiteX34" fmla="*/ 1664260 w 9756743"/>
-                      <a:gd name="connsiteY34" fmla="*/ 27423 h 4920792"/>
-                      <a:gd name="connsiteX35" fmla="*/ 2333392 w 9756743"/>
-                      <a:gd name="connsiteY35" fmla="*/ 23241 h 4920792"/>
-                      <a:gd name="connsiteX36" fmla="*/ 2942192 w 9756743"/>
-                      <a:gd name="connsiteY36" fmla="*/ 19436 h 4920792"/>
-                      <a:gd name="connsiteX37" fmla="*/ 3490660 w 9756743"/>
-                      <a:gd name="connsiteY37" fmla="*/ 16008 h 4920792"/>
-                      <a:gd name="connsiteX38" fmla="*/ 3858134 w 9756743"/>
-                      <a:gd name="connsiteY38" fmla="*/ 13712 h 4920792"/>
-                      <a:gd name="connsiteX39" fmla="*/ 4527266 w 9756743"/>
-                      <a:gd name="connsiteY39" fmla="*/ 9530 h 4920792"/>
-                      <a:gd name="connsiteX40" fmla="*/ 5136066 w 9756743"/>
-                      <a:gd name="connsiteY40" fmla="*/ 5725 h 4920792"/>
-                      <a:gd name="connsiteX41" fmla="*/ 5563872 w 9756743"/>
-                      <a:gd name="connsiteY41" fmla="*/ 3051 h 4920792"/>
-                      <a:gd name="connsiteX42" fmla="*/ 6052009 w 9756743"/>
-                      <a:gd name="connsiteY42" fmla="*/ 0 h 4920792"/>
-                      <a:gd name="connsiteX43" fmla="*/ 6053706 w 9756743"/>
-                      <a:gd name="connsiteY43" fmla="*/ 510744 h 4920792"/>
-                      <a:gd name="connsiteX44" fmla="*/ 6055685 w 9756743"/>
-                      <a:gd name="connsiteY44" fmla="*/ 1106613 h 4920792"/>
-                      <a:gd name="connsiteX45" fmla="*/ 6057288 w 9756743"/>
-                      <a:gd name="connsiteY45" fmla="*/ 1588982 h 4920792"/>
-                      <a:gd name="connsiteX46" fmla="*/ 6059079 w 9756743"/>
-                      <a:gd name="connsiteY46" fmla="*/ 2128101 h 4920792"/>
-                      <a:gd name="connsiteX47" fmla="*/ 6061435 w 9756743"/>
-                      <a:gd name="connsiteY47" fmla="*/ 2837468 h 4920792"/>
-                    </a:gdLst>
-                    <a:ahLst/>
-                    <a:cxnLst>
-                      <a:cxn ang="0">
-                        <a:pos x="connsiteX0" y="connsiteY0"/>
-                      </a:cxn>
-                      <a:cxn ang="0">
-                        <a:pos x="connsiteX1" y="connsiteY1"/>
-                      </a:cxn>
-                      <a:cxn ang="0">
-                        <a:pos x="connsiteX2" y="connsiteY2"/>
-                      </a:cxn>
-                      <a:cxn ang="0">
-                        <a:pos x="connsiteX3" y="connsiteY3"/>
-                      </a:cxn>
-                      <a:cxn ang="0">
-                        <a:pos x="connsiteX4" y="connsiteY4"/>
-                      </a:cxn>
-                      <a:cxn ang="0">
-                        <a:pos x="connsiteX5" y="connsiteY5"/>
-                      </a:cxn>
-                      <a:cxn ang="0">
-                        <a:pos x="connsiteX6" y="connsiteY6"/>
-                      </a:cxn>
-                      <a:cxn ang="0">
-                        <a:pos x="connsiteX7" y="connsiteY7"/>
-                      </a:cxn>
-                      <a:cxn ang="0">
-                        <a:pos x="connsiteX8" y="connsiteY8"/>
-                      </a:cxn>
-                      <a:cxn ang="0">
-                        <a:pos x="connsiteX9" y="connsiteY9"/>
-                      </a:cxn>
-                      <a:cxn ang="0">
-                        <a:pos x="connsiteX10" y="connsiteY10"/>
-                      </a:cxn>
-                      <a:cxn ang="0">
-                        <a:pos x="connsiteX11" y="connsiteY11"/>
-                      </a:cxn>
-                      <a:cxn ang="0">
-                        <a:pos x="connsiteX12" y="connsiteY12"/>
-                      </a:cxn>
-                      <a:cxn ang="0">
-                        <a:pos x="connsiteX13" y="connsiteY13"/>
-                      </a:cxn>
-                      <a:cxn ang="0">
-                        <a:pos x="connsiteX14" y="connsiteY14"/>
-                      </a:cxn>
-                      <a:cxn ang="0">
-                        <a:pos x="connsiteX15" y="connsiteY15"/>
-                      </a:cxn>
-                      <a:cxn ang="0">
-                        <a:pos x="connsiteX16" y="connsiteY16"/>
-                      </a:cxn>
-                      <a:cxn ang="0">
-                        <a:pos x="connsiteX17" y="connsiteY17"/>
-                      </a:cxn>
-                      <a:cxn ang="0">
-                        <a:pos x="connsiteX18" y="connsiteY18"/>
-                      </a:cxn>
-                      <a:cxn ang="0">
-                        <a:pos x="connsiteX19" y="connsiteY19"/>
-                      </a:cxn>
-                      <a:cxn ang="0">
-                        <a:pos x="connsiteX20" y="connsiteY20"/>
-                      </a:cxn>
-                      <a:cxn ang="0">
-                        <a:pos x="connsiteX21" y="connsiteY21"/>
-                      </a:cxn>
-                      <a:cxn ang="0">
-                        <a:pos x="connsiteX22" y="connsiteY22"/>
-                      </a:cxn>
-                      <a:cxn ang="0">
-                        <a:pos x="connsiteX23" y="connsiteY23"/>
-                      </a:cxn>
-                      <a:cxn ang="0">
-                        <a:pos x="connsiteX24" y="connsiteY24"/>
-                      </a:cxn>
-                      <a:cxn ang="0">
-                        <a:pos x="connsiteX25" y="connsiteY25"/>
-                      </a:cxn>
-                      <a:cxn ang="0">
-                        <a:pos x="connsiteX26" y="connsiteY26"/>
-                      </a:cxn>
-                      <a:cxn ang="0">
-                        <a:pos x="connsiteX27" y="connsiteY27"/>
-                      </a:cxn>
-                      <a:cxn ang="0">
-                        <a:pos x="connsiteX28" y="connsiteY28"/>
-                      </a:cxn>
-                      <a:cxn ang="0">
-                        <a:pos x="connsiteX29" y="connsiteY29"/>
-                      </a:cxn>
-                      <a:cxn ang="0">
-                        <a:pos x="connsiteX30" y="connsiteY30"/>
-                      </a:cxn>
-                      <a:cxn ang="0">
-                        <a:pos x="connsiteX31" y="connsiteY31"/>
-                      </a:cxn>
-                      <a:cxn ang="0">
-                        <a:pos x="connsiteX32" y="connsiteY32"/>
-                      </a:cxn>
-                      <a:cxn ang="0">
-                        <a:pos x="connsiteX33" y="connsiteY33"/>
-                      </a:cxn>
-                      <a:cxn ang="0">
-                        <a:pos x="connsiteX34" y="connsiteY34"/>
-                      </a:cxn>
-                      <a:cxn ang="0">
-                        <a:pos x="connsiteX35" y="connsiteY35"/>
-                      </a:cxn>
-                      <a:cxn ang="0">
-                        <a:pos x="connsiteX36" y="connsiteY36"/>
-                      </a:cxn>
-                      <a:cxn ang="0">
-                        <a:pos x="connsiteX37" y="connsiteY37"/>
-                      </a:cxn>
-                      <a:cxn ang="0">
-                        <a:pos x="connsiteX38" y="connsiteY38"/>
-                      </a:cxn>
-                      <a:cxn ang="0">
-                        <a:pos x="connsiteX39" y="connsiteY39"/>
-                      </a:cxn>
-                      <a:cxn ang="0">
-                        <a:pos x="connsiteX40" y="connsiteY40"/>
-                      </a:cxn>
-                      <a:cxn ang="0">
-                        <a:pos x="connsiteX41" y="connsiteY41"/>
-                      </a:cxn>
-                      <a:cxn ang="0">
-                        <a:pos x="connsiteX42" y="connsiteY42"/>
-                      </a:cxn>
-                      <a:cxn ang="0">
-                        <a:pos x="connsiteX43" y="connsiteY43"/>
-                      </a:cxn>
-                      <a:cxn ang="0">
-                        <a:pos x="connsiteX44" y="connsiteY44"/>
-                      </a:cxn>
-                      <a:cxn ang="0">
-                        <a:pos x="connsiteX45" y="connsiteY45"/>
-                      </a:cxn>
-                      <a:cxn ang="0">
-                        <a:pos x="connsiteX46" y="connsiteY46"/>
-                      </a:cxn>
-                      <a:cxn ang="0">
-                        <a:pos x="connsiteX47" y="connsiteY47"/>
-                      </a:cxn>
-                    </a:cxnLst>
-                    <a:rect l="l" t="t" r="r" b="b"/>
-                    <a:pathLst>
-                      <a:path w="9756743" h="4920792" extrusionOk="0">
-                        <a:moveTo>
-                          <a:pt x="6061435" y="2837468"/>
-                        </a:moveTo>
-                        <a:cubicBezTo>
-                          <a:pt x="6203014" y="2833819"/>
-                          <a:pt x="6430438" y="2894850"/>
-                          <a:pt x="6552383" y="2836216"/>
-                        </a:cubicBezTo>
-                        <a:cubicBezTo>
-                          <a:pt x="6674328" y="2777582"/>
-                          <a:pt x="7004488" y="2836601"/>
-                          <a:pt x="7154190" y="2834680"/>
-                        </a:cubicBezTo>
-                        <a:cubicBezTo>
-                          <a:pt x="7303892" y="2832759"/>
-                          <a:pt x="7529450" y="2882440"/>
-                          <a:pt x="7682092" y="2833334"/>
-                        </a:cubicBezTo>
-                        <a:cubicBezTo>
-                          <a:pt x="7834734" y="2784227"/>
-                          <a:pt x="7933050" y="2840607"/>
-                          <a:pt x="8136086" y="2832175"/>
-                        </a:cubicBezTo>
-                        <a:cubicBezTo>
-                          <a:pt x="8339122" y="2823743"/>
-                          <a:pt x="8544793" y="2882081"/>
-                          <a:pt x="8700941" y="2830734"/>
-                        </a:cubicBezTo>
-                        <a:cubicBezTo>
-                          <a:pt x="8857089" y="2779387"/>
-                          <a:pt x="9071328" y="2846133"/>
-                          <a:pt x="9302748" y="2829199"/>
-                        </a:cubicBezTo>
-                        <a:cubicBezTo>
-                          <a:pt x="9534168" y="2812265"/>
-                          <a:pt x="9624977" y="2869582"/>
-                          <a:pt x="9756743" y="2828041"/>
-                        </a:cubicBezTo>
-                        <a:cubicBezTo>
-                          <a:pt x="9771673" y="2984017"/>
-                          <a:pt x="9744687" y="3140761"/>
-                          <a:pt x="9750521" y="3271855"/>
-                        </a:cubicBezTo>
-                        <a:cubicBezTo>
-                          <a:pt x="9756355" y="3402949"/>
-                          <a:pt x="9688935" y="3613230"/>
-                          <a:pt x="9743168" y="3796362"/>
-                        </a:cubicBezTo>
-                        <a:cubicBezTo>
-                          <a:pt x="9797401" y="3979494"/>
-                          <a:pt x="9736783" y="4110192"/>
-                          <a:pt x="9736381" y="4280523"/>
-                        </a:cubicBezTo>
-                        <a:cubicBezTo>
-                          <a:pt x="9735978" y="4450854"/>
-                          <a:pt x="9705872" y="4680570"/>
-                          <a:pt x="9728462" y="4845377"/>
-                        </a:cubicBezTo>
-                        <a:cubicBezTo>
-                          <a:pt x="9459338" y="4876852"/>
-                          <a:pt x="9418506" y="4816257"/>
-                          <a:pt x="9156200" y="4849813"/>
-                        </a:cubicBezTo>
-                        <a:cubicBezTo>
-                          <a:pt x="8893894" y="4883369"/>
-                          <a:pt x="8866705" y="4850353"/>
-                          <a:pt x="8583937" y="4854249"/>
-                        </a:cubicBezTo>
-                        <a:cubicBezTo>
-                          <a:pt x="8301169" y="4858145"/>
-                          <a:pt x="8247699" y="4809067"/>
-                          <a:pt x="8108959" y="4857931"/>
-                        </a:cubicBezTo>
-                        <a:cubicBezTo>
-                          <a:pt x="7970219" y="4906795"/>
-                          <a:pt x="7911008" y="4835985"/>
-                          <a:pt x="7731266" y="4860859"/>
-                        </a:cubicBezTo>
-                        <a:cubicBezTo>
-                          <a:pt x="7551524" y="4885733"/>
-                          <a:pt x="7398421" y="4862212"/>
-                          <a:pt x="7256288" y="4864541"/>
-                        </a:cubicBezTo>
-                        <a:cubicBezTo>
-                          <a:pt x="7114155" y="4866870"/>
-                          <a:pt x="6854467" y="4840159"/>
-                          <a:pt x="6684026" y="4868977"/>
-                        </a:cubicBezTo>
-                        <a:cubicBezTo>
-                          <a:pt x="6513585" y="4897795"/>
-                          <a:pt x="6396401" y="4867374"/>
-                          <a:pt x="6209048" y="4872659"/>
-                        </a:cubicBezTo>
-                        <a:cubicBezTo>
-                          <a:pt x="6021695" y="4877945"/>
-                          <a:pt x="5727246" y="4821993"/>
-                          <a:pt x="5442216" y="4878604"/>
-                        </a:cubicBezTo>
-                        <a:cubicBezTo>
-                          <a:pt x="5157186" y="4935214"/>
-                          <a:pt x="5114318" y="4852137"/>
-                          <a:pt x="4967238" y="4882286"/>
-                        </a:cubicBezTo>
-                        <a:cubicBezTo>
-                          <a:pt x="4820158" y="4912435"/>
-                          <a:pt x="4777792" y="4866148"/>
-                          <a:pt x="4686830" y="4884460"/>
-                        </a:cubicBezTo>
-                        <a:cubicBezTo>
-                          <a:pt x="4595868" y="4902772"/>
-                          <a:pt x="4482625" y="4876361"/>
-                          <a:pt x="4406421" y="4886633"/>
-                        </a:cubicBezTo>
-                        <a:cubicBezTo>
-                          <a:pt x="4330217" y="4896905"/>
-                          <a:pt x="3964184" y="4847831"/>
-                          <a:pt x="3834159" y="4891070"/>
-                        </a:cubicBezTo>
-                        <a:cubicBezTo>
-                          <a:pt x="3704134" y="4934309"/>
-                          <a:pt x="3407166" y="4881720"/>
-                          <a:pt x="3261896" y="4895506"/>
-                        </a:cubicBezTo>
-                        <a:cubicBezTo>
-                          <a:pt x="3116626" y="4909292"/>
-                          <a:pt x="2837847" y="4863156"/>
-                          <a:pt x="2592349" y="4900696"/>
-                        </a:cubicBezTo>
-                        <a:cubicBezTo>
-                          <a:pt x="2346852" y="4938236"/>
-                          <a:pt x="2346112" y="4897000"/>
-                          <a:pt x="2214656" y="4903624"/>
-                        </a:cubicBezTo>
-                        <a:cubicBezTo>
-                          <a:pt x="2083200" y="4910247"/>
-                          <a:pt x="1970100" y="4894240"/>
-                          <a:pt x="1739678" y="4907306"/>
-                        </a:cubicBezTo>
-                        <a:cubicBezTo>
-                          <a:pt x="1509256" y="4920372"/>
-                          <a:pt x="1413151" y="4862726"/>
-                          <a:pt x="1264700" y="4910988"/>
-                        </a:cubicBezTo>
-                        <a:cubicBezTo>
-                          <a:pt x="1116249" y="4959250"/>
-                          <a:pt x="1060718" y="4886966"/>
-                          <a:pt x="984291" y="4913162"/>
-                        </a:cubicBezTo>
-                        <a:cubicBezTo>
-                          <a:pt x="907864" y="4939358"/>
-                          <a:pt x="265744" y="4866213"/>
-                          <a:pt x="0" y="4920792"/>
-                        </a:cubicBezTo>
-                        <a:cubicBezTo>
-                          <a:pt x="-42276" y="3301010"/>
-                          <a:pt x="-429978" y="1573624"/>
-                          <a:pt x="18854" y="37707"/>
-                        </a:cubicBezTo>
-                        <a:cubicBezTo>
-                          <a:pt x="154034" y="6751"/>
-                          <a:pt x="472970" y="87744"/>
-                          <a:pt x="687986" y="33525"/>
-                        </a:cubicBezTo>
-                        <a:cubicBezTo>
-                          <a:pt x="903002" y="-20695"/>
-                          <a:pt x="936818" y="57239"/>
-                          <a:pt x="1176123" y="30474"/>
-                        </a:cubicBezTo>
-                        <a:cubicBezTo>
-                          <a:pt x="1415428" y="3709"/>
-                          <a:pt x="1563970" y="34703"/>
-                          <a:pt x="1664260" y="27423"/>
-                        </a:cubicBezTo>
-                        <a:cubicBezTo>
-                          <a:pt x="1764550" y="20143"/>
-                          <a:pt x="2035362" y="93327"/>
-                          <a:pt x="2333392" y="23241"/>
-                        </a:cubicBezTo>
-                        <a:cubicBezTo>
-                          <a:pt x="2631422" y="-46845"/>
-                          <a:pt x="2708096" y="32943"/>
-                          <a:pt x="2942192" y="19436"/>
-                        </a:cubicBezTo>
-                        <a:cubicBezTo>
-                          <a:pt x="3176288" y="5929"/>
-                          <a:pt x="3366952" y="51050"/>
-                          <a:pt x="3490660" y="16008"/>
-                        </a:cubicBezTo>
-                        <a:cubicBezTo>
-                          <a:pt x="3614368" y="-19034"/>
-                          <a:pt x="3726303" y="26547"/>
-                          <a:pt x="3858134" y="13712"/>
-                        </a:cubicBezTo>
-                        <a:cubicBezTo>
-                          <a:pt x="3989965" y="877"/>
-                          <a:pt x="4238414" y="56472"/>
-                          <a:pt x="4527266" y="9530"/>
-                        </a:cubicBezTo>
-                        <a:cubicBezTo>
-                          <a:pt x="4816118" y="-37412"/>
-                          <a:pt x="4911489" y="9970"/>
-                          <a:pt x="5136066" y="5725"/>
-                        </a:cubicBezTo>
-                        <a:cubicBezTo>
-                          <a:pt x="5360643" y="1480"/>
-                          <a:pt x="5415874" y="17988"/>
-                          <a:pt x="5563872" y="3051"/>
-                        </a:cubicBezTo>
-                        <a:cubicBezTo>
-                          <a:pt x="5711870" y="-11886"/>
-                          <a:pt x="5869766" y="19729"/>
-                          <a:pt x="6052009" y="0"/>
-                        </a:cubicBezTo>
-                        <a:cubicBezTo>
-                          <a:pt x="6084046" y="203087"/>
-                          <a:pt x="6030151" y="334565"/>
-                          <a:pt x="6053706" y="510744"/>
-                        </a:cubicBezTo>
-                        <a:cubicBezTo>
-                          <a:pt x="6077260" y="686923"/>
-                          <a:pt x="6018229" y="818792"/>
-                          <a:pt x="6055685" y="1106613"/>
-                        </a:cubicBezTo>
-                        <a:cubicBezTo>
-                          <a:pt x="6093141" y="1394434"/>
-                          <a:pt x="6043249" y="1368941"/>
-                          <a:pt x="6057288" y="1588982"/>
-                        </a:cubicBezTo>
-                        <a:cubicBezTo>
-                          <a:pt x="6071327" y="1809023"/>
-                          <a:pt x="6052142" y="1881319"/>
-                          <a:pt x="6059079" y="2128101"/>
-                        </a:cubicBezTo>
-                        <a:cubicBezTo>
-                          <a:pt x="6066016" y="2374883"/>
-                          <a:pt x="6012463" y="2596575"/>
-                          <a:pt x="6061435" y="2837468"/>
-                        </a:cubicBezTo>
-                        <a:close/>
-                      </a:path>
-                    </a:pathLst>
-                  </a:custGeom>
-                  <ask:type>
-                    <ask:lineSketchNone/>
-                  </ask:type>
-                </ask:lineSketchStyleProps>
-              </a:ext>
-            </a:extLst>
           </a:ln>
         </p:spPr>
         <p:style>
@@ -5106,16 +5468,44 @@
           <a:lstStyle/>
           <a:p>
             <a:pPr algn="ctr"/>
-            <a:endParaRPr kumimoji="1" lang="ja-JP" altLang="en-US"/>
-          </a:p>
-        </p:txBody>
-      </p:sp>
-      <p:sp>
-        <p:nvSpPr>
-          <p:cNvPr id="22" name="テキスト ボックス 21">
-            <a:extLst>
-              <a:ext uri="{FF2B5EF4-FFF2-40B4-BE49-F238E27FC236}">
-                <a16:creationId xmlns:a16="http://schemas.microsoft.com/office/drawing/2014/main" id="{03ED73C1-34AC-4487-924D-A44C6484AF48}"/>
+            <a:r>
+              <a:rPr lang="en-US" altLang="ja-JP" sz="4400" dirty="0">
+                <a:solidFill>
+                  <a:schemeClr val="tx1"/>
+                </a:solidFill>
+              </a:rPr>
+              <a:t>Input</a:t>
+            </a:r>
+            <a:endParaRPr kumimoji="1" lang="en-US" altLang="ja-JP" sz="3600" dirty="0">
+              <a:solidFill>
+                <a:schemeClr val="tx1"/>
+              </a:solidFill>
+            </a:endParaRPr>
+          </a:p>
+          <a:p>
+            <a:pPr algn="ctr"/>
+            <a:r>
+              <a:rPr lang="en-US" altLang="ja-JP" sz="2800" dirty="0">
+                <a:solidFill>
+                  <a:schemeClr val="tx1"/>
+                </a:solidFill>
+              </a:rPr>
+              <a:t>Class</a:t>
+            </a:r>
+            <a:endParaRPr kumimoji="1" lang="ja-JP" altLang="en-US" sz="1100" dirty="0">
+              <a:solidFill>
+                <a:schemeClr val="tx1"/>
+              </a:solidFill>
+            </a:endParaRPr>
+          </a:p>
+        </p:txBody>
+      </p:sp>
+      <p:sp>
+        <p:nvSpPr>
+          <p:cNvPr id="23" name="テキスト ボックス 22">
+            <a:extLst>
+              <a:ext uri="{FF2B5EF4-FFF2-40B4-BE49-F238E27FC236}">
+                <a16:creationId xmlns:a16="http://schemas.microsoft.com/office/drawing/2014/main" id="{30DEC466-B4AF-4587-AD3C-7F7CD536C22F}"/>
               </a:ext>
             </a:extLst>
           </p:cNvPr>
@@ -5124,8 +5514,104 @@
         </p:nvSpPr>
         <p:spPr>
           <a:xfrm>
-            <a:off x="5325356" y="1142352"/>
-            <a:ext cx="2022051" cy="830997"/>
+            <a:off x="2995154" y="1990335"/>
+            <a:ext cx="2031443" cy="646331"/>
+          </a:xfrm>
+          <a:prstGeom prst="rect">
+            <a:avLst/>
+          </a:prstGeom>
+          <a:solidFill>
+            <a:schemeClr val="bg1"/>
+          </a:solidFill>
+          <a:ln w="38100">
+            <a:solidFill>
+              <a:schemeClr val="accent1"/>
+            </a:solidFill>
+          </a:ln>
+        </p:spPr>
+        <p:txBody>
+          <a:bodyPr wrap="square" rtlCol="0">
+            <a:spAutoFit/>
+          </a:bodyPr>
+          <a:lstStyle/>
+          <a:p>
+            <a:pPr algn="ctr"/>
+            <a:r>
+              <a:rPr kumimoji="1" lang="ja-JP" altLang="en-US" sz="3600" dirty="0"/>
+              <a:t>同期通信</a:t>
+            </a:r>
+          </a:p>
+        </p:txBody>
+      </p:sp>
+      <p:sp>
+        <p:nvSpPr>
+          <p:cNvPr id="3" name="正方形/長方形 2">
+            <a:extLst>
+              <a:ext uri="{FF2B5EF4-FFF2-40B4-BE49-F238E27FC236}">
+                <a16:creationId xmlns:a16="http://schemas.microsoft.com/office/drawing/2014/main" id="{D2A3C16D-1E5A-4F22-983F-10D520AF35DB}"/>
+              </a:ext>
+            </a:extLst>
+          </p:cNvPr>
+          <p:cNvSpPr/>
+          <p:nvPr/>
+        </p:nvSpPr>
+        <p:spPr>
+          <a:xfrm>
+            <a:off x="829560" y="2727190"/>
+            <a:ext cx="10344420" cy="4130809"/>
+          </a:xfrm>
+          <a:prstGeom prst="rect">
+            <a:avLst/>
+          </a:prstGeom>
+          <a:noFill/>
+          <a:ln w="57150">
+            <a:solidFill>
+              <a:srgbClr val="FF0000"/>
+            </a:solidFill>
+            <a:prstDash val="sysDash"/>
+          </a:ln>
+        </p:spPr>
+        <p:style>
+          <a:lnRef idx="2">
+            <a:schemeClr val="accent1">
+              <a:shade val="50000"/>
+            </a:schemeClr>
+          </a:lnRef>
+          <a:fillRef idx="1">
+            <a:schemeClr val="accent1"/>
+          </a:fillRef>
+          <a:effectRef idx="0">
+            <a:schemeClr val="accent1"/>
+          </a:effectRef>
+          <a:fontRef idx="minor">
+            <a:schemeClr val="lt1"/>
+          </a:fontRef>
+        </p:style>
+        <p:txBody>
+          <a:bodyPr rtlCol="0" anchor="ctr"/>
+          <a:lstStyle/>
+          <a:p>
+            <a:pPr algn="ctr"/>
+            <a:endParaRPr kumimoji="1" lang="ja-JP" altLang="en-US"/>
+          </a:p>
+        </p:txBody>
+      </p:sp>
+      <p:sp>
+        <p:nvSpPr>
+          <p:cNvPr id="22" name="テキスト ボックス 21">
+            <a:extLst>
+              <a:ext uri="{FF2B5EF4-FFF2-40B4-BE49-F238E27FC236}">
+                <a16:creationId xmlns:a16="http://schemas.microsoft.com/office/drawing/2014/main" id="{03ED73C1-34AC-4487-924D-A44C6484AF48}"/>
+              </a:ext>
+            </a:extLst>
+          </p:cNvPr>
+          <p:cNvSpPr txBox="1"/>
+          <p:nvPr/>
+        </p:nvSpPr>
+        <p:spPr>
+          <a:xfrm>
+            <a:off x="498246" y="2342868"/>
+            <a:ext cx="2363692" cy="830997"/>
           </a:xfrm>
           <a:prstGeom prst="rect">
             <a:avLst/>
@@ -6536,6 +7022,263 @@
     <p:extLst>
       <p:ext uri="{BB962C8B-B14F-4D97-AF65-F5344CB8AC3E}">
         <p14:creationId xmlns:p14="http://schemas.microsoft.com/office/powerpoint/2010/main" val="3801905127"/>
+      </p:ext>
+    </p:extLst>
+  </p:cSld>
+  <p:clrMapOvr>
+    <a:masterClrMapping/>
+  </p:clrMapOvr>
+</p:sld>
+</file>
+
+<file path=ppt/slides/slide13.xml><?xml version="1.0" encoding="utf-8"?>
+<p:sld xmlns:a="http://schemas.openxmlformats.org/drawingml/2006/main" xmlns:r="http://schemas.openxmlformats.org/officeDocument/2006/relationships" xmlns:p="http://schemas.openxmlformats.org/presentationml/2006/main">
+  <p:cSld>
+    <p:spTree>
+      <p:nvGrpSpPr>
+        <p:cNvPr id="1" name=""/>
+        <p:cNvGrpSpPr/>
+        <p:nvPr/>
+      </p:nvGrpSpPr>
+      <p:grpSpPr>
+        <a:xfrm>
+          <a:off x="0" y="0"/>
+          <a:ext cx="0" cy="0"/>
+          <a:chOff x="0" y="0"/>
+          <a:chExt cx="0" cy="0"/>
+        </a:xfrm>
+      </p:grpSpPr>
+      <p:sp>
+        <p:nvSpPr>
+          <p:cNvPr id="19" name="矢印: 下 18">
+            <a:extLst>
+              <a:ext uri="{FF2B5EF4-FFF2-40B4-BE49-F238E27FC236}">
+                <a16:creationId xmlns:a16="http://schemas.microsoft.com/office/drawing/2014/main" id="{6AFDDD16-7985-45A6-8513-A0C60F9737B2}"/>
+              </a:ext>
+            </a:extLst>
+          </p:cNvPr>
+          <p:cNvSpPr/>
+          <p:nvPr/>
+        </p:nvSpPr>
+        <p:spPr>
+          <a:xfrm rot="10800000">
+            <a:off x="1470579" y="1269103"/>
+            <a:ext cx="650450" cy="1709766"/>
+          </a:xfrm>
+          <a:prstGeom prst="downArrow">
+            <a:avLst/>
+          </a:prstGeom>
+        </p:spPr>
+        <p:style>
+          <a:lnRef idx="2">
+            <a:schemeClr val="accent1">
+              <a:shade val="50000"/>
+            </a:schemeClr>
+          </a:lnRef>
+          <a:fillRef idx="1">
+            <a:schemeClr val="accent1"/>
+          </a:fillRef>
+          <a:effectRef idx="0">
+            <a:schemeClr val="accent1"/>
+          </a:effectRef>
+          <a:fontRef idx="minor">
+            <a:schemeClr val="lt1"/>
+          </a:fontRef>
+        </p:style>
+        <p:txBody>
+          <a:bodyPr rtlCol="0" anchor="ctr"/>
+          <a:lstStyle/>
+          <a:p>
+            <a:pPr algn="ctr"/>
+            <a:endParaRPr kumimoji="1" lang="ja-JP" altLang="en-US"/>
+          </a:p>
+        </p:txBody>
+      </p:sp>
+      <p:pic>
+        <p:nvPicPr>
+          <p:cNvPr id="18" name="図 17">
+            <a:extLst>
+              <a:ext uri="{FF2B5EF4-FFF2-40B4-BE49-F238E27FC236}">
+                <a16:creationId xmlns:a16="http://schemas.microsoft.com/office/drawing/2014/main" id="{B11EC347-7AFA-47BC-87C5-973F212BAD3F}"/>
+              </a:ext>
+            </a:extLst>
+          </p:cNvPr>
+          <p:cNvPicPr>
+            <a:picLocks noChangeAspect="1"/>
+          </p:cNvPicPr>
+          <p:nvPr/>
+        </p:nvPicPr>
+        <p:blipFill>
+          <a:blip r:embed="rId2"/>
+          <a:stretch>
+            <a:fillRect/>
+          </a:stretch>
+        </p:blipFill>
+        <p:spPr>
+          <a:xfrm>
+            <a:off x="999242" y="1991898"/>
+            <a:ext cx="7927942" cy="4008144"/>
+          </a:xfrm>
+          <a:prstGeom prst="rect">
+            <a:avLst/>
+          </a:prstGeom>
+        </p:spPr>
+      </p:pic>
+      <p:sp>
+        <p:nvSpPr>
+          <p:cNvPr id="20" name="四角形: 角を丸くする 19">
+            <a:extLst>
+              <a:ext uri="{FF2B5EF4-FFF2-40B4-BE49-F238E27FC236}">
+                <a16:creationId xmlns:a16="http://schemas.microsoft.com/office/drawing/2014/main" id="{325E6141-EA6B-4D2F-8314-CB31DC31A31B}"/>
+              </a:ext>
+            </a:extLst>
+          </p:cNvPr>
+          <p:cNvSpPr/>
+          <p:nvPr/>
+        </p:nvSpPr>
+        <p:spPr>
+          <a:xfrm>
+            <a:off x="10975410" y="2978869"/>
+            <a:ext cx="2179696" cy="1505598"/>
+          </a:xfrm>
+          <a:prstGeom prst="roundRect">
+            <a:avLst/>
+          </a:prstGeom>
+          <a:noFill/>
+          <a:ln w="38100">
+            <a:solidFill>
+              <a:schemeClr val="accent5">
+                <a:lumMod val="60000"/>
+                <a:lumOff val="40000"/>
+              </a:schemeClr>
+            </a:solidFill>
+          </a:ln>
+        </p:spPr>
+        <p:style>
+          <a:lnRef idx="2">
+            <a:schemeClr val="accent1">
+              <a:shade val="50000"/>
+            </a:schemeClr>
+          </a:lnRef>
+          <a:fillRef idx="1">
+            <a:schemeClr val="accent1"/>
+          </a:fillRef>
+          <a:effectRef idx="0">
+            <a:schemeClr val="accent1"/>
+          </a:effectRef>
+          <a:fontRef idx="minor">
+            <a:schemeClr val="lt1"/>
+          </a:fontRef>
+        </p:style>
+        <p:txBody>
+          <a:bodyPr rtlCol="0" anchor="ctr"/>
+          <a:lstStyle/>
+          <a:p>
+            <a:pPr algn="ctr"/>
+            <a:r>
+              <a:rPr kumimoji="1" lang="en-US" altLang="ja-JP" sz="3600" dirty="0">
+                <a:solidFill>
+                  <a:schemeClr val="tx1"/>
+                </a:solidFill>
+              </a:rPr>
+              <a:t>Photon</a:t>
+            </a:r>
+          </a:p>
+          <a:p>
+            <a:pPr algn="ctr"/>
+            <a:r>
+              <a:rPr lang="en-US" altLang="ja-JP" sz="2800" dirty="0">
+                <a:solidFill>
+                  <a:schemeClr val="tx1"/>
+                </a:solidFill>
+              </a:rPr>
+              <a:t>Class</a:t>
+            </a:r>
+            <a:endParaRPr kumimoji="1" lang="ja-JP" altLang="en-US" sz="1100" dirty="0">
+              <a:solidFill>
+                <a:schemeClr val="tx1"/>
+              </a:solidFill>
+            </a:endParaRPr>
+          </a:p>
+        </p:txBody>
+      </p:sp>
+      <p:pic>
+        <p:nvPicPr>
+          <p:cNvPr id="21" name="図 20">
+            <a:extLst>
+              <a:ext uri="{FF2B5EF4-FFF2-40B4-BE49-F238E27FC236}">
+                <a16:creationId xmlns:a16="http://schemas.microsoft.com/office/drawing/2014/main" id="{1128FE2B-C12E-414A-8184-21034DC5F16C}"/>
+              </a:ext>
+            </a:extLst>
+          </p:cNvPr>
+          <p:cNvPicPr>
+            <a:picLocks noChangeAspect="1"/>
+          </p:cNvPicPr>
+          <p:nvPr/>
+        </p:nvPicPr>
+        <p:blipFill>
+          <a:blip r:embed="rId3"/>
+          <a:stretch>
+            <a:fillRect/>
+          </a:stretch>
+        </p:blipFill>
+        <p:spPr>
+          <a:xfrm>
+            <a:off x="999242" y="92752"/>
+            <a:ext cx="1692457" cy="1176351"/>
+          </a:xfrm>
+          <a:prstGeom prst="rect">
+            <a:avLst/>
+          </a:prstGeom>
+        </p:spPr>
+      </p:pic>
+      <p:sp>
+        <p:nvSpPr>
+          <p:cNvPr id="22" name="テキスト ボックス 21">
+            <a:extLst>
+              <a:ext uri="{FF2B5EF4-FFF2-40B4-BE49-F238E27FC236}">
+                <a16:creationId xmlns:a16="http://schemas.microsoft.com/office/drawing/2014/main" id="{0749CE94-EC55-43E3-A7B1-3A3921A650DA}"/>
+              </a:ext>
+            </a:extLst>
+          </p:cNvPr>
+          <p:cNvSpPr txBox="1"/>
+          <p:nvPr/>
+        </p:nvSpPr>
+        <p:spPr>
+          <a:xfrm>
+            <a:off x="1158705" y="1723876"/>
+            <a:ext cx="1274195" cy="400110"/>
+          </a:xfrm>
+          <a:prstGeom prst="rect">
+            <a:avLst/>
+          </a:prstGeom>
+          <a:solidFill>
+            <a:schemeClr val="bg1"/>
+          </a:solidFill>
+          <a:ln w="38100">
+            <a:solidFill>
+              <a:srgbClr val="4472C4"/>
+            </a:solidFill>
+          </a:ln>
+        </p:spPr>
+        <p:txBody>
+          <a:bodyPr wrap="square" rtlCol="0">
+            <a:spAutoFit/>
+          </a:bodyPr>
+          <a:lstStyle/>
+          <a:p>
+            <a:pPr algn="ctr"/>
+            <a:r>
+              <a:rPr kumimoji="1" lang="ja-JP" altLang="en-US" sz="2000" b="1" dirty="0"/>
+              <a:t>同期通信</a:t>
+            </a:r>
+          </a:p>
+        </p:txBody>
+      </p:sp>
+    </p:spTree>
+    <p:extLst>
+      <p:ext uri="{BB962C8B-B14F-4D97-AF65-F5344CB8AC3E}">
+        <p14:creationId xmlns:p14="http://schemas.microsoft.com/office/powerpoint/2010/main" val="142731615"/>
       </p:ext>
     </p:extLst>
   </p:cSld>
@@ -9143,4 +9886,299 @@
     </a:ext>
   </a:extLst>
 </a:theme>
+</file>
+
+<file path=ppt/theme/theme2.xml><?xml version="1.0" encoding="utf-8"?>
+<a:theme xmlns:a="http://schemas.openxmlformats.org/drawingml/2006/main" name="Office テーマ">
+  <a:themeElements>
+    <a:clrScheme name="Office">
+      <a:dk1>
+        <a:sysClr val="windowText" lastClr="000000"/>
+      </a:dk1>
+      <a:lt1>
+        <a:sysClr val="window" lastClr="FFFFFF"/>
+      </a:lt1>
+      <a:dk2>
+        <a:srgbClr val="44546A"/>
+      </a:dk2>
+      <a:lt2>
+        <a:srgbClr val="E7E6E6"/>
+      </a:lt2>
+      <a:accent1>
+        <a:srgbClr val="4472C4"/>
+      </a:accent1>
+      <a:accent2>
+        <a:srgbClr val="ED7D31"/>
+      </a:accent2>
+      <a:accent3>
+        <a:srgbClr val="A5A5A5"/>
+      </a:accent3>
+      <a:accent4>
+        <a:srgbClr val="FFC000"/>
+      </a:accent4>
+      <a:accent5>
+        <a:srgbClr val="5B9BD5"/>
+      </a:accent5>
+      <a:accent6>
+        <a:srgbClr val="70AD47"/>
+      </a:accent6>
+      <a:hlink>
+        <a:srgbClr val="0563C1"/>
+      </a:hlink>
+      <a:folHlink>
+        <a:srgbClr val="954F72"/>
+      </a:folHlink>
+    </a:clrScheme>
+    <a:fontScheme name="Office">
+      <a:majorFont>
+        <a:latin typeface="游ゴシック Light" panose="020F0302020204030204"/>
+        <a:ea typeface=""/>
+        <a:cs typeface=""/>
+        <a:font script="Jpan" typeface="游ゴシック Light"/>
+        <a:font script="Hang" typeface="맑은 고딕"/>
+        <a:font script="Hans" typeface="等线 Light"/>
+        <a:font script="Hant" typeface="新細明體"/>
+        <a:font script="Arab" typeface="Times New Roman"/>
+        <a:font script="Hebr" typeface="Times New Roman"/>
+        <a:font script="Thai" typeface="Angsana New"/>
+        <a:font script="Ethi" typeface="Nyala"/>
+        <a:font script="Beng" typeface="Vrinda"/>
+        <a:font script="Gujr" typeface="Shruti"/>
+        <a:font script="Khmr" typeface="MoolBoran"/>
+        <a:font script="Knda" typeface="Tunga"/>
+        <a:font script="Guru" typeface="Raavi"/>
+        <a:font script="Cans" typeface="Euphemia"/>
+        <a:font script="Cher" typeface="Plantagenet Cherokee"/>
+        <a:font script="Yiii" typeface="Microsoft Yi Baiti"/>
+        <a:font script="Tibt" typeface="Microsoft Himalaya"/>
+        <a:font script="Thaa" typeface="MV Boli"/>
+        <a:font script="Deva" typeface="Mangal"/>
+        <a:font script="Telu" typeface="Gautami"/>
+        <a:font script="Taml" typeface="Latha"/>
+        <a:font script="Syrc" typeface="Estrangelo Edessa"/>
+        <a:font script="Orya" typeface="Kalinga"/>
+        <a:font script="Mlym" typeface="Kartika"/>
+        <a:font script="Laoo" typeface="DokChampa"/>
+        <a:font script="Sinh" typeface="Iskoola Pota"/>
+        <a:font script="Mong" typeface="Mongolian Baiti"/>
+        <a:font script="Viet" typeface="Times New Roman"/>
+        <a:font script="Uigh" typeface="Microsoft Uighur"/>
+        <a:font script="Geor" typeface="Sylfaen"/>
+        <a:font script="Armn" typeface="Arial"/>
+        <a:font script="Bugi" typeface="Leelawadee UI"/>
+        <a:font script="Bopo" typeface="Microsoft JhengHei"/>
+        <a:font script="Java" typeface="Javanese Text"/>
+        <a:font script="Lisu" typeface="Segoe UI"/>
+        <a:font script="Mymr" typeface="Myanmar Text"/>
+        <a:font script="Nkoo" typeface="Ebrima"/>
+        <a:font script="Olck" typeface="Nirmala UI"/>
+        <a:font script="Osma" typeface="Ebrima"/>
+        <a:font script="Phag" typeface="Phagspa"/>
+        <a:font script="Syrn" typeface="Estrangelo Edessa"/>
+        <a:font script="Syrj" typeface="Estrangelo Edessa"/>
+        <a:font script="Syre" typeface="Estrangelo Edessa"/>
+        <a:font script="Sora" typeface="Nirmala UI"/>
+        <a:font script="Tale" typeface="Microsoft Tai Le"/>
+        <a:font script="Talu" typeface="Microsoft New Tai Lue"/>
+        <a:font script="Tfng" typeface="Ebrima"/>
+      </a:majorFont>
+      <a:minorFont>
+        <a:latin typeface="游ゴシック" panose="020F0502020204030204"/>
+        <a:ea typeface=""/>
+        <a:cs typeface=""/>
+        <a:font script="Jpan" typeface="游ゴシック"/>
+        <a:font script="Hang" typeface="맑은 고딕"/>
+        <a:font script="Hans" typeface="等线"/>
+        <a:font script="Hant" typeface="新細明體"/>
+        <a:font script="Arab" typeface="Arial"/>
+        <a:font script="Hebr" typeface="Arial"/>
+        <a:font script="Thai" typeface="Cordia New"/>
+        <a:font script="Ethi" typeface="Nyala"/>
+        <a:font script="Beng" typeface="Vrinda"/>
+        <a:font script="Gujr" typeface="Shruti"/>
+        <a:font script="Khmr" typeface="DaunPenh"/>
+        <a:font script="Knda" typeface="Tunga"/>
+        <a:font script="Guru" typeface="Raavi"/>
+        <a:font script="Cans" typeface="Euphemia"/>
+        <a:font script="Cher" typeface="Plantagenet Cherokee"/>
+        <a:font script="Yiii" typeface="Microsoft Yi Baiti"/>
+        <a:font script="Tibt" typeface="Microsoft Himalaya"/>
+        <a:font script="Thaa" typeface="MV Boli"/>
+        <a:font script="Deva" typeface="Mangal"/>
+        <a:font script="Telu" typeface="Gautami"/>
+        <a:font script="Taml" typeface="Latha"/>
+        <a:font script="Syrc" typeface="Estrangelo Edessa"/>
+        <a:font script="Orya" typeface="Kalinga"/>
+        <a:font script="Mlym" typeface="Kartika"/>
+        <a:font script="Laoo" typeface="DokChampa"/>
+        <a:font script="Sinh" typeface="Iskoola Pota"/>
+        <a:font script="Mong" typeface="Mongolian Baiti"/>
+        <a:font script="Viet" typeface="Arial"/>
+        <a:font script="Uigh" typeface="Microsoft Uighur"/>
+        <a:font script="Geor" typeface="Sylfaen"/>
+        <a:font script="Armn" typeface="Arial"/>
+        <a:font script="Bugi" typeface="Leelawadee UI"/>
+        <a:font script="Bopo" typeface="Microsoft JhengHei"/>
+        <a:font script="Java" typeface="Javanese Text"/>
+        <a:font script="Lisu" typeface="Segoe UI"/>
+        <a:font script="Mymr" typeface="Myanmar Text"/>
+        <a:font script="Nkoo" typeface="Ebrima"/>
+        <a:font script="Olck" typeface="Nirmala UI"/>
+        <a:font script="Osma" typeface="Ebrima"/>
+        <a:font script="Phag" typeface="Phagspa"/>
+        <a:font script="Syrn" typeface="Estrangelo Edessa"/>
+        <a:font script="Syrj" typeface="Estrangelo Edessa"/>
+        <a:font script="Syre" typeface="Estrangelo Edessa"/>
+        <a:font script="Sora" typeface="Nirmala UI"/>
+        <a:font script="Tale" typeface="Microsoft Tai Le"/>
+        <a:font script="Talu" typeface="Microsoft New Tai Lue"/>
+        <a:font script="Tfng" typeface="Ebrima"/>
+      </a:minorFont>
+    </a:fontScheme>
+    <a:fmtScheme name="Office">
+      <a:fillStyleLst>
+        <a:solidFill>
+          <a:schemeClr val="phClr"/>
+        </a:solidFill>
+        <a:gradFill rotWithShape="1">
+          <a:gsLst>
+            <a:gs pos="0">
+              <a:schemeClr val="phClr">
+                <a:lumMod val="110000"/>
+                <a:satMod val="105000"/>
+                <a:tint val="67000"/>
+              </a:schemeClr>
+            </a:gs>
+            <a:gs pos="50000">
+              <a:schemeClr val="phClr">
+                <a:lumMod val="105000"/>
+                <a:satMod val="103000"/>
+                <a:tint val="73000"/>
+              </a:schemeClr>
+            </a:gs>
+            <a:gs pos="100000">
+              <a:schemeClr val="phClr">
+                <a:lumMod val="105000"/>
+                <a:satMod val="109000"/>
+                <a:tint val="81000"/>
+              </a:schemeClr>
+            </a:gs>
+          </a:gsLst>
+          <a:lin ang="5400000" scaled="0"/>
+        </a:gradFill>
+        <a:gradFill rotWithShape="1">
+          <a:gsLst>
+            <a:gs pos="0">
+              <a:schemeClr val="phClr">
+                <a:satMod val="103000"/>
+                <a:lumMod val="102000"/>
+                <a:tint val="94000"/>
+              </a:schemeClr>
+            </a:gs>
+            <a:gs pos="50000">
+              <a:schemeClr val="phClr">
+                <a:satMod val="110000"/>
+                <a:lumMod val="100000"/>
+                <a:shade val="100000"/>
+              </a:schemeClr>
+            </a:gs>
+            <a:gs pos="100000">
+              <a:schemeClr val="phClr">
+                <a:lumMod val="99000"/>
+                <a:satMod val="120000"/>
+                <a:shade val="78000"/>
+              </a:schemeClr>
+            </a:gs>
+          </a:gsLst>
+          <a:lin ang="5400000" scaled="0"/>
+        </a:gradFill>
+      </a:fillStyleLst>
+      <a:lnStyleLst>
+        <a:ln w="6350" cap="flat" cmpd="sng" algn="ctr">
+          <a:solidFill>
+            <a:schemeClr val="phClr"/>
+          </a:solidFill>
+          <a:prstDash val="solid"/>
+          <a:miter lim="800000"/>
+        </a:ln>
+        <a:ln w="12700" cap="flat" cmpd="sng" algn="ctr">
+          <a:solidFill>
+            <a:schemeClr val="phClr"/>
+          </a:solidFill>
+          <a:prstDash val="solid"/>
+          <a:miter lim="800000"/>
+        </a:ln>
+        <a:ln w="19050" cap="flat" cmpd="sng" algn="ctr">
+          <a:solidFill>
+            <a:schemeClr val="phClr"/>
+          </a:solidFill>
+          <a:prstDash val="solid"/>
+          <a:miter lim="800000"/>
+        </a:ln>
+      </a:lnStyleLst>
+      <a:effectStyleLst>
+        <a:effectStyle>
+          <a:effectLst/>
+        </a:effectStyle>
+        <a:effectStyle>
+          <a:effectLst/>
+        </a:effectStyle>
+        <a:effectStyle>
+          <a:effectLst>
+            <a:outerShdw blurRad="57150" dist="19050" dir="5400000" algn="ctr" rotWithShape="0">
+              <a:srgbClr val="000000">
+                <a:alpha val="63000"/>
+              </a:srgbClr>
+            </a:outerShdw>
+          </a:effectLst>
+        </a:effectStyle>
+      </a:effectStyleLst>
+      <a:bgFillStyleLst>
+        <a:solidFill>
+          <a:schemeClr val="phClr"/>
+        </a:solidFill>
+        <a:solidFill>
+          <a:schemeClr val="phClr">
+            <a:tint val="95000"/>
+            <a:satMod val="170000"/>
+          </a:schemeClr>
+        </a:solidFill>
+        <a:gradFill rotWithShape="1">
+          <a:gsLst>
+            <a:gs pos="0">
+              <a:schemeClr val="phClr">
+                <a:tint val="93000"/>
+                <a:satMod val="150000"/>
+                <a:shade val="98000"/>
+                <a:lumMod val="102000"/>
+              </a:schemeClr>
+            </a:gs>
+            <a:gs pos="50000">
+              <a:schemeClr val="phClr">
+                <a:tint val="98000"/>
+                <a:satMod val="130000"/>
+                <a:shade val="90000"/>
+                <a:lumMod val="103000"/>
+              </a:schemeClr>
+            </a:gs>
+            <a:gs pos="100000">
+              <a:schemeClr val="phClr">
+                <a:shade val="63000"/>
+                <a:satMod val="120000"/>
+              </a:schemeClr>
+            </a:gs>
+          </a:gsLst>
+          <a:lin ang="5400000" scaled="0"/>
+        </a:gradFill>
+      </a:bgFillStyleLst>
+    </a:fmtScheme>
+  </a:themeElements>
+  <a:objectDefaults/>
+  <a:extraClrSchemeLst/>
+  <a:extLst>
+    <a:ext uri="{05A4C25C-085E-4340-85A3-A5531E510DB2}">
+      <thm15:themeFamily xmlns:thm15="http://schemas.microsoft.com/office/thememl/2012/main" name="Office Theme" id="{62F939B6-93AF-4DB8-9C6B-D6C7DFDC589F}" vid="{4A3C46E8-61CC-4603-A589-7422A47A8E4A}"/>
+    </a:ext>
+  </a:extLst>
+</a:theme>
 </file>
--- a/論文/卒研用図.pptx
+++ b/論文/卒研用図.pptx
@@ -5,7 +5,7 @@
     <p:sldMasterId id="2147483648" r:id="rId1"/>
   </p:sldMasterIdLst>
   <p:notesMasterIdLst>
-    <p:notesMasterId r:id="rId15"/>
+    <p:notesMasterId r:id="rId17"/>
   </p:notesMasterIdLst>
   <p:sldIdLst>
     <p:sldId id="256" r:id="rId2"/>
@@ -19,8 +19,10 @@
     <p:sldId id="264" r:id="rId10"/>
     <p:sldId id="266" r:id="rId11"/>
     <p:sldId id="265" r:id="rId12"/>
-    <p:sldId id="267" r:id="rId13"/>
-    <p:sldId id="268" r:id="rId14"/>
+    <p:sldId id="270" r:id="rId13"/>
+    <p:sldId id="267" r:id="rId14"/>
+    <p:sldId id="268" r:id="rId15"/>
+    <p:sldId id="269" r:id="rId16"/>
   </p:sldIdLst>
   <p:sldSz cx="12192000" cy="6858000"/>
   <p:notesSz cx="6858000" cy="9144000"/>
@@ -135,8 +137,10 @@
             <p14:sldId id="264"/>
             <p14:sldId id="266"/>
             <p14:sldId id="265"/>
+            <p14:sldId id="270"/>
             <p14:sldId id="267"/>
             <p14:sldId id="268"/>
+            <p14:sldId id="269"/>
           </p14:sldIdLst>
         </p14:section>
       </p14:sectionLst>
@@ -242,7 +246,7 @@
           <a:p>
             <a:fld id="{0CFEF157-96B6-4192-808C-D830732EC60D}" type="datetimeFigureOut">
               <a:rPr kumimoji="1" lang="ja-JP" altLang="en-US" smtClean="0"/>
-              <a:t>2021/1/14</a:t>
+              <a:t>2021/1/17</a:t>
             </a:fld>
             <a:endParaRPr kumimoji="1" lang="ja-JP" altLang="en-US"/>
           </a:p>
@@ -688,7 +692,7 @@
           <a:p>
             <a:fld id="{2E64B005-9ADF-4C42-8867-5D8E615D9A9C}" type="datetimeFigureOut">
               <a:rPr kumimoji="1" lang="ja-JP" altLang="en-US" smtClean="0"/>
-              <a:t>2021/1/14</a:t>
+              <a:t>2021/1/17</a:t>
             </a:fld>
             <a:endParaRPr kumimoji="1" lang="ja-JP" altLang="en-US"/>
           </a:p>
@@ -918,7 +922,7 @@
           <a:p>
             <a:fld id="{2E64B005-9ADF-4C42-8867-5D8E615D9A9C}" type="datetimeFigureOut">
               <a:rPr kumimoji="1" lang="ja-JP" altLang="en-US" smtClean="0"/>
-              <a:t>2021/1/14</a:t>
+              <a:t>2021/1/17</a:t>
             </a:fld>
             <a:endParaRPr kumimoji="1" lang="ja-JP" altLang="en-US"/>
           </a:p>
@@ -1158,7 +1162,7 @@
           <a:p>
             <a:fld id="{2E64B005-9ADF-4C42-8867-5D8E615D9A9C}" type="datetimeFigureOut">
               <a:rPr kumimoji="1" lang="ja-JP" altLang="en-US" smtClean="0"/>
-              <a:t>2021/1/14</a:t>
+              <a:t>2021/1/17</a:t>
             </a:fld>
             <a:endParaRPr kumimoji="1" lang="ja-JP" altLang="en-US"/>
           </a:p>
@@ -1388,7 +1392,7 @@
           <a:p>
             <a:fld id="{2E64B005-9ADF-4C42-8867-5D8E615D9A9C}" type="datetimeFigureOut">
               <a:rPr kumimoji="1" lang="ja-JP" altLang="en-US" smtClean="0"/>
-              <a:t>2021/1/14</a:t>
+              <a:t>2021/1/17</a:t>
             </a:fld>
             <a:endParaRPr kumimoji="1" lang="ja-JP" altLang="en-US"/>
           </a:p>
@@ -1663,7 +1667,7 @@
           <a:p>
             <a:fld id="{2E64B005-9ADF-4C42-8867-5D8E615D9A9C}" type="datetimeFigureOut">
               <a:rPr kumimoji="1" lang="ja-JP" altLang="en-US" smtClean="0"/>
-              <a:t>2021/1/14</a:t>
+              <a:t>2021/1/17</a:t>
             </a:fld>
             <a:endParaRPr kumimoji="1" lang="ja-JP" altLang="en-US"/>
           </a:p>
@@ -1992,7 +1996,7 @@
           <a:p>
             <a:fld id="{2E64B005-9ADF-4C42-8867-5D8E615D9A9C}" type="datetimeFigureOut">
               <a:rPr kumimoji="1" lang="ja-JP" altLang="en-US" smtClean="0"/>
-              <a:t>2021/1/14</a:t>
+              <a:t>2021/1/17</a:t>
             </a:fld>
             <a:endParaRPr kumimoji="1" lang="ja-JP" altLang="en-US"/>
           </a:p>
@@ -2468,7 +2472,7 @@
           <a:p>
             <a:fld id="{2E64B005-9ADF-4C42-8867-5D8E615D9A9C}" type="datetimeFigureOut">
               <a:rPr kumimoji="1" lang="ja-JP" altLang="en-US" smtClean="0"/>
-              <a:t>2021/1/14</a:t>
+              <a:t>2021/1/17</a:t>
             </a:fld>
             <a:endParaRPr kumimoji="1" lang="ja-JP" altLang="en-US"/>
           </a:p>
@@ -2609,7 +2613,7 @@
           <a:p>
             <a:fld id="{2E64B005-9ADF-4C42-8867-5D8E615D9A9C}" type="datetimeFigureOut">
               <a:rPr kumimoji="1" lang="ja-JP" altLang="en-US" smtClean="0"/>
-              <a:t>2021/1/14</a:t>
+              <a:t>2021/1/17</a:t>
             </a:fld>
             <a:endParaRPr kumimoji="1" lang="ja-JP" altLang="en-US"/>
           </a:p>
@@ -2722,7 +2726,7 @@
           <a:p>
             <a:fld id="{2E64B005-9ADF-4C42-8867-5D8E615D9A9C}" type="datetimeFigureOut">
               <a:rPr kumimoji="1" lang="ja-JP" altLang="en-US" smtClean="0"/>
-              <a:t>2021/1/14</a:t>
+              <a:t>2021/1/17</a:t>
             </a:fld>
             <a:endParaRPr kumimoji="1" lang="ja-JP" altLang="en-US"/>
           </a:p>
@@ -3065,7 +3069,7 @@
           <a:p>
             <a:fld id="{2E64B005-9ADF-4C42-8867-5D8E615D9A9C}" type="datetimeFigureOut">
               <a:rPr kumimoji="1" lang="ja-JP" altLang="en-US" smtClean="0"/>
-              <a:t>2021/1/14</a:t>
+              <a:t>2021/1/17</a:t>
             </a:fld>
             <a:endParaRPr kumimoji="1" lang="ja-JP" altLang="en-US"/>
           </a:p>
@@ -3353,7 +3357,7 @@
           <a:p>
             <a:fld id="{2E64B005-9ADF-4C42-8867-5D8E615D9A9C}" type="datetimeFigureOut">
               <a:rPr kumimoji="1" lang="ja-JP" altLang="en-US" smtClean="0"/>
-              <a:t>2021/1/14</a:t>
+              <a:t>2021/1/17</a:t>
             </a:fld>
             <a:endParaRPr kumimoji="1" lang="ja-JP" altLang="en-US"/>
           </a:p>
@@ -3626,7 +3630,7 @@
           <a:p>
             <a:fld id="{2E64B005-9ADF-4C42-8867-5D8E615D9A9C}" type="datetimeFigureOut">
               <a:rPr kumimoji="1" lang="ja-JP" altLang="en-US" smtClean="0"/>
-              <a:t>2021/1/14</a:t>
+              <a:t>2021/1/17</a:t>
             </a:fld>
             <a:endParaRPr kumimoji="1" lang="ja-JP" altLang="en-US"/>
           </a:p>
@@ -4687,8 +4691,8 @@
         </p:nvSpPr>
         <p:spPr>
           <a:xfrm flipV="1">
-            <a:off x="3394621" y="1438218"/>
-            <a:ext cx="1269160" cy="1456271"/>
+            <a:off x="3975519" y="1161109"/>
+            <a:ext cx="1092204" cy="1671270"/>
           </a:xfrm>
           <a:prstGeom prst="downArrow">
             <a:avLst>
@@ -4736,8 +4740,8 @@
         </p:nvSpPr>
         <p:spPr>
           <a:xfrm>
-            <a:off x="1517371" y="3604111"/>
-            <a:ext cx="4987011" cy="3131876"/>
+            <a:off x="2452533" y="3129380"/>
+            <a:ext cx="4291683" cy="3403395"/>
           </a:xfrm>
           <a:prstGeom prst="roundRect">
             <a:avLst/>
@@ -4788,8 +4792,8 @@
         </p:nvSpPr>
         <p:spPr>
           <a:xfrm>
-            <a:off x="2948599" y="2872448"/>
-            <a:ext cx="2188949" cy="1077218"/>
+            <a:off x="3638055" y="2790625"/>
+            <a:ext cx="1857143" cy="1077218"/>
           </a:xfrm>
           <a:prstGeom prst="rect">
             <a:avLst/>
@@ -4840,8 +4844,8 @@
         </p:nvSpPr>
         <p:spPr>
           <a:xfrm>
-            <a:off x="3059007" y="4029215"/>
-            <a:ext cx="1903739" cy="1304226"/>
+            <a:off x="3779221" y="4069367"/>
+            <a:ext cx="1638305" cy="987246"/>
           </a:xfrm>
           <a:prstGeom prst="roundRect">
             <a:avLst/>
@@ -4878,14 +4882,14 @@
           <a:p>
             <a:pPr algn="ctr"/>
             <a:r>
-              <a:rPr lang="en-US" altLang="ja-JP" sz="4400" dirty="0">
+              <a:rPr lang="en-US" altLang="ja-JP" sz="3600" dirty="0">
                 <a:solidFill>
                   <a:schemeClr val="tx1"/>
                 </a:solidFill>
               </a:rPr>
               <a:t>Card</a:t>
             </a:r>
-            <a:endParaRPr lang="en-US" altLang="ja-JP" sz="3600" dirty="0">
+            <a:endParaRPr lang="en-US" altLang="ja-JP" sz="2800" dirty="0">
               <a:solidFill>
                 <a:schemeClr val="tx1"/>
               </a:solidFill>
@@ -4894,14 +4898,14 @@
           <a:p>
             <a:pPr algn="ctr"/>
             <a:r>
-              <a:rPr lang="en-US" altLang="ja-JP" sz="2800" dirty="0">
+              <a:rPr lang="en-US" altLang="ja-JP" sz="2000" dirty="0">
                 <a:solidFill>
                   <a:schemeClr val="tx1"/>
                 </a:solidFill>
               </a:rPr>
               <a:t>Class</a:t>
             </a:r>
-            <a:endParaRPr kumimoji="1" lang="ja-JP" altLang="en-US" sz="2000" dirty="0">
+            <a:endParaRPr kumimoji="1" lang="ja-JP" altLang="en-US" sz="1600" dirty="0">
               <a:solidFill>
                 <a:schemeClr val="tx1"/>
               </a:solidFill>
@@ -4923,8 +4927,8 @@
         </p:nvSpPr>
         <p:spPr>
           <a:xfrm>
-            <a:off x="1926294" y="5362934"/>
-            <a:ext cx="1903739" cy="1304226"/>
+            <a:off x="2672495" y="5214180"/>
+            <a:ext cx="1638305" cy="987246"/>
           </a:xfrm>
           <a:prstGeom prst="roundRect">
             <a:avLst/>
@@ -4961,14 +4965,14 @@
           <a:p>
             <a:pPr algn="ctr"/>
             <a:r>
-              <a:rPr lang="en-US" altLang="ja-JP" sz="4400" dirty="0">
+              <a:rPr lang="en-US" altLang="ja-JP" sz="3600" dirty="0">
                 <a:solidFill>
                   <a:schemeClr val="tx1"/>
                 </a:solidFill>
               </a:rPr>
               <a:t>Piece</a:t>
             </a:r>
-            <a:endParaRPr lang="en-US" altLang="ja-JP" sz="3600" dirty="0">
+            <a:endParaRPr lang="en-US" altLang="ja-JP" sz="2800" dirty="0">
               <a:solidFill>
                 <a:schemeClr val="tx1"/>
               </a:solidFill>
@@ -4977,14 +4981,14 @@
           <a:p>
             <a:pPr algn="ctr"/>
             <a:r>
-              <a:rPr lang="en-US" altLang="ja-JP" sz="2800" dirty="0">
+              <a:rPr lang="en-US" altLang="ja-JP" sz="2000" dirty="0">
                 <a:solidFill>
                   <a:schemeClr val="tx1"/>
                 </a:solidFill>
               </a:rPr>
               <a:t>Class</a:t>
             </a:r>
-            <a:endParaRPr kumimoji="1" lang="ja-JP" altLang="en-US" sz="1800" dirty="0">
+            <a:endParaRPr kumimoji="1" lang="ja-JP" altLang="en-US" sz="1400" dirty="0">
               <a:solidFill>
                 <a:schemeClr val="tx1"/>
               </a:solidFill>
@@ -5006,8 +5010,8 @@
         </p:nvSpPr>
         <p:spPr>
           <a:xfrm>
-            <a:off x="4237118" y="5383895"/>
-            <a:ext cx="1903739" cy="1304226"/>
+            <a:off x="4899317" y="5263984"/>
+            <a:ext cx="1638305" cy="987246"/>
           </a:xfrm>
           <a:prstGeom prst="roundRect">
             <a:avLst/>
@@ -5044,7 +5048,7 @@
           <a:p>
             <a:pPr algn="ctr"/>
             <a:r>
-              <a:rPr kumimoji="1" lang="en-US" altLang="ja-JP" sz="4400" dirty="0">
+              <a:rPr kumimoji="1" lang="en-US" altLang="ja-JP" sz="3600" dirty="0">
                 <a:solidFill>
                   <a:schemeClr val="tx1"/>
                 </a:solidFill>
@@ -5055,14 +5059,14 @@
           <a:p>
             <a:pPr algn="ctr"/>
             <a:r>
-              <a:rPr lang="en-US" altLang="ja-JP" sz="2800" dirty="0">
+              <a:rPr lang="en-US" altLang="ja-JP" sz="2000" dirty="0">
                 <a:solidFill>
                   <a:schemeClr val="tx1"/>
                 </a:solidFill>
               </a:rPr>
               <a:t>Class</a:t>
             </a:r>
-            <a:endParaRPr kumimoji="1" lang="ja-JP" altLang="en-US" sz="3600" dirty="0">
+            <a:endParaRPr kumimoji="1" lang="ja-JP" altLang="en-US" sz="2800" dirty="0">
               <a:solidFill>
                 <a:schemeClr val="tx1"/>
               </a:solidFill>
@@ -5084,8 +5088,8 @@
         </p:nvSpPr>
         <p:spPr>
           <a:xfrm>
-            <a:off x="8249645" y="4690983"/>
-            <a:ext cx="1903739" cy="1304226"/>
+            <a:off x="8542066" y="3234314"/>
+            <a:ext cx="1638305" cy="987246"/>
           </a:xfrm>
           <a:prstGeom prst="roundRect">
             <a:avLst/>
@@ -5122,14 +5126,14 @@
           <a:p>
             <a:pPr algn="ctr"/>
             <a:r>
-              <a:rPr kumimoji="1" lang="en-US" altLang="ja-JP" sz="4400" dirty="0">
+              <a:rPr kumimoji="1" lang="en-US" altLang="ja-JP" sz="3600" dirty="0">
                 <a:solidFill>
                   <a:schemeClr val="tx1"/>
                 </a:solidFill>
               </a:rPr>
               <a:t>Hand</a:t>
             </a:r>
-            <a:endParaRPr kumimoji="1" lang="en-US" altLang="ja-JP" sz="3600" dirty="0">
+            <a:endParaRPr kumimoji="1" lang="en-US" altLang="ja-JP" sz="2800" dirty="0">
               <a:solidFill>
                 <a:schemeClr val="tx1"/>
               </a:solidFill>
@@ -5138,14 +5142,14 @@
           <a:p>
             <a:pPr algn="ctr"/>
             <a:r>
-              <a:rPr lang="en-US" altLang="ja-JP" sz="2800" dirty="0">
+              <a:rPr lang="en-US" altLang="ja-JP" sz="2000" dirty="0">
                 <a:solidFill>
                   <a:schemeClr val="tx1"/>
                 </a:solidFill>
               </a:rPr>
               <a:t>Class</a:t>
             </a:r>
-            <a:endParaRPr kumimoji="1" lang="ja-JP" altLang="en-US" sz="1100" dirty="0">
+            <a:endParaRPr kumimoji="1" lang="ja-JP" altLang="en-US" sz="1000" dirty="0">
               <a:solidFill>
                 <a:schemeClr val="tx1"/>
               </a:solidFill>
@@ -5167,8 +5171,8 @@
         </p:nvSpPr>
         <p:spPr>
           <a:xfrm flipH="1">
-            <a:off x="6504382" y="4760411"/>
-            <a:ext cx="1720132" cy="1120340"/>
+            <a:off x="6755811" y="3303911"/>
+            <a:ext cx="1770682" cy="848052"/>
           </a:xfrm>
           <a:prstGeom prst="rightArrow">
             <a:avLst/>
@@ -5213,8 +5217,8 @@
         </p:nvSpPr>
         <p:spPr>
           <a:xfrm>
-            <a:off x="7197506" y="4497282"/>
-            <a:ext cx="1052139" cy="584775"/>
+            <a:off x="7320792" y="2930303"/>
+            <a:ext cx="1092204" cy="584775"/>
           </a:xfrm>
           <a:prstGeom prst="rect">
             <a:avLst/>
@@ -5228,18 +5232,10 @@
           <a:lstStyle/>
           <a:p>
             <a:r>
-              <a:rPr kumimoji="1" lang="ja-JP" altLang="en-US" sz="3200" b="1" dirty="0">
-                <a:solidFill>
-                  <a:schemeClr val="bg1"/>
-                </a:solidFill>
-              </a:rPr>
+              <a:rPr kumimoji="1" lang="ja-JP" altLang="en-US" sz="3200" b="1" dirty="0"/>
               <a:t>操作</a:t>
             </a:r>
-            <a:endParaRPr kumimoji="1" lang="ja-JP" altLang="en-US" sz="4000" b="1" dirty="0">
-              <a:solidFill>
-                <a:schemeClr val="bg1"/>
-              </a:solidFill>
-            </a:endParaRPr>
+            <a:endParaRPr kumimoji="1" lang="ja-JP" altLang="en-US" sz="4000" b="1" dirty="0"/>
           </a:p>
         </p:txBody>
       </p:sp>
@@ -5257,8 +5253,8 @@
         </p:nvSpPr>
         <p:spPr>
           <a:xfrm>
-            <a:off x="8593923" y="1422965"/>
-            <a:ext cx="1269160" cy="3268018"/>
+            <a:off x="8827936" y="1105989"/>
+            <a:ext cx="1092204" cy="2128325"/>
           </a:xfrm>
           <a:prstGeom prst="downArrow">
             <a:avLst>
@@ -5306,8 +5302,8 @@
         </p:nvSpPr>
         <p:spPr>
           <a:xfrm>
-            <a:off x="8276632" y="118739"/>
-            <a:ext cx="1903739" cy="1304226"/>
+            <a:off x="8542066" y="118739"/>
+            <a:ext cx="1638305" cy="987246"/>
           </a:xfrm>
           <a:prstGeom prst="roundRect">
             <a:avLst/>
@@ -5344,14 +5340,14 @@
           <a:p>
             <a:pPr algn="ctr"/>
             <a:r>
-              <a:rPr lang="en-US" altLang="ja-JP" sz="4400" dirty="0">
+              <a:rPr lang="en-US" altLang="ja-JP" sz="3600" dirty="0">
                 <a:solidFill>
                   <a:schemeClr val="tx1"/>
                 </a:solidFill>
               </a:rPr>
               <a:t>Input</a:t>
             </a:r>
-            <a:endParaRPr kumimoji="1" lang="en-US" altLang="ja-JP" sz="3600" dirty="0">
+            <a:endParaRPr kumimoji="1" lang="en-US" altLang="ja-JP" sz="2800" dirty="0">
               <a:solidFill>
                 <a:schemeClr val="tx1"/>
               </a:solidFill>
@@ -5360,14 +5356,14 @@
           <a:p>
             <a:pPr algn="ctr"/>
             <a:r>
-              <a:rPr lang="en-US" altLang="ja-JP" sz="2800" dirty="0">
+              <a:rPr lang="en-US" altLang="ja-JP" sz="2000" dirty="0">
                 <a:solidFill>
                   <a:schemeClr val="tx1"/>
                 </a:solidFill>
               </a:rPr>
               <a:t>Class</a:t>
             </a:r>
-            <a:endParaRPr kumimoji="1" lang="ja-JP" altLang="en-US" sz="1100" dirty="0">
+            <a:endParaRPr kumimoji="1" lang="ja-JP" altLang="en-US" sz="1000" dirty="0">
               <a:solidFill>
                 <a:schemeClr val="tx1"/>
               </a:solidFill>
@@ -5389,8 +5385,8 @@
         </p:nvSpPr>
         <p:spPr>
           <a:xfrm>
-            <a:off x="7283025" y="1613459"/>
-            <a:ext cx="3890954" cy="646331"/>
+            <a:off x="7774090" y="1638636"/>
+            <a:ext cx="3085781" cy="523220"/>
           </a:xfrm>
           <a:prstGeom prst="rect">
             <a:avLst/>
@@ -5410,8 +5406,9 @@
           </a:bodyPr>
           <a:lstStyle/>
           <a:p>
-            <a:r>
-              <a:rPr kumimoji="1" lang="ja-JP" altLang="en-US" sz="3600" dirty="0"/>
+            <a:pPr algn="ctr"/>
+            <a:r>
+              <a:rPr kumimoji="1" lang="ja-JP" altLang="en-US" sz="2800" dirty="0"/>
               <a:t>マウスからの入力</a:t>
             </a:r>
           </a:p>
@@ -5431,8 +5428,8 @@
         </p:nvSpPr>
         <p:spPr>
           <a:xfrm>
-            <a:off x="3091203" y="122014"/>
-            <a:ext cx="1903739" cy="1304226"/>
+            <a:off x="3277955" y="58771"/>
+            <a:ext cx="2566982" cy="1102338"/>
           </a:xfrm>
           <a:prstGeom prst="roundRect">
             <a:avLst/>
@@ -5469,30 +5466,36 @@
           <a:p>
             <a:pPr algn="ctr"/>
             <a:r>
-              <a:rPr lang="en-US" altLang="ja-JP" sz="4400" dirty="0">
+              <a:rPr kumimoji="1" lang="en-US" altLang="ja-JP" sz="2800" dirty="0">
                 <a:solidFill>
                   <a:schemeClr val="tx1"/>
                 </a:solidFill>
               </a:rPr>
-              <a:t>Input</a:t>
-            </a:r>
-            <a:endParaRPr kumimoji="1" lang="en-US" altLang="ja-JP" sz="3600" dirty="0">
-              <a:solidFill>
-                <a:schemeClr val="tx1"/>
-              </a:solidFill>
-            </a:endParaRPr>
+              <a:t>Photon</a:t>
+            </a:r>
           </a:p>
           <a:p>
             <a:pPr algn="ctr"/>
             <a:r>
-              <a:rPr lang="en-US" altLang="ja-JP" sz="2800" dirty="0">
+              <a:rPr kumimoji="1" lang="en-US" altLang="ja-JP" sz="2800" dirty="0">
+                <a:solidFill>
+                  <a:schemeClr val="tx1"/>
+                </a:solidFill>
+              </a:rPr>
+              <a:t>Networking</a:t>
+            </a:r>
+          </a:p>
+          <a:p>
+            <a:pPr algn="ctr"/>
+            <a:r>
+              <a:rPr lang="en-US" altLang="ja-JP" sz="2000" dirty="0">
                 <a:solidFill>
                   <a:schemeClr val="tx1"/>
                 </a:solidFill>
               </a:rPr>
               <a:t>Class</a:t>
             </a:r>
-            <a:endParaRPr kumimoji="1" lang="ja-JP" altLang="en-US" sz="1100" dirty="0">
+            <a:endParaRPr kumimoji="1" lang="ja-JP" altLang="en-US" sz="1000" dirty="0">
               <a:solidFill>
                 <a:schemeClr val="tx1"/>
               </a:solidFill>
@@ -5514,8 +5517,8 @@
         </p:nvSpPr>
         <p:spPr>
           <a:xfrm>
-            <a:off x="2995154" y="1990335"/>
-            <a:ext cx="2031443" cy="646331"/>
+            <a:off x="3396113" y="1783858"/>
+            <a:ext cx="2251015" cy="646331"/>
           </a:xfrm>
           <a:prstGeom prst="rect">
             <a:avLst/>
@@ -5557,8 +5560,8 @@
         </p:nvSpPr>
         <p:spPr>
           <a:xfrm>
-            <a:off x="829560" y="2727190"/>
-            <a:ext cx="10344420" cy="4130809"/>
+            <a:off x="2271859" y="2727190"/>
+            <a:ext cx="9021451" cy="4012071"/>
           </a:xfrm>
           <a:prstGeom prst="rect">
             <a:avLst/>
@@ -5610,8 +5613,8 @@
         </p:nvSpPr>
         <p:spPr>
           <a:xfrm>
-            <a:off x="498246" y="2342868"/>
-            <a:ext cx="2363692" cy="830997"/>
+            <a:off x="1365847" y="2342711"/>
+            <a:ext cx="1923426" cy="707886"/>
           </a:xfrm>
           <a:prstGeom prst="rect">
             <a:avLst/>
@@ -5633,17 +5636,229 @@
           <a:p>
             <a:pPr algn="ctr"/>
             <a:r>
-              <a:rPr kumimoji="1" lang="ja-JP" altLang="en-US" sz="2400" b="1" dirty="0"/>
+              <a:rPr kumimoji="1" lang="ja-JP" altLang="en-US" sz="2000" b="1" dirty="0"/>
               <a:t>開発した</a:t>
             </a:r>
-            <a:endParaRPr kumimoji="1" lang="en-US" altLang="ja-JP" sz="2400" b="1" dirty="0"/>
+            <a:endParaRPr kumimoji="1" lang="en-US" altLang="ja-JP" sz="2000" b="1" dirty="0"/>
           </a:p>
           <a:p>
             <a:pPr algn="ctr"/>
             <a:r>
-              <a:rPr kumimoji="1" lang="ja-JP" altLang="en-US" sz="2400" b="1" dirty="0"/>
+              <a:rPr kumimoji="1" lang="ja-JP" altLang="en-US" sz="2000" b="1" dirty="0"/>
               <a:t>ライブラリー</a:t>
             </a:r>
+          </a:p>
+        </p:txBody>
+      </p:sp>
+      <p:sp>
+        <p:nvSpPr>
+          <p:cNvPr id="2" name="矢印: 左右 1">
+            <a:extLst>
+              <a:ext uri="{FF2B5EF4-FFF2-40B4-BE49-F238E27FC236}">
+                <a16:creationId xmlns:a16="http://schemas.microsoft.com/office/drawing/2014/main" id="{264B5063-0701-4067-9EC4-375881D2D5E1}"/>
+              </a:ext>
+            </a:extLst>
+          </p:cNvPr>
+          <p:cNvSpPr/>
+          <p:nvPr/>
+        </p:nvSpPr>
+        <p:spPr>
+          <a:xfrm>
+            <a:off x="6755811" y="5189934"/>
+            <a:ext cx="1803332" cy="775168"/>
+          </a:xfrm>
+          <a:prstGeom prst="leftRightArrow">
+            <a:avLst/>
+          </a:prstGeom>
+        </p:spPr>
+        <p:style>
+          <a:lnRef idx="2">
+            <a:schemeClr val="accent1">
+              <a:shade val="50000"/>
+            </a:schemeClr>
+          </a:lnRef>
+          <a:fillRef idx="1">
+            <a:schemeClr val="accent1"/>
+          </a:fillRef>
+          <a:effectRef idx="0">
+            <a:schemeClr val="accent1"/>
+          </a:effectRef>
+          <a:fontRef idx="minor">
+            <a:schemeClr val="lt1"/>
+          </a:fontRef>
+        </p:style>
+        <p:txBody>
+          <a:bodyPr rtlCol="0" anchor="ctr"/>
+          <a:lstStyle/>
+          <a:p>
+            <a:pPr algn="ctr"/>
+            <a:endParaRPr kumimoji="1" lang="ja-JP" altLang="en-US"/>
+          </a:p>
+        </p:txBody>
+      </p:sp>
+      <p:sp>
+        <p:nvSpPr>
+          <p:cNvPr id="19" name="四角形: 角を丸くする 18">
+            <a:extLst>
+              <a:ext uri="{FF2B5EF4-FFF2-40B4-BE49-F238E27FC236}">
+                <a16:creationId xmlns:a16="http://schemas.microsoft.com/office/drawing/2014/main" id="{D95F8E89-4E59-4308-8FA3-596C7CEBAFC3}"/>
+              </a:ext>
+            </a:extLst>
+          </p:cNvPr>
+          <p:cNvSpPr/>
+          <p:nvPr/>
+        </p:nvSpPr>
+        <p:spPr>
+          <a:xfrm>
+            <a:off x="8559143" y="4575539"/>
+            <a:ext cx="1638305" cy="987246"/>
+          </a:xfrm>
+          <a:prstGeom prst="roundRect">
+            <a:avLst/>
+          </a:prstGeom>
+          <a:noFill/>
+          <a:ln w="38100">
+            <a:solidFill>
+              <a:schemeClr val="accent5">
+                <a:lumMod val="60000"/>
+                <a:lumOff val="40000"/>
+              </a:schemeClr>
+            </a:solidFill>
+          </a:ln>
+        </p:spPr>
+        <p:style>
+          <a:lnRef idx="2">
+            <a:schemeClr val="accent1">
+              <a:shade val="50000"/>
+            </a:schemeClr>
+          </a:lnRef>
+          <a:fillRef idx="1">
+            <a:schemeClr val="accent1"/>
+          </a:fillRef>
+          <a:effectRef idx="0">
+            <a:schemeClr val="accent1"/>
+          </a:effectRef>
+          <a:fontRef idx="minor">
+            <a:schemeClr val="lt1"/>
+          </a:fontRef>
+        </p:style>
+        <p:txBody>
+          <a:bodyPr rtlCol="0" anchor="ctr"/>
+          <a:lstStyle/>
+          <a:p>
+            <a:pPr algn="ctr"/>
+            <a:r>
+              <a:rPr lang="en-US" altLang="ja-JP" sz="3600" dirty="0">
+                <a:solidFill>
+                  <a:schemeClr val="tx1"/>
+                </a:solidFill>
+              </a:rPr>
+              <a:t>Data</a:t>
+            </a:r>
+            <a:endParaRPr lang="en-US" altLang="ja-JP" sz="2800" dirty="0">
+              <a:solidFill>
+                <a:schemeClr val="tx1"/>
+              </a:solidFill>
+            </a:endParaRPr>
+          </a:p>
+          <a:p>
+            <a:pPr algn="ctr"/>
+            <a:r>
+              <a:rPr lang="en-US" altLang="ja-JP" sz="2000" dirty="0">
+                <a:solidFill>
+                  <a:schemeClr val="tx1"/>
+                </a:solidFill>
+              </a:rPr>
+              <a:t>Class</a:t>
+            </a:r>
+            <a:endParaRPr kumimoji="1" lang="ja-JP" altLang="en-US" sz="1600" dirty="0">
+              <a:solidFill>
+                <a:schemeClr val="tx1"/>
+              </a:solidFill>
+            </a:endParaRPr>
+          </a:p>
+        </p:txBody>
+      </p:sp>
+      <p:sp>
+        <p:nvSpPr>
+          <p:cNvPr id="24" name="四角形: 角を丸くする 23">
+            <a:extLst>
+              <a:ext uri="{FF2B5EF4-FFF2-40B4-BE49-F238E27FC236}">
+                <a16:creationId xmlns:a16="http://schemas.microsoft.com/office/drawing/2014/main" id="{F17754A8-2CD8-4036-B76E-F52F194D99C8}"/>
+              </a:ext>
+            </a:extLst>
+          </p:cNvPr>
+          <p:cNvSpPr/>
+          <p:nvPr/>
+        </p:nvSpPr>
+        <p:spPr>
+          <a:xfrm>
+            <a:off x="8559143" y="5577518"/>
+            <a:ext cx="2614837" cy="987246"/>
+          </a:xfrm>
+          <a:prstGeom prst="roundRect">
+            <a:avLst/>
+          </a:prstGeom>
+          <a:noFill/>
+          <a:ln w="38100">
+            <a:solidFill>
+              <a:schemeClr val="accent5">
+                <a:lumMod val="60000"/>
+                <a:lumOff val="40000"/>
+              </a:schemeClr>
+            </a:solidFill>
+          </a:ln>
+        </p:spPr>
+        <p:style>
+          <a:lnRef idx="2">
+            <a:schemeClr val="accent1">
+              <a:shade val="50000"/>
+            </a:schemeClr>
+          </a:lnRef>
+          <a:fillRef idx="1">
+            <a:schemeClr val="accent1"/>
+          </a:fillRef>
+          <a:effectRef idx="0">
+            <a:schemeClr val="accent1"/>
+          </a:effectRef>
+          <a:fontRef idx="minor">
+            <a:schemeClr val="lt1"/>
+          </a:fontRef>
+        </p:style>
+        <p:txBody>
+          <a:bodyPr rtlCol="0" anchor="ctr"/>
+          <a:lstStyle/>
+          <a:p>
+            <a:pPr algn="ctr"/>
+            <a:r>
+              <a:rPr lang="en-US" altLang="ja-JP" sz="3200" dirty="0" err="1">
+                <a:solidFill>
+                  <a:schemeClr val="tx1"/>
+                </a:solidFill>
+              </a:rPr>
+              <a:t>ViewControl</a:t>
+            </a:r>
+            <a:endParaRPr lang="en-US" altLang="ja-JP" sz="2400" dirty="0">
+              <a:solidFill>
+                <a:schemeClr val="tx1"/>
+              </a:solidFill>
+            </a:endParaRPr>
+          </a:p>
+          <a:p>
+            <a:pPr algn="ctr"/>
+            <a:r>
+              <a:rPr lang="en-US" altLang="ja-JP" sz="2000" dirty="0">
+                <a:solidFill>
+                  <a:schemeClr val="tx1"/>
+                </a:solidFill>
+              </a:rPr>
+              <a:t>Class</a:t>
+            </a:r>
+            <a:endParaRPr kumimoji="1" lang="ja-JP" altLang="en-US" sz="1600" dirty="0">
+              <a:solidFill>
+                <a:schemeClr val="tx1"/>
+              </a:solidFill>
+            </a:endParaRPr>
           </a:p>
         </p:txBody>
       </p:sp>
@@ -5661,6 +5876,66 @@
 </file>
 
 <file path=ppt/slides/slide12.xml><?xml version="1.0" encoding="utf-8"?>
+<p:sld xmlns:a="http://schemas.openxmlformats.org/drawingml/2006/main" xmlns:r="http://schemas.openxmlformats.org/officeDocument/2006/relationships" xmlns:p="http://schemas.openxmlformats.org/presentationml/2006/main">
+  <p:cSld>
+    <p:spTree>
+      <p:nvGrpSpPr>
+        <p:cNvPr id="1" name=""/>
+        <p:cNvGrpSpPr/>
+        <p:nvPr/>
+      </p:nvGrpSpPr>
+      <p:grpSpPr>
+        <a:xfrm>
+          <a:off x="0" y="0"/>
+          <a:ext cx="0" cy="0"/>
+          <a:chOff x="0" y="0"/>
+          <a:chExt cx="0" cy="0"/>
+        </a:xfrm>
+      </p:grpSpPr>
+      <p:pic>
+        <p:nvPicPr>
+          <p:cNvPr id="4" name="図 3">
+            <a:extLst>
+              <a:ext uri="{FF2B5EF4-FFF2-40B4-BE49-F238E27FC236}">
+                <a16:creationId xmlns:a16="http://schemas.microsoft.com/office/drawing/2014/main" id="{C5A851C3-2628-4D5A-AAA3-17739024C001}"/>
+              </a:ext>
+            </a:extLst>
+          </p:cNvPr>
+          <p:cNvPicPr>
+            <a:picLocks noChangeAspect="1"/>
+          </p:cNvPicPr>
+          <p:nvPr/>
+        </p:nvPicPr>
+        <p:blipFill>
+          <a:blip r:embed="rId2"/>
+          <a:stretch>
+            <a:fillRect/>
+          </a:stretch>
+        </p:blipFill>
+        <p:spPr>
+          <a:xfrm>
+            <a:off x="859625" y="0"/>
+            <a:ext cx="10472749" cy="6858000"/>
+          </a:xfrm>
+          <a:prstGeom prst="rect">
+            <a:avLst/>
+          </a:prstGeom>
+        </p:spPr>
+      </p:pic>
+    </p:spTree>
+    <p:extLst>
+      <p:ext uri="{BB962C8B-B14F-4D97-AF65-F5344CB8AC3E}">
+        <p14:creationId xmlns:p14="http://schemas.microsoft.com/office/powerpoint/2010/main" val="3124629361"/>
+      </p:ext>
+    </p:extLst>
+  </p:cSld>
+  <p:clrMapOvr>
+    <a:masterClrMapping/>
+  </p:clrMapOvr>
+</p:sld>
+</file>
+
+<file path=ppt/slides/slide13.xml><?xml version="1.0" encoding="utf-8"?>
 <p:sld xmlns:a="http://schemas.openxmlformats.org/drawingml/2006/main" xmlns:r="http://schemas.openxmlformats.org/officeDocument/2006/relationships" xmlns:p="http://schemas.openxmlformats.org/presentationml/2006/main">
   <p:cSld>
     <p:spTree>
@@ -7018,6 +7293,216 @@
           </a:p>
         </p:txBody>
       </p:sp>
+      <p:sp>
+        <p:nvSpPr>
+          <p:cNvPr id="2" name="テキスト ボックス 1">
+            <a:extLst>
+              <a:ext uri="{FF2B5EF4-FFF2-40B4-BE49-F238E27FC236}">
+                <a16:creationId xmlns:a16="http://schemas.microsoft.com/office/drawing/2014/main" id="{C57238C3-2FB5-44C1-B280-1F6A38F01421}"/>
+              </a:ext>
+            </a:extLst>
+          </p:cNvPr>
+          <p:cNvSpPr txBox="1"/>
+          <p:nvPr/>
+        </p:nvSpPr>
+        <p:spPr>
+          <a:xfrm>
+            <a:off x="820464" y="411096"/>
+            <a:ext cx="707009" cy="646331"/>
+          </a:xfrm>
+          <a:prstGeom prst="rect">
+            <a:avLst/>
+          </a:prstGeom>
+          <a:noFill/>
+        </p:spPr>
+        <p:txBody>
+          <a:bodyPr wrap="square" rtlCol="0">
+            <a:spAutoFit/>
+          </a:bodyPr>
+          <a:lstStyle/>
+          <a:p>
+            <a:r>
+              <a:rPr kumimoji="1" lang="ja-JP" altLang="en-US" sz="3600" dirty="0">
+                <a:solidFill>
+                  <a:srgbClr val="FF0000"/>
+                </a:solidFill>
+              </a:rPr>
+              <a:t>①</a:t>
+            </a:r>
+          </a:p>
+        </p:txBody>
+      </p:sp>
+      <p:sp>
+        <p:nvSpPr>
+          <p:cNvPr id="29" name="テキスト ボックス 28">
+            <a:extLst>
+              <a:ext uri="{FF2B5EF4-FFF2-40B4-BE49-F238E27FC236}">
+                <a16:creationId xmlns:a16="http://schemas.microsoft.com/office/drawing/2014/main" id="{35A5A4F4-73F0-477E-A61E-E891D25C850B}"/>
+              </a:ext>
+            </a:extLst>
+          </p:cNvPr>
+          <p:cNvSpPr txBox="1"/>
+          <p:nvPr/>
+        </p:nvSpPr>
+        <p:spPr>
+          <a:xfrm>
+            <a:off x="3998885" y="1767996"/>
+            <a:ext cx="707009" cy="646331"/>
+          </a:xfrm>
+          <a:prstGeom prst="rect">
+            <a:avLst/>
+          </a:prstGeom>
+          <a:noFill/>
+        </p:spPr>
+        <p:txBody>
+          <a:bodyPr wrap="square" rtlCol="0">
+            <a:spAutoFit/>
+          </a:bodyPr>
+          <a:lstStyle/>
+          <a:p>
+            <a:r>
+              <a:rPr lang="ja-JP" altLang="en-US" sz="3600" dirty="0">
+                <a:solidFill>
+                  <a:srgbClr val="FF0000"/>
+                </a:solidFill>
+              </a:rPr>
+              <a:t>②</a:t>
+            </a:r>
+            <a:endParaRPr kumimoji="1" lang="ja-JP" altLang="en-US" sz="3600" dirty="0">
+              <a:solidFill>
+                <a:srgbClr val="FF0000"/>
+              </a:solidFill>
+            </a:endParaRPr>
+          </a:p>
+        </p:txBody>
+      </p:sp>
+      <p:sp>
+        <p:nvSpPr>
+          <p:cNvPr id="30" name="テキスト ボックス 29">
+            <a:extLst>
+              <a:ext uri="{FF2B5EF4-FFF2-40B4-BE49-F238E27FC236}">
+                <a16:creationId xmlns:a16="http://schemas.microsoft.com/office/drawing/2014/main" id="{77A2F6F6-7C5D-440F-99B6-B8D57D3D1B5C}"/>
+              </a:ext>
+            </a:extLst>
+          </p:cNvPr>
+          <p:cNvSpPr txBox="1"/>
+          <p:nvPr/>
+        </p:nvSpPr>
+        <p:spPr>
+          <a:xfrm>
+            <a:off x="3811754" y="3724894"/>
+            <a:ext cx="707009" cy="646331"/>
+          </a:xfrm>
+          <a:prstGeom prst="rect">
+            <a:avLst/>
+          </a:prstGeom>
+          <a:noFill/>
+        </p:spPr>
+        <p:txBody>
+          <a:bodyPr wrap="square" rtlCol="0">
+            <a:spAutoFit/>
+          </a:bodyPr>
+          <a:lstStyle/>
+          <a:p>
+            <a:r>
+              <a:rPr lang="ja-JP" altLang="en-US" sz="3600" dirty="0">
+                <a:solidFill>
+                  <a:srgbClr val="FF0000"/>
+                </a:solidFill>
+              </a:rPr>
+              <a:t>③</a:t>
+            </a:r>
+            <a:endParaRPr kumimoji="1" lang="ja-JP" altLang="en-US" sz="3600" dirty="0">
+              <a:solidFill>
+                <a:srgbClr val="FF0000"/>
+              </a:solidFill>
+            </a:endParaRPr>
+          </a:p>
+        </p:txBody>
+      </p:sp>
+      <p:sp>
+        <p:nvSpPr>
+          <p:cNvPr id="31" name="テキスト ボックス 30">
+            <a:extLst>
+              <a:ext uri="{FF2B5EF4-FFF2-40B4-BE49-F238E27FC236}">
+                <a16:creationId xmlns:a16="http://schemas.microsoft.com/office/drawing/2014/main" id="{17E4769C-51CA-4685-B870-6F52A0488110}"/>
+              </a:ext>
+            </a:extLst>
+          </p:cNvPr>
+          <p:cNvSpPr txBox="1"/>
+          <p:nvPr/>
+        </p:nvSpPr>
+        <p:spPr>
+          <a:xfrm>
+            <a:off x="7672195" y="1630722"/>
+            <a:ext cx="707009" cy="646331"/>
+          </a:xfrm>
+          <a:prstGeom prst="rect">
+            <a:avLst/>
+          </a:prstGeom>
+          <a:noFill/>
+        </p:spPr>
+        <p:txBody>
+          <a:bodyPr wrap="square" rtlCol="0">
+            <a:spAutoFit/>
+          </a:bodyPr>
+          <a:lstStyle/>
+          <a:p>
+            <a:r>
+              <a:rPr kumimoji="1" lang="ja-JP" altLang="en-US" sz="3600" dirty="0">
+                <a:solidFill>
+                  <a:srgbClr val="FF0000"/>
+                </a:solidFill>
+              </a:rPr>
+              <a:t>④</a:t>
+            </a:r>
+          </a:p>
+        </p:txBody>
+      </p:sp>
+      <p:sp>
+        <p:nvSpPr>
+          <p:cNvPr id="37" name="テキスト ボックス 36">
+            <a:extLst>
+              <a:ext uri="{FF2B5EF4-FFF2-40B4-BE49-F238E27FC236}">
+                <a16:creationId xmlns:a16="http://schemas.microsoft.com/office/drawing/2014/main" id="{DB5F0DDA-4F4D-4360-B941-4E9931A0DDF0}"/>
+              </a:ext>
+            </a:extLst>
+          </p:cNvPr>
+          <p:cNvSpPr txBox="1"/>
+          <p:nvPr/>
+        </p:nvSpPr>
+        <p:spPr>
+          <a:xfrm>
+            <a:off x="9767662" y="2719857"/>
+            <a:ext cx="707009" cy="646331"/>
+          </a:xfrm>
+          <a:prstGeom prst="rect">
+            <a:avLst/>
+          </a:prstGeom>
+          <a:noFill/>
+        </p:spPr>
+        <p:txBody>
+          <a:bodyPr wrap="square" rtlCol="0">
+            <a:spAutoFit/>
+          </a:bodyPr>
+          <a:lstStyle/>
+          <a:p>
+            <a:r>
+              <a:rPr lang="ja-JP" altLang="en-US" sz="3600" dirty="0">
+                <a:solidFill>
+                  <a:srgbClr val="FF0000"/>
+                </a:solidFill>
+              </a:rPr>
+              <a:t>⑤</a:t>
+            </a:r>
+            <a:endParaRPr kumimoji="1" lang="ja-JP" altLang="en-US" sz="3600" dirty="0">
+              <a:solidFill>
+                <a:srgbClr val="FF0000"/>
+              </a:solidFill>
+            </a:endParaRPr>
+          </a:p>
+        </p:txBody>
+      </p:sp>
     </p:spTree>
     <p:extLst>
       <p:ext uri="{BB962C8B-B14F-4D97-AF65-F5344CB8AC3E}">
@@ -7031,7 +7516,7 @@
 </p:sld>
 </file>
 
-<file path=ppt/slides/slide13.xml><?xml version="1.0" encoding="utf-8"?>
+<file path=ppt/slides/slide14.xml><?xml version="1.0" encoding="utf-8"?>
 <p:sld xmlns:a="http://schemas.openxmlformats.org/drawingml/2006/main" xmlns:r="http://schemas.openxmlformats.org/officeDocument/2006/relationships" xmlns:p="http://schemas.openxmlformats.org/presentationml/2006/main">
   <p:cSld>
     <p:spTree>
@@ -7279,6 +7764,455 @@
     <p:extLst>
       <p:ext uri="{BB962C8B-B14F-4D97-AF65-F5344CB8AC3E}">
         <p14:creationId xmlns:p14="http://schemas.microsoft.com/office/powerpoint/2010/main" val="142731615"/>
+      </p:ext>
+    </p:extLst>
+  </p:cSld>
+  <p:clrMapOvr>
+    <a:masterClrMapping/>
+  </p:clrMapOvr>
+</p:sld>
+</file>
+
+<file path=ppt/slides/slide15.xml><?xml version="1.0" encoding="utf-8"?>
+<p:sld xmlns:a="http://schemas.openxmlformats.org/drawingml/2006/main" xmlns:r="http://schemas.openxmlformats.org/officeDocument/2006/relationships" xmlns:p="http://schemas.openxmlformats.org/presentationml/2006/main">
+  <p:cSld>
+    <p:spTree>
+      <p:nvGrpSpPr>
+        <p:cNvPr id="1" name=""/>
+        <p:cNvGrpSpPr/>
+        <p:nvPr/>
+      </p:nvGrpSpPr>
+      <p:grpSpPr>
+        <a:xfrm>
+          <a:off x="0" y="0"/>
+          <a:ext cx="0" cy="0"/>
+          <a:chOff x="0" y="0"/>
+          <a:chExt cx="0" cy="0"/>
+        </a:xfrm>
+      </p:grpSpPr>
+      <p:sp>
+        <p:nvSpPr>
+          <p:cNvPr id="4" name="四角形: 角を丸くする 3">
+            <a:extLst>
+              <a:ext uri="{FF2B5EF4-FFF2-40B4-BE49-F238E27FC236}">
+                <a16:creationId xmlns:a16="http://schemas.microsoft.com/office/drawing/2014/main" id="{5F771A2C-6994-4AAE-AC6D-2C55E7932055}"/>
+              </a:ext>
+            </a:extLst>
+          </p:cNvPr>
+          <p:cNvSpPr/>
+          <p:nvPr/>
+        </p:nvSpPr>
+        <p:spPr>
+          <a:xfrm>
+            <a:off x="1269633" y="4196614"/>
+            <a:ext cx="2406118" cy="935611"/>
+          </a:xfrm>
+          <a:prstGeom prst="roundRect">
+            <a:avLst/>
+          </a:prstGeom>
+          <a:solidFill>
+            <a:schemeClr val="bg1"/>
+          </a:solidFill>
+          <a:ln w="38100">
+            <a:solidFill>
+              <a:srgbClr val="4472C4"/>
+            </a:solidFill>
+          </a:ln>
+        </p:spPr>
+        <p:style>
+          <a:lnRef idx="2">
+            <a:schemeClr val="accent1">
+              <a:shade val="50000"/>
+            </a:schemeClr>
+          </a:lnRef>
+          <a:fillRef idx="1">
+            <a:schemeClr val="accent1"/>
+          </a:fillRef>
+          <a:effectRef idx="0">
+            <a:schemeClr val="accent1"/>
+          </a:effectRef>
+          <a:fontRef idx="minor">
+            <a:schemeClr val="lt1"/>
+          </a:fontRef>
+        </p:style>
+        <p:txBody>
+          <a:bodyPr rtlCol="0" anchor="ctr"/>
+          <a:lstStyle/>
+          <a:p>
+            <a:pPr algn="ctr"/>
+            <a:r>
+              <a:rPr kumimoji="1" lang="en-US" altLang="ja-JP" dirty="0" err="1">
+                <a:solidFill>
+                  <a:schemeClr val="tx1"/>
+                </a:solidFill>
+              </a:rPr>
+              <a:t>IObject</a:t>
+            </a:r>
+            <a:r>
+              <a:rPr kumimoji="1" lang="en-US" altLang="ja-JP" dirty="0">
+                <a:solidFill>
+                  <a:schemeClr val="tx1"/>
+                </a:solidFill>
+              </a:rPr>
+              <a:t> </a:t>
+            </a:r>
+            <a:r>
+              <a:rPr kumimoji="1" lang="en-US" altLang="ja-JP" dirty="0" err="1">
+                <a:solidFill>
+                  <a:schemeClr val="tx1"/>
+                </a:solidFill>
+              </a:rPr>
+              <a:t>gameobject</a:t>
+            </a:r>
+            <a:endParaRPr kumimoji="1" lang="ja-JP" altLang="en-US" dirty="0">
+              <a:solidFill>
+                <a:schemeClr val="tx1"/>
+              </a:solidFill>
+            </a:endParaRPr>
+          </a:p>
+        </p:txBody>
+      </p:sp>
+      <p:sp>
+        <p:nvSpPr>
+          <p:cNvPr id="5" name="矢印: 左 4">
+            <a:extLst>
+              <a:ext uri="{FF2B5EF4-FFF2-40B4-BE49-F238E27FC236}">
+                <a16:creationId xmlns:a16="http://schemas.microsoft.com/office/drawing/2014/main" id="{7ABD9ABE-6B7E-41F1-B15E-6961D95B3E71}"/>
+              </a:ext>
+            </a:extLst>
+          </p:cNvPr>
+          <p:cNvSpPr/>
+          <p:nvPr/>
+        </p:nvSpPr>
+        <p:spPr>
+          <a:xfrm>
+            <a:off x="3677545" y="1617282"/>
+            <a:ext cx="1187777" cy="562074"/>
+          </a:xfrm>
+          <a:prstGeom prst="leftArrow">
+            <a:avLst/>
+          </a:prstGeom>
+        </p:spPr>
+        <p:style>
+          <a:lnRef idx="2">
+            <a:schemeClr val="accent1">
+              <a:shade val="50000"/>
+            </a:schemeClr>
+          </a:lnRef>
+          <a:fillRef idx="1">
+            <a:schemeClr val="accent1"/>
+          </a:fillRef>
+          <a:effectRef idx="0">
+            <a:schemeClr val="accent1"/>
+          </a:effectRef>
+          <a:fontRef idx="minor">
+            <a:schemeClr val="lt1"/>
+          </a:fontRef>
+        </p:style>
+        <p:txBody>
+          <a:bodyPr rtlCol="0" anchor="ctr"/>
+          <a:lstStyle/>
+          <a:p>
+            <a:pPr algn="ctr"/>
+            <a:endParaRPr kumimoji="1" lang="ja-JP" altLang="en-US"/>
+          </a:p>
+        </p:txBody>
+      </p:sp>
+      <p:sp>
+        <p:nvSpPr>
+          <p:cNvPr id="6" name="四角形: 角を丸くする 5">
+            <a:extLst>
+              <a:ext uri="{FF2B5EF4-FFF2-40B4-BE49-F238E27FC236}">
+                <a16:creationId xmlns:a16="http://schemas.microsoft.com/office/drawing/2014/main" id="{BD6B644B-B21E-47EB-87DB-165678422EED}"/>
+              </a:ext>
+            </a:extLst>
+          </p:cNvPr>
+          <p:cNvSpPr/>
+          <p:nvPr/>
+        </p:nvSpPr>
+        <p:spPr>
+          <a:xfrm>
+            <a:off x="4865322" y="1430514"/>
+            <a:ext cx="1795360" cy="935611"/>
+          </a:xfrm>
+          <a:prstGeom prst="roundRect">
+            <a:avLst/>
+          </a:prstGeom>
+          <a:noFill/>
+          <a:ln w="38100">
+            <a:solidFill>
+              <a:srgbClr val="4472C4"/>
+            </a:solidFill>
+          </a:ln>
+        </p:spPr>
+        <p:style>
+          <a:lnRef idx="2">
+            <a:schemeClr val="accent1">
+              <a:shade val="50000"/>
+            </a:schemeClr>
+          </a:lnRef>
+          <a:fillRef idx="1">
+            <a:schemeClr val="accent1"/>
+          </a:fillRef>
+          <a:effectRef idx="0">
+            <a:schemeClr val="accent1"/>
+          </a:effectRef>
+          <a:fontRef idx="minor">
+            <a:schemeClr val="lt1"/>
+          </a:fontRef>
+        </p:style>
+        <p:txBody>
+          <a:bodyPr rtlCol="0" anchor="ctr"/>
+          <a:lstStyle/>
+          <a:p>
+            <a:pPr algn="ctr"/>
+            <a:r>
+              <a:rPr kumimoji="1" lang="en-US" altLang="ja-JP" dirty="0">
+                <a:solidFill>
+                  <a:schemeClr val="tx1"/>
+                </a:solidFill>
+              </a:rPr>
+              <a:t>Hand Class</a:t>
+            </a:r>
+            <a:endParaRPr kumimoji="1" lang="ja-JP" altLang="en-US" dirty="0">
+              <a:solidFill>
+                <a:schemeClr val="tx1"/>
+              </a:solidFill>
+            </a:endParaRPr>
+          </a:p>
+        </p:txBody>
+      </p:sp>
+      <p:sp>
+        <p:nvSpPr>
+          <p:cNvPr id="7" name="四角形: 角を丸くする 6">
+            <a:extLst>
+              <a:ext uri="{FF2B5EF4-FFF2-40B4-BE49-F238E27FC236}">
+                <a16:creationId xmlns:a16="http://schemas.microsoft.com/office/drawing/2014/main" id="{0B12F2B5-8458-4EB0-96E6-189681BD24AA}"/>
+              </a:ext>
+            </a:extLst>
+          </p:cNvPr>
+          <p:cNvSpPr/>
+          <p:nvPr/>
+        </p:nvSpPr>
+        <p:spPr>
+          <a:xfrm>
+            <a:off x="1269633" y="1430514"/>
+            <a:ext cx="2406118" cy="935611"/>
+          </a:xfrm>
+          <a:prstGeom prst="roundRect">
+            <a:avLst/>
+          </a:prstGeom>
+          <a:solidFill>
+            <a:schemeClr val="bg1"/>
+          </a:solidFill>
+          <a:ln w="38100">
+            <a:solidFill>
+              <a:srgbClr val="4472C4"/>
+            </a:solidFill>
+          </a:ln>
+        </p:spPr>
+        <p:style>
+          <a:lnRef idx="2">
+            <a:schemeClr val="accent1">
+              <a:shade val="50000"/>
+            </a:schemeClr>
+          </a:lnRef>
+          <a:fillRef idx="1">
+            <a:schemeClr val="accent1"/>
+          </a:fillRef>
+          <a:effectRef idx="0">
+            <a:schemeClr val="accent1"/>
+          </a:effectRef>
+          <a:fontRef idx="minor">
+            <a:schemeClr val="lt1"/>
+          </a:fontRef>
+        </p:style>
+        <p:txBody>
+          <a:bodyPr rtlCol="0" anchor="ctr"/>
+          <a:lstStyle/>
+          <a:p>
+            <a:pPr algn="ctr"/>
+            <a:r>
+              <a:rPr lang="en-US" altLang="ja-JP" dirty="0">
+                <a:solidFill>
+                  <a:schemeClr val="tx1"/>
+                </a:solidFill>
+              </a:rPr>
+              <a:t>Main </a:t>
+            </a:r>
+            <a:r>
+              <a:rPr lang="en-US" altLang="ja-JP" dirty="0" err="1">
+                <a:solidFill>
+                  <a:schemeClr val="tx1"/>
+                </a:solidFill>
+              </a:rPr>
+              <a:t>gameobject</a:t>
+            </a:r>
+            <a:endParaRPr kumimoji="1" lang="ja-JP" altLang="en-US" dirty="0">
+              <a:solidFill>
+                <a:schemeClr val="tx1"/>
+              </a:solidFill>
+            </a:endParaRPr>
+          </a:p>
+        </p:txBody>
+      </p:sp>
+      <p:sp>
+        <p:nvSpPr>
+          <p:cNvPr id="8" name="矢印: 左 7">
+            <a:extLst>
+              <a:ext uri="{FF2B5EF4-FFF2-40B4-BE49-F238E27FC236}">
+                <a16:creationId xmlns:a16="http://schemas.microsoft.com/office/drawing/2014/main" id="{8D49C91C-7196-4297-A75B-C0879889AD62}"/>
+              </a:ext>
+            </a:extLst>
+          </p:cNvPr>
+          <p:cNvSpPr/>
+          <p:nvPr/>
+        </p:nvSpPr>
+        <p:spPr>
+          <a:xfrm rot="16200000">
+            <a:off x="1557446" y="2991606"/>
+            <a:ext cx="1830493" cy="579523"/>
+          </a:xfrm>
+          <a:prstGeom prst="leftArrow">
+            <a:avLst/>
+          </a:prstGeom>
+        </p:spPr>
+        <p:style>
+          <a:lnRef idx="2">
+            <a:schemeClr val="accent1">
+              <a:shade val="50000"/>
+            </a:schemeClr>
+          </a:lnRef>
+          <a:fillRef idx="1">
+            <a:schemeClr val="accent1"/>
+          </a:fillRef>
+          <a:effectRef idx="0">
+            <a:schemeClr val="accent1"/>
+          </a:effectRef>
+          <a:fontRef idx="minor">
+            <a:schemeClr val="lt1"/>
+          </a:fontRef>
+        </p:style>
+        <p:txBody>
+          <a:bodyPr rtlCol="0" anchor="ctr"/>
+          <a:lstStyle/>
+          <a:p>
+            <a:pPr algn="ctr"/>
+            <a:endParaRPr kumimoji="1" lang="ja-JP" altLang="en-US"/>
+          </a:p>
+        </p:txBody>
+      </p:sp>
+      <p:sp>
+        <p:nvSpPr>
+          <p:cNvPr id="9" name="テキスト ボックス 8">
+            <a:extLst>
+              <a:ext uri="{FF2B5EF4-FFF2-40B4-BE49-F238E27FC236}">
+                <a16:creationId xmlns:a16="http://schemas.microsoft.com/office/drawing/2014/main" id="{231E5618-F188-4DFB-BD9C-4FFD33E1F3F6}"/>
+              </a:ext>
+            </a:extLst>
+          </p:cNvPr>
+          <p:cNvSpPr txBox="1"/>
+          <p:nvPr/>
+        </p:nvSpPr>
+        <p:spPr>
+          <a:xfrm>
+            <a:off x="636549" y="2638470"/>
+            <a:ext cx="3672286" cy="923330"/>
+          </a:xfrm>
+          <a:prstGeom prst="rect">
+            <a:avLst/>
+          </a:prstGeom>
+          <a:solidFill>
+            <a:srgbClr val="FFFFFF"/>
+          </a:solidFill>
+          <a:ln w="38100">
+            <a:solidFill>
+              <a:srgbClr val="4472C4"/>
+            </a:solidFill>
+          </a:ln>
+        </p:spPr>
+        <p:txBody>
+          <a:bodyPr wrap="square" rtlCol="0">
+            <a:spAutoFit/>
+          </a:bodyPr>
+          <a:lstStyle/>
+          <a:p>
+            <a:pPr algn="ctr"/>
+            <a:r>
+              <a:rPr kumimoji="1" lang="en-US" altLang="ja-JP" dirty="0" err="1"/>
+              <a:t>PhotonNetwork.Instantiate</a:t>
+            </a:r>
+            <a:r>
+              <a:rPr kumimoji="1" lang="en-US" altLang="ja-JP" dirty="0"/>
+              <a:t>(“”)</a:t>
+            </a:r>
+            <a:endParaRPr lang="en-US" altLang="ja-JP" dirty="0"/>
+          </a:p>
+          <a:p>
+            <a:pPr algn="ctr"/>
+            <a:r>
+              <a:rPr lang="en-US" altLang="ja-JP" dirty="0"/>
+              <a:t>or</a:t>
+            </a:r>
+          </a:p>
+          <a:p>
+            <a:pPr algn="ctr"/>
+            <a:r>
+              <a:rPr kumimoji="1" lang="en-US" altLang="ja-JP" dirty="0"/>
+              <a:t>Instantiate(“”)</a:t>
+            </a:r>
+            <a:endParaRPr kumimoji="1" lang="ja-JP" altLang="en-US" dirty="0"/>
+          </a:p>
+        </p:txBody>
+      </p:sp>
+      <p:sp>
+        <p:nvSpPr>
+          <p:cNvPr id="10" name="テキスト ボックス 9">
+            <a:extLst>
+              <a:ext uri="{FF2B5EF4-FFF2-40B4-BE49-F238E27FC236}">
+                <a16:creationId xmlns:a16="http://schemas.microsoft.com/office/drawing/2014/main" id="{1C3AB5E6-EFFC-41B7-8BD5-6757A0E99151}"/>
+              </a:ext>
+            </a:extLst>
+          </p:cNvPr>
+          <p:cNvSpPr txBox="1"/>
+          <p:nvPr/>
+        </p:nvSpPr>
+        <p:spPr>
+          <a:xfrm>
+            <a:off x="3910627" y="1713653"/>
+            <a:ext cx="952901" cy="369332"/>
+          </a:xfrm>
+          <a:prstGeom prst="rect">
+            <a:avLst/>
+          </a:prstGeom>
+          <a:noFill/>
+        </p:spPr>
+        <p:txBody>
+          <a:bodyPr wrap="square" rtlCol="0">
+            <a:spAutoFit/>
+          </a:bodyPr>
+          <a:lstStyle/>
+          <a:p>
+            <a:r>
+              <a:rPr kumimoji="1" lang="en-US" altLang="ja-JP" b="1" dirty="0">
+                <a:solidFill>
+                  <a:schemeClr val="bg1"/>
+                </a:solidFill>
+              </a:rPr>
+              <a:t>Attach</a:t>
+            </a:r>
+            <a:endParaRPr kumimoji="1" lang="ja-JP" altLang="en-US" b="1" dirty="0">
+              <a:solidFill>
+                <a:schemeClr val="bg1"/>
+              </a:solidFill>
+            </a:endParaRPr>
+          </a:p>
+        </p:txBody>
+      </p:sp>
+    </p:spTree>
+    <p:extLst>
+      <p:ext uri="{BB962C8B-B14F-4D97-AF65-F5344CB8AC3E}">
+        <p14:creationId xmlns:p14="http://schemas.microsoft.com/office/powerpoint/2010/main" val="361190740"/>
       </p:ext>
     </p:extLst>
   </p:cSld>

--- a/論文/卒研用図.pptx
+++ b/論文/卒研用図.pptx
@@ -5,24 +5,25 @@
     <p:sldMasterId id="2147483648" r:id="rId1"/>
   </p:sldMasterIdLst>
   <p:notesMasterIdLst>
-    <p:notesMasterId r:id="rId17"/>
+    <p:notesMasterId r:id="rId18"/>
   </p:notesMasterIdLst>
   <p:sldIdLst>
     <p:sldId id="256" r:id="rId2"/>
-    <p:sldId id="257" r:id="rId3"/>
-    <p:sldId id="258" r:id="rId4"/>
-    <p:sldId id="259" r:id="rId5"/>
-    <p:sldId id="260" r:id="rId6"/>
-    <p:sldId id="261" r:id="rId7"/>
-    <p:sldId id="262" r:id="rId8"/>
-    <p:sldId id="263" r:id="rId9"/>
-    <p:sldId id="264" r:id="rId10"/>
-    <p:sldId id="266" r:id="rId11"/>
-    <p:sldId id="265" r:id="rId12"/>
-    <p:sldId id="270" r:id="rId13"/>
-    <p:sldId id="267" r:id="rId14"/>
-    <p:sldId id="268" r:id="rId15"/>
-    <p:sldId id="269" r:id="rId16"/>
+    <p:sldId id="271" r:id="rId3"/>
+    <p:sldId id="257" r:id="rId4"/>
+    <p:sldId id="258" r:id="rId5"/>
+    <p:sldId id="259" r:id="rId6"/>
+    <p:sldId id="260" r:id="rId7"/>
+    <p:sldId id="261" r:id="rId8"/>
+    <p:sldId id="262" r:id="rId9"/>
+    <p:sldId id="263" r:id="rId10"/>
+    <p:sldId id="264" r:id="rId11"/>
+    <p:sldId id="266" r:id="rId12"/>
+    <p:sldId id="265" r:id="rId13"/>
+    <p:sldId id="270" r:id="rId14"/>
+    <p:sldId id="267" r:id="rId15"/>
+    <p:sldId id="268" r:id="rId16"/>
+    <p:sldId id="269" r:id="rId17"/>
   </p:sldIdLst>
   <p:sldSz cx="12192000" cy="6858000"/>
   <p:notesSz cx="6858000" cy="9144000"/>
@@ -127,6 +128,7 @@
         <p14:section name="タイトルなしのセクション" id="{3A6955FE-F7F2-491D-B779-DE29677F8229}">
           <p14:sldIdLst>
             <p14:sldId id="256"/>
+            <p14:sldId id="271"/>
             <p14:sldId id="257"/>
             <p14:sldId id="258"/>
             <p14:sldId id="259"/>
@@ -246,7 +248,7 @@
           <a:p>
             <a:fld id="{0CFEF157-96B6-4192-808C-D830732EC60D}" type="datetimeFigureOut">
               <a:rPr kumimoji="1" lang="ja-JP" altLang="en-US" smtClean="0"/>
-              <a:t>2021/1/17</a:t>
+              <a:t>2021/1/18</a:t>
             </a:fld>
             <a:endParaRPr kumimoji="1" lang="ja-JP" altLang="en-US"/>
           </a:p>
@@ -692,7 +694,7 @@
           <a:p>
             <a:fld id="{2E64B005-9ADF-4C42-8867-5D8E615D9A9C}" type="datetimeFigureOut">
               <a:rPr kumimoji="1" lang="ja-JP" altLang="en-US" smtClean="0"/>
-              <a:t>2021/1/17</a:t>
+              <a:t>2021/1/18</a:t>
             </a:fld>
             <a:endParaRPr kumimoji="1" lang="ja-JP" altLang="en-US"/>
           </a:p>
@@ -922,7 +924,7 @@
           <a:p>
             <a:fld id="{2E64B005-9ADF-4C42-8867-5D8E615D9A9C}" type="datetimeFigureOut">
               <a:rPr kumimoji="1" lang="ja-JP" altLang="en-US" smtClean="0"/>
-              <a:t>2021/1/17</a:t>
+              <a:t>2021/1/18</a:t>
             </a:fld>
             <a:endParaRPr kumimoji="1" lang="ja-JP" altLang="en-US"/>
           </a:p>
@@ -1162,7 +1164,7 @@
           <a:p>
             <a:fld id="{2E64B005-9ADF-4C42-8867-5D8E615D9A9C}" type="datetimeFigureOut">
               <a:rPr kumimoji="1" lang="ja-JP" altLang="en-US" smtClean="0"/>
-              <a:t>2021/1/17</a:t>
+              <a:t>2021/1/18</a:t>
             </a:fld>
             <a:endParaRPr kumimoji="1" lang="ja-JP" altLang="en-US"/>
           </a:p>
@@ -1392,7 +1394,7 @@
           <a:p>
             <a:fld id="{2E64B005-9ADF-4C42-8867-5D8E615D9A9C}" type="datetimeFigureOut">
               <a:rPr kumimoji="1" lang="ja-JP" altLang="en-US" smtClean="0"/>
-              <a:t>2021/1/17</a:t>
+              <a:t>2021/1/18</a:t>
             </a:fld>
             <a:endParaRPr kumimoji="1" lang="ja-JP" altLang="en-US"/>
           </a:p>
@@ -1667,7 +1669,7 @@
           <a:p>
             <a:fld id="{2E64B005-9ADF-4C42-8867-5D8E615D9A9C}" type="datetimeFigureOut">
               <a:rPr kumimoji="1" lang="ja-JP" altLang="en-US" smtClean="0"/>
-              <a:t>2021/1/17</a:t>
+              <a:t>2021/1/18</a:t>
             </a:fld>
             <a:endParaRPr kumimoji="1" lang="ja-JP" altLang="en-US"/>
           </a:p>
@@ -1996,7 +1998,7 @@
           <a:p>
             <a:fld id="{2E64B005-9ADF-4C42-8867-5D8E615D9A9C}" type="datetimeFigureOut">
               <a:rPr kumimoji="1" lang="ja-JP" altLang="en-US" smtClean="0"/>
-              <a:t>2021/1/17</a:t>
+              <a:t>2021/1/18</a:t>
             </a:fld>
             <a:endParaRPr kumimoji="1" lang="ja-JP" altLang="en-US"/>
           </a:p>
@@ -2472,7 +2474,7 @@
           <a:p>
             <a:fld id="{2E64B005-9ADF-4C42-8867-5D8E615D9A9C}" type="datetimeFigureOut">
               <a:rPr kumimoji="1" lang="ja-JP" altLang="en-US" smtClean="0"/>
-              <a:t>2021/1/17</a:t>
+              <a:t>2021/1/18</a:t>
             </a:fld>
             <a:endParaRPr kumimoji="1" lang="ja-JP" altLang="en-US"/>
           </a:p>
@@ -2613,7 +2615,7 @@
           <a:p>
             <a:fld id="{2E64B005-9ADF-4C42-8867-5D8E615D9A9C}" type="datetimeFigureOut">
               <a:rPr kumimoji="1" lang="ja-JP" altLang="en-US" smtClean="0"/>
-              <a:t>2021/1/17</a:t>
+              <a:t>2021/1/18</a:t>
             </a:fld>
             <a:endParaRPr kumimoji="1" lang="ja-JP" altLang="en-US"/>
           </a:p>
@@ -2726,7 +2728,7 @@
           <a:p>
             <a:fld id="{2E64B005-9ADF-4C42-8867-5D8E615D9A9C}" type="datetimeFigureOut">
               <a:rPr kumimoji="1" lang="ja-JP" altLang="en-US" smtClean="0"/>
-              <a:t>2021/1/17</a:t>
+              <a:t>2021/1/18</a:t>
             </a:fld>
             <a:endParaRPr kumimoji="1" lang="ja-JP" altLang="en-US"/>
           </a:p>
@@ -3069,7 +3071,7 @@
           <a:p>
             <a:fld id="{2E64B005-9ADF-4C42-8867-5D8E615D9A9C}" type="datetimeFigureOut">
               <a:rPr kumimoji="1" lang="ja-JP" altLang="en-US" smtClean="0"/>
-              <a:t>2021/1/17</a:t>
+              <a:t>2021/1/18</a:t>
             </a:fld>
             <a:endParaRPr kumimoji="1" lang="ja-JP" altLang="en-US"/>
           </a:p>
@@ -3357,7 +3359,7 @@
           <a:p>
             <a:fld id="{2E64B005-9ADF-4C42-8867-5D8E615D9A9C}" type="datetimeFigureOut">
               <a:rPr kumimoji="1" lang="ja-JP" altLang="en-US" smtClean="0"/>
-              <a:t>2021/1/17</a:t>
+              <a:t>2021/1/18</a:t>
             </a:fld>
             <a:endParaRPr kumimoji="1" lang="ja-JP" altLang="en-US"/>
           </a:p>
@@ -3630,7 +3632,7 @@
           <a:p>
             <a:fld id="{2E64B005-9ADF-4C42-8867-5D8E615D9A9C}" type="datetimeFigureOut">
               <a:rPr kumimoji="1" lang="ja-JP" altLang="en-US" smtClean="0"/>
-              <a:t>2021/1/17</a:t>
+              <a:t>2021/1/18</a:t>
             </a:fld>
             <a:endParaRPr kumimoji="1" lang="ja-JP" altLang="en-US"/>
           </a:p>
@@ -4597,6 +4599,66 @@
           <a:chExt cx="0" cy="0"/>
         </a:xfrm>
       </p:grpSpPr>
+      <p:pic>
+        <p:nvPicPr>
+          <p:cNvPr id="5" name="図 4">
+            <a:extLst>
+              <a:ext uri="{FF2B5EF4-FFF2-40B4-BE49-F238E27FC236}">
+                <a16:creationId xmlns:a16="http://schemas.microsoft.com/office/drawing/2014/main" id="{281DE1A0-A22C-43F1-8E54-DFFF5FBCD078}"/>
+              </a:ext>
+            </a:extLst>
+          </p:cNvPr>
+          <p:cNvPicPr>
+            <a:picLocks noChangeAspect="1"/>
+          </p:cNvPicPr>
+          <p:nvPr/>
+        </p:nvPicPr>
+        <p:blipFill>
+          <a:blip r:embed="rId2"/>
+          <a:stretch>
+            <a:fillRect/>
+          </a:stretch>
+        </p:blipFill>
+        <p:spPr>
+          <a:xfrm>
+            <a:off x="6037" y="89222"/>
+            <a:ext cx="12179926" cy="6585288"/>
+          </a:xfrm>
+          <a:prstGeom prst="rect">
+            <a:avLst/>
+          </a:prstGeom>
+        </p:spPr>
+      </p:pic>
+    </p:spTree>
+    <p:extLst>
+      <p:ext uri="{BB962C8B-B14F-4D97-AF65-F5344CB8AC3E}">
+        <p14:creationId xmlns:p14="http://schemas.microsoft.com/office/powerpoint/2010/main" val="2064205663"/>
+      </p:ext>
+    </p:extLst>
+  </p:cSld>
+  <p:clrMapOvr>
+    <a:masterClrMapping/>
+  </p:clrMapOvr>
+</p:sld>
+</file>
+
+<file path=ppt/slides/slide11.xml><?xml version="1.0" encoding="utf-8"?>
+<p:sld xmlns:a="http://schemas.openxmlformats.org/drawingml/2006/main" xmlns:r="http://schemas.openxmlformats.org/officeDocument/2006/relationships" xmlns:p="http://schemas.openxmlformats.org/presentationml/2006/main">
+  <p:cSld>
+    <p:spTree>
+      <p:nvGrpSpPr>
+        <p:cNvPr id="1" name=""/>
+        <p:cNvGrpSpPr/>
+        <p:nvPr/>
+      </p:nvGrpSpPr>
+      <p:grpSpPr>
+        <a:xfrm>
+          <a:off x="0" y="0"/>
+          <a:ext cx="0" cy="0"/>
+          <a:chOff x="0" y="0"/>
+          <a:chExt cx="0" cy="0"/>
+        </a:xfrm>
+      </p:grpSpPr>
       <p:sp>
         <p:nvSpPr>
           <p:cNvPr id="4" name="正方形/長方形 3">
@@ -4660,7 +4722,7 @@
 </p:sld>
 </file>
 
-<file path=ppt/slides/slide11.xml><?xml version="1.0" encoding="utf-8"?>
+<file path=ppt/slides/slide12.xml><?xml version="1.0" encoding="utf-8"?>
 <p:sld xmlns:a="http://schemas.openxmlformats.org/drawingml/2006/main" xmlns:r="http://schemas.openxmlformats.org/officeDocument/2006/relationships" xmlns:p="http://schemas.openxmlformats.org/presentationml/2006/main">
   <p:cSld>
     <p:spTree>
@@ -5875,7 +5937,7 @@
 </p:sld>
 </file>
 
-<file path=ppt/slides/slide12.xml><?xml version="1.0" encoding="utf-8"?>
+<file path=ppt/slides/slide13.xml><?xml version="1.0" encoding="utf-8"?>
 <p:sld xmlns:a="http://schemas.openxmlformats.org/drawingml/2006/main" xmlns:r="http://schemas.openxmlformats.org/officeDocument/2006/relationships" xmlns:p="http://schemas.openxmlformats.org/presentationml/2006/main">
   <p:cSld>
     <p:spTree>
@@ -5935,7 +5997,7 @@
 </p:sld>
 </file>
 
-<file path=ppt/slides/slide13.xml><?xml version="1.0" encoding="utf-8"?>
+<file path=ppt/slides/slide14.xml><?xml version="1.0" encoding="utf-8"?>
 <p:sld xmlns:a="http://schemas.openxmlformats.org/drawingml/2006/main" xmlns:r="http://schemas.openxmlformats.org/officeDocument/2006/relationships" xmlns:p="http://schemas.openxmlformats.org/presentationml/2006/main">
   <p:cSld>
     <p:spTree>
@@ -7516,7 +7578,7 @@
 </p:sld>
 </file>
 
-<file path=ppt/slides/slide14.xml><?xml version="1.0" encoding="utf-8"?>
+<file path=ppt/slides/slide15.xml><?xml version="1.0" encoding="utf-8"?>
 <p:sld xmlns:a="http://schemas.openxmlformats.org/drawingml/2006/main" xmlns:r="http://schemas.openxmlformats.org/officeDocument/2006/relationships" xmlns:p="http://schemas.openxmlformats.org/presentationml/2006/main">
   <p:cSld>
     <p:spTree>
@@ -7773,7 +7835,7 @@
 </p:sld>
 </file>
 
-<file path=ppt/slides/slide15.xml><?xml version="1.0" encoding="utf-8"?>
+<file path=ppt/slides/slide16.xml><?xml version="1.0" encoding="utf-8"?>
 <p:sld xmlns:a="http://schemas.openxmlformats.org/drawingml/2006/main" xmlns:r="http://schemas.openxmlformats.org/officeDocument/2006/relationships" xmlns:p="http://schemas.openxmlformats.org/presentationml/2006/main">
   <p:cSld>
     <p:spTree>
@@ -8223,6 +8285,66 @@
 </file>
 
 <file path=ppt/slides/slide2.xml><?xml version="1.0" encoding="utf-8"?>
+<p:sld xmlns:a="http://schemas.openxmlformats.org/drawingml/2006/main" xmlns:r="http://schemas.openxmlformats.org/officeDocument/2006/relationships" xmlns:p="http://schemas.openxmlformats.org/presentationml/2006/main">
+  <p:cSld>
+    <p:spTree>
+      <p:nvGrpSpPr>
+        <p:cNvPr id="1" name=""/>
+        <p:cNvGrpSpPr/>
+        <p:nvPr/>
+      </p:nvGrpSpPr>
+      <p:grpSpPr>
+        <a:xfrm>
+          <a:off x="0" y="0"/>
+          <a:ext cx="0" cy="0"/>
+          <a:chOff x="0" y="0"/>
+          <a:chExt cx="0" cy="0"/>
+        </a:xfrm>
+      </p:grpSpPr>
+      <p:pic>
+        <p:nvPicPr>
+          <p:cNvPr id="5" name="図 4">
+            <a:extLst>
+              <a:ext uri="{FF2B5EF4-FFF2-40B4-BE49-F238E27FC236}">
+                <a16:creationId xmlns:a16="http://schemas.microsoft.com/office/drawing/2014/main" id="{82A32FFD-C9F1-41A3-8B87-0ABECCA87C7C}"/>
+              </a:ext>
+            </a:extLst>
+          </p:cNvPr>
+          <p:cNvPicPr>
+            <a:picLocks noChangeAspect="1"/>
+          </p:cNvPicPr>
+          <p:nvPr/>
+        </p:nvPicPr>
+        <p:blipFill>
+          <a:blip r:embed="rId2"/>
+          <a:stretch>
+            <a:fillRect/>
+          </a:stretch>
+        </p:blipFill>
+        <p:spPr>
+          <a:xfrm>
+            <a:off x="1315929" y="1137920"/>
+            <a:ext cx="9993589" cy="4213931"/>
+          </a:xfrm>
+          <a:prstGeom prst="rect">
+            <a:avLst/>
+          </a:prstGeom>
+        </p:spPr>
+      </p:pic>
+    </p:spTree>
+    <p:extLst>
+      <p:ext uri="{BB962C8B-B14F-4D97-AF65-F5344CB8AC3E}">
+        <p14:creationId xmlns:p14="http://schemas.microsoft.com/office/powerpoint/2010/main" val="3198833261"/>
+      </p:ext>
+    </p:extLst>
+  </p:cSld>
+  <p:clrMapOvr>
+    <a:masterClrMapping/>
+  </p:clrMapOvr>
+</p:sld>
+</file>
+
+<file path=ppt/slides/slide3.xml><?xml version="1.0" encoding="utf-8"?>
 <p:sld xmlns:a="http://schemas.openxmlformats.org/drawingml/2006/main" xmlns:r="http://schemas.openxmlformats.org/officeDocument/2006/relationships" xmlns:p="http://schemas.openxmlformats.org/presentationml/2006/main">
   <p:cSld>
     <p:spTree>
@@ -9626,7 +9748,7 @@
 </p:sld>
 </file>
 
-<file path=ppt/slides/slide3.xml><?xml version="1.0" encoding="utf-8"?>
+<file path=ppt/slides/slide4.xml><?xml version="1.0" encoding="utf-8"?>
 <p:sld xmlns:a="http://schemas.openxmlformats.org/drawingml/2006/main" xmlns:r="http://schemas.openxmlformats.org/officeDocument/2006/relationships" xmlns:p="http://schemas.openxmlformats.org/presentationml/2006/main">
   <p:cSld>
     <p:spTree>
@@ -9760,7 +9882,7 @@
 </p:sld>
 </file>
 
-<file path=ppt/slides/slide4.xml><?xml version="1.0" encoding="utf-8"?>
+<file path=ppt/slides/slide5.xml><?xml version="1.0" encoding="utf-8"?>
 <p:sld xmlns:a="http://schemas.openxmlformats.org/drawingml/2006/main" xmlns:r="http://schemas.openxmlformats.org/officeDocument/2006/relationships" xmlns:p="http://schemas.openxmlformats.org/presentationml/2006/main">
   <p:cSld>
     <p:spTree>
@@ -9872,7 +9994,7 @@
 </p:sld>
 </file>
 
-<file path=ppt/slides/slide5.xml><?xml version="1.0" encoding="utf-8"?>
+<file path=ppt/slides/slide6.xml><?xml version="1.0" encoding="utf-8"?>
 <p:sld xmlns:a="http://schemas.openxmlformats.org/drawingml/2006/main" xmlns:r="http://schemas.openxmlformats.org/officeDocument/2006/relationships" xmlns:p="http://schemas.openxmlformats.org/presentationml/2006/main">
   <p:cSld>
     <p:spTree>
@@ -10110,7 +10232,7 @@
 </p:sld>
 </file>
 
-<file path=ppt/slides/slide6.xml><?xml version="1.0" encoding="utf-8"?>
+<file path=ppt/slides/slide7.xml><?xml version="1.0" encoding="utf-8"?>
 <p:sld xmlns:a="http://schemas.openxmlformats.org/drawingml/2006/main" xmlns:r="http://schemas.openxmlformats.org/officeDocument/2006/relationships" xmlns:p="http://schemas.openxmlformats.org/presentationml/2006/main">
   <p:cSld>
     <p:spTree>
@@ -10243,7 +10365,7 @@
 </p:sld>
 </file>
 
-<file path=ppt/slides/slide7.xml><?xml version="1.0" encoding="utf-8"?>
+<file path=ppt/slides/slide8.xml><?xml version="1.0" encoding="utf-8"?>
 <p:sld xmlns:a="http://schemas.openxmlformats.org/drawingml/2006/main" xmlns:r="http://schemas.openxmlformats.org/officeDocument/2006/relationships" xmlns:p="http://schemas.openxmlformats.org/presentationml/2006/main">
   <p:cSld>
     <p:spTree>
@@ -10407,7 +10529,7 @@
 </p:sld>
 </file>
 
-<file path=ppt/slides/slide8.xml><?xml version="1.0" encoding="utf-8"?>
+<file path=ppt/slides/slide9.xml><?xml version="1.0" encoding="utf-8"?>
 <p:sld xmlns:a="http://schemas.openxmlformats.org/drawingml/2006/main" xmlns:r="http://schemas.openxmlformats.org/officeDocument/2006/relationships" xmlns:p="http://schemas.openxmlformats.org/presentationml/2006/main">
   <p:cSld>
     <p:spTree>
@@ -10458,66 +10580,6 @@
     <p:extLst>
       <p:ext uri="{BB962C8B-B14F-4D97-AF65-F5344CB8AC3E}">
         <p14:creationId xmlns:p14="http://schemas.microsoft.com/office/powerpoint/2010/main" val="2291301561"/>
-      </p:ext>
-    </p:extLst>
-  </p:cSld>
-  <p:clrMapOvr>
-    <a:masterClrMapping/>
-  </p:clrMapOvr>
-</p:sld>
-</file>
-
-<file path=ppt/slides/slide9.xml><?xml version="1.0" encoding="utf-8"?>
-<p:sld xmlns:a="http://schemas.openxmlformats.org/drawingml/2006/main" xmlns:r="http://schemas.openxmlformats.org/officeDocument/2006/relationships" xmlns:p="http://schemas.openxmlformats.org/presentationml/2006/main">
-  <p:cSld>
-    <p:spTree>
-      <p:nvGrpSpPr>
-        <p:cNvPr id="1" name=""/>
-        <p:cNvGrpSpPr/>
-        <p:nvPr/>
-      </p:nvGrpSpPr>
-      <p:grpSpPr>
-        <a:xfrm>
-          <a:off x="0" y="0"/>
-          <a:ext cx="0" cy="0"/>
-          <a:chOff x="0" y="0"/>
-          <a:chExt cx="0" cy="0"/>
-        </a:xfrm>
-      </p:grpSpPr>
-      <p:pic>
-        <p:nvPicPr>
-          <p:cNvPr id="5" name="図 4">
-            <a:extLst>
-              <a:ext uri="{FF2B5EF4-FFF2-40B4-BE49-F238E27FC236}">
-                <a16:creationId xmlns:a16="http://schemas.microsoft.com/office/drawing/2014/main" id="{281DE1A0-A22C-43F1-8E54-DFFF5FBCD078}"/>
-              </a:ext>
-            </a:extLst>
-          </p:cNvPr>
-          <p:cNvPicPr>
-            <a:picLocks noChangeAspect="1"/>
-          </p:cNvPicPr>
-          <p:nvPr/>
-        </p:nvPicPr>
-        <p:blipFill>
-          <a:blip r:embed="rId2"/>
-          <a:stretch>
-            <a:fillRect/>
-          </a:stretch>
-        </p:blipFill>
-        <p:spPr>
-          <a:xfrm>
-            <a:off x="6037" y="89222"/>
-            <a:ext cx="12179926" cy="6585288"/>
-          </a:xfrm>
-          <a:prstGeom prst="rect">
-            <a:avLst/>
-          </a:prstGeom>
-        </p:spPr>
-      </p:pic>
-    </p:spTree>
-    <p:extLst>
-      <p:ext uri="{BB962C8B-B14F-4D97-AF65-F5344CB8AC3E}">
-        <p14:creationId xmlns:p14="http://schemas.microsoft.com/office/powerpoint/2010/main" val="2064205663"/>
       </p:ext>
     </p:extLst>
   </p:cSld>

--- a/論文/卒研用図.pptx
+++ b/論文/卒研用図.pptx
@@ -248,7 +248,7 @@
           <a:p>
             <a:fld id="{0CFEF157-96B6-4192-808C-D830732EC60D}" type="datetimeFigureOut">
               <a:rPr kumimoji="1" lang="ja-JP" altLang="en-US" smtClean="0"/>
-              <a:t>2021/1/18</a:t>
+              <a:t>2021/1/23</a:t>
             </a:fld>
             <a:endParaRPr kumimoji="1" lang="ja-JP" altLang="en-US"/>
           </a:p>
@@ -694,7 +694,7 @@
           <a:p>
             <a:fld id="{2E64B005-9ADF-4C42-8867-5D8E615D9A9C}" type="datetimeFigureOut">
               <a:rPr kumimoji="1" lang="ja-JP" altLang="en-US" smtClean="0"/>
-              <a:t>2021/1/18</a:t>
+              <a:t>2021/1/23</a:t>
             </a:fld>
             <a:endParaRPr kumimoji="1" lang="ja-JP" altLang="en-US"/>
           </a:p>
@@ -924,7 +924,7 @@
           <a:p>
             <a:fld id="{2E64B005-9ADF-4C42-8867-5D8E615D9A9C}" type="datetimeFigureOut">
               <a:rPr kumimoji="1" lang="ja-JP" altLang="en-US" smtClean="0"/>
-              <a:t>2021/1/18</a:t>
+              <a:t>2021/1/23</a:t>
             </a:fld>
             <a:endParaRPr kumimoji="1" lang="ja-JP" altLang="en-US"/>
           </a:p>
@@ -1164,7 +1164,7 @@
           <a:p>
             <a:fld id="{2E64B005-9ADF-4C42-8867-5D8E615D9A9C}" type="datetimeFigureOut">
               <a:rPr kumimoji="1" lang="ja-JP" altLang="en-US" smtClean="0"/>
-              <a:t>2021/1/18</a:t>
+              <a:t>2021/1/23</a:t>
             </a:fld>
             <a:endParaRPr kumimoji="1" lang="ja-JP" altLang="en-US"/>
           </a:p>
@@ -1394,7 +1394,7 @@
           <a:p>
             <a:fld id="{2E64B005-9ADF-4C42-8867-5D8E615D9A9C}" type="datetimeFigureOut">
               <a:rPr kumimoji="1" lang="ja-JP" altLang="en-US" smtClean="0"/>
-              <a:t>2021/1/18</a:t>
+              <a:t>2021/1/23</a:t>
             </a:fld>
             <a:endParaRPr kumimoji="1" lang="ja-JP" altLang="en-US"/>
           </a:p>
@@ -1669,7 +1669,7 @@
           <a:p>
             <a:fld id="{2E64B005-9ADF-4C42-8867-5D8E615D9A9C}" type="datetimeFigureOut">
               <a:rPr kumimoji="1" lang="ja-JP" altLang="en-US" smtClean="0"/>
-              <a:t>2021/1/18</a:t>
+              <a:t>2021/1/23</a:t>
             </a:fld>
             <a:endParaRPr kumimoji="1" lang="ja-JP" altLang="en-US"/>
           </a:p>
@@ -1998,7 +1998,7 @@
           <a:p>
             <a:fld id="{2E64B005-9ADF-4C42-8867-5D8E615D9A9C}" type="datetimeFigureOut">
               <a:rPr kumimoji="1" lang="ja-JP" altLang="en-US" smtClean="0"/>
-              <a:t>2021/1/18</a:t>
+              <a:t>2021/1/23</a:t>
             </a:fld>
             <a:endParaRPr kumimoji="1" lang="ja-JP" altLang="en-US"/>
           </a:p>
@@ -2474,7 +2474,7 @@
           <a:p>
             <a:fld id="{2E64B005-9ADF-4C42-8867-5D8E615D9A9C}" type="datetimeFigureOut">
               <a:rPr kumimoji="1" lang="ja-JP" altLang="en-US" smtClean="0"/>
-              <a:t>2021/1/18</a:t>
+              <a:t>2021/1/23</a:t>
             </a:fld>
             <a:endParaRPr kumimoji="1" lang="ja-JP" altLang="en-US"/>
           </a:p>
@@ -2615,7 +2615,7 @@
           <a:p>
             <a:fld id="{2E64B005-9ADF-4C42-8867-5D8E615D9A9C}" type="datetimeFigureOut">
               <a:rPr kumimoji="1" lang="ja-JP" altLang="en-US" smtClean="0"/>
-              <a:t>2021/1/18</a:t>
+              <a:t>2021/1/23</a:t>
             </a:fld>
             <a:endParaRPr kumimoji="1" lang="ja-JP" altLang="en-US"/>
           </a:p>
@@ -2728,7 +2728,7 @@
           <a:p>
             <a:fld id="{2E64B005-9ADF-4C42-8867-5D8E615D9A9C}" type="datetimeFigureOut">
               <a:rPr kumimoji="1" lang="ja-JP" altLang="en-US" smtClean="0"/>
-              <a:t>2021/1/18</a:t>
+              <a:t>2021/1/23</a:t>
             </a:fld>
             <a:endParaRPr kumimoji="1" lang="ja-JP" altLang="en-US"/>
           </a:p>
@@ -3071,7 +3071,7 @@
           <a:p>
             <a:fld id="{2E64B005-9ADF-4C42-8867-5D8E615D9A9C}" type="datetimeFigureOut">
               <a:rPr kumimoji="1" lang="ja-JP" altLang="en-US" smtClean="0"/>
-              <a:t>2021/1/18</a:t>
+              <a:t>2021/1/23</a:t>
             </a:fld>
             <a:endParaRPr kumimoji="1" lang="ja-JP" altLang="en-US"/>
           </a:p>
@@ -3359,7 +3359,7 @@
           <a:p>
             <a:fld id="{2E64B005-9ADF-4C42-8867-5D8E615D9A9C}" type="datetimeFigureOut">
               <a:rPr kumimoji="1" lang="ja-JP" altLang="en-US" smtClean="0"/>
-              <a:t>2021/1/18</a:t>
+              <a:t>2021/1/23</a:t>
             </a:fld>
             <a:endParaRPr kumimoji="1" lang="ja-JP" altLang="en-US"/>
           </a:p>
@@ -3632,7 +3632,7 @@
           <a:p>
             <a:fld id="{2E64B005-9ADF-4C42-8867-5D8E615D9A9C}" type="datetimeFigureOut">
               <a:rPr kumimoji="1" lang="ja-JP" altLang="en-US" smtClean="0"/>
-              <a:t>2021/1/18</a:t>
+              <a:t>2021/1/23</a:t>
             </a:fld>
             <a:endParaRPr kumimoji="1" lang="ja-JP" altLang="en-US"/>
           </a:p>

--- a/論文/卒研用図.pptx
+++ b/論文/卒研用図.pptx
@@ -5,7 +5,7 @@
     <p:sldMasterId id="2147483648" r:id="rId1"/>
   </p:sldMasterIdLst>
   <p:notesMasterIdLst>
-    <p:notesMasterId r:id="rId18"/>
+    <p:notesMasterId r:id="rId24"/>
   </p:notesMasterIdLst>
   <p:sldIdLst>
     <p:sldId id="256" r:id="rId2"/>
@@ -24,6 +24,12 @@
     <p:sldId id="267" r:id="rId15"/>
     <p:sldId id="268" r:id="rId16"/>
     <p:sldId id="269" r:id="rId17"/>
+    <p:sldId id="272" r:id="rId18"/>
+    <p:sldId id="273" r:id="rId19"/>
+    <p:sldId id="274" r:id="rId20"/>
+    <p:sldId id="275" r:id="rId21"/>
+    <p:sldId id="276" r:id="rId22"/>
+    <p:sldId id="277" r:id="rId23"/>
   </p:sldIdLst>
   <p:sldSz cx="12192000" cy="6858000"/>
   <p:notesSz cx="6858000" cy="9144000"/>
@@ -143,6 +149,12 @@
             <p14:sldId id="267"/>
             <p14:sldId id="268"/>
             <p14:sldId id="269"/>
+            <p14:sldId id="272"/>
+            <p14:sldId id="273"/>
+            <p14:sldId id="274"/>
+            <p14:sldId id="275"/>
+            <p14:sldId id="276"/>
+            <p14:sldId id="277"/>
           </p14:sldIdLst>
         </p14:section>
       </p14:sectionLst>
@@ -156,7 +168,7 @@
 
 <file path=ppt/commentAuthors.xml><?xml version="1.0" encoding="utf-8"?>
 <p:cmAuthorLst xmlns:a="http://schemas.openxmlformats.org/drawingml/2006/main" xmlns:r="http://schemas.openxmlformats.org/officeDocument/2006/relationships" xmlns:p="http://schemas.openxmlformats.org/presentationml/2006/main">
-  <p:cmAuthor id="1" name="yufu koichiro" initials="yk" lastIdx="1" clrIdx="0">
+  <p:cmAuthor id="1" name="yufu koichiro" initials="yk" lastIdx="2" clrIdx="0">
     <p:extLst>
       <p:ext uri="{19B8F6BF-5375-455C-9EA6-DF929625EA0E}">
         <p15:presenceInfo xmlns:p15="http://schemas.microsoft.com/office/powerpoint/2012/main" userId="c626beba614d3bd5" providerId="Windows Live"/>
@@ -248,7 +260,7 @@
           <a:p>
             <a:fld id="{0CFEF157-96B6-4192-808C-D830732EC60D}" type="datetimeFigureOut">
               <a:rPr kumimoji="1" lang="ja-JP" altLang="en-US" smtClean="0"/>
-              <a:t>2021/1/23</a:t>
+              <a:t>2021/2/1</a:t>
             </a:fld>
             <a:endParaRPr kumimoji="1" lang="ja-JP" altLang="en-US"/>
           </a:p>
@@ -694,7 +706,7 @@
           <a:p>
             <a:fld id="{2E64B005-9ADF-4C42-8867-5D8E615D9A9C}" type="datetimeFigureOut">
               <a:rPr kumimoji="1" lang="ja-JP" altLang="en-US" smtClean="0"/>
-              <a:t>2021/1/23</a:t>
+              <a:t>2021/2/1</a:t>
             </a:fld>
             <a:endParaRPr kumimoji="1" lang="ja-JP" altLang="en-US"/>
           </a:p>
@@ -924,7 +936,7 @@
           <a:p>
             <a:fld id="{2E64B005-9ADF-4C42-8867-5D8E615D9A9C}" type="datetimeFigureOut">
               <a:rPr kumimoji="1" lang="ja-JP" altLang="en-US" smtClean="0"/>
-              <a:t>2021/1/23</a:t>
+              <a:t>2021/2/1</a:t>
             </a:fld>
             <a:endParaRPr kumimoji="1" lang="ja-JP" altLang="en-US"/>
           </a:p>
@@ -1164,7 +1176,7 @@
           <a:p>
             <a:fld id="{2E64B005-9ADF-4C42-8867-5D8E615D9A9C}" type="datetimeFigureOut">
               <a:rPr kumimoji="1" lang="ja-JP" altLang="en-US" smtClean="0"/>
-              <a:t>2021/1/23</a:t>
+              <a:t>2021/2/1</a:t>
             </a:fld>
             <a:endParaRPr kumimoji="1" lang="ja-JP" altLang="en-US"/>
           </a:p>
@@ -1394,7 +1406,7 @@
           <a:p>
             <a:fld id="{2E64B005-9ADF-4C42-8867-5D8E615D9A9C}" type="datetimeFigureOut">
               <a:rPr kumimoji="1" lang="ja-JP" altLang="en-US" smtClean="0"/>
-              <a:t>2021/1/23</a:t>
+              <a:t>2021/2/1</a:t>
             </a:fld>
             <a:endParaRPr kumimoji="1" lang="ja-JP" altLang="en-US"/>
           </a:p>
@@ -1669,7 +1681,7 @@
           <a:p>
             <a:fld id="{2E64B005-9ADF-4C42-8867-5D8E615D9A9C}" type="datetimeFigureOut">
               <a:rPr kumimoji="1" lang="ja-JP" altLang="en-US" smtClean="0"/>
-              <a:t>2021/1/23</a:t>
+              <a:t>2021/2/1</a:t>
             </a:fld>
             <a:endParaRPr kumimoji="1" lang="ja-JP" altLang="en-US"/>
           </a:p>
@@ -1998,7 +2010,7 @@
           <a:p>
             <a:fld id="{2E64B005-9ADF-4C42-8867-5D8E615D9A9C}" type="datetimeFigureOut">
               <a:rPr kumimoji="1" lang="ja-JP" altLang="en-US" smtClean="0"/>
-              <a:t>2021/1/23</a:t>
+              <a:t>2021/2/1</a:t>
             </a:fld>
             <a:endParaRPr kumimoji="1" lang="ja-JP" altLang="en-US"/>
           </a:p>
@@ -2474,7 +2486,7 @@
           <a:p>
             <a:fld id="{2E64B005-9ADF-4C42-8867-5D8E615D9A9C}" type="datetimeFigureOut">
               <a:rPr kumimoji="1" lang="ja-JP" altLang="en-US" smtClean="0"/>
-              <a:t>2021/1/23</a:t>
+              <a:t>2021/2/1</a:t>
             </a:fld>
             <a:endParaRPr kumimoji="1" lang="ja-JP" altLang="en-US"/>
           </a:p>
@@ -2615,7 +2627,7 @@
           <a:p>
             <a:fld id="{2E64B005-9ADF-4C42-8867-5D8E615D9A9C}" type="datetimeFigureOut">
               <a:rPr kumimoji="1" lang="ja-JP" altLang="en-US" smtClean="0"/>
-              <a:t>2021/1/23</a:t>
+              <a:t>2021/2/1</a:t>
             </a:fld>
             <a:endParaRPr kumimoji="1" lang="ja-JP" altLang="en-US"/>
           </a:p>
@@ -2728,7 +2740,7 @@
           <a:p>
             <a:fld id="{2E64B005-9ADF-4C42-8867-5D8E615D9A9C}" type="datetimeFigureOut">
               <a:rPr kumimoji="1" lang="ja-JP" altLang="en-US" smtClean="0"/>
-              <a:t>2021/1/23</a:t>
+              <a:t>2021/2/1</a:t>
             </a:fld>
             <a:endParaRPr kumimoji="1" lang="ja-JP" altLang="en-US"/>
           </a:p>
@@ -3071,7 +3083,7 @@
           <a:p>
             <a:fld id="{2E64B005-9ADF-4C42-8867-5D8E615D9A9C}" type="datetimeFigureOut">
               <a:rPr kumimoji="1" lang="ja-JP" altLang="en-US" smtClean="0"/>
-              <a:t>2021/1/23</a:t>
+              <a:t>2021/2/1</a:t>
             </a:fld>
             <a:endParaRPr kumimoji="1" lang="ja-JP" altLang="en-US"/>
           </a:p>
@@ -3359,7 +3371,7 @@
           <a:p>
             <a:fld id="{2E64B005-9ADF-4C42-8867-5D8E615D9A9C}" type="datetimeFigureOut">
               <a:rPr kumimoji="1" lang="ja-JP" altLang="en-US" smtClean="0"/>
-              <a:t>2021/1/23</a:t>
+              <a:t>2021/2/1</a:t>
             </a:fld>
             <a:endParaRPr kumimoji="1" lang="ja-JP" altLang="en-US"/>
           </a:p>
@@ -3632,7 +3644,7 @@
           <a:p>
             <a:fld id="{2E64B005-9ADF-4C42-8867-5D8E615D9A9C}" type="datetimeFigureOut">
               <a:rPr kumimoji="1" lang="ja-JP" altLang="en-US" smtClean="0"/>
-              <a:t>2021/1/23</a:t>
+              <a:t>2021/2/1</a:t>
             </a:fld>
             <a:endParaRPr kumimoji="1" lang="ja-JP" altLang="en-US"/>
           </a:p>
@@ -4886,7 +4898,7 @@
             <a:pPr algn="ctr"/>
             <a:r>
               <a:rPr kumimoji="1" lang="en-US" altLang="ja-JP" sz="2800" dirty="0"/>
-              <a:t>interface</a:t>
+              <a:t>abstract</a:t>
             </a:r>
             <a:endParaRPr kumimoji="1" lang="ja-JP" altLang="en-US" sz="2400" dirty="0"/>
           </a:p>
@@ -5675,7 +5687,7 @@
         </p:nvSpPr>
         <p:spPr>
           <a:xfrm>
-            <a:off x="1365847" y="2342711"/>
+            <a:off x="942901" y="1748326"/>
             <a:ext cx="1923426" cy="707886"/>
           </a:xfrm>
           <a:prstGeom prst="rect">
@@ -5921,6 +5933,349 @@
                 <a:schemeClr val="tx1"/>
               </a:solidFill>
             </a:endParaRPr>
+          </a:p>
+        </p:txBody>
+      </p:sp>
+      <p:sp>
+        <p:nvSpPr>
+          <p:cNvPr id="9" name="フリーフォーム: 図形 8">
+            <a:extLst>
+              <a:ext uri="{FF2B5EF4-FFF2-40B4-BE49-F238E27FC236}">
+                <a16:creationId xmlns:a16="http://schemas.microsoft.com/office/drawing/2014/main" id="{91F69711-660B-49AD-96DF-3866FAA0754C}"/>
+              </a:ext>
+            </a:extLst>
+          </p:cNvPr>
+          <p:cNvSpPr/>
+          <p:nvPr/>
+        </p:nvSpPr>
+        <p:spPr>
+          <a:xfrm>
+            <a:off x="2347272" y="2781877"/>
+            <a:ext cx="8870623" cy="3902696"/>
+          </a:xfrm>
+          <a:custGeom>
+            <a:avLst/>
+            <a:gdLst>
+              <a:gd name="connsiteX0" fmla="*/ 4383464 w 8870623"/>
+              <a:gd name="connsiteY0" fmla="*/ 84841 h 3902696"/>
+              <a:gd name="connsiteX1" fmla="*/ 28280 w 8870623"/>
+              <a:gd name="connsiteY1" fmla="*/ 0 h 3902696"/>
+              <a:gd name="connsiteX2" fmla="*/ 0 w 8870623"/>
+              <a:gd name="connsiteY2" fmla="*/ 3855562 h 3902696"/>
+              <a:gd name="connsiteX3" fmla="*/ 8870623 w 8870623"/>
+              <a:gd name="connsiteY3" fmla="*/ 3902696 h 3902696"/>
+              <a:gd name="connsiteX4" fmla="*/ 8861196 w 8870623"/>
+              <a:gd name="connsiteY4" fmla="*/ 1753385 h 3902696"/>
+              <a:gd name="connsiteX5" fmla="*/ 4421171 w 8870623"/>
+              <a:gd name="connsiteY5" fmla="*/ 1630837 h 3902696"/>
+              <a:gd name="connsiteX6" fmla="*/ 4383464 w 8870623"/>
+              <a:gd name="connsiteY6" fmla="*/ 84841 h 3902696"/>
+            </a:gdLst>
+            <a:ahLst/>
+            <a:cxnLst>
+              <a:cxn ang="0">
+                <a:pos x="connsiteX0" y="connsiteY0"/>
+              </a:cxn>
+              <a:cxn ang="0">
+                <a:pos x="connsiteX1" y="connsiteY1"/>
+              </a:cxn>
+              <a:cxn ang="0">
+                <a:pos x="connsiteX2" y="connsiteY2"/>
+              </a:cxn>
+              <a:cxn ang="0">
+                <a:pos x="connsiteX3" y="connsiteY3"/>
+              </a:cxn>
+              <a:cxn ang="0">
+                <a:pos x="connsiteX4" y="connsiteY4"/>
+              </a:cxn>
+              <a:cxn ang="0">
+                <a:pos x="connsiteX5" y="connsiteY5"/>
+              </a:cxn>
+              <a:cxn ang="0">
+                <a:pos x="connsiteX6" y="connsiteY6"/>
+              </a:cxn>
+            </a:cxnLst>
+            <a:rect l="l" t="t" r="r" b="b"/>
+            <a:pathLst>
+              <a:path w="8870623" h="3902696">
+                <a:moveTo>
+                  <a:pt x="4383464" y="84841"/>
+                </a:moveTo>
+                <a:lnTo>
+                  <a:pt x="28280" y="0"/>
+                </a:lnTo>
+                <a:lnTo>
+                  <a:pt x="0" y="3855562"/>
+                </a:lnTo>
+                <a:lnTo>
+                  <a:pt x="8870623" y="3902696"/>
+                </a:lnTo>
+                <a:cubicBezTo>
+                  <a:pt x="8867481" y="3186259"/>
+                  <a:pt x="8864338" y="2469822"/>
+                  <a:pt x="8861196" y="1753385"/>
+                </a:cubicBezTo>
+                <a:lnTo>
+                  <a:pt x="4421171" y="1630837"/>
+                </a:lnTo>
+                <a:lnTo>
+                  <a:pt x="4383464" y="84841"/>
+                </a:lnTo>
+                <a:close/>
+              </a:path>
+            </a:pathLst>
+          </a:custGeom>
+          <a:noFill/>
+          <a:ln w="76200">
+            <a:solidFill>
+              <a:srgbClr val="00B050"/>
+            </a:solidFill>
+            <a:prstDash val="sysDot"/>
+          </a:ln>
+        </p:spPr>
+        <p:style>
+          <a:lnRef idx="2">
+            <a:schemeClr val="accent1">
+              <a:shade val="50000"/>
+            </a:schemeClr>
+          </a:lnRef>
+          <a:fillRef idx="1">
+            <a:schemeClr val="accent1"/>
+          </a:fillRef>
+          <a:effectRef idx="0">
+            <a:schemeClr val="accent1"/>
+          </a:effectRef>
+          <a:fontRef idx="minor">
+            <a:schemeClr val="lt1"/>
+          </a:fontRef>
+        </p:style>
+        <p:txBody>
+          <a:bodyPr rtlCol="0" anchor="ctr"/>
+          <a:lstStyle/>
+          <a:p>
+            <a:pPr algn="ctr"/>
+            <a:endParaRPr kumimoji="1" lang="ja-JP" altLang="en-US"/>
+          </a:p>
+        </p:txBody>
+      </p:sp>
+      <p:sp>
+        <p:nvSpPr>
+          <p:cNvPr id="26" name="吹き出し: 角を丸めた四角形 25">
+            <a:extLst>
+              <a:ext uri="{FF2B5EF4-FFF2-40B4-BE49-F238E27FC236}">
+                <a16:creationId xmlns:a16="http://schemas.microsoft.com/office/drawing/2014/main" id="{25301073-B542-46D2-B4C1-D755363B2A26}"/>
+              </a:ext>
+            </a:extLst>
+          </p:cNvPr>
+          <p:cNvSpPr/>
+          <p:nvPr/>
+        </p:nvSpPr>
+        <p:spPr>
+          <a:xfrm rot="16200000" flipH="1">
+            <a:off x="529262" y="2396573"/>
+            <a:ext cx="1183943" cy="1754511"/>
+          </a:xfrm>
+          <a:prstGeom prst="wedgeRoundRectCallout">
+            <a:avLst>
+              <a:gd name="adj1" fmla="val -17831"/>
+              <a:gd name="adj2" fmla="val 69755"/>
+              <a:gd name="adj3" fmla="val 16667"/>
+            </a:avLst>
+          </a:prstGeom>
+          <a:noFill/>
+          <a:ln w="57150">
+            <a:solidFill>
+              <a:srgbClr val="00B050"/>
+            </a:solidFill>
+          </a:ln>
+        </p:spPr>
+        <p:style>
+          <a:lnRef idx="2">
+            <a:schemeClr val="accent1">
+              <a:shade val="50000"/>
+            </a:schemeClr>
+          </a:lnRef>
+          <a:fillRef idx="1">
+            <a:schemeClr val="accent1"/>
+          </a:fillRef>
+          <a:effectRef idx="0">
+            <a:schemeClr val="accent1"/>
+          </a:effectRef>
+          <a:fontRef idx="minor">
+            <a:schemeClr val="lt1"/>
+          </a:fontRef>
+        </p:style>
+        <p:txBody>
+          <a:bodyPr vert="eaVert" rtlCol="0" anchor="ctr"/>
+          <a:lstStyle/>
+          <a:p>
+            <a:pPr algn="ctr"/>
+            <a:r>
+              <a:rPr lang="ja-JP" altLang="en-US" sz="2000" b="1" dirty="0">
+                <a:solidFill>
+                  <a:schemeClr val="tx1"/>
+                </a:solidFill>
+              </a:rPr>
+              <a:t>物体</a:t>
+            </a:r>
+            <a:endParaRPr lang="en-US" altLang="ja-JP" sz="2000" b="1" dirty="0">
+              <a:solidFill>
+                <a:schemeClr val="tx1"/>
+              </a:solidFill>
+            </a:endParaRPr>
+          </a:p>
+          <a:p>
+            <a:pPr algn="ctr"/>
+            <a:r>
+              <a:rPr lang="ja-JP" altLang="en-US" sz="2000" b="1" dirty="0">
+                <a:solidFill>
+                  <a:schemeClr val="tx1"/>
+                </a:solidFill>
+              </a:rPr>
+              <a:t>ライブラリー</a:t>
+            </a:r>
+            <a:endParaRPr kumimoji="1" lang="ja-JP" altLang="en-US" sz="2000" b="1" dirty="0">
+              <a:solidFill>
+                <a:schemeClr val="tx1"/>
+              </a:solidFill>
+            </a:endParaRPr>
+          </a:p>
+        </p:txBody>
+      </p:sp>
+      <p:sp>
+        <p:nvSpPr>
+          <p:cNvPr id="27" name="吹き出し: 角を丸めた四角形 26">
+            <a:extLst>
+              <a:ext uri="{FF2B5EF4-FFF2-40B4-BE49-F238E27FC236}">
+                <a16:creationId xmlns:a16="http://schemas.microsoft.com/office/drawing/2014/main" id="{DD1A8696-4816-427C-B9BC-9A1B53468775}"/>
+              </a:ext>
+            </a:extLst>
+          </p:cNvPr>
+          <p:cNvSpPr/>
+          <p:nvPr/>
+        </p:nvSpPr>
+        <p:spPr>
+          <a:xfrm rot="16200000" flipH="1" flipV="1">
+            <a:off x="11860784" y="2223112"/>
+            <a:ext cx="1183943" cy="1812535"/>
+          </a:xfrm>
+          <a:prstGeom prst="wedgeRoundRectCallout">
+            <a:avLst>
+              <a:gd name="adj1" fmla="val -17831"/>
+              <a:gd name="adj2" fmla="val 69755"/>
+              <a:gd name="adj3" fmla="val 16667"/>
+            </a:avLst>
+          </a:prstGeom>
+          <a:noFill/>
+          <a:ln w="57150">
+            <a:solidFill>
+              <a:srgbClr val="FFFF00"/>
+            </a:solidFill>
+          </a:ln>
+        </p:spPr>
+        <p:style>
+          <a:lnRef idx="2">
+            <a:schemeClr val="accent1">
+              <a:shade val="50000"/>
+            </a:schemeClr>
+          </a:lnRef>
+          <a:fillRef idx="1">
+            <a:schemeClr val="accent1"/>
+          </a:fillRef>
+          <a:effectRef idx="0">
+            <a:schemeClr val="accent1"/>
+          </a:effectRef>
+          <a:fontRef idx="minor">
+            <a:schemeClr val="lt1"/>
+          </a:fontRef>
+        </p:style>
+        <p:txBody>
+          <a:bodyPr vert="vert270" rtlCol="0" anchor="ctr"/>
+          <a:lstStyle/>
+          <a:p>
+            <a:pPr algn="ctr"/>
+            <a:r>
+              <a:rPr lang="ja-JP" altLang="en-US" sz="2000" b="1" dirty="0">
+                <a:solidFill>
+                  <a:schemeClr val="tx1"/>
+                </a:solidFill>
+              </a:rPr>
+              <a:t>動作</a:t>
+            </a:r>
+            <a:endParaRPr lang="en-US" altLang="ja-JP" sz="2000" b="1" dirty="0">
+              <a:solidFill>
+                <a:schemeClr val="tx1"/>
+              </a:solidFill>
+            </a:endParaRPr>
+          </a:p>
+          <a:p>
+            <a:pPr algn="ctr"/>
+            <a:r>
+              <a:rPr lang="ja-JP" altLang="en-US" sz="2000" b="1" dirty="0">
+                <a:solidFill>
+                  <a:schemeClr val="tx1"/>
+                </a:solidFill>
+              </a:rPr>
+              <a:t>ライブラリー</a:t>
+            </a:r>
+            <a:endParaRPr kumimoji="1" lang="ja-JP" altLang="en-US" sz="2000" b="1" dirty="0">
+              <a:solidFill>
+                <a:schemeClr val="tx1"/>
+              </a:solidFill>
+            </a:endParaRPr>
+          </a:p>
+        </p:txBody>
+      </p:sp>
+      <p:sp>
+        <p:nvSpPr>
+          <p:cNvPr id="28" name="正方形/長方形 27">
+            <a:extLst>
+              <a:ext uri="{FF2B5EF4-FFF2-40B4-BE49-F238E27FC236}">
+                <a16:creationId xmlns:a16="http://schemas.microsoft.com/office/drawing/2014/main" id="{4C291875-35E9-4A03-9378-71CBDC2A32EE}"/>
+              </a:ext>
+            </a:extLst>
+          </p:cNvPr>
+          <p:cNvSpPr/>
+          <p:nvPr/>
+        </p:nvSpPr>
+        <p:spPr>
+          <a:xfrm>
+            <a:off x="6923928" y="2790624"/>
+            <a:ext cx="4236629" cy="1587671"/>
+          </a:xfrm>
+          <a:prstGeom prst="rect">
+            <a:avLst/>
+          </a:prstGeom>
+          <a:noFill/>
+          <a:ln w="76200">
+            <a:solidFill>
+              <a:srgbClr val="FFFF00"/>
+            </a:solidFill>
+            <a:prstDash val="sysDot"/>
+          </a:ln>
+        </p:spPr>
+        <p:style>
+          <a:lnRef idx="2">
+            <a:schemeClr val="accent1">
+              <a:shade val="50000"/>
+            </a:schemeClr>
+          </a:lnRef>
+          <a:fillRef idx="1">
+            <a:schemeClr val="accent1"/>
+          </a:fillRef>
+          <a:effectRef idx="0">
+            <a:schemeClr val="accent1"/>
+          </a:effectRef>
+          <a:fontRef idx="minor">
+            <a:schemeClr val="lt1"/>
+          </a:fontRef>
+        </p:style>
+        <p:txBody>
+          <a:bodyPr rtlCol="0" anchor="ctr"/>
+          <a:lstStyle/>
+          <a:p>
+            <a:pPr algn="ctr"/>
+            <a:endParaRPr kumimoji="1" lang="ja-JP" altLang="en-US"/>
           </a:p>
         </p:txBody>
       </p:sp>
@@ -8284,6 +8639,373 @@
 </p:sld>
 </file>
 
+<file path=ppt/slides/slide17.xml><?xml version="1.0" encoding="utf-8"?>
+<p:sld xmlns:a="http://schemas.openxmlformats.org/drawingml/2006/main" xmlns:r="http://schemas.openxmlformats.org/officeDocument/2006/relationships" xmlns:p="http://schemas.openxmlformats.org/presentationml/2006/main">
+  <p:cSld>
+    <p:spTree>
+      <p:nvGrpSpPr>
+        <p:cNvPr id="1" name=""/>
+        <p:cNvGrpSpPr/>
+        <p:nvPr/>
+      </p:nvGrpSpPr>
+      <p:grpSpPr>
+        <a:xfrm>
+          <a:off x="0" y="0"/>
+          <a:ext cx="0" cy="0"/>
+          <a:chOff x="0" y="0"/>
+          <a:chExt cx="0" cy="0"/>
+        </a:xfrm>
+      </p:grpSpPr>
+      <p:sp>
+        <p:nvSpPr>
+          <p:cNvPr id="2" name="タイトル 1">
+            <a:extLst>
+              <a:ext uri="{FF2B5EF4-FFF2-40B4-BE49-F238E27FC236}">
+                <a16:creationId xmlns:a16="http://schemas.microsoft.com/office/drawing/2014/main" id="{57B61E03-7187-4375-B0CA-4D9A9963A7F0}"/>
+              </a:ext>
+            </a:extLst>
+          </p:cNvPr>
+          <p:cNvSpPr>
+            <a:spLocks noGrp="1"/>
+          </p:cNvSpPr>
+          <p:nvPr>
+            <p:ph type="title"/>
+          </p:nvPr>
+        </p:nvSpPr>
+        <p:spPr/>
+        <p:txBody>
+          <a:bodyPr/>
+          <a:lstStyle/>
+          <a:p>
+            <a:endParaRPr kumimoji="1" lang="ja-JP" altLang="en-US"/>
+          </a:p>
+        </p:txBody>
+      </p:sp>
+      <p:sp>
+        <p:nvSpPr>
+          <p:cNvPr id="3" name="コンテンツ プレースホルダー 2">
+            <a:extLst>
+              <a:ext uri="{FF2B5EF4-FFF2-40B4-BE49-F238E27FC236}">
+                <a16:creationId xmlns:a16="http://schemas.microsoft.com/office/drawing/2014/main" id="{F27C88A7-B086-4B0E-87AD-1E46BEEFD479}"/>
+              </a:ext>
+            </a:extLst>
+          </p:cNvPr>
+          <p:cNvSpPr>
+            <a:spLocks noGrp="1"/>
+          </p:cNvSpPr>
+          <p:nvPr>
+            <p:ph idx="1"/>
+          </p:nvPr>
+        </p:nvSpPr>
+        <p:spPr/>
+        <p:txBody>
+          <a:bodyPr/>
+          <a:lstStyle/>
+          <a:p>
+            <a:endParaRPr kumimoji="1" lang="ja-JP" altLang="en-US" dirty="0"/>
+          </a:p>
+        </p:txBody>
+      </p:sp>
+      <p:pic>
+        <p:nvPicPr>
+          <p:cNvPr id="1028" name="Picture 4" descr="board-game-arena-2">
+            <a:extLst>
+              <a:ext uri="{FF2B5EF4-FFF2-40B4-BE49-F238E27FC236}">
+                <a16:creationId xmlns:a16="http://schemas.microsoft.com/office/drawing/2014/main" id="{9857AF19-33BA-486A-A476-FC58AFB77993}"/>
+              </a:ext>
+            </a:extLst>
+          </p:cNvPr>
+          <p:cNvPicPr>
+            <a:picLocks noChangeAspect="1" noChangeArrowheads="1"/>
+          </p:cNvPicPr>
+          <p:nvPr/>
+        </p:nvPicPr>
+        <p:blipFill>
+          <a:blip r:embed="rId2">
+            <a:extLst>
+              <a:ext uri="{28A0092B-C50C-407E-A947-70E740481C1C}">
+                <a14:useLocalDpi xmlns:a14="http://schemas.microsoft.com/office/drawing/2010/main" val="0"/>
+              </a:ext>
+            </a:extLst>
+          </a:blip>
+          <a:srcRect/>
+          <a:stretch>
+            <a:fillRect/>
+          </a:stretch>
+        </p:blipFill>
+        <p:spPr bwMode="auto">
+          <a:xfrm>
+            <a:off x="1900941" y="452265"/>
+            <a:ext cx="8553385" cy="5646489"/>
+          </a:xfrm>
+          <a:prstGeom prst="rect">
+            <a:avLst/>
+          </a:prstGeom>
+          <a:noFill/>
+          <a:extLst>
+            <a:ext uri="{909E8E84-426E-40DD-AFC4-6F175D3DCCD1}">
+              <a14:hiddenFill xmlns:a14="http://schemas.microsoft.com/office/drawing/2010/main">
+                <a:solidFill>
+                  <a:srgbClr val="FFFFFF"/>
+                </a:solidFill>
+              </a14:hiddenFill>
+            </a:ext>
+          </a:extLst>
+        </p:spPr>
+      </p:pic>
+    </p:spTree>
+    <p:extLst>
+      <p:ext uri="{BB962C8B-B14F-4D97-AF65-F5344CB8AC3E}">
+        <p14:creationId xmlns:p14="http://schemas.microsoft.com/office/powerpoint/2010/main" val="377078052"/>
+      </p:ext>
+    </p:extLst>
+  </p:cSld>
+  <p:clrMapOvr>
+    <a:masterClrMapping/>
+  </p:clrMapOvr>
+</p:sld>
+</file>
+
+<file path=ppt/slides/slide18.xml><?xml version="1.0" encoding="utf-8"?>
+<p:sld xmlns:a="http://schemas.openxmlformats.org/drawingml/2006/main" xmlns:r="http://schemas.openxmlformats.org/officeDocument/2006/relationships" xmlns:p="http://schemas.openxmlformats.org/presentationml/2006/main">
+  <p:cSld>
+    <p:spTree>
+      <p:nvGrpSpPr>
+        <p:cNvPr id="1" name=""/>
+        <p:cNvGrpSpPr/>
+        <p:nvPr/>
+      </p:nvGrpSpPr>
+      <p:grpSpPr>
+        <a:xfrm>
+          <a:off x="0" y="0"/>
+          <a:ext cx="0" cy="0"/>
+          <a:chOff x="0" y="0"/>
+          <a:chExt cx="0" cy="0"/>
+        </a:xfrm>
+      </p:grpSpPr>
+      <p:pic>
+        <p:nvPicPr>
+          <p:cNvPr id="5" name="図 4">
+            <a:extLst>
+              <a:ext uri="{FF2B5EF4-FFF2-40B4-BE49-F238E27FC236}">
+                <a16:creationId xmlns:a16="http://schemas.microsoft.com/office/drawing/2014/main" id="{0BFA7121-A351-48F1-8000-15FBDB7A81A6}"/>
+              </a:ext>
+            </a:extLst>
+          </p:cNvPr>
+          <p:cNvPicPr>
+            <a:picLocks noChangeAspect="1"/>
+          </p:cNvPicPr>
+          <p:nvPr/>
+        </p:nvPicPr>
+        <p:blipFill>
+          <a:blip r:embed="rId2"/>
+          <a:stretch>
+            <a:fillRect/>
+          </a:stretch>
+        </p:blipFill>
+        <p:spPr>
+          <a:xfrm>
+            <a:off x="377073" y="664651"/>
+            <a:ext cx="10598870" cy="5707933"/>
+          </a:xfrm>
+          <a:prstGeom prst="rect">
+            <a:avLst/>
+          </a:prstGeom>
+        </p:spPr>
+      </p:pic>
+    </p:spTree>
+    <p:extLst>
+      <p:ext uri="{BB962C8B-B14F-4D97-AF65-F5344CB8AC3E}">
+        <p14:creationId xmlns:p14="http://schemas.microsoft.com/office/powerpoint/2010/main" val="3799441093"/>
+      </p:ext>
+    </p:extLst>
+  </p:cSld>
+  <p:clrMapOvr>
+    <a:masterClrMapping/>
+  </p:clrMapOvr>
+</p:sld>
+</file>
+
+<file path=ppt/slides/slide19.xml><?xml version="1.0" encoding="utf-8"?>
+<p:sld xmlns:a="http://schemas.openxmlformats.org/drawingml/2006/main" xmlns:r="http://schemas.openxmlformats.org/officeDocument/2006/relationships" xmlns:p="http://schemas.openxmlformats.org/presentationml/2006/main">
+  <p:cSld>
+    <p:spTree>
+      <p:nvGrpSpPr>
+        <p:cNvPr id="1" name=""/>
+        <p:cNvGrpSpPr/>
+        <p:nvPr/>
+      </p:nvGrpSpPr>
+      <p:grpSpPr>
+        <a:xfrm>
+          <a:off x="0" y="0"/>
+          <a:ext cx="0" cy="0"/>
+          <a:chOff x="0" y="0"/>
+          <a:chExt cx="0" cy="0"/>
+        </a:xfrm>
+      </p:grpSpPr>
+      <p:sp>
+        <p:nvSpPr>
+          <p:cNvPr id="2" name="タイトル 1">
+            <a:extLst>
+              <a:ext uri="{FF2B5EF4-FFF2-40B4-BE49-F238E27FC236}">
+                <a16:creationId xmlns:a16="http://schemas.microsoft.com/office/drawing/2014/main" id="{8D2EC18B-578D-4EC6-9C8F-DD67C2650AE4}"/>
+              </a:ext>
+            </a:extLst>
+          </p:cNvPr>
+          <p:cNvSpPr>
+            <a:spLocks noGrp="1"/>
+          </p:cNvSpPr>
+          <p:nvPr>
+            <p:ph type="title"/>
+          </p:nvPr>
+        </p:nvSpPr>
+        <p:spPr/>
+        <p:txBody>
+          <a:bodyPr/>
+          <a:lstStyle/>
+          <a:p>
+            <a:endParaRPr kumimoji="1" lang="ja-JP" altLang="en-US"/>
+          </a:p>
+        </p:txBody>
+      </p:sp>
+      <p:sp>
+        <p:nvSpPr>
+          <p:cNvPr id="3" name="コンテンツ プレースホルダー 2">
+            <a:extLst>
+              <a:ext uri="{FF2B5EF4-FFF2-40B4-BE49-F238E27FC236}">
+                <a16:creationId xmlns:a16="http://schemas.microsoft.com/office/drawing/2014/main" id="{706C63F6-5B48-4767-9E2B-B518152C874A}"/>
+              </a:ext>
+            </a:extLst>
+          </p:cNvPr>
+          <p:cNvSpPr>
+            <a:spLocks noGrp="1"/>
+          </p:cNvSpPr>
+          <p:nvPr>
+            <p:ph idx="1"/>
+          </p:nvPr>
+        </p:nvSpPr>
+        <p:spPr/>
+        <p:txBody>
+          <a:bodyPr/>
+          <a:lstStyle/>
+          <a:p>
+            <a:endParaRPr kumimoji="1" lang="ja-JP" altLang="en-US"/>
+          </a:p>
+        </p:txBody>
+      </p:sp>
+      <p:grpSp>
+        <p:nvGrpSpPr>
+          <p:cNvPr id="14" name="グループ化 13">
+            <a:extLst>
+              <a:ext uri="{FF2B5EF4-FFF2-40B4-BE49-F238E27FC236}">
+                <a16:creationId xmlns:a16="http://schemas.microsoft.com/office/drawing/2014/main" id="{B8326B8D-C136-48B9-B564-3A7032D650CB}"/>
+              </a:ext>
+            </a:extLst>
+          </p:cNvPr>
+          <p:cNvGrpSpPr/>
+          <p:nvPr/>
+        </p:nvGrpSpPr>
+        <p:grpSpPr>
+          <a:xfrm>
+            <a:off x="0" y="146050"/>
+            <a:ext cx="12192000" cy="6565899"/>
+            <a:chOff x="0" y="146050"/>
+            <a:chExt cx="12192000" cy="6565899"/>
+          </a:xfrm>
+        </p:grpSpPr>
+        <p:pic>
+          <p:nvPicPr>
+            <p:cNvPr id="12" name="図 11">
+              <a:extLst>
+                <a:ext uri="{FF2B5EF4-FFF2-40B4-BE49-F238E27FC236}">
+                  <a16:creationId xmlns:a16="http://schemas.microsoft.com/office/drawing/2014/main" id="{9AF522B0-7970-43E3-885E-A120D18CDCA4}"/>
+                </a:ext>
+              </a:extLst>
+            </p:cNvPr>
+            <p:cNvPicPr>
+              <a:picLocks noChangeAspect="1"/>
+            </p:cNvPicPr>
+            <p:nvPr/>
+          </p:nvPicPr>
+          <p:blipFill>
+            <a:blip r:embed="rId2"/>
+            <a:stretch>
+              <a:fillRect/>
+            </a:stretch>
+          </p:blipFill>
+          <p:spPr>
+            <a:xfrm>
+              <a:off x="0" y="146050"/>
+              <a:ext cx="12192000" cy="6565899"/>
+            </a:xfrm>
+            <a:prstGeom prst="rect">
+              <a:avLst/>
+            </a:prstGeom>
+          </p:spPr>
+        </p:pic>
+        <p:sp>
+          <p:nvSpPr>
+            <p:cNvPr id="13" name="正方形/長方形 12">
+              <a:extLst>
+                <a:ext uri="{FF2B5EF4-FFF2-40B4-BE49-F238E27FC236}">
+                  <a16:creationId xmlns:a16="http://schemas.microsoft.com/office/drawing/2014/main" id="{4A85616B-0F72-4817-AC87-EA4CD78834E6}"/>
+                </a:ext>
+              </a:extLst>
+            </p:cNvPr>
+            <p:cNvSpPr/>
+            <p:nvPr/>
+          </p:nvSpPr>
+          <p:spPr>
+            <a:xfrm>
+              <a:off x="668866" y="2650067"/>
+              <a:ext cx="694267" cy="609600"/>
+            </a:xfrm>
+            <a:prstGeom prst="rect">
+              <a:avLst/>
+            </a:prstGeom>
+            <a:solidFill>
+              <a:schemeClr val="tx1"/>
+            </a:solidFill>
+          </p:spPr>
+          <p:style>
+            <a:lnRef idx="2">
+              <a:schemeClr val="accent1">
+                <a:shade val="50000"/>
+              </a:schemeClr>
+            </a:lnRef>
+            <a:fillRef idx="1">
+              <a:schemeClr val="accent1"/>
+            </a:fillRef>
+            <a:effectRef idx="0">
+              <a:schemeClr val="accent1"/>
+            </a:effectRef>
+            <a:fontRef idx="minor">
+              <a:schemeClr val="lt1"/>
+            </a:fontRef>
+          </p:style>
+          <p:txBody>
+            <a:bodyPr rtlCol="0" anchor="ctr"/>
+            <a:lstStyle/>
+            <a:p>
+              <a:pPr algn="ctr"/>
+              <a:endParaRPr kumimoji="1" lang="ja-JP" altLang="en-US"/>
+            </a:p>
+          </p:txBody>
+        </p:sp>
+      </p:grpSp>
+    </p:spTree>
+    <p:extLst>
+      <p:ext uri="{BB962C8B-B14F-4D97-AF65-F5344CB8AC3E}">
+        <p14:creationId xmlns:p14="http://schemas.microsoft.com/office/powerpoint/2010/main" val="1042411491"/>
+      </p:ext>
+    </p:extLst>
+  </p:cSld>
+  <p:clrMapOvr>
+    <a:masterClrMapping/>
+  </p:clrMapOvr>
+</p:sld>
+</file>
+
 <file path=ppt/slides/slide2.xml><?xml version="1.0" encoding="utf-8"?>
 <p:sld xmlns:a="http://schemas.openxmlformats.org/drawingml/2006/main" xmlns:r="http://schemas.openxmlformats.org/officeDocument/2006/relationships" xmlns:p="http://schemas.openxmlformats.org/presentationml/2006/main">
   <p:cSld>
@@ -8335,6 +9057,864 @@
     <p:extLst>
       <p:ext uri="{BB962C8B-B14F-4D97-AF65-F5344CB8AC3E}">
         <p14:creationId xmlns:p14="http://schemas.microsoft.com/office/powerpoint/2010/main" val="3198833261"/>
+      </p:ext>
+    </p:extLst>
+  </p:cSld>
+  <p:clrMapOvr>
+    <a:masterClrMapping/>
+  </p:clrMapOvr>
+</p:sld>
+</file>
+
+<file path=ppt/slides/slide20.xml><?xml version="1.0" encoding="utf-8"?>
+<p:sld xmlns:a="http://schemas.openxmlformats.org/drawingml/2006/main" xmlns:r="http://schemas.openxmlformats.org/officeDocument/2006/relationships" xmlns:p="http://schemas.openxmlformats.org/presentationml/2006/main">
+  <p:cSld>
+    <p:spTree>
+      <p:nvGrpSpPr>
+        <p:cNvPr id="1" name=""/>
+        <p:cNvGrpSpPr/>
+        <p:nvPr/>
+      </p:nvGrpSpPr>
+      <p:grpSpPr>
+        <a:xfrm>
+          <a:off x="0" y="0"/>
+          <a:ext cx="0" cy="0"/>
+          <a:chOff x="0" y="0"/>
+          <a:chExt cx="0" cy="0"/>
+        </a:xfrm>
+      </p:grpSpPr>
+      <p:pic>
+        <p:nvPicPr>
+          <p:cNvPr id="13" name="図 12">
+            <a:extLst>
+              <a:ext uri="{FF2B5EF4-FFF2-40B4-BE49-F238E27FC236}">
+                <a16:creationId xmlns:a16="http://schemas.microsoft.com/office/drawing/2014/main" id="{E16334D2-F66C-4B4C-BF52-75647E15340B}"/>
+              </a:ext>
+            </a:extLst>
+          </p:cNvPr>
+          <p:cNvPicPr>
+            <a:picLocks noChangeAspect="1"/>
+          </p:cNvPicPr>
+          <p:nvPr/>
+        </p:nvPicPr>
+        <p:blipFill>
+          <a:blip r:embed="rId2"/>
+          <a:stretch>
+            <a:fillRect/>
+          </a:stretch>
+        </p:blipFill>
+        <p:spPr>
+          <a:xfrm>
+            <a:off x="609600" y="772582"/>
+            <a:ext cx="10545179" cy="5679017"/>
+          </a:xfrm>
+          <a:prstGeom prst="rect">
+            <a:avLst/>
+          </a:prstGeom>
+        </p:spPr>
+      </p:pic>
+      <p:sp>
+        <p:nvSpPr>
+          <p:cNvPr id="6" name="矢印: 左 5">
+            <a:extLst>
+              <a:ext uri="{FF2B5EF4-FFF2-40B4-BE49-F238E27FC236}">
+                <a16:creationId xmlns:a16="http://schemas.microsoft.com/office/drawing/2014/main" id="{295AF0A8-C8D2-4D25-94FC-D4581E06EBB3}"/>
+              </a:ext>
+            </a:extLst>
+          </p:cNvPr>
+          <p:cNvSpPr/>
+          <p:nvPr/>
+        </p:nvSpPr>
+        <p:spPr>
+          <a:xfrm>
+            <a:off x="2243667" y="986102"/>
+            <a:ext cx="643467" cy="372534"/>
+          </a:xfrm>
+          <a:prstGeom prst="leftArrow">
+            <a:avLst/>
+          </a:prstGeom>
+          <a:solidFill>
+            <a:srgbClr val="FF0000"/>
+          </a:solidFill>
+          <a:ln>
+            <a:noFill/>
+          </a:ln>
+        </p:spPr>
+        <p:style>
+          <a:lnRef idx="2">
+            <a:schemeClr val="accent1">
+              <a:shade val="50000"/>
+            </a:schemeClr>
+          </a:lnRef>
+          <a:fillRef idx="1">
+            <a:schemeClr val="accent1"/>
+          </a:fillRef>
+          <a:effectRef idx="0">
+            <a:schemeClr val="accent1"/>
+          </a:effectRef>
+          <a:fontRef idx="minor">
+            <a:schemeClr val="lt1"/>
+          </a:fontRef>
+        </p:style>
+        <p:txBody>
+          <a:bodyPr rtlCol="0" anchor="ctr"/>
+          <a:lstStyle/>
+          <a:p>
+            <a:pPr algn="ctr"/>
+            <a:endParaRPr kumimoji="1" lang="ja-JP" altLang="en-US"/>
+          </a:p>
+        </p:txBody>
+      </p:sp>
+      <p:sp>
+        <p:nvSpPr>
+          <p:cNvPr id="8" name="正方形/長方形 7">
+            <a:extLst>
+              <a:ext uri="{FF2B5EF4-FFF2-40B4-BE49-F238E27FC236}">
+                <a16:creationId xmlns:a16="http://schemas.microsoft.com/office/drawing/2014/main" id="{47DF8C48-A2AC-4303-9FDB-B3DE66A0767A}"/>
+              </a:ext>
+            </a:extLst>
+          </p:cNvPr>
+          <p:cNvSpPr/>
+          <p:nvPr/>
+        </p:nvSpPr>
+        <p:spPr>
+          <a:xfrm>
+            <a:off x="668867" y="986102"/>
+            <a:ext cx="1574800" cy="372534"/>
+          </a:xfrm>
+          <a:prstGeom prst="rect">
+            <a:avLst/>
+          </a:prstGeom>
+          <a:noFill/>
+          <a:ln w="38100">
+            <a:solidFill>
+              <a:srgbClr val="FF0000"/>
+            </a:solidFill>
+            <a:prstDash val="sysDash"/>
+          </a:ln>
+        </p:spPr>
+        <p:style>
+          <a:lnRef idx="2">
+            <a:schemeClr val="accent1">
+              <a:shade val="50000"/>
+            </a:schemeClr>
+          </a:lnRef>
+          <a:fillRef idx="1">
+            <a:schemeClr val="accent1"/>
+          </a:fillRef>
+          <a:effectRef idx="0">
+            <a:schemeClr val="accent1"/>
+          </a:effectRef>
+          <a:fontRef idx="minor">
+            <a:schemeClr val="lt1"/>
+          </a:fontRef>
+        </p:style>
+        <p:txBody>
+          <a:bodyPr rtlCol="0" anchor="ctr"/>
+          <a:lstStyle/>
+          <a:p>
+            <a:pPr algn="ctr"/>
+            <a:endParaRPr kumimoji="1" lang="ja-JP" altLang="en-US"/>
+          </a:p>
+        </p:txBody>
+      </p:sp>
+    </p:spTree>
+    <p:extLst>
+      <p:ext uri="{BB962C8B-B14F-4D97-AF65-F5344CB8AC3E}">
+        <p14:creationId xmlns:p14="http://schemas.microsoft.com/office/powerpoint/2010/main" val="3257463625"/>
+      </p:ext>
+    </p:extLst>
+  </p:cSld>
+  <p:clrMapOvr>
+    <a:masterClrMapping/>
+  </p:clrMapOvr>
+</p:sld>
+</file>
+
+<file path=ppt/slides/slide21.xml><?xml version="1.0" encoding="utf-8"?>
+<p:sld xmlns:a="http://schemas.openxmlformats.org/drawingml/2006/main" xmlns:r="http://schemas.openxmlformats.org/officeDocument/2006/relationships" xmlns:p="http://schemas.openxmlformats.org/presentationml/2006/main">
+  <p:cSld>
+    <p:spTree>
+      <p:nvGrpSpPr>
+        <p:cNvPr id="1" name=""/>
+        <p:cNvGrpSpPr/>
+        <p:nvPr/>
+      </p:nvGrpSpPr>
+      <p:grpSpPr>
+        <a:xfrm>
+          <a:off x="0" y="0"/>
+          <a:ext cx="0" cy="0"/>
+          <a:chOff x="0" y="0"/>
+          <a:chExt cx="0" cy="0"/>
+        </a:xfrm>
+      </p:grpSpPr>
+      <p:grpSp>
+        <p:nvGrpSpPr>
+          <p:cNvPr id="10" name="グループ化 9">
+            <a:extLst>
+              <a:ext uri="{FF2B5EF4-FFF2-40B4-BE49-F238E27FC236}">
+                <a16:creationId xmlns:a16="http://schemas.microsoft.com/office/drawing/2014/main" id="{27F6609B-3D59-42A3-9771-861C830131EA}"/>
+              </a:ext>
+            </a:extLst>
+          </p:cNvPr>
+          <p:cNvGrpSpPr/>
+          <p:nvPr/>
+        </p:nvGrpSpPr>
+        <p:grpSpPr>
+          <a:xfrm>
+            <a:off x="888999" y="850516"/>
+            <a:ext cx="9575800" cy="5156967"/>
+            <a:chOff x="888999" y="850516"/>
+            <a:chExt cx="9575800" cy="5156967"/>
+          </a:xfrm>
+        </p:grpSpPr>
+        <p:pic>
+          <p:nvPicPr>
+            <p:cNvPr id="9" name="図 8">
+              <a:extLst>
+                <a:ext uri="{FF2B5EF4-FFF2-40B4-BE49-F238E27FC236}">
+                  <a16:creationId xmlns:a16="http://schemas.microsoft.com/office/drawing/2014/main" id="{1B108761-3367-4CBF-BB46-9652B5D45573}"/>
+                </a:ext>
+              </a:extLst>
+            </p:cNvPr>
+            <p:cNvPicPr>
+              <a:picLocks noChangeAspect="1"/>
+            </p:cNvPicPr>
+            <p:nvPr/>
+          </p:nvPicPr>
+          <p:blipFill>
+            <a:blip r:embed="rId2"/>
+            <a:stretch>
+              <a:fillRect/>
+            </a:stretch>
+          </p:blipFill>
+          <p:spPr>
+            <a:xfrm>
+              <a:off x="888999" y="850516"/>
+              <a:ext cx="9575800" cy="5156967"/>
+            </a:xfrm>
+            <a:prstGeom prst="rect">
+              <a:avLst/>
+            </a:prstGeom>
+          </p:spPr>
+        </p:pic>
+        <p:sp>
+          <p:nvSpPr>
+            <p:cNvPr id="5" name="テキスト ボックス 4">
+              <a:extLst>
+                <a:ext uri="{FF2B5EF4-FFF2-40B4-BE49-F238E27FC236}">
+                  <a16:creationId xmlns:a16="http://schemas.microsoft.com/office/drawing/2014/main" id="{8DD364B2-C6B2-4BB2-AD99-084C4BD37378}"/>
+                </a:ext>
+              </a:extLst>
+            </p:cNvPr>
+            <p:cNvSpPr txBox="1"/>
+            <p:nvPr/>
+          </p:nvSpPr>
+          <p:spPr>
+            <a:xfrm>
+              <a:off x="2616200" y="2905779"/>
+              <a:ext cx="1176867" cy="523220"/>
+            </a:xfrm>
+            <a:prstGeom prst="rect">
+              <a:avLst/>
+            </a:prstGeom>
+            <a:noFill/>
+          </p:spPr>
+          <p:txBody>
+            <a:bodyPr wrap="square" rtlCol="0">
+              <a:spAutoFit/>
+            </a:bodyPr>
+            <a:lstStyle/>
+            <a:p>
+              <a:r>
+                <a:rPr lang="ja-JP" altLang="en-US" sz="2800" dirty="0">
+                  <a:solidFill>
+                    <a:srgbClr val="FF0000"/>
+                  </a:solidFill>
+                </a:rPr>
+                <a:t>①</a:t>
+              </a:r>
+              <a:endParaRPr kumimoji="1" lang="ja-JP" altLang="en-US" dirty="0">
+                <a:solidFill>
+                  <a:srgbClr val="FF0000"/>
+                </a:solidFill>
+              </a:endParaRPr>
+            </a:p>
+          </p:txBody>
+        </p:sp>
+        <p:sp>
+          <p:nvSpPr>
+            <p:cNvPr id="6" name="テキスト ボックス 5">
+              <a:extLst>
+                <a:ext uri="{FF2B5EF4-FFF2-40B4-BE49-F238E27FC236}">
+                  <a16:creationId xmlns:a16="http://schemas.microsoft.com/office/drawing/2014/main" id="{62A09BC7-76BA-41A9-86A4-EE697D11AF5D}"/>
+                </a:ext>
+              </a:extLst>
+            </p:cNvPr>
+            <p:cNvSpPr txBox="1"/>
+            <p:nvPr/>
+          </p:nvSpPr>
+          <p:spPr>
+            <a:xfrm>
+              <a:off x="2616200" y="3363775"/>
+              <a:ext cx="1176867" cy="523220"/>
+            </a:xfrm>
+            <a:prstGeom prst="rect">
+              <a:avLst/>
+            </a:prstGeom>
+            <a:noFill/>
+          </p:spPr>
+          <p:txBody>
+            <a:bodyPr wrap="square" rtlCol="0">
+              <a:spAutoFit/>
+            </a:bodyPr>
+            <a:lstStyle/>
+            <a:p>
+              <a:r>
+                <a:rPr kumimoji="1" lang="ja-JP" altLang="en-US" sz="2800" dirty="0">
+                  <a:solidFill>
+                    <a:srgbClr val="FF0000"/>
+                  </a:solidFill>
+                </a:rPr>
+                <a:t>②</a:t>
+              </a:r>
+              <a:endParaRPr kumimoji="1" lang="ja-JP" altLang="en-US" dirty="0">
+                <a:solidFill>
+                  <a:srgbClr val="FF0000"/>
+                </a:solidFill>
+              </a:endParaRPr>
+            </a:p>
+          </p:txBody>
+        </p:sp>
+        <p:sp>
+          <p:nvSpPr>
+            <p:cNvPr id="7" name="テキスト ボックス 6">
+              <a:extLst>
+                <a:ext uri="{FF2B5EF4-FFF2-40B4-BE49-F238E27FC236}">
+                  <a16:creationId xmlns:a16="http://schemas.microsoft.com/office/drawing/2014/main" id="{D8C3FEA9-F641-4298-98EC-56848CC45446}"/>
+                </a:ext>
+              </a:extLst>
+            </p:cNvPr>
+            <p:cNvSpPr txBox="1"/>
+            <p:nvPr/>
+          </p:nvSpPr>
+          <p:spPr>
+            <a:xfrm>
+              <a:off x="6730999" y="2261519"/>
+              <a:ext cx="1176867" cy="523220"/>
+            </a:xfrm>
+            <a:prstGeom prst="rect">
+              <a:avLst/>
+            </a:prstGeom>
+            <a:noFill/>
+          </p:spPr>
+          <p:txBody>
+            <a:bodyPr wrap="square" rtlCol="0">
+              <a:spAutoFit/>
+            </a:bodyPr>
+            <a:lstStyle/>
+            <a:p>
+              <a:r>
+                <a:rPr kumimoji="1" lang="ja-JP" altLang="en-US" sz="2800" dirty="0">
+                  <a:solidFill>
+                    <a:srgbClr val="FF0000"/>
+                  </a:solidFill>
+                </a:rPr>
+                <a:t>③</a:t>
+              </a:r>
+              <a:endParaRPr kumimoji="1" lang="ja-JP" altLang="en-US" dirty="0">
+                <a:solidFill>
+                  <a:srgbClr val="FF0000"/>
+                </a:solidFill>
+              </a:endParaRPr>
+            </a:p>
+          </p:txBody>
+        </p:sp>
+      </p:grpSp>
+    </p:spTree>
+    <p:extLst>
+      <p:ext uri="{BB962C8B-B14F-4D97-AF65-F5344CB8AC3E}">
+        <p14:creationId xmlns:p14="http://schemas.microsoft.com/office/powerpoint/2010/main" val="3554744199"/>
+      </p:ext>
+    </p:extLst>
+  </p:cSld>
+  <p:clrMapOvr>
+    <a:masterClrMapping/>
+  </p:clrMapOvr>
+</p:sld>
+</file>
+
+<file path=ppt/slides/slide22.xml><?xml version="1.0" encoding="utf-8"?>
+<p:sld xmlns:a="http://schemas.openxmlformats.org/drawingml/2006/main" xmlns:r="http://schemas.openxmlformats.org/officeDocument/2006/relationships" xmlns:p="http://schemas.openxmlformats.org/presentationml/2006/main">
+  <p:cSld>
+    <p:spTree>
+      <p:nvGrpSpPr>
+        <p:cNvPr id="1" name=""/>
+        <p:cNvGrpSpPr/>
+        <p:nvPr/>
+      </p:nvGrpSpPr>
+      <p:grpSpPr>
+        <a:xfrm>
+          <a:off x="0" y="0"/>
+          <a:ext cx="0" cy="0"/>
+          <a:chOff x="0" y="0"/>
+          <a:chExt cx="0" cy="0"/>
+        </a:xfrm>
+      </p:grpSpPr>
+      <p:grpSp>
+        <p:nvGrpSpPr>
+          <p:cNvPr id="24" name="グループ化 23">
+            <a:extLst>
+              <a:ext uri="{FF2B5EF4-FFF2-40B4-BE49-F238E27FC236}">
+                <a16:creationId xmlns:a16="http://schemas.microsoft.com/office/drawing/2014/main" id="{75205C14-5C2C-4D36-B2A2-701A757D8413}"/>
+              </a:ext>
+            </a:extLst>
+          </p:cNvPr>
+          <p:cNvGrpSpPr/>
+          <p:nvPr/>
+        </p:nvGrpSpPr>
+        <p:grpSpPr>
+          <a:xfrm>
+            <a:off x="1955800" y="1221317"/>
+            <a:ext cx="8712200" cy="4691882"/>
+            <a:chOff x="1955800" y="1221317"/>
+            <a:chExt cx="8712200" cy="4691882"/>
+          </a:xfrm>
+        </p:grpSpPr>
+        <p:grpSp>
+          <p:nvGrpSpPr>
+            <p:cNvPr id="22" name="グループ化 21">
+              <a:extLst>
+                <a:ext uri="{FF2B5EF4-FFF2-40B4-BE49-F238E27FC236}">
+                  <a16:creationId xmlns:a16="http://schemas.microsoft.com/office/drawing/2014/main" id="{E1B8CA75-D69F-4F1E-8B35-9599BD86E0C0}"/>
+                </a:ext>
+              </a:extLst>
+            </p:cNvPr>
+            <p:cNvGrpSpPr/>
+            <p:nvPr/>
+          </p:nvGrpSpPr>
+          <p:grpSpPr>
+            <a:xfrm>
+              <a:off x="1955800" y="1221317"/>
+              <a:ext cx="8712200" cy="4691882"/>
+              <a:chOff x="1955800" y="1221317"/>
+              <a:chExt cx="8712200" cy="4691882"/>
+            </a:xfrm>
+          </p:grpSpPr>
+          <p:grpSp>
+            <p:nvGrpSpPr>
+              <p:cNvPr id="12" name="グループ化 11">
+                <a:extLst>
+                  <a:ext uri="{FF2B5EF4-FFF2-40B4-BE49-F238E27FC236}">
+                    <a16:creationId xmlns:a16="http://schemas.microsoft.com/office/drawing/2014/main" id="{D1FC9A41-62C8-4483-A0D9-7B78B88290D5}"/>
+                  </a:ext>
+                </a:extLst>
+              </p:cNvPr>
+              <p:cNvGrpSpPr/>
+              <p:nvPr/>
+            </p:nvGrpSpPr>
+            <p:grpSpPr>
+              <a:xfrm>
+                <a:off x="1955800" y="1221317"/>
+                <a:ext cx="8712200" cy="4691882"/>
+                <a:chOff x="1955800" y="1221317"/>
+                <a:chExt cx="8712200" cy="4691882"/>
+              </a:xfrm>
+            </p:grpSpPr>
+            <p:pic>
+              <p:nvPicPr>
+                <p:cNvPr id="5" name="図 4">
+                  <a:extLst>
+                    <a:ext uri="{FF2B5EF4-FFF2-40B4-BE49-F238E27FC236}">
+                      <a16:creationId xmlns:a16="http://schemas.microsoft.com/office/drawing/2014/main" id="{33416745-955A-4C3A-8CFA-AC0AB184A2BF}"/>
+                    </a:ext>
+                  </a:extLst>
+                </p:cNvPr>
+                <p:cNvPicPr>
+                  <a:picLocks noChangeAspect="1"/>
+                </p:cNvPicPr>
+                <p:nvPr/>
+              </p:nvPicPr>
+              <p:blipFill>
+                <a:blip r:embed="rId2"/>
+                <a:stretch>
+                  <a:fillRect/>
+                </a:stretch>
+              </p:blipFill>
+              <p:spPr>
+                <a:xfrm>
+                  <a:off x="1955800" y="1221317"/>
+                  <a:ext cx="8712200" cy="4691882"/>
+                </a:xfrm>
+                <a:prstGeom prst="rect">
+                  <a:avLst/>
+                </a:prstGeom>
+              </p:spPr>
+            </p:pic>
+            <p:sp>
+              <p:nvSpPr>
+                <p:cNvPr id="6" name="テキスト ボックス 5">
+                  <a:extLst>
+                    <a:ext uri="{FF2B5EF4-FFF2-40B4-BE49-F238E27FC236}">
+                      <a16:creationId xmlns:a16="http://schemas.microsoft.com/office/drawing/2014/main" id="{82AC8708-3E77-437E-BEB6-8A2B4BA04B9A}"/>
+                    </a:ext>
+                  </a:extLst>
+                </p:cNvPr>
+                <p:cNvSpPr txBox="1"/>
+                <p:nvPr/>
+              </p:nvSpPr>
+              <p:spPr>
+                <a:xfrm>
+                  <a:off x="2768600" y="1221317"/>
+                  <a:ext cx="973667" cy="461665"/>
+                </a:xfrm>
+                <a:prstGeom prst="rect">
+                  <a:avLst/>
+                </a:prstGeom>
+                <a:noFill/>
+              </p:spPr>
+              <p:txBody>
+                <a:bodyPr wrap="square" rtlCol="0">
+                  <a:spAutoFit/>
+                </a:bodyPr>
+                <a:lstStyle/>
+                <a:p>
+                  <a:r>
+                    <a:rPr kumimoji="1" lang="ja-JP" altLang="en-US" sz="2400" dirty="0">
+                      <a:solidFill>
+                        <a:srgbClr val="FF0000"/>
+                      </a:solidFill>
+                    </a:rPr>
+                    <a:t>①</a:t>
+                  </a:r>
+                  <a:endParaRPr kumimoji="1" lang="ja-JP" altLang="en-US" dirty="0">
+                    <a:solidFill>
+                      <a:srgbClr val="FF0000"/>
+                    </a:solidFill>
+                  </a:endParaRPr>
+                </a:p>
+              </p:txBody>
+            </p:sp>
+            <p:sp>
+              <p:nvSpPr>
+                <p:cNvPr id="7" name="テキスト ボックス 6">
+                  <a:extLst>
+                    <a:ext uri="{FF2B5EF4-FFF2-40B4-BE49-F238E27FC236}">
+                      <a16:creationId xmlns:a16="http://schemas.microsoft.com/office/drawing/2014/main" id="{9B8F741B-22DE-434F-9677-7E8D6745FA53}"/>
+                    </a:ext>
+                  </a:extLst>
+                </p:cNvPr>
+                <p:cNvSpPr txBox="1"/>
+                <p:nvPr/>
+              </p:nvSpPr>
+              <p:spPr>
+                <a:xfrm>
+                  <a:off x="6718300" y="1343794"/>
+                  <a:ext cx="973667" cy="461665"/>
+                </a:xfrm>
+                <a:prstGeom prst="rect">
+                  <a:avLst/>
+                </a:prstGeom>
+                <a:noFill/>
+              </p:spPr>
+              <p:txBody>
+                <a:bodyPr wrap="square" rtlCol="0">
+                  <a:spAutoFit/>
+                </a:bodyPr>
+                <a:lstStyle/>
+                <a:p>
+                  <a:r>
+                    <a:rPr lang="ja-JP" altLang="en-US" sz="2400" dirty="0">
+                      <a:solidFill>
+                        <a:srgbClr val="FF0000"/>
+                      </a:solidFill>
+                    </a:rPr>
+                    <a:t>②</a:t>
+                  </a:r>
+                  <a:endParaRPr kumimoji="1" lang="ja-JP" altLang="en-US" dirty="0">
+                    <a:solidFill>
+                      <a:srgbClr val="FF0000"/>
+                    </a:solidFill>
+                  </a:endParaRPr>
+                </a:p>
+              </p:txBody>
+            </p:sp>
+            <p:sp>
+              <p:nvSpPr>
+                <p:cNvPr id="8" name="テキスト ボックス 7">
+                  <a:extLst>
+                    <a:ext uri="{FF2B5EF4-FFF2-40B4-BE49-F238E27FC236}">
+                      <a16:creationId xmlns:a16="http://schemas.microsoft.com/office/drawing/2014/main" id="{18A9D1A4-95CF-49ED-89BD-239C33357477}"/>
+                    </a:ext>
+                  </a:extLst>
+                </p:cNvPr>
+                <p:cNvSpPr txBox="1"/>
+                <p:nvPr/>
+              </p:nvSpPr>
+              <p:spPr>
+                <a:xfrm>
+                  <a:off x="8199967" y="5175017"/>
+                  <a:ext cx="973667" cy="461665"/>
+                </a:xfrm>
+                <a:prstGeom prst="rect">
+                  <a:avLst/>
+                </a:prstGeom>
+                <a:noFill/>
+              </p:spPr>
+              <p:txBody>
+                <a:bodyPr wrap="square" rtlCol="0">
+                  <a:spAutoFit/>
+                </a:bodyPr>
+                <a:lstStyle/>
+                <a:p>
+                  <a:r>
+                    <a:rPr kumimoji="1" lang="ja-JP" altLang="en-US" sz="2400" dirty="0">
+                      <a:solidFill>
+                        <a:srgbClr val="FF0000"/>
+                      </a:solidFill>
+                    </a:rPr>
+                    <a:t>⑤</a:t>
+                  </a:r>
+                  <a:endParaRPr kumimoji="1" lang="ja-JP" altLang="en-US" dirty="0">
+                    <a:solidFill>
+                      <a:srgbClr val="FF0000"/>
+                    </a:solidFill>
+                  </a:endParaRPr>
+                </a:p>
+              </p:txBody>
+            </p:sp>
+            <p:sp>
+              <p:nvSpPr>
+                <p:cNvPr id="9" name="テキスト ボックス 8">
+                  <a:extLst>
+                    <a:ext uri="{FF2B5EF4-FFF2-40B4-BE49-F238E27FC236}">
+                      <a16:creationId xmlns:a16="http://schemas.microsoft.com/office/drawing/2014/main" id="{D9B9C2BE-DD4A-40A1-9A58-30860520ED8F}"/>
+                    </a:ext>
+                  </a:extLst>
+                </p:cNvPr>
+                <p:cNvSpPr txBox="1"/>
+                <p:nvPr/>
+              </p:nvSpPr>
+              <p:spPr>
+                <a:xfrm>
+                  <a:off x="2362200" y="4995215"/>
+                  <a:ext cx="973667" cy="461665"/>
+                </a:xfrm>
+                <a:prstGeom prst="rect">
+                  <a:avLst/>
+                </a:prstGeom>
+                <a:noFill/>
+              </p:spPr>
+              <p:txBody>
+                <a:bodyPr wrap="square" rtlCol="0">
+                  <a:spAutoFit/>
+                </a:bodyPr>
+                <a:lstStyle/>
+                <a:p>
+                  <a:r>
+                    <a:rPr lang="ja-JP" altLang="en-US" sz="2400" dirty="0">
+                      <a:solidFill>
+                        <a:srgbClr val="FF0000"/>
+                      </a:solidFill>
+                    </a:rPr>
+                    <a:t>⑥</a:t>
+                  </a:r>
+                  <a:endParaRPr kumimoji="1" lang="ja-JP" altLang="en-US" dirty="0">
+                    <a:solidFill>
+                      <a:srgbClr val="FF0000"/>
+                    </a:solidFill>
+                  </a:endParaRPr>
+                </a:p>
+              </p:txBody>
+            </p:sp>
+            <p:sp>
+              <p:nvSpPr>
+                <p:cNvPr id="10" name="矢印: 下 9">
+                  <a:extLst>
+                    <a:ext uri="{FF2B5EF4-FFF2-40B4-BE49-F238E27FC236}">
+                      <a16:creationId xmlns:a16="http://schemas.microsoft.com/office/drawing/2014/main" id="{6A785668-63B1-4B02-A289-1B639EF3D9BA}"/>
+                    </a:ext>
+                  </a:extLst>
+                </p:cNvPr>
+                <p:cNvSpPr/>
+                <p:nvPr/>
+              </p:nvSpPr>
+              <p:spPr>
+                <a:xfrm>
+                  <a:off x="8271934" y="4436532"/>
+                  <a:ext cx="550334" cy="745067"/>
+                </a:xfrm>
+                <a:prstGeom prst="downArrow">
+                  <a:avLst/>
+                </a:prstGeom>
+                <a:solidFill>
+                  <a:srgbClr val="FF0000"/>
+                </a:solidFill>
+              </p:spPr>
+              <p:style>
+                <a:lnRef idx="2">
+                  <a:schemeClr val="accent1">
+                    <a:shade val="50000"/>
+                  </a:schemeClr>
+                </a:lnRef>
+                <a:fillRef idx="1">
+                  <a:schemeClr val="accent1"/>
+                </a:fillRef>
+                <a:effectRef idx="0">
+                  <a:schemeClr val="accent1"/>
+                </a:effectRef>
+                <a:fontRef idx="minor">
+                  <a:schemeClr val="lt1"/>
+                </a:fontRef>
+              </p:style>
+              <p:txBody>
+                <a:bodyPr rtlCol="0" anchor="ctr"/>
+                <a:lstStyle/>
+                <a:p>
+                  <a:pPr algn="ctr"/>
+                  <a:endParaRPr kumimoji="1" lang="ja-JP" altLang="en-US"/>
+                </a:p>
+              </p:txBody>
+            </p:sp>
+            <p:sp>
+              <p:nvSpPr>
+                <p:cNvPr id="11" name="テキスト ボックス 10">
+                  <a:extLst>
+                    <a:ext uri="{FF2B5EF4-FFF2-40B4-BE49-F238E27FC236}">
+                      <a16:creationId xmlns:a16="http://schemas.microsoft.com/office/drawing/2014/main" id="{A65DFDEB-248D-4227-A85B-496C206106F2}"/>
+                    </a:ext>
+                  </a:extLst>
+                </p:cNvPr>
+                <p:cNvSpPr txBox="1"/>
+                <p:nvPr/>
+              </p:nvSpPr>
+              <p:spPr>
+                <a:xfrm>
+                  <a:off x="6908800" y="2851265"/>
+                  <a:ext cx="973667" cy="461665"/>
+                </a:xfrm>
+                <a:prstGeom prst="rect">
+                  <a:avLst/>
+                </a:prstGeom>
+                <a:noFill/>
+              </p:spPr>
+              <p:txBody>
+                <a:bodyPr wrap="square" rtlCol="0">
+                  <a:spAutoFit/>
+                </a:bodyPr>
+                <a:lstStyle/>
+                <a:p>
+                  <a:r>
+                    <a:rPr lang="ja-JP" altLang="en-US" sz="2400" dirty="0">
+                      <a:solidFill>
+                        <a:srgbClr val="FF0000"/>
+                      </a:solidFill>
+                    </a:rPr>
+                    <a:t>③</a:t>
+                  </a:r>
+                  <a:endParaRPr kumimoji="1" lang="ja-JP" altLang="en-US" dirty="0">
+                    <a:solidFill>
+                      <a:srgbClr val="FF0000"/>
+                    </a:solidFill>
+                  </a:endParaRPr>
+                </a:p>
+              </p:txBody>
+            </p:sp>
+          </p:grpSp>
+          <p:sp>
+            <p:nvSpPr>
+              <p:cNvPr id="21" name="テキスト ボックス 20">
+                <a:extLst>
+                  <a:ext uri="{FF2B5EF4-FFF2-40B4-BE49-F238E27FC236}">
+                    <a16:creationId xmlns:a16="http://schemas.microsoft.com/office/drawing/2014/main" id="{DE5F1946-721B-4A91-93D8-C911F275A3D7}"/>
+                  </a:ext>
+                </a:extLst>
+              </p:cNvPr>
+              <p:cNvSpPr txBox="1"/>
+              <p:nvPr/>
+            </p:nvSpPr>
+            <p:spPr>
+              <a:xfrm>
+                <a:off x="2777066" y="1574626"/>
+                <a:ext cx="973667" cy="461665"/>
+              </a:xfrm>
+              <a:prstGeom prst="rect">
+                <a:avLst/>
+              </a:prstGeom>
+              <a:noFill/>
+            </p:spPr>
+            <p:txBody>
+              <a:bodyPr wrap="square" rtlCol="0">
+                <a:spAutoFit/>
+              </a:bodyPr>
+              <a:lstStyle/>
+              <a:p>
+                <a:r>
+                  <a:rPr lang="ja-JP" altLang="en-US" sz="2400" dirty="0">
+                    <a:solidFill>
+                      <a:srgbClr val="FF0000"/>
+                    </a:solidFill>
+                  </a:rPr>
+                  <a:t>④</a:t>
+                </a:r>
+                <a:endParaRPr kumimoji="1" lang="ja-JP" altLang="en-US" dirty="0">
+                  <a:solidFill>
+                    <a:srgbClr val="FF0000"/>
+                  </a:solidFill>
+                </a:endParaRPr>
+              </a:p>
+            </p:txBody>
+          </p:sp>
+        </p:grpSp>
+        <p:sp>
+          <p:nvSpPr>
+            <p:cNvPr id="23" name="テキスト ボックス 22">
+              <a:extLst>
+                <a:ext uri="{FF2B5EF4-FFF2-40B4-BE49-F238E27FC236}">
+                  <a16:creationId xmlns:a16="http://schemas.microsoft.com/office/drawing/2014/main" id="{3DDBBA44-E6A7-4C09-B522-8BC6DE5F9827}"/>
+                </a:ext>
+              </a:extLst>
+            </p:cNvPr>
+            <p:cNvSpPr txBox="1"/>
+            <p:nvPr/>
+          </p:nvSpPr>
+          <p:spPr>
+            <a:xfrm>
+              <a:off x="2569633" y="2014221"/>
+              <a:ext cx="973667" cy="461665"/>
+            </a:xfrm>
+            <a:prstGeom prst="rect">
+              <a:avLst/>
+            </a:prstGeom>
+            <a:noFill/>
+          </p:spPr>
+          <p:txBody>
+            <a:bodyPr wrap="square" rtlCol="0">
+              <a:spAutoFit/>
+            </a:bodyPr>
+            <a:lstStyle/>
+            <a:p>
+              <a:r>
+                <a:rPr lang="ja-JP" altLang="en-US" sz="2400" dirty="0">
+                  <a:solidFill>
+                    <a:srgbClr val="FF0000"/>
+                  </a:solidFill>
+                </a:rPr>
+                <a:t>⑦</a:t>
+              </a:r>
+              <a:endParaRPr kumimoji="1" lang="ja-JP" altLang="en-US" dirty="0">
+                <a:solidFill>
+                  <a:srgbClr val="FF0000"/>
+                </a:solidFill>
+              </a:endParaRPr>
+            </a:p>
+          </p:txBody>
+        </p:sp>
+      </p:grpSp>
+    </p:spTree>
+    <p:extLst>
+      <p:ext uri="{BB962C8B-B14F-4D97-AF65-F5344CB8AC3E}">
+        <p14:creationId xmlns:p14="http://schemas.microsoft.com/office/powerpoint/2010/main" val="1149035693"/>
       </p:ext>
     </p:extLst>
   </p:cSld>
